--- a/발표/DAP 1014.pptx
+++ b/발표/DAP 1014.pptx
@@ -4,6 +4,9 @@
   <p:sldMasterIdLst>
     <p:sldMasterId id="2147483648" r:id="rId1"/>
   </p:sldMasterIdLst>
+  <p:notesMasterIdLst>
+    <p:notesMasterId r:id="rId12"/>
+  </p:notesMasterIdLst>
   <p:sldIdLst>
     <p:sldId id="256" r:id="rId2"/>
     <p:sldId id="257" r:id="rId3"/>
@@ -121,6 +124,439 @@
 </p:presentation>
 </file>
 
+<file path=ppt/notesMasters/notesMaster1.xml><?xml version="1.0" encoding="utf-8"?>
+<p:notesMaster xmlns:a="http://schemas.openxmlformats.org/drawingml/2006/main" xmlns:r="http://schemas.openxmlformats.org/officeDocument/2006/relationships" xmlns:p="http://schemas.openxmlformats.org/presentationml/2006/main">
+  <p:cSld>
+    <p:bg>
+      <p:bgRef idx="1001">
+        <a:schemeClr val="bg1"/>
+      </p:bgRef>
+    </p:bg>
+    <p:spTree>
+      <p:nvGrpSpPr>
+        <p:cNvPr id="1" name=""/>
+        <p:cNvGrpSpPr/>
+        <p:nvPr/>
+      </p:nvGrpSpPr>
+      <p:grpSpPr>
+        <a:xfrm>
+          <a:off x="0" y="0"/>
+          <a:ext cx="0" cy="0"/>
+          <a:chOff x="0" y="0"/>
+          <a:chExt cx="0" cy="0"/>
+        </a:xfrm>
+      </p:grpSpPr>
+      <p:sp>
+        <p:nvSpPr>
+          <p:cNvPr id="2" name="머리글 개체 틀 1"/>
+          <p:cNvSpPr>
+            <a:spLocks noGrp="1"/>
+          </p:cNvSpPr>
+          <p:nvPr>
+            <p:ph type="hdr" sz="quarter"/>
+          </p:nvPr>
+        </p:nvSpPr>
+        <p:spPr>
+          <a:xfrm>
+            <a:off x="0" y="0"/>
+            <a:ext cx="2971800" cy="458788"/>
+          </a:xfrm>
+          <a:prstGeom prst="rect">
+            <a:avLst/>
+          </a:prstGeom>
+        </p:spPr>
+        <p:txBody>
+          <a:bodyPr vert="horz" lIns="91440" tIns="45720" rIns="91440" bIns="45720" rtlCol="0"/>
+          <a:lstStyle>
+            <a:lvl1pPr algn="l">
+              <a:defRPr sz="1200"/>
+            </a:lvl1pPr>
+          </a:lstStyle>
+          <a:p>
+            <a:endParaRPr lang="ko-KR" altLang="en-US"/>
+          </a:p>
+        </p:txBody>
+      </p:sp>
+      <p:sp>
+        <p:nvSpPr>
+          <p:cNvPr id="3" name="날짜 개체 틀 2"/>
+          <p:cNvSpPr>
+            <a:spLocks noGrp="1"/>
+          </p:cNvSpPr>
+          <p:nvPr>
+            <p:ph type="dt" idx="1"/>
+          </p:nvPr>
+        </p:nvSpPr>
+        <p:spPr>
+          <a:xfrm>
+            <a:off x="3884613" y="0"/>
+            <a:ext cx="2971800" cy="458788"/>
+          </a:xfrm>
+          <a:prstGeom prst="rect">
+            <a:avLst/>
+          </a:prstGeom>
+        </p:spPr>
+        <p:txBody>
+          <a:bodyPr vert="horz" lIns="91440" tIns="45720" rIns="91440" bIns="45720" rtlCol="0"/>
+          <a:lstStyle>
+            <a:lvl1pPr algn="r">
+              <a:defRPr sz="1200"/>
+            </a:lvl1pPr>
+          </a:lstStyle>
+          <a:p>
+            <a:fld id="{CD1C36FC-72DE-491B-915A-19873696514F}" type="datetimeFigureOut">
+              <a:rPr lang="ko-KR" altLang="en-US" smtClean="0"/>
+              <a:t>2021-10-12</a:t>
+            </a:fld>
+            <a:endParaRPr lang="ko-KR" altLang="en-US"/>
+          </a:p>
+        </p:txBody>
+      </p:sp>
+      <p:sp>
+        <p:nvSpPr>
+          <p:cNvPr id="4" name="슬라이드 이미지 개체 틀 3"/>
+          <p:cNvSpPr>
+            <a:spLocks noGrp="1" noRot="1" noChangeAspect="1"/>
+          </p:cNvSpPr>
+          <p:nvPr>
+            <p:ph type="sldImg" idx="2"/>
+          </p:nvPr>
+        </p:nvSpPr>
+        <p:spPr>
+          <a:xfrm>
+            <a:off x="685800" y="1143000"/>
+            <a:ext cx="5486400" cy="3086100"/>
+          </a:xfrm>
+          <a:prstGeom prst="rect">
+            <a:avLst/>
+          </a:prstGeom>
+          <a:noFill/>
+          <a:ln w="12700">
+            <a:solidFill>
+              <a:prstClr val="black"/>
+            </a:solidFill>
+          </a:ln>
+        </p:spPr>
+        <p:txBody>
+          <a:bodyPr vert="horz" lIns="91440" tIns="45720" rIns="91440" bIns="45720" rtlCol="0" anchor="ctr"/>
+          <a:lstStyle/>
+          <a:p>
+            <a:endParaRPr lang="ko-KR" altLang="en-US"/>
+          </a:p>
+        </p:txBody>
+      </p:sp>
+      <p:sp>
+        <p:nvSpPr>
+          <p:cNvPr id="5" name="슬라이드 노트 개체 틀 4"/>
+          <p:cNvSpPr>
+            <a:spLocks noGrp="1"/>
+          </p:cNvSpPr>
+          <p:nvPr>
+            <p:ph type="body" sz="quarter" idx="3"/>
+          </p:nvPr>
+        </p:nvSpPr>
+        <p:spPr>
+          <a:xfrm>
+            <a:off x="685800" y="4400550"/>
+            <a:ext cx="5486400" cy="3600450"/>
+          </a:xfrm>
+          <a:prstGeom prst="rect">
+            <a:avLst/>
+          </a:prstGeom>
+        </p:spPr>
+        <p:txBody>
+          <a:bodyPr vert="horz" lIns="91440" tIns="45720" rIns="91440" bIns="45720" rtlCol="0"/>
+          <a:lstStyle/>
+          <a:p>
+            <a:pPr lvl="0"/>
+            <a:r>
+              <a:rPr lang="ko-KR" altLang="en-US"/>
+              <a:t>마스터 텍스트 스타일을 편집하려면 클릭</a:t>
+            </a:r>
+          </a:p>
+          <a:p>
+            <a:pPr lvl="1"/>
+            <a:r>
+              <a:rPr lang="ko-KR" altLang="en-US"/>
+              <a:t>두 번째 수준</a:t>
+            </a:r>
+          </a:p>
+          <a:p>
+            <a:pPr lvl="2"/>
+            <a:r>
+              <a:rPr lang="ko-KR" altLang="en-US"/>
+              <a:t>세 번째 수준</a:t>
+            </a:r>
+          </a:p>
+          <a:p>
+            <a:pPr lvl="3"/>
+            <a:r>
+              <a:rPr lang="ko-KR" altLang="en-US"/>
+              <a:t>네 번째 수준</a:t>
+            </a:r>
+          </a:p>
+          <a:p>
+            <a:pPr lvl="4"/>
+            <a:r>
+              <a:rPr lang="ko-KR" altLang="en-US"/>
+              <a:t>다섯 번째 수준</a:t>
+            </a:r>
+          </a:p>
+        </p:txBody>
+      </p:sp>
+      <p:sp>
+        <p:nvSpPr>
+          <p:cNvPr id="6" name="바닥글 개체 틀 5"/>
+          <p:cNvSpPr>
+            <a:spLocks noGrp="1"/>
+          </p:cNvSpPr>
+          <p:nvPr>
+            <p:ph type="ftr" sz="quarter" idx="4"/>
+          </p:nvPr>
+        </p:nvSpPr>
+        <p:spPr>
+          <a:xfrm>
+            <a:off x="0" y="8685213"/>
+            <a:ext cx="2971800" cy="458787"/>
+          </a:xfrm>
+          <a:prstGeom prst="rect">
+            <a:avLst/>
+          </a:prstGeom>
+        </p:spPr>
+        <p:txBody>
+          <a:bodyPr vert="horz" lIns="91440" tIns="45720" rIns="91440" bIns="45720" rtlCol="0" anchor="b"/>
+          <a:lstStyle>
+            <a:lvl1pPr algn="l">
+              <a:defRPr sz="1200"/>
+            </a:lvl1pPr>
+          </a:lstStyle>
+          <a:p>
+            <a:endParaRPr lang="ko-KR" altLang="en-US"/>
+          </a:p>
+        </p:txBody>
+      </p:sp>
+      <p:sp>
+        <p:nvSpPr>
+          <p:cNvPr id="7" name="슬라이드 번호 개체 틀 6"/>
+          <p:cNvSpPr>
+            <a:spLocks noGrp="1"/>
+          </p:cNvSpPr>
+          <p:nvPr>
+            <p:ph type="sldNum" sz="quarter" idx="5"/>
+          </p:nvPr>
+        </p:nvSpPr>
+        <p:spPr>
+          <a:xfrm>
+            <a:off x="3884613" y="8685213"/>
+            <a:ext cx="2971800" cy="458787"/>
+          </a:xfrm>
+          <a:prstGeom prst="rect">
+            <a:avLst/>
+          </a:prstGeom>
+        </p:spPr>
+        <p:txBody>
+          <a:bodyPr vert="horz" lIns="91440" tIns="45720" rIns="91440" bIns="45720" rtlCol="0" anchor="b"/>
+          <a:lstStyle>
+            <a:lvl1pPr algn="r">
+              <a:defRPr sz="1200"/>
+            </a:lvl1pPr>
+          </a:lstStyle>
+          <a:p>
+            <a:fld id="{F0FD6FEF-63E6-4C41-BE5C-ABE0ADE2B5AA}" type="slidenum">
+              <a:rPr lang="ko-KR" altLang="en-US" smtClean="0"/>
+              <a:t>‹#›</a:t>
+            </a:fld>
+            <a:endParaRPr lang="ko-KR" altLang="en-US"/>
+          </a:p>
+        </p:txBody>
+      </p:sp>
+    </p:spTree>
+    <p:extLst>
+      <p:ext uri="{BB962C8B-B14F-4D97-AF65-F5344CB8AC3E}">
+        <p14:creationId xmlns:p14="http://schemas.microsoft.com/office/powerpoint/2010/main" val="1871296746"/>
+      </p:ext>
+    </p:extLst>
+  </p:cSld>
+  <p:clrMap bg1="lt1" tx1="dk1" bg2="lt2" tx2="dk2" accent1="accent1" accent2="accent2" accent3="accent3" accent4="accent4" accent5="accent5" accent6="accent6" hlink="hlink" folHlink="folHlink"/>
+  <p:notesStyle>
+    <a:lvl1pPr marL="0" algn="l" defTabSz="914400" rtl="0" eaLnBrk="1" latinLnBrk="1" hangingPunct="1">
+      <a:defRPr sz="1200" kern="1200">
+        <a:solidFill>
+          <a:schemeClr val="tx1"/>
+        </a:solidFill>
+        <a:latin typeface="+mn-lt"/>
+        <a:ea typeface="+mn-ea"/>
+        <a:cs typeface="+mn-cs"/>
+      </a:defRPr>
+    </a:lvl1pPr>
+    <a:lvl2pPr marL="457200" algn="l" defTabSz="914400" rtl="0" eaLnBrk="1" latinLnBrk="1" hangingPunct="1">
+      <a:defRPr sz="1200" kern="1200">
+        <a:solidFill>
+          <a:schemeClr val="tx1"/>
+        </a:solidFill>
+        <a:latin typeface="+mn-lt"/>
+        <a:ea typeface="+mn-ea"/>
+        <a:cs typeface="+mn-cs"/>
+      </a:defRPr>
+    </a:lvl2pPr>
+    <a:lvl3pPr marL="914400" algn="l" defTabSz="914400" rtl="0" eaLnBrk="1" latinLnBrk="1" hangingPunct="1">
+      <a:defRPr sz="1200" kern="1200">
+        <a:solidFill>
+          <a:schemeClr val="tx1"/>
+        </a:solidFill>
+        <a:latin typeface="+mn-lt"/>
+        <a:ea typeface="+mn-ea"/>
+        <a:cs typeface="+mn-cs"/>
+      </a:defRPr>
+    </a:lvl3pPr>
+    <a:lvl4pPr marL="1371600" algn="l" defTabSz="914400" rtl="0" eaLnBrk="1" latinLnBrk="1" hangingPunct="1">
+      <a:defRPr sz="1200" kern="1200">
+        <a:solidFill>
+          <a:schemeClr val="tx1"/>
+        </a:solidFill>
+        <a:latin typeface="+mn-lt"/>
+        <a:ea typeface="+mn-ea"/>
+        <a:cs typeface="+mn-cs"/>
+      </a:defRPr>
+    </a:lvl4pPr>
+    <a:lvl5pPr marL="1828800" algn="l" defTabSz="914400" rtl="0" eaLnBrk="1" latinLnBrk="1" hangingPunct="1">
+      <a:defRPr sz="1200" kern="1200">
+        <a:solidFill>
+          <a:schemeClr val="tx1"/>
+        </a:solidFill>
+        <a:latin typeface="+mn-lt"/>
+        <a:ea typeface="+mn-ea"/>
+        <a:cs typeface="+mn-cs"/>
+      </a:defRPr>
+    </a:lvl5pPr>
+    <a:lvl6pPr marL="2286000" algn="l" defTabSz="914400" rtl="0" eaLnBrk="1" latinLnBrk="1" hangingPunct="1">
+      <a:defRPr sz="1200" kern="1200">
+        <a:solidFill>
+          <a:schemeClr val="tx1"/>
+        </a:solidFill>
+        <a:latin typeface="+mn-lt"/>
+        <a:ea typeface="+mn-ea"/>
+        <a:cs typeface="+mn-cs"/>
+      </a:defRPr>
+    </a:lvl6pPr>
+    <a:lvl7pPr marL="2743200" algn="l" defTabSz="914400" rtl="0" eaLnBrk="1" latinLnBrk="1" hangingPunct="1">
+      <a:defRPr sz="1200" kern="1200">
+        <a:solidFill>
+          <a:schemeClr val="tx1"/>
+        </a:solidFill>
+        <a:latin typeface="+mn-lt"/>
+        <a:ea typeface="+mn-ea"/>
+        <a:cs typeface="+mn-cs"/>
+      </a:defRPr>
+    </a:lvl7pPr>
+    <a:lvl8pPr marL="3200400" algn="l" defTabSz="914400" rtl="0" eaLnBrk="1" latinLnBrk="1" hangingPunct="1">
+      <a:defRPr sz="1200" kern="1200">
+        <a:solidFill>
+          <a:schemeClr val="tx1"/>
+        </a:solidFill>
+        <a:latin typeface="+mn-lt"/>
+        <a:ea typeface="+mn-ea"/>
+        <a:cs typeface="+mn-cs"/>
+      </a:defRPr>
+    </a:lvl8pPr>
+    <a:lvl9pPr marL="3657600" algn="l" defTabSz="914400" rtl="0" eaLnBrk="1" latinLnBrk="1" hangingPunct="1">
+      <a:defRPr sz="1200" kern="1200">
+        <a:solidFill>
+          <a:schemeClr val="tx1"/>
+        </a:solidFill>
+        <a:latin typeface="+mn-lt"/>
+        <a:ea typeface="+mn-ea"/>
+        <a:cs typeface="+mn-cs"/>
+      </a:defRPr>
+    </a:lvl9pPr>
+  </p:notesStyle>
+</p:notesMaster>
+</file>
+
+<file path=ppt/notesSlides/notesSlide1.xml><?xml version="1.0" encoding="utf-8"?>
+<p:notes xmlns:a="http://schemas.openxmlformats.org/drawingml/2006/main" xmlns:r="http://schemas.openxmlformats.org/officeDocument/2006/relationships" xmlns:p="http://schemas.openxmlformats.org/presentationml/2006/main">
+  <p:cSld>
+    <p:spTree>
+      <p:nvGrpSpPr>
+        <p:cNvPr id="1" name=""/>
+        <p:cNvGrpSpPr/>
+        <p:nvPr/>
+      </p:nvGrpSpPr>
+      <p:grpSpPr>
+        <a:xfrm>
+          <a:off x="0" y="0"/>
+          <a:ext cx="0" cy="0"/>
+          <a:chOff x="0" y="0"/>
+          <a:chExt cx="0" cy="0"/>
+        </a:xfrm>
+      </p:grpSpPr>
+      <p:sp>
+        <p:nvSpPr>
+          <p:cNvPr id="2" name="슬라이드 이미지 개체 틀 1"/>
+          <p:cNvSpPr>
+            <a:spLocks noGrp="1" noRot="1" noChangeAspect="1"/>
+          </p:cNvSpPr>
+          <p:nvPr>
+            <p:ph type="sldImg"/>
+          </p:nvPr>
+        </p:nvSpPr>
+        <p:spPr/>
+      </p:sp>
+      <p:sp>
+        <p:nvSpPr>
+          <p:cNvPr id="3" name="슬라이드 노트 개체 틀 2"/>
+          <p:cNvSpPr>
+            <a:spLocks noGrp="1"/>
+          </p:cNvSpPr>
+          <p:nvPr>
+            <p:ph type="body" idx="1"/>
+          </p:nvPr>
+        </p:nvSpPr>
+        <p:spPr/>
+        <p:txBody>
+          <a:bodyPr/>
+          <a:lstStyle/>
+          <a:p>
+            <a:endParaRPr lang="ko-KR" altLang="en-US"/>
+          </a:p>
+        </p:txBody>
+      </p:sp>
+      <p:sp>
+        <p:nvSpPr>
+          <p:cNvPr id="4" name="슬라이드 번호 개체 틀 3"/>
+          <p:cNvSpPr>
+            <a:spLocks noGrp="1"/>
+          </p:cNvSpPr>
+          <p:nvPr>
+            <p:ph type="sldNum" sz="quarter" idx="5"/>
+          </p:nvPr>
+        </p:nvSpPr>
+        <p:spPr/>
+        <p:txBody>
+          <a:bodyPr/>
+          <a:lstStyle/>
+          <a:p>
+            <a:fld id="{F0FD6FEF-63E6-4C41-BE5C-ABE0ADE2B5AA}" type="slidenum">
+              <a:rPr lang="ko-KR" altLang="en-US" smtClean="0"/>
+              <a:t>1</a:t>
+            </a:fld>
+            <a:endParaRPr lang="ko-KR" altLang="en-US"/>
+          </a:p>
+        </p:txBody>
+      </p:sp>
+    </p:spTree>
+    <p:extLst>
+      <p:ext uri="{BB962C8B-B14F-4D97-AF65-F5344CB8AC3E}">
+        <p14:creationId xmlns:p14="http://schemas.microsoft.com/office/powerpoint/2010/main" val="2565297064"/>
+      </p:ext>
+    </p:extLst>
+  </p:cSld>
+  <p:clrMapOvr>
+    <a:masterClrMapping/>
+  </p:clrMapOvr>
+</p:notes>
+</file>
+
 <file path=ppt/slideLayouts/slideLayout1.xml><?xml version="1.0" encoding="utf-8"?>
 <p:sldLayout xmlns:a="http://schemas.openxmlformats.org/drawingml/2006/main" xmlns:r="http://schemas.openxmlformats.org/officeDocument/2006/relationships" xmlns:p="http://schemas.openxmlformats.org/presentationml/2006/main" type="title" preserve="1">
   <p:cSld name="제목 슬라이드">
@@ -202,7 +638,10 @@
           <a:lstStyle>
             <a:lvl1pPr marL="0" indent="0" algn="ctr">
               <a:buNone/>
-              <a:defRPr sz="2400"/>
+              <a:defRPr sz="2400">
+                <a:latin typeface="나눔바른고딕" panose="020B0603020101020101" pitchFamily="50" charset="-127"/>
+                <a:ea typeface="나눔바른고딕" panose="020B0603020101020101" pitchFamily="50" charset="-127"/>
+              </a:defRPr>
             </a:lvl1pPr>
             <a:lvl2pPr marL="457200" indent="0" algn="ctr">
               <a:buNone/>
@@ -239,7 +678,7 @@
           </a:lstStyle>
           <a:p>
             <a:r>
-              <a:rPr lang="ko-KR" altLang="en-US"/>
+              <a:rPr lang="ko-KR" altLang="en-US" dirty="0"/>
               <a:t>클릭하여 마스터 부제목 스타일 편집</a:t>
             </a:r>
           </a:p>
@@ -268,7 +707,7 @@
           <a:p>
             <a:fld id="{45325823-6D3E-43B9-AFE4-78648C97BF5D}" type="datetimeFigureOut">
               <a:rPr lang="ko-KR" altLang="en-US" smtClean="0"/>
-              <a:t>2021-10-11</a:t>
+              <a:t>2021-10-12</a:t>
             </a:fld>
             <a:endParaRPr lang="ko-KR" altLang="en-US"/>
           </a:p>
@@ -405,39 +844,70 @@
         <p:spPr/>
         <p:txBody>
           <a:bodyPr vert="eaVert"/>
-          <a:lstStyle/>
+          <a:lstStyle>
+            <a:lvl1pPr>
+              <a:defRPr>
+                <a:latin typeface="나눔바른고딕" panose="020B0603020101020101" pitchFamily="50" charset="-127"/>
+                <a:ea typeface="나눔바른고딕" panose="020B0603020101020101" pitchFamily="50" charset="-127"/>
+              </a:defRPr>
+            </a:lvl1pPr>
+            <a:lvl2pPr>
+              <a:defRPr>
+                <a:latin typeface="나눔바른고딕" panose="020B0603020101020101" pitchFamily="50" charset="-127"/>
+                <a:ea typeface="나눔바른고딕" panose="020B0603020101020101" pitchFamily="50" charset="-127"/>
+              </a:defRPr>
+            </a:lvl2pPr>
+            <a:lvl3pPr>
+              <a:defRPr>
+                <a:latin typeface="나눔바른고딕" panose="020B0603020101020101" pitchFamily="50" charset="-127"/>
+                <a:ea typeface="나눔바른고딕" panose="020B0603020101020101" pitchFamily="50" charset="-127"/>
+              </a:defRPr>
+            </a:lvl3pPr>
+            <a:lvl4pPr>
+              <a:defRPr>
+                <a:latin typeface="나눔바른고딕" panose="020B0603020101020101" pitchFamily="50" charset="-127"/>
+                <a:ea typeface="나눔바른고딕" panose="020B0603020101020101" pitchFamily="50" charset="-127"/>
+              </a:defRPr>
+            </a:lvl4pPr>
+            <a:lvl5pPr>
+              <a:defRPr>
+                <a:latin typeface="나눔바른고딕" panose="020B0603020101020101" pitchFamily="50" charset="-127"/>
+                <a:ea typeface="나눔바른고딕" panose="020B0603020101020101" pitchFamily="50" charset="-127"/>
+              </a:defRPr>
+            </a:lvl5pPr>
+          </a:lstStyle>
           <a:p>
             <a:pPr lvl="0"/>
             <a:r>
-              <a:rPr lang="ko-KR" altLang="en-US"/>
+              <a:rPr lang="ko-KR" altLang="en-US" dirty="0"/>
               <a:t>마스터 텍스트 스타일을 편집하려면 클릭</a:t>
             </a:r>
           </a:p>
           <a:p>
             <a:pPr lvl="1"/>
             <a:r>
-              <a:rPr lang="ko-KR" altLang="en-US"/>
+              <a:rPr lang="ko-KR" altLang="en-US" dirty="0"/>
               <a:t>두 번째 수준</a:t>
             </a:r>
           </a:p>
           <a:p>
             <a:pPr lvl="2"/>
             <a:r>
-              <a:rPr lang="ko-KR" altLang="en-US"/>
+              <a:rPr lang="ko-KR" altLang="en-US" dirty="0"/>
               <a:t>세 번째 수준</a:t>
             </a:r>
           </a:p>
           <a:p>
             <a:pPr lvl="3"/>
             <a:r>
-              <a:rPr lang="ko-KR" altLang="en-US"/>
+              <a:rPr lang="ko-KR" altLang="en-US" dirty="0"/>
               <a:t>네 번째 수준</a:t>
             </a:r>
           </a:p>
           <a:p>
             <a:pPr lvl="4"/>
             <a:r>
-              <a:rPr lang="ko-KR" altLang="en-US"/>
+              <a:rPr lang="ko-KR" altLang="en-US" dirty="0"/>
               <a:t>다섯 번째 수준</a:t>
             </a:r>
           </a:p>
@@ -466,7 +936,7 @@
           <a:p>
             <a:fld id="{45325823-6D3E-43B9-AFE4-78648C97BF5D}" type="datetimeFigureOut">
               <a:rPr lang="ko-KR" altLang="en-US" smtClean="0"/>
-              <a:t>2021-10-11</a:t>
+              <a:t>2021-10-12</a:t>
             </a:fld>
             <a:endParaRPr lang="ko-KR" altLang="en-US"/>
           </a:p>
@@ -613,39 +1083,70 @@
         </p:spPr>
         <p:txBody>
           <a:bodyPr vert="eaVert"/>
-          <a:lstStyle/>
+          <a:lstStyle>
+            <a:lvl1pPr>
+              <a:defRPr>
+                <a:latin typeface="나눔바른고딕" panose="020B0603020101020101" pitchFamily="50" charset="-127"/>
+                <a:ea typeface="나눔바른고딕" panose="020B0603020101020101" pitchFamily="50" charset="-127"/>
+              </a:defRPr>
+            </a:lvl1pPr>
+            <a:lvl2pPr>
+              <a:defRPr>
+                <a:latin typeface="나눔바른고딕" panose="020B0603020101020101" pitchFamily="50" charset="-127"/>
+                <a:ea typeface="나눔바른고딕" panose="020B0603020101020101" pitchFamily="50" charset="-127"/>
+              </a:defRPr>
+            </a:lvl2pPr>
+            <a:lvl3pPr>
+              <a:defRPr>
+                <a:latin typeface="나눔바른고딕" panose="020B0603020101020101" pitchFamily="50" charset="-127"/>
+                <a:ea typeface="나눔바른고딕" panose="020B0603020101020101" pitchFamily="50" charset="-127"/>
+              </a:defRPr>
+            </a:lvl3pPr>
+            <a:lvl4pPr>
+              <a:defRPr>
+                <a:latin typeface="나눔바른고딕" panose="020B0603020101020101" pitchFamily="50" charset="-127"/>
+                <a:ea typeface="나눔바른고딕" panose="020B0603020101020101" pitchFamily="50" charset="-127"/>
+              </a:defRPr>
+            </a:lvl4pPr>
+            <a:lvl5pPr>
+              <a:defRPr>
+                <a:latin typeface="나눔바른고딕" panose="020B0603020101020101" pitchFamily="50" charset="-127"/>
+                <a:ea typeface="나눔바른고딕" panose="020B0603020101020101" pitchFamily="50" charset="-127"/>
+              </a:defRPr>
+            </a:lvl5pPr>
+          </a:lstStyle>
           <a:p>
             <a:pPr lvl="0"/>
             <a:r>
-              <a:rPr lang="ko-KR" altLang="en-US"/>
+              <a:rPr lang="ko-KR" altLang="en-US" dirty="0"/>
               <a:t>마스터 텍스트 스타일을 편집하려면 클릭</a:t>
             </a:r>
           </a:p>
           <a:p>
             <a:pPr lvl="1"/>
             <a:r>
-              <a:rPr lang="ko-KR" altLang="en-US"/>
+              <a:rPr lang="ko-KR" altLang="en-US" dirty="0"/>
               <a:t>두 번째 수준</a:t>
             </a:r>
           </a:p>
           <a:p>
             <a:pPr lvl="2"/>
             <a:r>
-              <a:rPr lang="ko-KR" altLang="en-US"/>
+              <a:rPr lang="ko-KR" altLang="en-US" dirty="0"/>
               <a:t>세 번째 수준</a:t>
             </a:r>
           </a:p>
           <a:p>
             <a:pPr lvl="3"/>
             <a:r>
-              <a:rPr lang="ko-KR" altLang="en-US"/>
+              <a:rPr lang="ko-KR" altLang="en-US" dirty="0"/>
               <a:t>네 번째 수준</a:t>
             </a:r>
           </a:p>
           <a:p>
             <a:pPr lvl="4"/>
             <a:r>
-              <a:rPr lang="ko-KR" altLang="en-US"/>
+              <a:rPr lang="ko-KR" altLang="en-US" dirty="0"/>
               <a:t>다섯 번째 수준</a:t>
             </a:r>
           </a:p>
@@ -674,7 +1175,7 @@
           <a:p>
             <a:fld id="{45325823-6D3E-43B9-AFE4-78648C97BF5D}" type="datetimeFigureOut">
               <a:rPr lang="ko-KR" altLang="en-US" smtClean="0"/>
-              <a:t>2021-10-11</a:t>
+              <a:t>2021-10-12</a:t>
             </a:fld>
             <a:endParaRPr lang="ko-KR" altLang="en-US"/>
           </a:p>
@@ -780,7 +1281,12 @@
             <p:ph type="title"/>
           </p:nvPr>
         </p:nvSpPr>
-        <p:spPr/>
+        <p:spPr>
+          <a:xfrm>
+            <a:off x="838200" y="681038"/>
+            <a:ext cx="10515600" cy="571114"/>
+          </a:xfrm>
+        </p:spPr>
         <p:txBody>
           <a:bodyPr/>
           <a:lstStyle/>
@@ -808,71 +1314,107 @@
             <p:ph idx="1"/>
           </p:nvPr>
         </p:nvSpPr>
+        <p:spPr>
+          <a:xfrm>
+            <a:off x="838200" y="1383957"/>
+            <a:ext cx="10515600" cy="4793006"/>
+          </a:xfrm>
+        </p:spPr>
+        <p:txBody>
+          <a:bodyPr/>
+          <a:lstStyle>
+            <a:lvl1pPr>
+              <a:defRPr>
+                <a:latin typeface="나눔바른고딕" panose="020B0603020101020101" pitchFamily="50" charset="-127"/>
+                <a:ea typeface="나눔바른고딕" panose="020B0603020101020101" pitchFamily="50" charset="-127"/>
+              </a:defRPr>
+            </a:lvl1pPr>
+            <a:lvl2pPr>
+              <a:defRPr>
+                <a:latin typeface="나눔바른고딕" panose="020B0603020101020101" pitchFamily="50" charset="-127"/>
+                <a:ea typeface="나눔바른고딕" panose="020B0603020101020101" pitchFamily="50" charset="-127"/>
+              </a:defRPr>
+            </a:lvl2pPr>
+            <a:lvl3pPr>
+              <a:defRPr>
+                <a:latin typeface="나눔바른고딕" panose="020B0603020101020101" pitchFamily="50" charset="-127"/>
+                <a:ea typeface="나눔바른고딕" panose="020B0603020101020101" pitchFamily="50" charset="-127"/>
+              </a:defRPr>
+            </a:lvl3pPr>
+            <a:lvl4pPr>
+              <a:defRPr>
+                <a:latin typeface="나눔바른고딕" panose="020B0603020101020101" pitchFamily="50" charset="-127"/>
+                <a:ea typeface="나눔바른고딕" panose="020B0603020101020101" pitchFamily="50" charset="-127"/>
+              </a:defRPr>
+            </a:lvl4pPr>
+            <a:lvl5pPr>
+              <a:defRPr>
+                <a:latin typeface="나눔바른고딕" panose="020B0603020101020101" pitchFamily="50" charset="-127"/>
+                <a:ea typeface="나눔바른고딕" panose="020B0603020101020101" pitchFamily="50" charset="-127"/>
+              </a:defRPr>
+            </a:lvl5pPr>
+          </a:lstStyle>
+          <a:p>
+            <a:pPr lvl="0"/>
+            <a:r>
+              <a:rPr lang="ko-KR" altLang="en-US" dirty="0"/>
+              <a:t>마스터 텍스트 스타일을 편집하려면 클릭</a:t>
+            </a:r>
+          </a:p>
+          <a:p>
+            <a:pPr lvl="1"/>
+            <a:r>
+              <a:rPr lang="ko-KR" altLang="en-US" dirty="0"/>
+              <a:t>두 번째 수준</a:t>
+            </a:r>
+          </a:p>
+          <a:p>
+            <a:pPr lvl="2"/>
+            <a:r>
+              <a:rPr lang="ko-KR" altLang="en-US" dirty="0"/>
+              <a:t>세 번째 수준</a:t>
+            </a:r>
+          </a:p>
+          <a:p>
+            <a:pPr lvl="3"/>
+            <a:r>
+              <a:rPr lang="ko-KR" altLang="en-US" dirty="0"/>
+              <a:t>네 번째 수준</a:t>
+            </a:r>
+          </a:p>
+          <a:p>
+            <a:pPr lvl="4"/>
+            <a:r>
+              <a:rPr lang="ko-KR" altLang="en-US" dirty="0"/>
+              <a:t>다섯 번째 수준</a:t>
+            </a:r>
+          </a:p>
+        </p:txBody>
+      </p:sp>
+      <p:sp>
+        <p:nvSpPr>
+          <p:cNvPr id="4" name="날짜 개체 틀 3">
+            <a:extLst>
+              <a:ext uri="{FF2B5EF4-FFF2-40B4-BE49-F238E27FC236}">
+                <a16:creationId xmlns:a16="http://schemas.microsoft.com/office/drawing/2014/main" id="{A6B37D1B-11D2-4C98-8F7B-91EB72AFCC16}"/>
+              </a:ext>
+            </a:extLst>
+          </p:cNvPr>
+          <p:cNvSpPr>
+            <a:spLocks noGrp="1"/>
+          </p:cNvSpPr>
+          <p:nvPr>
+            <p:ph type="dt" sz="half" idx="10"/>
+          </p:nvPr>
+        </p:nvSpPr>
         <p:spPr/>
         <p:txBody>
           <a:bodyPr/>
           <a:lstStyle/>
           <a:p>
-            <a:pPr lvl="0"/>
-            <a:r>
-              <a:rPr lang="ko-KR" altLang="en-US"/>
-              <a:t>마스터 텍스트 스타일을 편집하려면 클릭</a:t>
-            </a:r>
-          </a:p>
-          <a:p>
-            <a:pPr lvl="1"/>
-            <a:r>
-              <a:rPr lang="ko-KR" altLang="en-US"/>
-              <a:t>두 번째 수준</a:t>
-            </a:r>
-          </a:p>
-          <a:p>
-            <a:pPr lvl="2"/>
-            <a:r>
-              <a:rPr lang="ko-KR" altLang="en-US"/>
-              <a:t>세 번째 수준</a:t>
-            </a:r>
-          </a:p>
-          <a:p>
-            <a:pPr lvl="3"/>
-            <a:r>
-              <a:rPr lang="ko-KR" altLang="en-US"/>
-              <a:t>네 번째 수준</a:t>
-            </a:r>
-          </a:p>
-          <a:p>
-            <a:pPr lvl="4"/>
-            <a:r>
-              <a:rPr lang="ko-KR" altLang="en-US"/>
-              <a:t>다섯 번째 수준</a:t>
-            </a:r>
-          </a:p>
-        </p:txBody>
-      </p:sp>
-      <p:sp>
-        <p:nvSpPr>
-          <p:cNvPr id="4" name="날짜 개체 틀 3">
-            <a:extLst>
-              <a:ext uri="{FF2B5EF4-FFF2-40B4-BE49-F238E27FC236}">
-                <a16:creationId xmlns:a16="http://schemas.microsoft.com/office/drawing/2014/main" id="{A6B37D1B-11D2-4C98-8F7B-91EB72AFCC16}"/>
-              </a:ext>
-            </a:extLst>
-          </p:cNvPr>
-          <p:cNvSpPr>
-            <a:spLocks noGrp="1"/>
-          </p:cNvSpPr>
-          <p:nvPr>
-            <p:ph type="dt" sz="half" idx="10"/>
-          </p:nvPr>
-        </p:nvSpPr>
-        <p:spPr/>
-        <p:txBody>
-          <a:bodyPr/>
-          <a:lstStyle/>
-          <a:p>
             <a:fld id="{45325823-6D3E-43B9-AFE4-78648C97BF5D}" type="datetimeFigureOut">
               <a:rPr lang="ko-KR" altLang="en-US" smtClean="0"/>
-              <a:t>2021-10-11</a:t>
+              <a:t>2021-10-12</a:t>
             </a:fld>
             <a:endParaRPr lang="ko-KR" altLang="en-US"/>
           </a:p>
@@ -1032,6 +1574,8 @@
                     <a:tint val="75000"/>
                   </a:schemeClr>
                 </a:solidFill>
+                <a:latin typeface="나눔바른고딕" panose="020B0603020101020101" pitchFamily="50" charset="-127"/>
+                <a:ea typeface="나눔바른고딕" panose="020B0603020101020101" pitchFamily="50" charset="-127"/>
               </a:defRPr>
             </a:lvl1pPr>
             <a:lvl2pPr marL="457200" indent="0">
@@ -1118,7 +1662,7 @@
           <a:p>
             <a:pPr lvl="0"/>
             <a:r>
-              <a:rPr lang="ko-KR" altLang="en-US"/>
+              <a:rPr lang="ko-KR" altLang="en-US" dirty="0"/>
               <a:t>마스터 텍스트 스타일을 편집하려면 클릭</a:t>
             </a:r>
           </a:p>
@@ -1147,7 +1691,7 @@
           <a:p>
             <a:fld id="{45325823-6D3E-43B9-AFE4-78648C97BF5D}" type="datetimeFigureOut">
               <a:rPr lang="ko-KR" altLang="en-US" smtClean="0"/>
-              <a:t>2021-10-11</a:t>
+              <a:t>2021-10-12</a:t>
             </a:fld>
             <a:endParaRPr lang="ko-KR" altLang="en-US"/>
           </a:p>
@@ -1289,39 +1833,70 @@
         </p:spPr>
         <p:txBody>
           <a:bodyPr/>
-          <a:lstStyle/>
+          <a:lstStyle>
+            <a:lvl1pPr>
+              <a:defRPr>
+                <a:latin typeface="나눔바른고딕" panose="020B0603020101020101" pitchFamily="50" charset="-127"/>
+                <a:ea typeface="나눔바른고딕" panose="020B0603020101020101" pitchFamily="50" charset="-127"/>
+              </a:defRPr>
+            </a:lvl1pPr>
+            <a:lvl2pPr>
+              <a:defRPr>
+                <a:latin typeface="나눔바른고딕" panose="020B0603020101020101" pitchFamily="50" charset="-127"/>
+                <a:ea typeface="나눔바른고딕" panose="020B0603020101020101" pitchFamily="50" charset="-127"/>
+              </a:defRPr>
+            </a:lvl2pPr>
+            <a:lvl3pPr>
+              <a:defRPr>
+                <a:latin typeface="나눔바른고딕" panose="020B0603020101020101" pitchFamily="50" charset="-127"/>
+                <a:ea typeface="나눔바른고딕" panose="020B0603020101020101" pitchFamily="50" charset="-127"/>
+              </a:defRPr>
+            </a:lvl3pPr>
+            <a:lvl4pPr>
+              <a:defRPr>
+                <a:latin typeface="나눔바른고딕" panose="020B0603020101020101" pitchFamily="50" charset="-127"/>
+                <a:ea typeface="나눔바른고딕" panose="020B0603020101020101" pitchFamily="50" charset="-127"/>
+              </a:defRPr>
+            </a:lvl4pPr>
+            <a:lvl5pPr>
+              <a:defRPr>
+                <a:latin typeface="나눔바른고딕" panose="020B0603020101020101" pitchFamily="50" charset="-127"/>
+                <a:ea typeface="나눔바른고딕" panose="020B0603020101020101" pitchFamily="50" charset="-127"/>
+              </a:defRPr>
+            </a:lvl5pPr>
+          </a:lstStyle>
           <a:p>
             <a:pPr lvl="0"/>
             <a:r>
-              <a:rPr lang="ko-KR" altLang="en-US"/>
+              <a:rPr lang="ko-KR" altLang="en-US" dirty="0"/>
               <a:t>마스터 텍스트 스타일을 편집하려면 클릭</a:t>
             </a:r>
           </a:p>
           <a:p>
             <a:pPr lvl="1"/>
             <a:r>
-              <a:rPr lang="ko-KR" altLang="en-US"/>
+              <a:rPr lang="ko-KR" altLang="en-US" dirty="0"/>
               <a:t>두 번째 수준</a:t>
             </a:r>
           </a:p>
           <a:p>
             <a:pPr lvl="2"/>
             <a:r>
-              <a:rPr lang="ko-KR" altLang="en-US"/>
+              <a:rPr lang="ko-KR" altLang="en-US" dirty="0"/>
               <a:t>세 번째 수준</a:t>
             </a:r>
           </a:p>
           <a:p>
             <a:pPr lvl="3"/>
             <a:r>
-              <a:rPr lang="ko-KR" altLang="en-US"/>
+              <a:rPr lang="ko-KR" altLang="en-US" dirty="0"/>
               <a:t>네 번째 수준</a:t>
             </a:r>
           </a:p>
           <a:p>
             <a:pPr lvl="4"/>
             <a:r>
-              <a:rPr lang="ko-KR" altLang="en-US"/>
+              <a:rPr lang="ko-KR" altLang="en-US" dirty="0"/>
               <a:t>다섯 번째 수준</a:t>
             </a:r>
           </a:p>
@@ -1351,39 +1926,70 @@
         </p:spPr>
         <p:txBody>
           <a:bodyPr/>
-          <a:lstStyle/>
+          <a:lstStyle>
+            <a:lvl1pPr>
+              <a:defRPr>
+                <a:latin typeface="나눔바른고딕" panose="020B0603020101020101" pitchFamily="50" charset="-127"/>
+                <a:ea typeface="나눔바른고딕" panose="020B0603020101020101" pitchFamily="50" charset="-127"/>
+              </a:defRPr>
+            </a:lvl1pPr>
+            <a:lvl2pPr>
+              <a:defRPr>
+                <a:latin typeface="나눔바른고딕" panose="020B0603020101020101" pitchFamily="50" charset="-127"/>
+                <a:ea typeface="나눔바른고딕" panose="020B0603020101020101" pitchFamily="50" charset="-127"/>
+              </a:defRPr>
+            </a:lvl2pPr>
+            <a:lvl3pPr>
+              <a:defRPr>
+                <a:latin typeface="나눔바른고딕" panose="020B0603020101020101" pitchFamily="50" charset="-127"/>
+                <a:ea typeface="나눔바른고딕" panose="020B0603020101020101" pitchFamily="50" charset="-127"/>
+              </a:defRPr>
+            </a:lvl3pPr>
+            <a:lvl4pPr>
+              <a:defRPr>
+                <a:latin typeface="나눔바른고딕" panose="020B0603020101020101" pitchFamily="50" charset="-127"/>
+                <a:ea typeface="나눔바른고딕" panose="020B0603020101020101" pitchFamily="50" charset="-127"/>
+              </a:defRPr>
+            </a:lvl4pPr>
+            <a:lvl5pPr>
+              <a:defRPr>
+                <a:latin typeface="나눔바른고딕" panose="020B0603020101020101" pitchFamily="50" charset="-127"/>
+                <a:ea typeface="나눔바른고딕" panose="020B0603020101020101" pitchFamily="50" charset="-127"/>
+              </a:defRPr>
+            </a:lvl5pPr>
+          </a:lstStyle>
           <a:p>
             <a:pPr lvl="0"/>
             <a:r>
-              <a:rPr lang="ko-KR" altLang="en-US"/>
+              <a:rPr lang="ko-KR" altLang="en-US" dirty="0"/>
               <a:t>마스터 텍스트 스타일을 편집하려면 클릭</a:t>
             </a:r>
           </a:p>
           <a:p>
             <a:pPr lvl="1"/>
             <a:r>
-              <a:rPr lang="ko-KR" altLang="en-US"/>
+              <a:rPr lang="ko-KR" altLang="en-US" dirty="0"/>
               <a:t>두 번째 수준</a:t>
             </a:r>
           </a:p>
           <a:p>
             <a:pPr lvl="2"/>
             <a:r>
-              <a:rPr lang="ko-KR" altLang="en-US"/>
+              <a:rPr lang="ko-KR" altLang="en-US" dirty="0"/>
               <a:t>세 번째 수준</a:t>
             </a:r>
           </a:p>
           <a:p>
             <a:pPr lvl="3"/>
             <a:r>
-              <a:rPr lang="ko-KR" altLang="en-US"/>
+              <a:rPr lang="ko-KR" altLang="en-US" dirty="0"/>
               <a:t>네 번째 수준</a:t>
             </a:r>
           </a:p>
           <a:p>
             <a:pPr lvl="4"/>
             <a:r>
-              <a:rPr lang="ko-KR" altLang="en-US"/>
+              <a:rPr lang="ko-KR" altLang="en-US" dirty="0"/>
               <a:t>다섯 번째 수준</a:t>
             </a:r>
           </a:p>
@@ -1412,7 +2018,7 @@
           <a:p>
             <a:fld id="{45325823-6D3E-43B9-AFE4-78648C97BF5D}" type="datetimeFigureOut">
               <a:rPr lang="ko-KR" altLang="en-US" smtClean="0"/>
-              <a:t>2021-10-11</a:t>
+              <a:t>2021-10-12</a:t>
             </a:fld>
             <a:endParaRPr lang="ko-KR" altLang="en-US"/>
           </a:p>
@@ -1630,39 +2236,70 @@
         </p:spPr>
         <p:txBody>
           <a:bodyPr/>
-          <a:lstStyle/>
+          <a:lstStyle>
+            <a:lvl1pPr>
+              <a:defRPr>
+                <a:latin typeface="나눔바른고딕" panose="020B0603020101020101" pitchFamily="50" charset="-127"/>
+                <a:ea typeface="나눔바른고딕" panose="020B0603020101020101" pitchFamily="50" charset="-127"/>
+              </a:defRPr>
+            </a:lvl1pPr>
+            <a:lvl2pPr>
+              <a:defRPr>
+                <a:latin typeface="나눔바른고딕" panose="020B0603020101020101" pitchFamily="50" charset="-127"/>
+                <a:ea typeface="나눔바른고딕" panose="020B0603020101020101" pitchFamily="50" charset="-127"/>
+              </a:defRPr>
+            </a:lvl2pPr>
+            <a:lvl3pPr>
+              <a:defRPr>
+                <a:latin typeface="나눔바른고딕" panose="020B0603020101020101" pitchFamily="50" charset="-127"/>
+                <a:ea typeface="나눔바른고딕" panose="020B0603020101020101" pitchFamily="50" charset="-127"/>
+              </a:defRPr>
+            </a:lvl3pPr>
+            <a:lvl4pPr>
+              <a:defRPr>
+                <a:latin typeface="나눔바른고딕" panose="020B0603020101020101" pitchFamily="50" charset="-127"/>
+                <a:ea typeface="나눔바른고딕" panose="020B0603020101020101" pitchFamily="50" charset="-127"/>
+              </a:defRPr>
+            </a:lvl4pPr>
+            <a:lvl5pPr>
+              <a:defRPr>
+                <a:latin typeface="나눔바른고딕" panose="020B0603020101020101" pitchFamily="50" charset="-127"/>
+                <a:ea typeface="나눔바른고딕" panose="020B0603020101020101" pitchFamily="50" charset="-127"/>
+              </a:defRPr>
+            </a:lvl5pPr>
+          </a:lstStyle>
           <a:p>
             <a:pPr lvl="0"/>
             <a:r>
-              <a:rPr lang="ko-KR" altLang="en-US"/>
+              <a:rPr lang="ko-KR" altLang="en-US" dirty="0"/>
               <a:t>마스터 텍스트 스타일을 편집하려면 클릭</a:t>
             </a:r>
           </a:p>
           <a:p>
             <a:pPr lvl="1"/>
             <a:r>
-              <a:rPr lang="ko-KR" altLang="en-US"/>
+              <a:rPr lang="ko-KR" altLang="en-US" dirty="0"/>
               <a:t>두 번째 수준</a:t>
             </a:r>
           </a:p>
           <a:p>
             <a:pPr lvl="2"/>
             <a:r>
-              <a:rPr lang="ko-KR" altLang="en-US"/>
+              <a:rPr lang="ko-KR" altLang="en-US" dirty="0"/>
               <a:t>세 번째 수준</a:t>
             </a:r>
           </a:p>
           <a:p>
             <a:pPr lvl="3"/>
             <a:r>
-              <a:rPr lang="ko-KR" altLang="en-US"/>
+              <a:rPr lang="ko-KR" altLang="en-US" dirty="0"/>
               <a:t>네 번째 수준</a:t>
             </a:r>
           </a:p>
           <a:p>
             <a:pPr lvl="4"/>
             <a:r>
-              <a:rPr lang="ko-KR" altLang="en-US"/>
+              <a:rPr lang="ko-KR" altLang="en-US" dirty="0"/>
               <a:t>다섯 번째 수준</a:t>
             </a:r>
           </a:p>
@@ -1763,39 +2400,70 @@
         </p:spPr>
         <p:txBody>
           <a:bodyPr/>
-          <a:lstStyle/>
+          <a:lstStyle>
+            <a:lvl1pPr>
+              <a:defRPr>
+                <a:latin typeface="나눔바른고딕" panose="020B0603020101020101" pitchFamily="50" charset="-127"/>
+                <a:ea typeface="나눔바른고딕" panose="020B0603020101020101" pitchFamily="50" charset="-127"/>
+              </a:defRPr>
+            </a:lvl1pPr>
+            <a:lvl2pPr>
+              <a:defRPr>
+                <a:latin typeface="나눔바른고딕" panose="020B0603020101020101" pitchFamily="50" charset="-127"/>
+                <a:ea typeface="나눔바른고딕" panose="020B0603020101020101" pitchFamily="50" charset="-127"/>
+              </a:defRPr>
+            </a:lvl2pPr>
+            <a:lvl3pPr>
+              <a:defRPr>
+                <a:latin typeface="나눔바른고딕" panose="020B0603020101020101" pitchFamily="50" charset="-127"/>
+                <a:ea typeface="나눔바른고딕" panose="020B0603020101020101" pitchFamily="50" charset="-127"/>
+              </a:defRPr>
+            </a:lvl3pPr>
+            <a:lvl4pPr>
+              <a:defRPr>
+                <a:latin typeface="나눔바른고딕" panose="020B0603020101020101" pitchFamily="50" charset="-127"/>
+                <a:ea typeface="나눔바른고딕" panose="020B0603020101020101" pitchFamily="50" charset="-127"/>
+              </a:defRPr>
+            </a:lvl4pPr>
+            <a:lvl5pPr>
+              <a:defRPr>
+                <a:latin typeface="나눔바른고딕" panose="020B0603020101020101" pitchFamily="50" charset="-127"/>
+                <a:ea typeface="나눔바른고딕" panose="020B0603020101020101" pitchFamily="50" charset="-127"/>
+              </a:defRPr>
+            </a:lvl5pPr>
+          </a:lstStyle>
           <a:p>
             <a:pPr lvl="0"/>
             <a:r>
-              <a:rPr lang="ko-KR" altLang="en-US"/>
+              <a:rPr lang="ko-KR" altLang="en-US" dirty="0"/>
               <a:t>마스터 텍스트 스타일을 편집하려면 클릭</a:t>
             </a:r>
           </a:p>
           <a:p>
             <a:pPr lvl="1"/>
             <a:r>
-              <a:rPr lang="ko-KR" altLang="en-US"/>
+              <a:rPr lang="ko-KR" altLang="en-US" dirty="0"/>
               <a:t>두 번째 수준</a:t>
             </a:r>
           </a:p>
           <a:p>
             <a:pPr lvl="2"/>
             <a:r>
-              <a:rPr lang="ko-KR" altLang="en-US"/>
+              <a:rPr lang="ko-KR" altLang="en-US" dirty="0"/>
               <a:t>세 번째 수준</a:t>
             </a:r>
           </a:p>
           <a:p>
             <a:pPr lvl="3"/>
             <a:r>
-              <a:rPr lang="ko-KR" altLang="en-US"/>
+              <a:rPr lang="ko-KR" altLang="en-US" dirty="0"/>
               <a:t>네 번째 수준</a:t>
             </a:r>
           </a:p>
           <a:p>
             <a:pPr lvl="4"/>
             <a:r>
-              <a:rPr lang="ko-KR" altLang="en-US"/>
+              <a:rPr lang="ko-KR" altLang="en-US" dirty="0"/>
               <a:t>다섯 번째 수준</a:t>
             </a:r>
           </a:p>
@@ -1824,7 +2492,7 @@
           <a:p>
             <a:fld id="{45325823-6D3E-43B9-AFE4-78648C97BF5D}" type="datetimeFigureOut">
               <a:rPr lang="ko-KR" altLang="en-US" smtClean="0"/>
-              <a:t>2021-10-11</a:t>
+              <a:t>2021-10-12</a:t>
             </a:fld>
             <a:endParaRPr lang="ko-KR" altLang="en-US"/>
           </a:p>
@@ -1930,7 +2598,12 @@
             <p:ph type="title"/>
           </p:nvPr>
         </p:nvSpPr>
-        <p:spPr/>
+        <p:spPr>
+          <a:xfrm>
+            <a:off x="838200" y="683741"/>
+            <a:ext cx="10515600" cy="617837"/>
+          </a:xfrm>
+        </p:spPr>
         <p:txBody>
           <a:bodyPr/>
           <a:lstStyle/>
@@ -1965,7 +2638,7 @@
           <a:p>
             <a:fld id="{45325823-6D3E-43B9-AFE4-78648C97BF5D}" type="datetimeFigureOut">
               <a:rPr lang="ko-KR" altLang="en-US" smtClean="0"/>
-              <a:t>2021-10-11</a:t>
+              <a:t>2021-10-12</a:t>
             </a:fld>
             <a:endParaRPr lang="ko-KR" altLang="en-US"/>
           </a:p>
@@ -2078,7 +2751,7 @@
           <a:p>
             <a:fld id="{45325823-6D3E-43B9-AFE4-78648C97BF5D}" type="datetimeFigureOut">
               <a:rPr lang="ko-KR" altLang="en-US" smtClean="0"/>
-              <a:t>2021-10-11</a:t>
+              <a:t>2021-10-12</a:t>
             </a:fld>
             <a:endParaRPr lang="ko-KR" altLang="en-US"/>
           </a:p>
@@ -2231,19 +2904,34 @@
           <a:bodyPr/>
           <a:lstStyle>
             <a:lvl1pPr>
-              <a:defRPr sz="3200"/>
+              <a:defRPr sz="3200">
+                <a:latin typeface="나눔바른고딕" panose="020B0603020101020101" pitchFamily="50" charset="-127"/>
+                <a:ea typeface="나눔바른고딕" panose="020B0603020101020101" pitchFamily="50" charset="-127"/>
+              </a:defRPr>
             </a:lvl1pPr>
             <a:lvl2pPr>
-              <a:defRPr sz="2800"/>
+              <a:defRPr sz="2800">
+                <a:latin typeface="나눔바른고딕" panose="020B0603020101020101" pitchFamily="50" charset="-127"/>
+                <a:ea typeface="나눔바른고딕" panose="020B0603020101020101" pitchFamily="50" charset="-127"/>
+              </a:defRPr>
             </a:lvl2pPr>
             <a:lvl3pPr>
-              <a:defRPr sz="2400"/>
+              <a:defRPr sz="2400">
+                <a:latin typeface="나눔바른고딕" panose="020B0603020101020101" pitchFamily="50" charset="-127"/>
+                <a:ea typeface="나눔바른고딕" panose="020B0603020101020101" pitchFamily="50" charset="-127"/>
+              </a:defRPr>
             </a:lvl3pPr>
             <a:lvl4pPr>
-              <a:defRPr sz="2000"/>
+              <a:defRPr sz="2000">
+                <a:latin typeface="나눔바른고딕" panose="020B0603020101020101" pitchFamily="50" charset="-127"/>
+                <a:ea typeface="나눔바른고딕" panose="020B0603020101020101" pitchFamily="50" charset="-127"/>
+              </a:defRPr>
             </a:lvl4pPr>
             <a:lvl5pPr>
-              <a:defRPr sz="2000"/>
+              <a:defRPr sz="2000">
+                <a:latin typeface="나눔바른고딕" panose="020B0603020101020101" pitchFamily="50" charset="-127"/>
+                <a:ea typeface="나눔바른고딕" panose="020B0603020101020101" pitchFamily="50" charset="-127"/>
+              </a:defRPr>
             </a:lvl5pPr>
             <a:lvl6pPr>
               <a:defRPr sz="2000"/>
@@ -2261,35 +2949,35 @@
           <a:p>
             <a:pPr lvl="0"/>
             <a:r>
-              <a:rPr lang="ko-KR" altLang="en-US"/>
+              <a:rPr lang="ko-KR" altLang="en-US" dirty="0"/>
               <a:t>마스터 텍스트 스타일을 편집하려면 클릭</a:t>
             </a:r>
           </a:p>
           <a:p>
             <a:pPr lvl="1"/>
             <a:r>
-              <a:rPr lang="ko-KR" altLang="en-US"/>
+              <a:rPr lang="ko-KR" altLang="en-US" dirty="0"/>
               <a:t>두 번째 수준</a:t>
             </a:r>
           </a:p>
           <a:p>
             <a:pPr lvl="2"/>
             <a:r>
-              <a:rPr lang="ko-KR" altLang="en-US"/>
+              <a:rPr lang="ko-KR" altLang="en-US" dirty="0"/>
               <a:t>세 번째 수준</a:t>
             </a:r>
           </a:p>
           <a:p>
             <a:pPr lvl="3"/>
             <a:r>
-              <a:rPr lang="ko-KR" altLang="en-US"/>
+              <a:rPr lang="ko-KR" altLang="en-US" dirty="0"/>
               <a:t>네 번째 수준</a:t>
             </a:r>
           </a:p>
           <a:p>
             <a:pPr lvl="4"/>
             <a:r>
-              <a:rPr lang="ko-KR" altLang="en-US"/>
+              <a:rPr lang="ko-KR" altLang="en-US" dirty="0"/>
               <a:t>다섯 번째 수준</a:t>
             </a:r>
           </a:p>
@@ -2322,7 +3010,10 @@
           <a:lstStyle>
             <a:lvl1pPr marL="0" indent="0">
               <a:buNone/>
-              <a:defRPr sz="1600"/>
+              <a:defRPr sz="1600">
+                <a:latin typeface="나눔바른고딕" panose="020B0603020101020101" pitchFamily="50" charset="-127"/>
+                <a:ea typeface="나눔바른고딕" panose="020B0603020101020101" pitchFamily="50" charset="-127"/>
+              </a:defRPr>
             </a:lvl1pPr>
             <a:lvl2pPr marL="457200" indent="0">
               <a:buNone/>
@@ -2360,7 +3051,7 @@
           <a:p>
             <a:pPr lvl="0"/>
             <a:r>
-              <a:rPr lang="ko-KR" altLang="en-US"/>
+              <a:rPr lang="ko-KR" altLang="en-US" dirty="0"/>
               <a:t>마스터 텍스트 스타일을 편집하려면 클릭</a:t>
             </a:r>
           </a:p>
@@ -2389,7 +3080,7 @@
           <a:p>
             <a:fld id="{45325823-6D3E-43B9-AFE4-78648C97BF5D}" type="datetimeFigureOut">
               <a:rPr lang="ko-KR" altLang="en-US" smtClean="0"/>
-              <a:t>2021-10-11</a:t>
+              <a:t>2021-10-12</a:t>
             </a:fld>
             <a:endParaRPr lang="ko-KR" altLang="en-US"/>
           </a:p>
@@ -2610,7 +3301,10 @@
           <a:lstStyle>
             <a:lvl1pPr marL="0" indent="0">
               <a:buNone/>
-              <a:defRPr sz="1600"/>
+              <a:defRPr sz="1600">
+                <a:latin typeface="나눔바른고딕" panose="020B0603020101020101" pitchFamily="50" charset="-127"/>
+                <a:ea typeface="나눔바른고딕" panose="020B0603020101020101" pitchFamily="50" charset="-127"/>
+              </a:defRPr>
             </a:lvl1pPr>
             <a:lvl2pPr marL="457200" indent="0">
               <a:buNone/>
@@ -2648,7 +3342,7 @@
           <a:p>
             <a:pPr lvl="0"/>
             <a:r>
-              <a:rPr lang="ko-KR" altLang="en-US"/>
+              <a:rPr lang="ko-KR" altLang="en-US" dirty="0"/>
               <a:t>마스터 텍스트 스타일을 편집하려면 클릭</a:t>
             </a:r>
           </a:p>
@@ -2677,7 +3371,7 @@
           <a:p>
             <a:fld id="{45325823-6D3E-43B9-AFE4-78648C97BF5D}" type="datetimeFigureOut">
               <a:rPr lang="ko-KR" altLang="en-US" smtClean="0"/>
-              <a:t>2021-10-11</a:t>
+              <a:t>2021-10-12</a:t>
             </a:fld>
             <a:endParaRPr lang="ko-KR" altLang="en-US"/>
           </a:p>
@@ -2804,7 +3498,7 @@
           <a:lstStyle/>
           <a:p>
             <a:r>
-              <a:rPr lang="ko-KR" altLang="en-US"/>
+              <a:rPr lang="ko-KR" altLang="en-US" dirty="0"/>
               <a:t>마스터 제목 스타일 편집</a:t>
             </a:r>
           </a:p>
@@ -2843,35 +3537,35 @@
           <a:p>
             <a:pPr lvl="0"/>
             <a:r>
-              <a:rPr lang="ko-KR" altLang="en-US"/>
+              <a:rPr lang="ko-KR" altLang="en-US" dirty="0"/>
               <a:t>마스터 텍스트 스타일을 편집하려면 클릭</a:t>
             </a:r>
           </a:p>
           <a:p>
             <a:pPr lvl="1"/>
             <a:r>
-              <a:rPr lang="ko-KR" altLang="en-US"/>
+              <a:rPr lang="ko-KR" altLang="en-US" dirty="0"/>
               <a:t>두 번째 수준</a:t>
             </a:r>
           </a:p>
           <a:p>
             <a:pPr lvl="2"/>
             <a:r>
-              <a:rPr lang="ko-KR" altLang="en-US"/>
+              <a:rPr lang="ko-KR" altLang="en-US" dirty="0"/>
               <a:t>세 번째 수준</a:t>
             </a:r>
           </a:p>
           <a:p>
             <a:pPr lvl="3"/>
             <a:r>
-              <a:rPr lang="ko-KR" altLang="en-US"/>
+              <a:rPr lang="ko-KR" altLang="en-US" dirty="0"/>
               <a:t>네 번째 수준</a:t>
             </a:r>
           </a:p>
           <a:p>
             <a:pPr lvl="4"/>
             <a:r>
-              <a:rPr lang="ko-KR" altLang="en-US"/>
+              <a:rPr lang="ko-KR" altLang="en-US" dirty="0"/>
               <a:t>다섯 번째 수준</a:t>
             </a:r>
           </a:p>
@@ -2918,7 +3612,7 @@
           <a:p>
             <a:fld id="{45325823-6D3E-43B9-AFE4-78648C97BF5D}" type="datetimeFigureOut">
               <a:rPr lang="ko-KR" altLang="en-US" smtClean="0"/>
-              <a:t>2021-10-11</a:t>
+              <a:t>2021-10-12</a:t>
             </a:fld>
             <a:endParaRPr lang="ko-KR" altLang="en-US"/>
           </a:p>
@@ -3014,6 +3708,42 @@
           </a:p>
         </p:txBody>
       </p:sp>
+      <p:pic>
+        <p:nvPicPr>
+          <p:cNvPr id="7" name="그림 6">
+            <a:extLst>
+              <a:ext uri="{FF2B5EF4-FFF2-40B4-BE49-F238E27FC236}">
+                <a16:creationId xmlns:a16="http://schemas.microsoft.com/office/drawing/2014/main" id="{D0DD5F47-1595-4027-972F-3B720DBC817D}"/>
+              </a:ext>
+            </a:extLst>
+          </p:cNvPr>
+          <p:cNvPicPr>
+            <a:picLocks noChangeAspect="1"/>
+          </p:cNvPicPr>
+          <p:nvPr userDrawn="1"/>
+        </p:nvPicPr>
+        <p:blipFill>
+          <a:blip r:embed="rId13">
+            <a:extLst>
+              <a:ext uri="{28A0092B-C50C-407E-A947-70E740481C1C}">
+                <a14:useLocalDpi xmlns:a14="http://schemas.microsoft.com/office/drawing/2010/main" val="0"/>
+              </a:ext>
+            </a:extLst>
+          </a:blip>
+          <a:stretch>
+            <a:fillRect/>
+          </a:stretch>
+        </p:blipFill>
+        <p:spPr>
+          <a:xfrm>
+            <a:off x="10191877" y="230188"/>
+            <a:ext cx="1811905" cy="441626"/>
+          </a:xfrm>
+          <a:prstGeom prst="rect">
+            <a:avLst/>
+          </a:prstGeom>
+        </p:spPr>
+      </p:pic>
     </p:spTree>
     <p:extLst>
       <p:ext uri="{BB962C8B-B14F-4D97-AF65-F5344CB8AC3E}">
@@ -3049,8 +3779,8 @@
           <a:solidFill>
             <a:schemeClr val="tx1"/>
           </a:solidFill>
-          <a:latin typeface="+mj-lt"/>
-          <a:ea typeface="+mj-ea"/>
+          <a:latin typeface="나눔스퀘어OTF ExtraBold" panose="020B0600000101010101" pitchFamily="34" charset="-127"/>
+          <a:ea typeface="나눔스퀘어OTF ExtraBold" panose="020B0600000101010101" pitchFamily="34" charset="-127"/>
           <a:cs typeface="+mj-cs"/>
         </a:defRPr>
       </a:lvl1pPr>
@@ -3069,8 +3799,8 @@
           <a:solidFill>
             <a:schemeClr val="tx1"/>
           </a:solidFill>
-          <a:latin typeface="+mn-lt"/>
-          <a:ea typeface="+mn-ea"/>
+          <a:latin typeface="나눔바른고딕" panose="020B0603020101020101" pitchFamily="50" charset="-127"/>
+          <a:ea typeface="나눔바른고딕" panose="020B0603020101020101" pitchFamily="50" charset="-127"/>
           <a:cs typeface="+mn-cs"/>
         </a:defRPr>
       </a:lvl1pPr>
@@ -3087,8 +3817,8 @@
           <a:solidFill>
             <a:schemeClr val="tx1"/>
           </a:solidFill>
-          <a:latin typeface="+mn-lt"/>
-          <a:ea typeface="+mn-ea"/>
+          <a:latin typeface="나눔바른고딕" panose="020B0603020101020101" pitchFamily="50" charset="-127"/>
+          <a:ea typeface="나눔바른고딕" panose="020B0603020101020101" pitchFamily="50" charset="-127"/>
           <a:cs typeface="+mn-cs"/>
         </a:defRPr>
       </a:lvl2pPr>
@@ -3105,8 +3835,8 @@
           <a:solidFill>
             <a:schemeClr val="tx1"/>
           </a:solidFill>
-          <a:latin typeface="+mn-lt"/>
-          <a:ea typeface="+mn-ea"/>
+          <a:latin typeface="나눔바른고딕" panose="020B0603020101020101" pitchFamily="50" charset="-127"/>
+          <a:ea typeface="나눔바른고딕" panose="020B0603020101020101" pitchFamily="50" charset="-127"/>
           <a:cs typeface="+mn-cs"/>
         </a:defRPr>
       </a:lvl3pPr>
@@ -3123,8 +3853,8 @@
           <a:solidFill>
             <a:schemeClr val="tx1"/>
           </a:solidFill>
-          <a:latin typeface="+mn-lt"/>
-          <a:ea typeface="+mn-ea"/>
+          <a:latin typeface="나눔바른고딕" panose="020B0603020101020101" pitchFamily="50" charset="-127"/>
+          <a:ea typeface="나눔바른고딕" panose="020B0603020101020101" pitchFamily="50" charset="-127"/>
           <a:cs typeface="+mn-cs"/>
         </a:defRPr>
       </a:lvl4pPr>
@@ -3141,8 +3871,8 @@
           <a:solidFill>
             <a:schemeClr val="tx1"/>
           </a:solidFill>
-          <a:latin typeface="+mn-lt"/>
-          <a:ea typeface="+mn-ea"/>
+          <a:latin typeface="나눔바른고딕" panose="020B0603020101020101" pitchFamily="50" charset="-127"/>
+          <a:ea typeface="나눔바른고딕" panose="020B0603020101020101" pitchFamily="50" charset="-127"/>
           <a:cs typeface="+mn-cs"/>
         </a:defRPr>
       </a:lvl5pPr>
@@ -3353,8 +4083,8 @@
         </p:nvSpPr>
         <p:spPr>
           <a:xfrm>
-            <a:off x="1524000" y="1122363"/>
-            <a:ext cx="9144000" cy="1645775"/>
+            <a:off x="994756" y="2053389"/>
+            <a:ext cx="10202487" cy="1645775"/>
           </a:xfrm>
         </p:spPr>
         <p:txBody>
@@ -3381,7 +4111,14 @@
             </a:r>
             <a:r>
               <a:rPr lang="en-US" altLang="ko-KR" dirty="0"/>
-              <a:t>programming paper review</a:t>
+              <a:t>programming </a:t>
+            </a:r>
+            <a:br>
+              <a:rPr lang="en-US" altLang="ko-KR" dirty="0"/>
+            </a:br>
+            <a:r>
+              <a:rPr lang="en-US" altLang="ko-KR" dirty="0"/>
+              <a:t>paper review</a:t>
             </a:r>
             <a:endParaRPr lang="ko-KR" altLang="en-US" dirty="0"/>
           </a:p>
@@ -3405,7 +4142,7 @@
         </p:nvSpPr>
         <p:spPr>
           <a:xfrm>
-            <a:off x="1524000" y="3327168"/>
+            <a:off x="1524000" y="4100253"/>
             <a:ext cx="9144000" cy="735676"/>
           </a:xfrm>
         </p:spPr>
@@ -3448,7 +4185,7 @@
         </p:nvSpPr>
         <p:spPr>
           <a:xfrm>
-            <a:off x="6603077" y="4463935"/>
+            <a:off x="7550728" y="5237018"/>
             <a:ext cx="4064923" cy="1200329"/>
           </a:xfrm>
           <a:prstGeom prst="rect">
@@ -3580,7 +4317,9 @@
         </p:nvSpPr>
         <p:spPr/>
         <p:txBody>
-          <a:bodyPr/>
+          <a:bodyPr>
+            <a:normAutofit fontScale="90000"/>
+          </a:bodyPr>
           <a:lstStyle/>
           <a:p>
             <a:r>
@@ -3669,37 +4408,39 @@
         </p:nvSpPr>
         <p:spPr/>
         <p:txBody>
+          <a:bodyPr>
+            <a:normAutofit fontScale="90000"/>
+          </a:bodyPr>
+          <a:lstStyle/>
+          <a:p>
+            <a:r>
+              <a:rPr lang="ko-KR" altLang="en-US" dirty="0"/>
+              <a:t>목차</a:t>
+            </a:r>
+          </a:p>
+        </p:txBody>
+      </p:sp>
+      <p:sp>
+        <p:nvSpPr>
+          <p:cNvPr id="3" name="내용 개체 틀 2">
+            <a:extLst>
+              <a:ext uri="{FF2B5EF4-FFF2-40B4-BE49-F238E27FC236}">
+                <a16:creationId xmlns:a16="http://schemas.microsoft.com/office/drawing/2014/main" id="{CD074761-5E23-4E75-ACC2-CDE438C2BA6B}"/>
+              </a:ext>
+            </a:extLst>
+          </p:cNvPr>
+          <p:cNvSpPr>
+            <a:spLocks noGrp="1"/>
+          </p:cNvSpPr>
+          <p:nvPr>
+            <p:ph idx="1"/>
+          </p:nvPr>
+        </p:nvSpPr>
+        <p:spPr/>
+        <p:txBody>
           <a:bodyPr/>
           <a:lstStyle/>
           <a:p>
-            <a:r>
-              <a:rPr lang="ko-KR" altLang="en-US" dirty="0"/>
-              <a:t>목차</a:t>
-            </a:r>
-          </a:p>
-        </p:txBody>
-      </p:sp>
-      <p:sp>
-        <p:nvSpPr>
-          <p:cNvPr id="3" name="내용 개체 틀 2">
-            <a:extLst>
-              <a:ext uri="{FF2B5EF4-FFF2-40B4-BE49-F238E27FC236}">
-                <a16:creationId xmlns:a16="http://schemas.microsoft.com/office/drawing/2014/main" id="{CD074761-5E23-4E75-ACC2-CDE438C2BA6B}"/>
-              </a:ext>
-            </a:extLst>
-          </p:cNvPr>
-          <p:cNvSpPr>
-            <a:spLocks noGrp="1"/>
-          </p:cNvSpPr>
-          <p:nvPr>
-            <p:ph idx="1"/>
-          </p:nvPr>
-        </p:nvSpPr>
-        <p:spPr/>
-        <p:txBody>
-          <a:bodyPr/>
-          <a:lstStyle/>
-          <a:p>
             <a:pPr marL="0" indent="0">
               <a:buNone/>
             </a:pPr>
@@ -3708,10 +4449,7 @@
               <a:t>1. </a:t>
             </a:r>
             <a:r>
-              <a:rPr lang="en-US" altLang="ko-KR" b="1" i="0" dirty="0">
-                <a:solidFill>
-                  <a:srgbClr val="C9D1D9"/>
-                </a:solidFill>
+              <a:rPr lang="en-US" altLang="ko-KR" i="0" dirty="0">
                 <a:effectLst/>
                 <a:latin typeface="-apple-system"/>
               </a:rPr>
@@ -3727,10 +4465,7 @@
               <a:t>2. </a:t>
             </a:r>
             <a:r>
-              <a:rPr lang="en-US" altLang="ko-KR" b="1" i="0" dirty="0">
-                <a:solidFill>
-                  <a:srgbClr val="C9D1D9"/>
-                </a:solidFill>
+              <a:rPr lang="en-US" altLang="ko-KR" i="0" dirty="0">
                 <a:effectLst/>
                 <a:latin typeface="-apple-system"/>
               </a:rPr>
@@ -3742,19 +4477,13 @@
               <a:buNone/>
             </a:pPr>
             <a:r>
-              <a:rPr lang="en-US" altLang="ko-KR" b="1" dirty="0">
-                <a:solidFill>
-                  <a:srgbClr val="C9D1D9"/>
-                </a:solidFill>
+              <a:rPr lang="en-US" altLang="ko-KR" dirty="0">
                 <a:latin typeface="-apple-system"/>
               </a:rPr>
               <a:t>3. </a:t>
             </a:r>
             <a:r>
-              <a:rPr lang="en-US" altLang="ko-KR" b="1" i="0" dirty="0">
-                <a:solidFill>
-                  <a:srgbClr val="C9D1D9"/>
-                </a:solidFill>
+              <a:rPr lang="en-US" altLang="ko-KR" i="0" dirty="0">
                 <a:effectLst/>
                 <a:latin typeface="-apple-system"/>
               </a:rPr>
@@ -3766,19 +4495,13 @@
               <a:buNone/>
             </a:pPr>
             <a:r>
-              <a:rPr lang="en-US" altLang="ko-KR" b="1" dirty="0">
-                <a:solidFill>
-                  <a:srgbClr val="C9D1D9"/>
-                </a:solidFill>
+              <a:rPr lang="en-US" altLang="ko-KR" dirty="0">
                 <a:latin typeface="-apple-system"/>
               </a:rPr>
               <a:t>4. </a:t>
             </a:r>
             <a:r>
-              <a:rPr lang="en-US" altLang="ko-KR" b="1" i="0" dirty="0">
-                <a:solidFill>
-                  <a:srgbClr val="C9D1D9"/>
-                </a:solidFill>
+              <a:rPr lang="en-US" altLang="ko-KR" i="0" dirty="0">
                 <a:effectLst/>
                 <a:latin typeface="-apple-system"/>
               </a:rPr>
@@ -3790,19 +4513,13 @@
               <a:buNone/>
             </a:pPr>
             <a:r>
-              <a:rPr lang="en-US" altLang="ko-KR" b="1" dirty="0">
-                <a:solidFill>
-                  <a:srgbClr val="C9D1D9"/>
-                </a:solidFill>
+              <a:rPr lang="en-US" altLang="ko-KR" dirty="0">
                 <a:latin typeface="-apple-system"/>
               </a:rPr>
               <a:t>5. </a:t>
             </a:r>
             <a:r>
-              <a:rPr lang="en-US" altLang="ko-KR" b="1" i="0" dirty="0">
-                <a:solidFill>
-                  <a:srgbClr val="C9D1D9"/>
-                </a:solidFill>
+              <a:rPr lang="en-US" altLang="ko-KR" i="0" dirty="0">
                 <a:effectLst/>
                 <a:latin typeface="-apple-system"/>
               </a:rPr>
@@ -3814,54 +4531,18 @@
               <a:buNone/>
             </a:pPr>
             <a:r>
-              <a:rPr lang="en-US" altLang="ko-KR" b="1" dirty="0">
-                <a:solidFill>
-                  <a:srgbClr val="C9D1D9"/>
-                </a:solidFill>
+              <a:rPr lang="en-US" altLang="ko-KR" dirty="0">
                 <a:latin typeface="-apple-system"/>
               </a:rPr>
               <a:t>6. </a:t>
             </a:r>
             <a:r>
-              <a:rPr lang="en-US" altLang="ko-KR" b="1" i="0" dirty="0">
-                <a:solidFill>
-                  <a:srgbClr val="C9D1D9"/>
-                </a:solidFill>
+              <a:rPr lang="en-US" altLang="ko-KR" i="0" dirty="0">
                 <a:effectLst/>
                 <a:latin typeface="-apple-system"/>
               </a:rPr>
               <a:t>CONCLUSION</a:t>
             </a:r>
-          </a:p>
-          <a:p>
-            <a:pPr marL="0" indent="0">
-              <a:buNone/>
-            </a:pPr>
-            <a:endParaRPr lang="en-US" altLang="ko-KR" b="1" i="0" dirty="0">
-              <a:solidFill>
-                <a:srgbClr val="C9D1D9"/>
-              </a:solidFill>
-              <a:effectLst/>
-              <a:latin typeface="-apple-system"/>
-            </a:endParaRPr>
-          </a:p>
-          <a:p>
-            <a:pPr marL="0" indent="0">
-              <a:buNone/>
-            </a:pPr>
-            <a:endParaRPr lang="en-US" altLang="ko-KR" b="1" i="0" dirty="0">
-              <a:solidFill>
-                <a:srgbClr val="C9D1D9"/>
-              </a:solidFill>
-              <a:effectLst/>
-              <a:latin typeface="-apple-system"/>
-            </a:endParaRPr>
-          </a:p>
-          <a:p>
-            <a:pPr marL="0" indent="0">
-              <a:buNone/>
-            </a:pPr>
-            <a:endParaRPr lang="ko-KR" altLang="en-US" dirty="0"/>
           </a:p>
         </p:txBody>
       </p:sp>
@@ -3913,16 +4594,14 @@
         </p:nvSpPr>
         <p:spPr/>
         <p:txBody>
-          <a:bodyPr/>
+          <a:bodyPr>
+            <a:normAutofit fontScale="90000"/>
+          </a:bodyPr>
           <a:lstStyle/>
           <a:p>
             <a:r>
               <a:rPr lang="en-US" altLang="ko-KR" dirty="0"/>
-              <a:t>1. </a:t>
-            </a:r>
-            <a:r>
-              <a:rPr lang="en-US" altLang="ko-KR" dirty="0" err="1"/>
-              <a:t>Abstact</a:t>
+              <a:t>1. Abstract</a:t>
             </a:r>
             <a:endParaRPr lang="ko-KR" altLang="en-US" dirty="0"/>
           </a:p>
@@ -3951,30 +4630,27 @@
           </a:bodyPr>
           <a:lstStyle/>
           <a:p>
+            <a:pPr marL="0" indent="0">
+              <a:buNone/>
+            </a:pPr>
             <a:r>
               <a:rPr lang="ko-KR" altLang="en-US" b="0" i="0" dirty="0">
-                <a:solidFill>
-                  <a:srgbClr val="8B949E"/>
-                </a:solidFill>
                 <a:effectLst/>
                 <a:latin typeface="-apple-system"/>
               </a:rPr>
               <a:t>온라인 예측은 많은 실제 애플리케이션에서 가장 필수적인 작업 중 하나</a:t>
             </a:r>
             <a:endParaRPr lang="en-US" altLang="ko-KR" b="0" i="0" dirty="0">
-              <a:solidFill>
-                <a:srgbClr val="8B949E"/>
-              </a:solidFill>
               <a:effectLst/>
               <a:latin typeface="-apple-system"/>
             </a:endParaRPr>
           </a:p>
           <a:p>
+            <a:pPr marL="0" indent="0">
+              <a:buNone/>
+            </a:pPr>
             <a:r>
               <a:rPr lang="ko-KR" altLang="en-US" b="0" i="0" dirty="0">
-                <a:solidFill>
-                  <a:srgbClr val="8B949E"/>
-                </a:solidFill>
                 <a:effectLst/>
                 <a:latin typeface="-apple-system"/>
               </a:rPr>
@@ -3982,9 +4658,6 @@
             </a:r>
             <a:r>
               <a:rPr lang="en-US" altLang="ko-KR" b="0" i="0" dirty="0">
-                <a:solidFill>
-                  <a:srgbClr val="8B949E"/>
-                </a:solidFill>
                 <a:effectLst/>
                 <a:latin typeface="-apple-system"/>
               </a:rPr>
@@ -3992,9 +4665,6 @@
             </a:r>
             <a:r>
               <a:rPr lang="ko-KR" altLang="en-US" b="0" i="0" dirty="0">
-                <a:solidFill>
-                  <a:srgbClr val="8B949E"/>
-                </a:solidFill>
                 <a:effectLst/>
                 <a:latin typeface="-apple-system"/>
               </a:rPr>
@@ -4002,9 +4672,6 @@
             </a:r>
             <a:r>
               <a:rPr lang="en-US" altLang="ko-KR" b="0" i="0" dirty="0">
-                <a:solidFill>
-                  <a:srgbClr val="8B949E"/>
-                </a:solidFill>
                 <a:effectLst/>
                 <a:latin typeface="-apple-system"/>
               </a:rPr>
@@ -4012,9 +4679,6 @@
             </a:r>
             <a:r>
               <a:rPr lang="ko-KR" altLang="en-US" b="0" i="0" dirty="0">
-                <a:solidFill>
-                  <a:srgbClr val="8B949E"/>
-                </a:solidFill>
                 <a:effectLst/>
                 <a:latin typeface="-apple-system"/>
               </a:rPr>
@@ -4022,9 +4686,6 @@
             </a:r>
             <a:r>
               <a:rPr lang="en-US" altLang="ko-KR" b="0" i="0" dirty="0">
-                <a:solidFill>
-                  <a:srgbClr val="8B949E"/>
-                </a:solidFill>
                 <a:effectLst/>
                 <a:latin typeface="-apple-system"/>
               </a:rPr>
@@ -4032,9 +4693,6 @@
             </a:r>
             <a:r>
               <a:rPr lang="ko-KR" altLang="en-US" b="0" i="0" dirty="0">
-                <a:solidFill>
-                  <a:srgbClr val="8B949E"/>
-                </a:solidFill>
                 <a:effectLst/>
                 <a:latin typeface="-apple-system"/>
               </a:rPr>
@@ -4042,9 +4700,6 @@
             </a:r>
             <a:r>
               <a:rPr lang="en-US" altLang="ko-KR" b="0" i="0" dirty="0">
-                <a:solidFill>
-                  <a:srgbClr val="8B949E"/>
-                </a:solidFill>
                 <a:effectLst/>
                 <a:latin typeface="-apple-system"/>
               </a:rPr>
@@ -4052,11 +4707,11 @@
             </a:r>
           </a:p>
           <a:p>
+            <a:pPr marL="0" indent="0">
+              <a:buNone/>
+            </a:pPr>
             <a:r>
               <a:rPr lang="ko-KR" altLang="en-US" b="0" i="0" dirty="0">
-                <a:solidFill>
-                  <a:srgbClr val="8B949E"/>
-                </a:solidFill>
                 <a:effectLst/>
                 <a:latin typeface="-apple-system"/>
               </a:rPr>
@@ -4064,9 +4719,6 @@
             </a:r>
             <a:r>
               <a:rPr lang="en-US" altLang="ko-KR" b="0" i="0" dirty="0">
-                <a:solidFill>
-                  <a:srgbClr val="8B949E"/>
-                </a:solidFill>
                 <a:effectLst/>
                 <a:latin typeface="-apple-system"/>
               </a:rPr>
@@ -4074,9 +4726,6 @@
             </a:r>
             <a:r>
               <a:rPr lang="ko-KR" altLang="en-US" b="0" i="0" dirty="0">
-                <a:solidFill>
-                  <a:srgbClr val="8B949E"/>
-                </a:solidFill>
                 <a:effectLst/>
                 <a:latin typeface="-apple-system"/>
               </a:rPr>
@@ -4084,9 +4733,6 @@
             </a:r>
             <a:r>
               <a:rPr lang="en-US" altLang="ko-KR" b="0" i="0" dirty="0">
-                <a:solidFill>
-                  <a:srgbClr val="8B949E"/>
-                </a:solidFill>
                 <a:effectLst/>
                 <a:latin typeface="-apple-system"/>
               </a:rPr>
@@ -4094,9 +4740,6 @@
             </a:r>
             <a:r>
               <a:rPr lang="ko-KR" altLang="en-US" b="0" i="0" dirty="0">
-                <a:solidFill>
-                  <a:srgbClr val="8B949E"/>
-                </a:solidFill>
                 <a:effectLst/>
                 <a:latin typeface="-apple-system"/>
               </a:rPr>
@@ -4104,9 +4747,6 @@
             </a:r>
             <a:r>
               <a:rPr lang="en-US" altLang="ko-KR" b="0" i="0" dirty="0">
-                <a:solidFill>
-                  <a:srgbClr val="8B949E"/>
-                </a:solidFill>
                 <a:effectLst/>
                 <a:latin typeface="-apple-system"/>
               </a:rPr>
@@ -4114,11 +4754,11 @@
             </a:r>
           </a:p>
           <a:p>
+            <a:pPr marL="0" indent="0">
+              <a:buNone/>
+            </a:pPr>
             <a:r>
               <a:rPr lang="ko-KR" altLang="en-US" b="0" i="0" dirty="0">
-                <a:solidFill>
-                  <a:srgbClr val="8B949E"/>
-                </a:solidFill>
                 <a:effectLst/>
                 <a:latin typeface="-apple-system"/>
               </a:rPr>
@@ -4126,18 +4766,12 @@
             </a:r>
             <a:br>
               <a:rPr lang="en-US" altLang="ko-KR" b="0" i="0" dirty="0">
-                <a:solidFill>
-                  <a:srgbClr val="8B949E"/>
-                </a:solidFill>
                 <a:effectLst/>
                 <a:latin typeface="-apple-system"/>
               </a:rPr>
             </a:br>
             <a:r>
               <a:rPr lang="ko-KR" altLang="en-US" b="0" i="0" dirty="0">
-                <a:solidFill>
-                  <a:srgbClr val="8B949E"/>
-                </a:solidFill>
                 <a:effectLst/>
                 <a:latin typeface="-apple-system"/>
               </a:rPr>
@@ -4145,18 +4779,12 @@
             </a:r>
             <a:br>
               <a:rPr lang="en-US" altLang="ko-KR" b="0" i="0" dirty="0">
-                <a:solidFill>
-                  <a:srgbClr val="8B949E"/>
-                </a:solidFill>
                 <a:effectLst/>
                 <a:latin typeface="-apple-system"/>
               </a:rPr>
             </a:br>
             <a:r>
               <a:rPr lang="ko-KR" altLang="en-US" b="0" i="0" dirty="0">
-                <a:solidFill>
-                  <a:srgbClr val="8B949E"/>
-                </a:solidFill>
                 <a:effectLst/>
                 <a:latin typeface="-apple-system"/>
               </a:rPr>
@@ -4164,27 +4792,18 @@
             </a:r>
             <a:r>
               <a:rPr lang="ko-KR" altLang="en-US" dirty="0">
-                <a:solidFill>
-                  <a:srgbClr val="8B949E"/>
-                </a:solidFill>
                 <a:latin typeface="-apple-system"/>
               </a:rPr>
               <a:t>이다</a:t>
             </a:r>
             <a:r>
               <a:rPr lang="en-US" altLang="ko-KR" dirty="0">
-                <a:solidFill>
-                  <a:srgbClr val="8B949E"/>
-                </a:solidFill>
                 <a:latin typeface="-apple-system"/>
               </a:rPr>
               <a:t>.</a:t>
             </a:r>
             <a:br>
               <a:rPr lang="en-US" altLang="ko-KR" dirty="0">
-                <a:solidFill>
-                  <a:srgbClr val="8B949E"/>
-                </a:solidFill>
                 <a:latin typeface="-apple-system"/>
               </a:rPr>
             </a:br>
@@ -4240,16 +4859,14 @@
         </p:nvSpPr>
         <p:spPr/>
         <p:txBody>
-          <a:bodyPr/>
+          <a:bodyPr>
+            <a:normAutofit fontScale="90000"/>
+          </a:bodyPr>
           <a:lstStyle/>
           <a:p>
             <a:r>
               <a:rPr lang="en-US" altLang="ko-KR" dirty="0"/>
-              <a:t>1. </a:t>
-            </a:r>
-            <a:r>
-              <a:rPr lang="en-US" altLang="ko-KR" dirty="0" err="1"/>
-              <a:t>Abstact</a:t>
+              <a:t>1. Abstract</a:t>
             </a:r>
             <a:endParaRPr lang="ko-KR" altLang="en-US" dirty="0"/>
           </a:p>
@@ -4444,58 +5061,73 @@
         </p:nvSpPr>
         <p:spPr/>
         <p:txBody>
-          <a:bodyPr/>
-          <a:lstStyle/>
-          <a:p>
-            <a:r>
-              <a:rPr lang="en-US" altLang="ko-KR" dirty="0"/>
-              <a:t>GBDT(</a:t>
-            </a:r>
-            <a:r>
-              <a:rPr lang="en-US" altLang="ko-KR" b="0" i="0" dirty="0">
-                <a:solidFill>
-                  <a:srgbClr val="C9D1D9"/>
-                </a:solidFill>
-                <a:effectLst/>
-                <a:latin typeface="-apple-system"/>
-              </a:rPr>
-              <a:t>Gradient Boosting Decision Tree)</a:t>
-            </a:r>
-            <a:r>
-              <a:rPr lang="ko-KR" altLang="en-US" dirty="0"/>
-              <a:t>란</a:t>
-            </a:r>
-            <a:r>
-              <a:rPr lang="en-US" altLang="ko-KR" dirty="0"/>
-              <a:t>?</a:t>
-            </a:r>
-            <a:endParaRPr lang="ko-KR" altLang="en-US" dirty="0"/>
-          </a:p>
-        </p:txBody>
-      </p:sp>
-      <p:sp>
-        <p:nvSpPr>
-          <p:cNvPr id="3" name="내용 개체 틀 2">
-            <a:extLst>
-              <a:ext uri="{FF2B5EF4-FFF2-40B4-BE49-F238E27FC236}">
-                <a16:creationId xmlns:a16="http://schemas.microsoft.com/office/drawing/2014/main" id="{24871D0B-4E24-49A6-9E81-F913B3D11919}"/>
-              </a:ext>
-            </a:extLst>
-          </p:cNvPr>
-          <p:cNvSpPr>
-            <a:spLocks noGrp="1"/>
-          </p:cNvSpPr>
-          <p:nvPr>
-            <p:ph idx="1"/>
-          </p:nvPr>
-        </p:nvSpPr>
-        <p:spPr/>
-        <p:txBody>
           <a:bodyPr>
-            <a:normAutofit fontScale="77500" lnSpcReduction="20000"/>
+            <a:normAutofit fontScale="90000"/>
           </a:bodyPr>
           <a:lstStyle/>
           <a:p>
+            <a:r>
+              <a:rPr lang="en-US" altLang="ko-KR" sz="4000" dirty="0">
+                <a:latin typeface="나눔스퀘어OTF ExtraBold" panose="020B0600000101010101" pitchFamily="34" charset="-127"/>
+                <a:ea typeface="나눔스퀘어OTF ExtraBold" panose="020B0600000101010101" pitchFamily="34" charset="-127"/>
+              </a:rPr>
+              <a:t>GBDT(</a:t>
+            </a:r>
+            <a:r>
+              <a:rPr lang="en-US" altLang="ko-KR" sz="4000" b="1" i="0" dirty="0">
+                <a:effectLst/>
+                <a:latin typeface="나눔스퀘어OTF ExtraBold" panose="020B0600000101010101" pitchFamily="34" charset="-127"/>
+                <a:ea typeface="나눔스퀘어OTF ExtraBold" panose="020B0600000101010101" pitchFamily="34" charset="-127"/>
+              </a:rPr>
+              <a:t>Gradient Boosting Decision Tree)</a:t>
+            </a:r>
+            <a:r>
+              <a:rPr lang="ko-KR" altLang="en-US" sz="4000" dirty="0">
+                <a:latin typeface="나눔스퀘어OTF ExtraBold" panose="020B0600000101010101" pitchFamily="34" charset="-127"/>
+                <a:ea typeface="나눔스퀘어OTF ExtraBold" panose="020B0600000101010101" pitchFamily="34" charset="-127"/>
+              </a:rPr>
+              <a:t>란</a:t>
+            </a:r>
+            <a:r>
+              <a:rPr lang="en-US" altLang="ko-KR" sz="4000" dirty="0">
+                <a:latin typeface="나눔스퀘어OTF ExtraBold" panose="020B0600000101010101" pitchFamily="34" charset="-127"/>
+                <a:ea typeface="나눔스퀘어OTF ExtraBold" panose="020B0600000101010101" pitchFamily="34" charset="-127"/>
+              </a:rPr>
+              <a:t>?</a:t>
+            </a:r>
+            <a:endParaRPr lang="ko-KR" altLang="en-US" sz="4000" dirty="0">
+              <a:latin typeface="나눔스퀘어OTF ExtraBold" panose="020B0600000101010101" pitchFamily="34" charset="-127"/>
+              <a:ea typeface="나눔스퀘어OTF ExtraBold" panose="020B0600000101010101" pitchFamily="34" charset="-127"/>
+            </a:endParaRPr>
+          </a:p>
+        </p:txBody>
+      </p:sp>
+      <p:sp>
+        <p:nvSpPr>
+          <p:cNvPr id="3" name="내용 개체 틀 2">
+            <a:extLst>
+              <a:ext uri="{FF2B5EF4-FFF2-40B4-BE49-F238E27FC236}">
+                <a16:creationId xmlns:a16="http://schemas.microsoft.com/office/drawing/2014/main" id="{24871D0B-4E24-49A6-9E81-F913B3D11919}"/>
+              </a:ext>
+            </a:extLst>
+          </p:cNvPr>
+          <p:cNvSpPr>
+            <a:spLocks noGrp="1"/>
+          </p:cNvSpPr>
+          <p:nvPr>
+            <p:ph idx="1"/>
+          </p:nvPr>
+        </p:nvSpPr>
+        <p:spPr/>
+        <p:txBody>
+          <a:bodyPr>
+            <a:normAutofit fontScale="85000" lnSpcReduction="10000"/>
+          </a:bodyPr>
+          <a:lstStyle/>
+          <a:p>
+            <a:pPr marL="0" indent="0">
+              <a:buNone/>
+            </a:pPr>
             <a:r>
               <a:rPr lang="en-US" altLang="ko-KR" b="0" i="0" dirty="0">
                 <a:solidFill>
@@ -4565,6 +5197,9 @@
             </a:endParaRPr>
           </a:p>
           <a:p>
+            <a:pPr marL="0" indent="0">
+              <a:buNone/>
+            </a:pPr>
             <a:r>
               <a:rPr lang="en-US" altLang="ko-KR" b="0" i="0" dirty="0">
                 <a:solidFill>
@@ -4613,6 +5248,9 @@
             </a:endParaRPr>
           </a:p>
           <a:p>
+            <a:pPr marL="0" indent="0">
+              <a:buNone/>
+            </a:pPr>
             <a:r>
               <a:rPr lang="ko-KR" altLang="en-US" b="0" i="0" dirty="0">
                 <a:solidFill>
@@ -4621,7 +5259,242 @@
                 <a:effectLst/>
                 <a:latin typeface="AppleSDGothicNeo"/>
               </a:rPr>
-              <a:t>기존 모델이 잘 </a:t>
+              <a:t>기존 모델이 잘 못 맞춘 데이터에 대한 정보를 전달하는 방법이 </a:t>
+            </a:r>
+            <a:r>
+              <a:rPr lang="en-US" altLang="ko-KR" b="0" i="0" dirty="0">
+                <a:solidFill>
+                  <a:srgbClr val="555555"/>
+                </a:solidFill>
+                <a:effectLst/>
+                <a:latin typeface="AppleSDGothicNeo"/>
+              </a:rPr>
+              <a:t>weight</a:t>
+            </a:r>
+            <a:r>
+              <a:rPr lang="ko-KR" altLang="en-US" b="0" i="0" dirty="0">
+                <a:solidFill>
+                  <a:srgbClr val="555555"/>
+                </a:solidFill>
+                <a:effectLst/>
+                <a:latin typeface="AppleSDGothicNeo"/>
+              </a:rPr>
+              <a:t>에 기반하면 </a:t>
+            </a:r>
+            <a:r>
+              <a:rPr lang="en-US" altLang="ko-KR" b="0" i="0" dirty="0" err="1">
+                <a:solidFill>
+                  <a:srgbClr val="555555"/>
+                </a:solidFill>
+                <a:effectLst/>
+                <a:latin typeface="AppleSDGothicNeo"/>
+              </a:rPr>
+              <a:t>Adaboost</a:t>
+            </a:r>
+            <a:r>
+              <a:rPr lang="ko-KR" altLang="en-US" b="0" i="0" dirty="0">
+                <a:solidFill>
+                  <a:srgbClr val="555555"/>
+                </a:solidFill>
+                <a:effectLst/>
+                <a:latin typeface="AppleSDGothicNeo"/>
+              </a:rPr>
+              <a:t>가 되고</a:t>
+            </a:r>
+            <a:r>
+              <a:rPr lang="en-US" altLang="ko-KR" b="0" i="0" dirty="0">
+                <a:solidFill>
+                  <a:srgbClr val="555555"/>
+                </a:solidFill>
+                <a:effectLst/>
+                <a:latin typeface="AppleSDGothicNeo"/>
+              </a:rPr>
+              <a:t>, error</a:t>
+            </a:r>
+            <a:r>
+              <a:rPr lang="ko-KR" altLang="en-US" b="0" i="0" dirty="0">
+                <a:solidFill>
+                  <a:srgbClr val="555555"/>
+                </a:solidFill>
+                <a:effectLst/>
+                <a:latin typeface="AppleSDGothicNeo"/>
+              </a:rPr>
+              <a:t>를 미분한 </a:t>
+            </a:r>
+            <a:r>
+              <a:rPr lang="en-US" altLang="ko-KR" b="0" i="0" dirty="0">
+                <a:solidFill>
+                  <a:srgbClr val="555555"/>
+                </a:solidFill>
+                <a:effectLst/>
+                <a:latin typeface="AppleSDGothicNeo"/>
+              </a:rPr>
+              <a:t>gradient</a:t>
+            </a:r>
+            <a:r>
+              <a:rPr lang="ko-KR" altLang="en-US" b="0" i="0" dirty="0">
+                <a:solidFill>
+                  <a:srgbClr val="555555"/>
+                </a:solidFill>
+                <a:effectLst/>
+                <a:latin typeface="AppleSDGothicNeo"/>
+              </a:rPr>
+              <a:t>에 기반하면 </a:t>
+            </a:r>
+            <a:r>
+              <a:rPr lang="en-US" altLang="ko-KR" b="0" i="0" dirty="0">
+                <a:solidFill>
+                  <a:srgbClr val="555555"/>
+                </a:solidFill>
+                <a:effectLst/>
+                <a:latin typeface="AppleSDGothicNeo"/>
+              </a:rPr>
+              <a:t>gradient boost</a:t>
+            </a:r>
+            <a:r>
+              <a:rPr lang="ko-KR" altLang="en-US" b="0" i="0" dirty="0">
+                <a:solidFill>
+                  <a:srgbClr val="555555"/>
+                </a:solidFill>
+                <a:effectLst/>
+                <a:latin typeface="AppleSDGothicNeo"/>
+              </a:rPr>
+              <a:t>가 된다</a:t>
+            </a:r>
+            <a:r>
+              <a:rPr lang="en-US" altLang="ko-KR" b="0" i="0" dirty="0">
+                <a:solidFill>
+                  <a:srgbClr val="555555"/>
+                </a:solidFill>
+                <a:effectLst/>
+                <a:latin typeface="AppleSDGothicNeo"/>
+              </a:rPr>
+              <a:t>.</a:t>
+            </a:r>
+          </a:p>
+          <a:p>
+            <a:pPr marL="0" indent="0">
+              <a:buNone/>
+            </a:pPr>
+            <a:r>
+              <a:rPr lang="en-US" altLang="ko-KR" b="0" i="0" dirty="0">
+                <a:solidFill>
+                  <a:srgbClr val="555555"/>
+                </a:solidFill>
+                <a:effectLst/>
+                <a:latin typeface="AppleSDGothicNeo"/>
+              </a:rPr>
+              <a:t>Gradient Boosting </a:t>
+            </a:r>
+            <a:r>
+              <a:rPr lang="ko-KR" altLang="en-US" b="0" i="0" dirty="0">
+                <a:solidFill>
+                  <a:srgbClr val="555555"/>
+                </a:solidFill>
+                <a:effectLst/>
+                <a:latin typeface="AppleSDGothicNeo"/>
+              </a:rPr>
+              <a:t>알고리즘의 경우 </a:t>
+            </a:r>
+            <a:r>
+              <a:rPr lang="en-US" altLang="ko-KR" b="0" i="0" dirty="0">
+                <a:solidFill>
+                  <a:srgbClr val="555555"/>
+                </a:solidFill>
+                <a:effectLst/>
+                <a:latin typeface="AppleSDGothicNeo"/>
+              </a:rPr>
+              <a:t>MLP</a:t>
+            </a:r>
+            <a:r>
+              <a:rPr lang="ko-KR" altLang="en-US" b="0" i="0" dirty="0">
+                <a:solidFill>
+                  <a:srgbClr val="555555"/>
+                </a:solidFill>
+                <a:effectLst/>
+                <a:latin typeface="AppleSDGothicNeo"/>
+              </a:rPr>
+              <a:t>를 예로 들면 그 학습 원리를 바로 이해할 수 있다</a:t>
+            </a:r>
+            <a:r>
+              <a:rPr lang="en-US" altLang="ko-KR" b="0" i="0" dirty="0">
+                <a:solidFill>
+                  <a:srgbClr val="555555"/>
+                </a:solidFill>
+                <a:effectLst/>
+                <a:latin typeface="AppleSDGothicNeo"/>
+              </a:rPr>
+              <a:t>. </a:t>
+            </a:r>
+            <a:r>
+              <a:rPr lang="ko-KR" altLang="en-US" b="0" i="0" dirty="0">
+                <a:solidFill>
+                  <a:srgbClr val="555555"/>
+                </a:solidFill>
+                <a:effectLst/>
+                <a:latin typeface="AppleSDGothicNeo"/>
+              </a:rPr>
+              <a:t>만약 </a:t>
+            </a:r>
+            <a:r>
+              <a:rPr lang="en-US" altLang="ko-KR" b="0" i="0" dirty="0">
+                <a:solidFill>
+                  <a:srgbClr val="555555"/>
+                </a:solidFill>
+                <a:effectLst/>
+                <a:latin typeface="AppleSDGothicNeo"/>
+              </a:rPr>
+              <a:t>GB_MLP</a:t>
+            </a:r>
+            <a:r>
+              <a:rPr lang="ko-KR" altLang="en-US" b="0" i="0" dirty="0">
+                <a:solidFill>
+                  <a:srgbClr val="555555"/>
+                </a:solidFill>
+                <a:effectLst/>
+                <a:latin typeface="AppleSDGothicNeo"/>
+              </a:rPr>
+              <a:t>을 만든다면</a:t>
+            </a:r>
+            <a:r>
+              <a:rPr lang="en-US" altLang="ko-KR" b="0" i="0" dirty="0">
+                <a:solidFill>
+                  <a:srgbClr val="555555"/>
+                </a:solidFill>
+                <a:effectLst/>
+                <a:latin typeface="AppleSDGothicNeo"/>
+              </a:rPr>
+              <a:t>, </a:t>
+            </a:r>
+            <a:r>
+              <a:rPr lang="ko-KR" altLang="en-US" b="0" i="0" dirty="0">
+                <a:solidFill>
+                  <a:srgbClr val="555555"/>
+                </a:solidFill>
+                <a:effectLst/>
+                <a:latin typeface="AppleSDGothicNeo"/>
+              </a:rPr>
+              <a:t>경우 먼저 </a:t>
+            </a:r>
+            <a:r>
+              <a:rPr lang="en-US" altLang="ko-KR" b="0" i="0" dirty="0">
+                <a:solidFill>
+                  <a:srgbClr val="555555"/>
+                </a:solidFill>
+                <a:effectLst/>
+                <a:latin typeface="AppleSDGothicNeo"/>
+              </a:rPr>
+              <a:t>1</a:t>
+            </a:r>
+            <a:r>
+              <a:rPr lang="ko-KR" altLang="en-US" b="0" i="0" dirty="0">
+                <a:solidFill>
+                  <a:srgbClr val="555555"/>
+                </a:solidFill>
+                <a:effectLst/>
+                <a:latin typeface="AppleSDGothicNeo"/>
+              </a:rPr>
+              <a:t>개의 </a:t>
             </a:r>
             <a:r>
               <a:rPr lang="ko-KR" altLang="en-US" b="0" i="0" dirty="0" err="1">
@@ -4631,7 +5504,7 @@
                 <a:effectLst/>
                 <a:latin typeface="AppleSDGothicNeo"/>
               </a:rPr>
-              <a:t>못맞춘</a:t>
+              <a:t>히든</a:t>
             </a:r>
             <a:r>
               <a:rPr lang="ko-KR" altLang="en-US" b="0" i="0" dirty="0">
@@ -4641,7 +5514,7 @@
                 <a:effectLst/>
                 <a:latin typeface="AppleSDGothicNeo"/>
               </a:rPr>
-              <a:t> 데이터에 대한 정보를 전달하는 방법이 </a:t>
+              <a:t> 뉴런만 있는 </a:t>
             </a:r>
             <a:r>
               <a:rPr lang="en-US" altLang="ko-KR" b="0" i="0" dirty="0">
@@ -4651,6 +5524,146 @@
                 <a:effectLst/>
                 <a:latin typeface="AppleSDGothicNeo"/>
               </a:rPr>
+              <a:t>3</a:t>
+            </a:r>
+            <a:r>
+              <a:rPr lang="ko-KR" altLang="en-US" b="0" i="0" dirty="0" err="1">
+                <a:solidFill>
+                  <a:srgbClr val="555555"/>
+                </a:solidFill>
+                <a:effectLst/>
+                <a:latin typeface="AppleSDGothicNeo"/>
+              </a:rPr>
+              <a:t>층짜리</a:t>
+            </a:r>
+            <a:r>
+              <a:rPr lang="ko-KR" altLang="en-US" b="0" i="0" dirty="0">
+                <a:solidFill>
+                  <a:srgbClr val="555555"/>
+                </a:solidFill>
+                <a:effectLst/>
+                <a:latin typeface="AppleSDGothicNeo"/>
+              </a:rPr>
+              <a:t> </a:t>
+            </a:r>
+            <a:r>
+              <a:rPr lang="en-US" altLang="ko-KR" b="0" i="0" dirty="0">
+                <a:solidFill>
+                  <a:srgbClr val="555555"/>
+                </a:solidFill>
+                <a:effectLst/>
+                <a:latin typeface="AppleSDGothicNeo"/>
+              </a:rPr>
+              <a:t>MLP</a:t>
+            </a:r>
+            <a:r>
+              <a:rPr lang="ko-KR" altLang="en-US" b="0" i="0" dirty="0">
+                <a:solidFill>
+                  <a:srgbClr val="555555"/>
+                </a:solidFill>
+                <a:effectLst/>
+                <a:latin typeface="AppleSDGothicNeo"/>
+              </a:rPr>
+              <a:t>로 데이터를 학습한다</a:t>
+            </a:r>
+            <a:r>
+              <a:rPr lang="en-US" altLang="ko-KR" b="0" i="0" dirty="0">
+                <a:solidFill>
+                  <a:srgbClr val="555555"/>
+                </a:solidFill>
+                <a:effectLst/>
+                <a:latin typeface="AppleSDGothicNeo"/>
+              </a:rPr>
+              <a:t>. </a:t>
+            </a:r>
+            <a:r>
+              <a:rPr lang="ko-KR" altLang="en-US" b="0" i="0" dirty="0" err="1">
+                <a:solidFill>
+                  <a:srgbClr val="555555"/>
+                </a:solidFill>
+                <a:effectLst/>
+                <a:latin typeface="AppleSDGothicNeo"/>
+              </a:rPr>
+              <a:t>그다음</a:t>
+            </a:r>
+            <a:r>
+              <a:rPr lang="ko-KR" altLang="en-US" b="0" i="0" dirty="0">
+                <a:solidFill>
+                  <a:srgbClr val="555555"/>
+                </a:solidFill>
+                <a:effectLst/>
+                <a:latin typeface="AppleSDGothicNeo"/>
+              </a:rPr>
+              <a:t> </a:t>
+            </a:r>
+            <a:r>
+              <a:rPr lang="en-US" altLang="ko-KR" b="0" i="0" dirty="0">
+                <a:solidFill>
+                  <a:srgbClr val="555555"/>
+                </a:solidFill>
+                <a:effectLst/>
+                <a:latin typeface="AppleSDGothicNeo"/>
+              </a:rPr>
+              <a:t>error</a:t>
+            </a:r>
+            <a:r>
+              <a:rPr lang="ko-KR" altLang="en-US" b="0" i="0" dirty="0">
+                <a:solidFill>
+                  <a:srgbClr val="555555"/>
+                </a:solidFill>
+                <a:effectLst/>
+                <a:latin typeface="AppleSDGothicNeo"/>
+              </a:rPr>
+              <a:t>가 더이상 줄어들지 않으면</a:t>
+            </a:r>
+            <a:r>
+              <a:rPr lang="en-US" altLang="ko-KR" b="0" i="0" dirty="0">
+                <a:solidFill>
+                  <a:srgbClr val="555555"/>
+                </a:solidFill>
+                <a:effectLst/>
+                <a:latin typeface="AppleSDGothicNeo"/>
+              </a:rPr>
+              <a:t>, </a:t>
+            </a:r>
+            <a:r>
+              <a:rPr lang="ko-KR" altLang="en-US" b="0" i="0" dirty="0">
+                <a:solidFill>
+                  <a:srgbClr val="555555"/>
+                </a:solidFill>
+                <a:effectLst/>
+                <a:latin typeface="AppleSDGothicNeo"/>
+              </a:rPr>
+              <a:t>새로운 </a:t>
+            </a:r>
+            <a:r>
+              <a:rPr lang="ko-KR" altLang="en-US" b="0" i="0" dirty="0" err="1">
+                <a:solidFill>
+                  <a:srgbClr val="555555"/>
+                </a:solidFill>
+                <a:effectLst/>
+                <a:latin typeface="AppleSDGothicNeo"/>
+              </a:rPr>
+              <a:t>히든</a:t>
+            </a:r>
+            <a:r>
+              <a:rPr lang="ko-KR" altLang="en-US" b="0" i="0" dirty="0">
+                <a:solidFill>
+                  <a:srgbClr val="555555"/>
+                </a:solidFill>
+                <a:effectLst/>
+                <a:latin typeface="AppleSDGothicNeo"/>
+              </a:rPr>
+              <a:t> 노드를 하나 추가하고 그 새로 추가된 노드의 </a:t>
+            </a:r>
+            <a:r>
+              <a:rPr lang="en-US" altLang="ko-KR" b="0" i="0" dirty="0">
+                <a:solidFill>
+                  <a:srgbClr val="555555"/>
+                </a:solidFill>
+                <a:effectLst/>
+                <a:latin typeface="AppleSDGothicNeo"/>
+              </a:rPr>
               <a:t>weight</a:t>
             </a:r>
             <a:r>
@@ -4661,17 +5674,17 @@
                 <a:effectLst/>
                 <a:latin typeface="AppleSDGothicNeo"/>
               </a:rPr>
-              <a:t>에 기반하면 </a:t>
-            </a:r>
-            <a:r>
-              <a:rPr lang="en-US" altLang="ko-KR" b="0" i="0" dirty="0" err="1">
+              <a:t>를 같은 데이터로 다시 학습한다</a:t>
+            </a:r>
+            <a:r>
+              <a:rPr lang="en-US" altLang="ko-KR" b="0" i="0" dirty="0">
                 <a:solidFill>
                   <a:srgbClr val="555555"/>
                 </a:solidFill>
                 <a:effectLst/>
                 <a:latin typeface="AppleSDGothicNeo"/>
               </a:rPr>
-              <a:t>Adaboost</a:t>
+              <a:t>. </a:t>
             </a:r>
             <a:r>
               <a:rPr lang="ko-KR" altLang="en-US" b="0" i="0" dirty="0">
@@ -4681,7 +5694,7 @@
                 <a:effectLst/>
                 <a:latin typeface="AppleSDGothicNeo"/>
               </a:rPr>
-              <a:t>가 되고</a:t>
+              <a:t>이를 </a:t>
             </a:r>
             <a:r>
               <a:rPr lang="en-US" altLang="ko-KR" b="0" i="0" dirty="0">
@@ -4691,7 +5704,7 @@
                 <a:effectLst/>
                 <a:latin typeface="AppleSDGothicNeo"/>
               </a:rPr>
-              <a:t>, error</a:t>
+              <a:t>error</a:t>
             </a:r>
             <a:r>
               <a:rPr lang="ko-KR" altLang="en-US" b="0" i="0" dirty="0">
@@ -4701,7 +5714,7 @@
                 <a:effectLst/>
                 <a:latin typeface="AppleSDGothicNeo"/>
               </a:rPr>
-              <a:t>를 미분한 </a:t>
+              <a:t>가 충분히 줄어들 때까지 계속 반복한다</a:t>
             </a:r>
             <a:r>
               <a:rPr lang="en-US" altLang="ko-KR" b="0" i="0" dirty="0">
@@ -4711,7 +5724,7 @@
                 <a:effectLst/>
                 <a:latin typeface="AppleSDGothicNeo"/>
               </a:rPr>
-              <a:t>gradient</a:t>
+              <a:t>. </a:t>
             </a:r>
             <a:r>
               <a:rPr lang="ko-KR" altLang="en-US" b="0" i="0" dirty="0">
@@ -4721,7 +5734,27 @@
                 <a:effectLst/>
                 <a:latin typeface="AppleSDGothicNeo"/>
               </a:rPr>
-              <a:t>에 기반하면 </a:t>
+              <a:t>이 과정은 결국 하나의 </a:t>
+            </a:r>
+            <a:r>
+              <a:rPr lang="ko-KR" altLang="en-US" b="0" i="0" dirty="0" err="1">
+                <a:solidFill>
+                  <a:srgbClr val="555555"/>
+                </a:solidFill>
+                <a:effectLst/>
+                <a:latin typeface="AppleSDGothicNeo"/>
+              </a:rPr>
+              <a:t>히든</a:t>
+            </a:r>
+            <a:r>
+              <a:rPr lang="ko-KR" altLang="en-US" b="0" i="0" dirty="0">
+                <a:solidFill>
+                  <a:srgbClr val="555555"/>
+                </a:solidFill>
+                <a:effectLst/>
+                <a:latin typeface="AppleSDGothicNeo"/>
+              </a:rPr>
+              <a:t> 뉴런을 </a:t>
             </a:r>
             <a:r>
               <a:rPr lang="en-US" altLang="ko-KR" b="0" i="0" dirty="0">
@@ -4731,7 +5764,7 @@
                 <a:effectLst/>
                 <a:latin typeface="AppleSDGothicNeo"/>
               </a:rPr>
-              <a:t>gradient boost</a:t>
+              <a:t>additional model</a:t>
             </a:r>
             <a:r>
               <a:rPr lang="ko-KR" altLang="en-US" b="0" i="0" dirty="0">
@@ -4741,7 +5774,7 @@
                 <a:effectLst/>
                 <a:latin typeface="AppleSDGothicNeo"/>
               </a:rPr>
-              <a:t>가 된다</a:t>
+              <a:t>로써 계속 추가하면서 표현력을 점진적으로 증가시키는 과정에 해당한다</a:t>
             </a:r>
             <a:r>
               <a:rPr lang="en-US" altLang="ko-KR" b="0" i="0" dirty="0">
@@ -4755,418 +5788,9 @@
             </a:r>
           </a:p>
           <a:p>
-            <a:r>
-              <a:rPr lang="en-US" altLang="ko-KR" b="0" i="0" dirty="0">
-                <a:solidFill>
-                  <a:srgbClr val="555555"/>
-                </a:solidFill>
-                <a:effectLst/>
-                <a:latin typeface="AppleSDGothicNeo"/>
-              </a:rPr>
-              <a:t>Gradient Boosting </a:t>
-            </a:r>
-            <a:r>
-              <a:rPr lang="ko-KR" altLang="en-US" b="0" i="0" dirty="0">
-                <a:solidFill>
-                  <a:srgbClr val="555555"/>
-                </a:solidFill>
-                <a:effectLst/>
-                <a:latin typeface="AppleSDGothicNeo"/>
-              </a:rPr>
-              <a:t>알고리즘의 경우 </a:t>
-            </a:r>
-            <a:r>
-              <a:rPr lang="en-US" altLang="ko-KR" b="0" i="0" dirty="0">
-                <a:solidFill>
-                  <a:srgbClr val="555555"/>
-                </a:solidFill>
-                <a:effectLst/>
-                <a:latin typeface="AppleSDGothicNeo"/>
-              </a:rPr>
-              <a:t>MLP</a:t>
-            </a:r>
-            <a:r>
-              <a:rPr lang="ko-KR" altLang="en-US" b="0" i="0" dirty="0">
-                <a:solidFill>
-                  <a:srgbClr val="555555"/>
-                </a:solidFill>
-                <a:effectLst/>
-                <a:latin typeface="AppleSDGothicNeo"/>
-              </a:rPr>
-              <a:t>를 예로 들면 그 학습 원리를 바로 이해할 수 있다</a:t>
-            </a:r>
-            <a:r>
-              <a:rPr lang="en-US" altLang="ko-KR" b="0" i="0" dirty="0">
-                <a:solidFill>
-                  <a:srgbClr val="555555"/>
-                </a:solidFill>
-                <a:effectLst/>
-                <a:latin typeface="AppleSDGothicNeo"/>
-              </a:rPr>
-              <a:t>. </a:t>
-            </a:r>
-            <a:r>
-              <a:rPr lang="ko-KR" altLang="en-US" b="0" i="0" dirty="0">
-                <a:solidFill>
-                  <a:srgbClr val="555555"/>
-                </a:solidFill>
-                <a:effectLst/>
-                <a:latin typeface="AppleSDGothicNeo"/>
-              </a:rPr>
-              <a:t>만약 </a:t>
-            </a:r>
-            <a:r>
-              <a:rPr lang="en-US" altLang="ko-KR" b="0" i="0" dirty="0">
-                <a:solidFill>
-                  <a:srgbClr val="555555"/>
-                </a:solidFill>
-                <a:effectLst/>
-                <a:latin typeface="AppleSDGothicNeo"/>
-              </a:rPr>
-              <a:t>GB_MLP</a:t>
-            </a:r>
-            <a:r>
-              <a:rPr lang="ko-KR" altLang="en-US" b="0" i="0" dirty="0">
-                <a:solidFill>
-                  <a:srgbClr val="555555"/>
-                </a:solidFill>
-                <a:effectLst/>
-                <a:latin typeface="AppleSDGothicNeo"/>
-              </a:rPr>
-              <a:t>을 만든다면</a:t>
-            </a:r>
-            <a:r>
-              <a:rPr lang="en-US" altLang="ko-KR" b="0" i="0" dirty="0">
-                <a:solidFill>
-                  <a:srgbClr val="555555"/>
-                </a:solidFill>
-                <a:effectLst/>
-                <a:latin typeface="AppleSDGothicNeo"/>
-              </a:rPr>
-              <a:t>, </a:t>
-            </a:r>
-            <a:r>
-              <a:rPr lang="ko-KR" altLang="en-US" b="0" i="0" dirty="0">
-                <a:solidFill>
-                  <a:srgbClr val="555555"/>
-                </a:solidFill>
-                <a:effectLst/>
-                <a:latin typeface="AppleSDGothicNeo"/>
-              </a:rPr>
-              <a:t>경우 먼저 </a:t>
-            </a:r>
-            <a:r>
-              <a:rPr lang="en-US" altLang="ko-KR" b="0" i="0" dirty="0">
-                <a:solidFill>
-                  <a:srgbClr val="555555"/>
-                </a:solidFill>
-                <a:effectLst/>
-                <a:latin typeface="AppleSDGothicNeo"/>
-              </a:rPr>
-              <a:t>1</a:t>
-            </a:r>
-            <a:r>
-              <a:rPr lang="ko-KR" altLang="en-US" b="0" i="0" dirty="0">
-                <a:solidFill>
-                  <a:srgbClr val="555555"/>
-                </a:solidFill>
-                <a:effectLst/>
-                <a:latin typeface="AppleSDGothicNeo"/>
-              </a:rPr>
-              <a:t>개의 </a:t>
-            </a:r>
-            <a:r>
-              <a:rPr lang="ko-KR" altLang="en-US" b="0" i="0" dirty="0" err="1">
-                <a:solidFill>
-                  <a:srgbClr val="555555"/>
-                </a:solidFill>
-                <a:effectLst/>
-                <a:latin typeface="AppleSDGothicNeo"/>
-              </a:rPr>
-              <a:t>히든</a:t>
-            </a:r>
-            <a:r>
-              <a:rPr lang="ko-KR" altLang="en-US" b="0" i="0" dirty="0">
-                <a:solidFill>
-                  <a:srgbClr val="555555"/>
-                </a:solidFill>
-                <a:effectLst/>
-                <a:latin typeface="AppleSDGothicNeo"/>
-              </a:rPr>
-              <a:t> 뉴런만 있는 </a:t>
-            </a:r>
-            <a:r>
-              <a:rPr lang="en-US" altLang="ko-KR" b="0" i="0" dirty="0">
-                <a:solidFill>
-                  <a:srgbClr val="555555"/>
-                </a:solidFill>
-                <a:effectLst/>
-                <a:latin typeface="AppleSDGothicNeo"/>
-              </a:rPr>
-              <a:t>3</a:t>
-            </a:r>
-            <a:r>
-              <a:rPr lang="ko-KR" altLang="en-US" b="0" i="0" dirty="0" err="1">
-                <a:solidFill>
-                  <a:srgbClr val="555555"/>
-                </a:solidFill>
-                <a:effectLst/>
-                <a:latin typeface="AppleSDGothicNeo"/>
-              </a:rPr>
-              <a:t>층짜리</a:t>
-            </a:r>
-            <a:r>
-              <a:rPr lang="ko-KR" altLang="en-US" b="0" i="0" dirty="0">
-                <a:solidFill>
-                  <a:srgbClr val="555555"/>
-                </a:solidFill>
-                <a:effectLst/>
-                <a:latin typeface="AppleSDGothicNeo"/>
-              </a:rPr>
-              <a:t> </a:t>
-            </a:r>
-            <a:r>
-              <a:rPr lang="en-US" altLang="ko-KR" b="0" i="0" dirty="0">
-                <a:solidFill>
-                  <a:srgbClr val="555555"/>
-                </a:solidFill>
-                <a:effectLst/>
-                <a:latin typeface="AppleSDGothicNeo"/>
-              </a:rPr>
-              <a:t>MLP</a:t>
-            </a:r>
-            <a:r>
-              <a:rPr lang="ko-KR" altLang="en-US" b="0" i="0" dirty="0">
-                <a:solidFill>
-                  <a:srgbClr val="555555"/>
-                </a:solidFill>
-                <a:effectLst/>
-                <a:latin typeface="AppleSDGothicNeo"/>
-              </a:rPr>
-              <a:t>로 데이터를 학습한다</a:t>
-            </a:r>
-            <a:r>
-              <a:rPr lang="en-US" altLang="ko-KR" b="0" i="0" dirty="0">
-                <a:solidFill>
-                  <a:srgbClr val="555555"/>
-                </a:solidFill>
-                <a:effectLst/>
-                <a:latin typeface="AppleSDGothicNeo"/>
-              </a:rPr>
-              <a:t>. </a:t>
-            </a:r>
-            <a:r>
-              <a:rPr lang="ko-KR" altLang="en-US" b="0" i="0" dirty="0" err="1">
-                <a:solidFill>
-                  <a:srgbClr val="555555"/>
-                </a:solidFill>
-                <a:effectLst/>
-                <a:latin typeface="AppleSDGothicNeo"/>
-              </a:rPr>
-              <a:t>그다음</a:t>
-            </a:r>
-            <a:r>
-              <a:rPr lang="ko-KR" altLang="en-US" b="0" i="0" dirty="0">
-                <a:solidFill>
-                  <a:srgbClr val="555555"/>
-                </a:solidFill>
-                <a:effectLst/>
-                <a:latin typeface="AppleSDGothicNeo"/>
-              </a:rPr>
-              <a:t> </a:t>
-            </a:r>
-            <a:r>
-              <a:rPr lang="en-US" altLang="ko-KR" b="0" i="0" dirty="0">
-                <a:solidFill>
-                  <a:srgbClr val="555555"/>
-                </a:solidFill>
-                <a:effectLst/>
-                <a:latin typeface="AppleSDGothicNeo"/>
-              </a:rPr>
-              <a:t>error</a:t>
-            </a:r>
-            <a:r>
-              <a:rPr lang="ko-KR" altLang="en-US" b="0" i="0" dirty="0">
-                <a:solidFill>
-                  <a:srgbClr val="555555"/>
-                </a:solidFill>
-                <a:effectLst/>
-                <a:latin typeface="AppleSDGothicNeo"/>
-              </a:rPr>
-              <a:t>가 더이상 줄어들지 않으면</a:t>
-            </a:r>
-            <a:r>
-              <a:rPr lang="en-US" altLang="ko-KR" b="0" i="0" dirty="0">
-                <a:solidFill>
-                  <a:srgbClr val="555555"/>
-                </a:solidFill>
-                <a:effectLst/>
-                <a:latin typeface="AppleSDGothicNeo"/>
-              </a:rPr>
-              <a:t>, </a:t>
-            </a:r>
-            <a:r>
-              <a:rPr lang="ko-KR" altLang="en-US" b="0" i="0" dirty="0">
-                <a:solidFill>
-                  <a:srgbClr val="555555"/>
-                </a:solidFill>
-                <a:effectLst/>
-                <a:latin typeface="AppleSDGothicNeo"/>
-              </a:rPr>
-              <a:t>새로운 </a:t>
-            </a:r>
-            <a:r>
-              <a:rPr lang="ko-KR" altLang="en-US" b="0" i="0" dirty="0" err="1">
-                <a:solidFill>
-                  <a:srgbClr val="555555"/>
-                </a:solidFill>
-                <a:effectLst/>
-                <a:latin typeface="AppleSDGothicNeo"/>
-              </a:rPr>
-              <a:t>히든</a:t>
-            </a:r>
-            <a:r>
-              <a:rPr lang="ko-KR" altLang="en-US" b="0" i="0" dirty="0">
-                <a:solidFill>
-                  <a:srgbClr val="555555"/>
-                </a:solidFill>
-                <a:effectLst/>
-                <a:latin typeface="AppleSDGothicNeo"/>
-              </a:rPr>
-              <a:t> 노드를 하나 추가하고 그 새로 추가된 노드의 </a:t>
-            </a:r>
-            <a:r>
-              <a:rPr lang="en-US" altLang="ko-KR" b="0" i="0" dirty="0">
-                <a:solidFill>
-                  <a:srgbClr val="555555"/>
-                </a:solidFill>
-                <a:effectLst/>
-                <a:latin typeface="AppleSDGothicNeo"/>
-              </a:rPr>
-              <a:t>weight</a:t>
-            </a:r>
-            <a:r>
-              <a:rPr lang="ko-KR" altLang="en-US" b="0" i="0" dirty="0">
-                <a:solidFill>
-                  <a:srgbClr val="555555"/>
-                </a:solidFill>
-                <a:effectLst/>
-                <a:latin typeface="AppleSDGothicNeo"/>
-              </a:rPr>
-              <a:t>를 같은 데이터로 다시 학습한다</a:t>
-            </a:r>
-            <a:r>
-              <a:rPr lang="en-US" altLang="ko-KR" b="0" i="0" dirty="0">
-                <a:solidFill>
-                  <a:srgbClr val="555555"/>
-                </a:solidFill>
-                <a:effectLst/>
-                <a:latin typeface="AppleSDGothicNeo"/>
-              </a:rPr>
-              <a:t>. </a:t>
-            </a:r>
-            <a:r>
-              <a:rPr lang="ko-KR" altLang="en-US" b="0" i="0" dirty="0">
-                <a:solidFill>
-                  <a:srgbClr val="555555"/>
-                </a:solidFill>
-                <a:effectLst/>
-                <a:latin typeface="AppleSDGothicNeo"/>
-              </a:rPr>
-              <a:t>이를 </a:t>
-            </a:r>
-            <a:r>
-              <a:rPr lang="en-US" altLang="ko-KR" b="0" i="0" dirty="0">
-                <a:solidFill>
-                  <a:srgbClr val="555555"/>
-                </a:solidFill>
-                <a:effectLst/>
-                <a:latin typeface="AppleSDGothicNeo"/>
-              </a:rPr>
-              <a:t>error</a:t>
-            </a:r>
-            <a:r>
-              <a:rPr lang="ko-KR" altLang="en-US" b="0" i="0" dirty="0">
-                <a:solidFill>
-                  <a:srgbClr val="555555"/>
-                </a:solidFill>
-                <a:effectLst/>
-                <a:latin typeface="AppleSDGothicNeo"/>
-              </a:rPr>
-              <a:t>가 충분히 줄어들 때까지 계속 반복한다</a:t>
-            </a:r>
-            <a:r>
-              <a:rPr lang="en-US" altLang="ko-KR" b="0" i="0" dirty="0">
-                <a:solidFill>
-                  <a:srgbClr val="555555"/>
-                </a:solidFill>
-                <a:effectLst/>
-                <a:latin typeface="AppleSDGothicNeo"/>
-              </a:rPr>
-              <a:t>. </a:t>
-            </a:r>
-            <a:r>
-              <a:rPr lang="ko-KR" altLang="en-US" b="0" i="0" dirty="0">
-                <a:solidFill>
-                  <a:srgbClr val="555555"/>
-                </a:solidFill>
-                <a:effectLst/>
-                <a:latin typeface="AppleSDGothicNeo"/>
-              </a:rPr>
-              <a:t>이 과정은 결국 하나의 </a:t>
-            </a:r>
-            <a:r>
-              <a:rPr lang="ko-KR" altLang="en-US" b="0" i="0" dirty="0" err="1">
-                <a:solidFill>
-                  <a:srgbClr val="555555"/>
-                </a:solidFill>
-                <a:effectLst/>
-                <a:latin typeface="AppleSDGothicNeo"/>
-              </a:rPr>
-              <a:t>히든</a:t>
-            </a:r>
-            <a:r>
-              <a:rPr lang="ko-KR" altLang="en-US" b="0" i="0" dirty="0">
-                <a:solidFill>
-                  <a:srgbClr val="555555"/>
-                </a:solidFill>
-                <a:effectLst/>
-                <a:latin typeface="AppleSDGothicNeo"/>
-              </a:rPr>
-              <a:t> 뉴런을 </a:t>
-            </a:r>
-            <a:r>
-              <a:rPr lang="en-US" altLang="ko-KR" b="0" i="0" dirty="0">
-                <a:solidFill>
-                  <a:srgbClr val="555555"/>
-                </a:solidFill>
-                <a:effectLst/>
-                <a:latin typeface="AppleSDGothicNeo"/>
-              </a:rPr>
-              <a:t>additional model</a:t>
-            </a:r>
-            <a:r>
-              <a:rPr lang="ko-KR" altLang="en-US" b="0" i="0" dirty="0">
-                <a:solidFill>
-                  <a:srgbClr val="555555"/>
-                </a:solidFill>
-                <a:effectLst/>
-                <a:latin typeface="AppleSDGothicNeo"/>
-              </a:rPr>
-              <a:t>로써 계속 추가하면서 표현력을 점진적으로 증가시키는 과정에 해당한다</a:t>
-            </a:r>
-            <a:r>
-              <a:rPr lang="en-US" altLang="ko-KR" b="0" i="0" dirty="0">
-                <a:solidFill>
-                  <a:srgbClr val="555555"/>
-                </a:solidFill>
-                <a:effectLst/>
-                <a:latin typeface="AppleSDGothicNeo"/>
-              </a:rPr>
-              <a:t>.</a:t>
-            </a:r>
-          </a:p>
-          <a:p>
+            <a:pPr marL="0" indent="0">
+              <a:buNone/>
+            </a:pPr>
             <a:r>
               <a:rPr lang="ko-KR" altLang="en-US" b="0" i="0" dirty="0">
                 <a:solidFill>
@@ -5319,16 +5943,14 @@
         </p:nvSpPr>
         <p:spPr/>
         <p:txBody>
-          <a:bodyPr/>
+          <a:bodyPr>
+            <a:normAutofit fontScale="90000"/>
+          </a:bodyPr>
           <a:lstStyle/>
           <a:p>
             <a:r>
               <a:rPr lang="en-US" altLang="ko-KR" dirty="0"/>
-              <a:t>1. </a:t>
-            </a:r>
-            <a:r>
-              <a:rPr lang="en-US" altLang="ko-KR" dirty="0" err="1"/>
-              <a:t>Abstact</a:t>
+              <a:t>1. Abstract</a:t>
             </a:r>
             <a:endParaRPr lang="ko-KR" altLang="en-US" dirty="0"/>
           </a:p>
@@ -5523,7 +6145,9 @@
         </p:nvSpPr>
         <p:spPr/>
         <p:txBody>
-          <a:bodyPr/>
+          <a:bodyPr>
+            <a:normAutofit fontScale="90000"/>
+          </a:bodyPr>
           <a:lstStyle/>
           <a:p>
             <a:r>
@@ -5553,7 +6177,7 @@
         <p:spPr/>
         <p:txBody>
           <a:bodyPr>
-            <a:normAutofit fontScale="92500" lnSpcReduction="10000"/>
+            <a:normAutofit/>
           </a:bodyPr>
           <a:lstStyle/>
           <a:p>
@@ -5715,7 +6339,9 @@
         </p:nvSpPr>
         <p:spPr/>
         <p:txBody>
-          <a:bodyPr/>
+          <a:bodyPr>
+            <a:normAutofit fontScale="90000"/>
+          </a:bodyPr>
           <a:lstStyle/>
           <a:p>
             <a:r>
@@ -5745,7 +6371,7 @@
         <p:spPr/>
         <p:txBody>
           <a:bodyPr>
-            <a:normAutofit lnSpcReduction="10000"/>
+            <a:normAutofit/>
           </a:bodyPr>
           <a:lstStyle/>
           <a:p>
@@ -5906,7 +6532,9 @@
         </p:nvSpPr>
         <p:spPr/>
         <p:txBody>
-          <a:bodyPr/>
+          <a:bodyPr>
+            <a:normAutofit fontScale="90000"/>
+          </a:bodyPr>
           <a:lstStyle/>
           <a:p>
             <a:r>
@@ -6340,4 +6968,299 @@
     </a:ext>
   </a:extLst>
 </a:theme>
+</file>
+
+<file path=ppt/theme/theme2.xml><?xml version="1.0" encoding="utf-8"?>
+<a:theme xmlns:a="http://schemas.openxmlformats.org/drawingml/2006/main" name="Office 테마">
+  <a:themeElements>
+    <a:clrScheme name="Office">
+      <a:dk1>
+        <a:sysClr val="windowText" lastClr="000000"/>
+      </a:dk1>
+      <a:lt1>
+        <a:sysClr val="window" lastClr="FFFFFF"/>
+      </a:lt1>
+      <a:dk2>
+        <a:srgbClr val="44546A"/>
+      </a:dk2>
+      <a:lt2>
+        <a:srgbClr val="E7E6E6"/>
+      </a:lt2>
+      <a:accent1>
+        <a:srgbClr val="4472C4"/>
+      </a:accent1>
+      <a:accent2>
+        <a:srgbClr val="ED7D31"/>
+      </a:accent2>
+      <a:accent3>
+        <a:srgbClr val="A5A5A5"/>
+      </a:accent3>
+      <a:accent4>
+        <a:srgbClr val="FFC000"/>
+      </a:accent4>
+      <a:accent5>
+        <a:srgbClr val="5B9BD5"/>
+      </a:accent5>
+      <a:accent6>
+        <a:srgbClr val="70AD47"/>
+      </a:accent6>
+      <a:hlink>
+        <a:srgbClr val="0563C1"/>
+      </a:hlink>
+      <a:folHlink>
+        <a:srgbClr val="954F72"/>
+      </a:folHlink>
+    </a:clrScheme>
+    <a:fontScheme name="Office">
+      <a:majorFont>
+        <a:latin typeface="맑은 고딕" panose="020F0302020204030204"/>
+        <a:ea typeface=""/>
+        <a:cs typeface=""/>
+        <a:font script="Jpan" typeface="游ゴシック Light"/>
+        <a:font script="Hang" typeface="맑은 고딕"/>
+        <a:font script="Hans" typeface="等线 Light"/>
+        <a:font script="Hant" typeface="新細明體"/>
+        <a:font script="Arab" typeface="Times New Roman"/>
+        <a:font script="Hebr" typeface="Times New Roman"/>
+        <a:font script="Thai" typeface="Angsana New"/>
+        <a:font script="Ethi" typeface="Nyala"/>
+        <a:font script="Beng" typeface="Vrinda"/>
+        <a:font script="Gujr" typeface="Shruti"/>
+        <a:font script="Khmr" typeface="MoolBoran"/>
+        <a:font script="Knda" typeface="Tunga"/>
+        <a:font script="Guru" typeface="Raavi"/>
+        <a:font script="Cans" typeface="Euphemia"/>
+        <a:font script="Cher" typeface="Plantagenet Cherokee"/>
+        <a:font script="Yiii" typeface="Microsoft Yi Baiti"/>
+        <a:font script="Tibt" typeface="Microsoft Himalaya"/>
+        <a:font script="Thaa" typeface="MV Boli"/>
+        <a:font script="Deva" typeface="Mangal"/>
+        <a:font script="Telu" typeface="Gautami"/>
+        <a:font script="Taml" typeface="Latha"/>
+        <a:font script="Syrc" typeface="Estrangelo Edessa"/>
+        <a:font script="Orya" typeface="Kalinga"/>
+        <a:font script="Mlym" typeface="Kartika"/>
+        <a:font script="Laoo" typeface="DokChampa"/>
+        <a:font script="Sinh" typeface="Iskoola Pota"/>
+        <a:font script="Mong" typeface="Mongolian Baiti"/>
+        <a:font script="Viet" typeface="Times New Roman"/>
+        <a:font script="Uigh" typeface="Microsoft Uighur"/>
+        <a:font script="Geor" typeface="Sylfaen"/>
+        <a:font script="Armn" typeface="Arial"/>
+        <a:font script="Bugi" typeface="Leelawadee UI"/>
+        <a:font script="Bopo" typeface="Microsoft JhengHei"/>
+        <a:font script="Java" typeface="Javanese Text"/>
+        <a:font script="Lisu" typeface="Segoe UI"/>
+        <a:font script="Mymr" typeface="Myanmar Text"/>
+        <a:font script="Nkoo" typeface="Ebrima"/>
+        <a:font script="Olck" typeface="Nirmala UI"/>
+        <a:font script="Osma" typeface="Ebrima"/>
+        <a:font script="Phag" typeface="Phagspa"/>
+        <a:font script="Syrn" typeface="Estrangelo Edessa"/>
+        <a:font script="Syrj" typeface="Estrangelo Edessa"/>
+        <a:font script="Syre" typeface="Estrangelo Edessa"/>
+        <a:font script="Sora" typeface="Nirmala UI"/>
+        <a:font script="Tale" typeface="Microsoft Tai Le"/>
+        <a:font script="Talu" typeface="Microsoft New Tai Lue"/>
+        <a:font script="Tfng" typeface="Ebrima"/>
+      </a:majorFont>
+      <a:minorFont>
+        <a:latin typeface="맑은 고딕" panose="020F0502020204030204"/>
+        <a:ea typeface=""/>
+        <a:cs typeface=""/>
+        <a:font script="Jpan" typeface="游ゴシック"/>
+        <a:font script="Hang" typeface="맑은 고딕"/>
+        <a:font script="Hans" typeface="等线"/>
+        <a:font script="Hant" typeface="新細明體"/>
+        <a:font script="Arab" typeface="Arial"/>
+        <a:font script="Hebr" typeface="Arial"/>
+        <a:font script="Thai" typeface="Cordia New"/>
+        <a:font script="Ethi" typeface="Nyala"/>
+        <a:font script="Beng" typeface="Vrinda"/>
+        <a:font script="Gujr" typeface="Shruti"/>
+        <a:font script="Khmr" typeface="DaunPenh"/>
+        <a:font script="Knda" typeface="Tunga"/>
+        <a:font script="Guru" typeface="Raavi"/>
+        <a:font script="Cans" typeface="Euphemia"/>
+        <a:font script="Cher" typeface="Plantagenet Cherokee"/>
+        <a:font script="Yiii" typeface="Microsoft Yi Baiti"/>
+        <a:font script="Tibt" typeface="Microsoft Himalaya"/>
+        <a:font script="Thaa" typeface="MV Boli"/>
+        <a:font script="Deva" typeface="Mangal"/>
+        <a:font script="Telu" typeface="Gautami"/>
+        <a:font script="Taml" typeface="Latha"/>
+        <a:font script="Syrc" typeface="Estrangelo Edessa"/>
+        <a:font script="Orya" typeface="Kalinga"/>
+        <a:font script="Mlym" typeface="Kartika"/>
+        <a:font script="Laoo" typeface="DokChampa"/>
+        <a:font script="Sinh" typeface="Iskoola Pota"/>
+        <a:font script="Mong" typeface="Mongolian Baiti"/>
+        <a:font script="Viet" typeface="Arial"/>
+        <a:font script="Uigh" typeface="Microsoft Uighur"/>
+        <a:font script="Geor" typeface="Sylfaen"/>
+        <a:font script="Armn" typeface="Arial"/>
+        <a:font script="Bugi" typeface="Leelawadee UI"/>
+        <a:font script="Bopo" typeface="Microsoft JhengHei"/>
+        <a:font script="Java" typeface="Javanese Text"/>
+        <a:font script="Lisu" typeface="Segoe UI"/>
+        <a:font script="Mymr" typeface="Myanmar Text"/>
+        <a:font script="Nkoo" typeface="Ebrima"/>
+        <a:font script="Olck" typeface="Nirmala UI"/>
+        <a:font script="Osma" typeface="Ebrima"/>
+        <a:font script="Phag" typeface="Phagspa"/>
+        <a:font script="Syrn" typeface="Estrangelo Edessa"/>
+        <a:font script="Syrj" typeface="Estrangelo Edessa"/>
+        <a:font script="Syre" typeface="Estrangelo Edessa"/>
+        <a:font script="Sora" typeface="Nirmala UI"/>
+        <a:font script="Tale" typeface="Microsoft Tai Le"/>
+        <a:font script="Talu" typeface="Microsoft New Tai Lue"/>
+        <a:font script="Tfng" typeface="Ebrima"/>
+      </a:minorFont>
+    </a:fontScheme>
+    <a:fmtScheme name="Office">
+      <a:fillStyleLst>
+        <a:solidFill>
+          <a:schemeClr val="phClr"/>
+        </a:solidFill>
+        <a:gradFill rotWithShape="1">
+          <a:gsLst>
+            <a:gs pos="0">
+              <a:schemeClr val="phClr">
+                <a:lumMod val="110000"/>
+                <a:satMod val="105000"/>
+                <a:tint val="67000"/>
+              </a:schemeClr>
+            </a:gs>
+            <a:gs pos="50000">
+              <a:schemeClr val="phClr">
+                <a:lumMod val="105000"/>
+                <a:satMod val="103000"/>
+                <a:tint val="73000"/>
+              </a:schemeClr>
+            </a:gs>
+            <a:gs pos="100000">
+              <a:schemeClr val="phClr">
+                <a:lumMod val="105000"/>
+                <a:satMod val="109000"/>
+                <a:tint val="81000"/>
+              </a:schemeClr>
+            </a:gs>
+          </a:gsLst>
+          <a:lin ang="5400000" scaled="0"/>
+        </a:gradFill>
+        <a:gradFill rotWithShape="1">
+          <a:gsLst>
+            <a:gs pos="0">
+              <a:schemeClr val="phClr">
+                <a:satMod val="103000"/>
+                <a:lumMod val="102000"/>
+                <a:tint val="94000"/>
+              </a:schemeClr>
+            </a:gs>
+            <a:gs pos="50000">
+              <a:schemeClr val="phClr">
+                <a:satMod val="110000"/>
+                <a:lumMod val="100000"/>
+                <a:shade val="100000"/>
+              </a:schemeClr>
+            </a:gs>
+            <a:gs pos="100000">
+              <a:schemeClr val="phClr">
+                <a:lumMod val="99000"/>
+                <a:satMod val="120000"/>
+                <a:shade val="78000"/>
+              </a:schemeClr>
+            </a:gs>
+          </a:gsLst>
+          <a:lin ang="5400000" scaled="0"/>
+        </a:gradFill>
+      </a:fillStyleLst>
+      <a:lnStyleLst>
+        <a:ln w="6350" cap="flat" cmpd="sng" algn="ctr">
+          <a:solidFill>
+            <a:schemeClr val="phClr"/>
+          </a:solidFill>
+          <a:prstDash val="solid"/>
+          <a:miter lim="800000"/>
+        </a:ln>
+        <a:ln w="12700" cap="flat" cmpd="sng" algn="ctr">
+          <a:solidFill>
+            <a:schemeClr val="phClr"/>
+          </a:solidFill>
+          <a:prstDash val="solid"/>
+          <a:miter lim="800000"/>
+        </a:ln>
+        <a:ln w="19050" cap="flat" cmpd="sng" algn="ctr">
+          <a:solidFill>
+            <a:schemeClr val="phClr"/>
+          </a:solidFill>
+          <a:prstDash val="solid"/>
+          <a:miter lim="800000"/>
+        </a:ln>
+      </a:lnStyleLst>
+      <a:effectStyleLst>
+        <a:effectStyle>
+          <a:effectLst/>
+        </a:effectStyle>
+        <a:effectStyle>
+          <a:effectLst/>
+        </a:effectStyle>
+        <a:effectStyle>
+          <a:effectLst>
+            <a:outerShdw blurRad="57150" dist="19050" dir="5400000" algn="ctr" rotWithShape="0">
+              <a:srgbClr val="000000">
+                <a:alpha val="63000"/>
+              </a:srgbClr>
+            </a:outerShdw>
+          </a:effectLst>
+        </a:effectStyle>
+      </a:effectStyleLst>
+      <a:bgFillStyleLst>
+        <a:solidFill>
+          <a:schemeClr val="phClr"/>
+        </a:solidFill>
+        <a:solidFill>
+          <a:schemeClr val="phClr">
+            <a:tint val="95000"/>
+            <a:satMod val="170000"/>
+          </a:schemeClr>
+        </a:solidFill>
+        <a:gradFill rotWithShape="1">
+          <a:gsLst>
+            <a:gs pos="0">
+              <a:schemeClr val="phClr">
+                <a:tint val="93000"/>
+                <a:satMod val="150000"/>
+                <a:shade val="98000"/>
+                <a:lumMod val="102000"/>
+              </a:schemeClr>
+            </a:gs>
+            <a:gs pos="50000">
+              <a:schemeClr val="phClr">
+                <a:tint val="98000"/>
+                <a:satMod val="130000"/>
+                <a:shade val="90000"/>
+                <a:lumMod val="103000"/>
+              </a:schemeClr>
+            </a:gs>
+            <a:gs pos="100000">
+              <a:schemeClr val="phClr">
+                <a:shade val="63000"/>
+                <a:satMod val="120000"/>
+              </a:schemeClr>
+            </a:gs>
+          </a:gsLst>
+          <a:lin ang="5400000" scaled="0"/>
+        </a:gradFill>
+      </a:bgFillStyleLst>
+    </a:fmtScheme>
+  </a:themeElements>
+  <a:objectDefaults/>
+  <a:extraClrSchemeLst/>
+  <a:extLst>
+    <a:ext uri="{05A4C25C-085E-4340-85A3-A5531E510DB2}">
+      <thm15:themeFamily xmlns:thm15="http://schemas.microsoft.com/office/thememl/2012/main" name="Office Theme" id="{62F939B6-93AF-4DB8-9C6B-D6C7DFDC589F}" vid="{4A3C46E8-61CC-4603-A589-7422A47A8E4A}"/>
+    </a:ext>
+  </a:extLst>
+</a:theme>
 </file>
--- a/발표/DAP 1014.pptx
+++ b/발표/DAP 1014.pptx
@@ -5,7 +5,7 @@
     <p:sldMasterId id="2147483648" r:id="rId1"/>
   </p:sldMasterIdLst>
   <p:notesMasterIdLst>
-    <p:notesMasterId r:id="rId12"/>
+    <p:notesMasterId r:id="rId38"/>
   </p:notesMasterIdLst>
   <p:sldIdLst>
     <p:sldId id="256" r:id="rId2"/>
@@ -18,6 +18,32 @@
     <p:sldId id="263" r:id="rId9"/>
     <p:sldId id="264" r:id="rId10"/>
     <p:sldId id="266" r:id="rId11"/>
+    <p:sldId id="267" r:id="rId12"/>
+    <p:sldId id="268" r:id="rId13"/>
+    <p:sldId id="269" r:id="rId14"/>
+    <p:sldId id="271" r:id="rId15"/>
+    <p:sldId id="275" r:id="rId16"/>
+    <p:sldId id="270" r:id="rId17"/>
+    <p:sldId id="276" r:id="rId18"/>
+    <p:sldId id="277" r:id="rId19"/>
+    <p:sldId id="272" r:id="rId20"/>
+    <p:sldId id="278" r:id="rId21"/>
+    <p:sldId id="280" r:id="rId22"/>
+    <p:sldId id="281" r:id="rId23"/>
+    <p:sldId id="282" r:id="rId24"/>
+    <p:sldId id="292" r:id="rId25"/>
+    <p:sldId id="283" r:id="rId26"/>
+    <p:sldId id="284" r:id="rId27"/>
+    <p:sldId id="285" r:id="rId28"/>
+    <p:sldId id="286" r:id="rId29"/>
+    <p:sldId id="279" r:id="rId30"/>
+    <p:sldId id="287" r:id="rId31"/>
+    <p:sldId id="273" r:id="rId32"/>
+    <p:sldId id="288" r:id="rId33"/>
+    <p:sldId id="289" r:id="rId34"/>
+    <p:sldId id="290" r:id="rId35"/>
+    <p:sldId id="291" r:id="rId36"/>
+    <p:sldId id="274" r:id="rId37"/>
   </p:sldIdLst>
   <p:sldSz cx="12192000" cy="6858000"/>
   <p:notesSz cx="6858000" cy="9144000"/>
@@ -119,6 +145,9 @@
   <p:extLst>
     <p:ext uri="{EFAFB233-063F-42B5-8137-9DF3F51BA10A}">
       <p15:sldGuideLst xmlns:p15="http://schemas.microsoft.com/office/powerpoint/2012/main"/>
+    </p:ext>
+    <p:ext uri="{2D200454-40CA-4A62-9FC3-DE9A4176ACB9}">
+      <p15:notesGuideLst xmlns:p15="http://schemas.microsoft.com/office/powerpoint/2012/main"/>
     </p:ext>
   </p:extLst>
 </p:presentation>
@@ -1321,34 +1350,36 @@
           </a:xfrm>
         </p:spPr>
         <p:txBody>
-          <a:bodyPr/>
+          <a:bodyPr>
+            <a:normAutofit/>
+          </a:bodyPr>
           <a:lstStyle>
             <a:lvl1pPr>
-              <a:defRPr>
+              <a:defRPr sz="2400">
                 <a:latin typeface="나눔바른고딕" panose="020B0603020101020101" pitchFamily="50" charset="-127"/>
                 <a:ea typeface="나눔바른고딕" panose="020B0603020101020101" pitchFamily="50" charset="-127"/>
               </a:defRPr>
             </a:lvl1pPr>
             <a:lvl2pPr>
-              <a:defRPr>
+              <a:defRPr sz="2000">
                 <a:latin typeface="나눔바른고딕" panose="020B0603020101020101" pitchFamily="50" charset="-127"/>
                 <a:ea typeface="나눔바른고딕" panose="020B0603020101020101" pitchFamily="50" charset="-127"/>
               </a:defRPr>
             </a:lvl2pPr>
             <a:lvl3pPr>
-              <a:defRPr>
+              <a:defRPr sz="1800">
                 <a:latin typeface="나눔바른고딕" panose="020B0603020101020101" pitchFamily="50" charset="-127"/>
                 <a:ea typeface="나눔바른고딕" panose="020B0603020101020101" pitchFamily="50" charset="-127"/>
               </a:defRPr>
             </a:lvl3pPr>
             <a:lvl4pPr>
-              <a:defRPr>
+              <a:defRPr sz="1600">
                 <a:latin typeface="나눔바른고딕" panose="020B0603020101020101" pitchFamily="50" charset="-127"/>
                 <a:ea typeface="나눔바른고딕" panose="020B0603020101020101" pitchFamily="50" charset="-127"/>
               </a:defRPr>
             </a:lvl4pPr>
             <a:lvl5pPr>
-              <a:defRPr>
+              <a:defRPr sz="1600">
                 <a:latin typeface="나눔바른고딕" panose="020B0603020101020101" pitchFamily="50" charset="-127"/>
                 <a:ea typeface="나눔바른고딕" panose="020B0603020101020101" pitchFamily="50" charset="-127"/>
               </a:defRPr>
@@ -4186,7 +4217,7 @@
         <p:spPr>
           <a:xfrm>
             <a:off x="7550728" y="5237018"/>
-            <a:ext cx="4064923" cy="1200329"/>
+            <a:ext cx="4064923" cy="646331"/>
           </a:xfrm>
           <a:prstGeom prst="rect">
             <a:avLst/>
@@ -4201,71 +4232,90 @@
           <a:p>
             <a:pPr algn="r"/>
             <a:r>
-              <a:rPr lang="ko-KR" altLang="en-US" dirty="0"/>
-              <a:t>소속 </a:t>
-            </a:r>
-            <a:r>
-              <a:rPr lang="en-US" altLang="ko-KR" dirty="0"/>
-              <a:t>: Smart</a:t>
-            </a:r>
-            <a:r>
-              <a:rPr lang="ko-KR" altLang="en-US" dirty="0"/>
+              <a:rPr lang="en-US" altLang="ko-KR" dirty="0">
+                <a:latin typeface="나눔스퀘어OTF" panose="020B0600000101010101" pitchFamily="34" charset="-127"/>
+                <a:ea typeface="나눔스퀘어OTF" panose="020B0600000101010101" pitchFamily="34" charset="-127"/>
+              </a:rPr>
+              <a:t>Smart</a:t>
+            </a:r>
+            <a:r>
+              <a:rPr lang="ko-KR" altLang="en-US" dirty="0">
+                <a:latin typeface="나눔스퀘어OTF" panose="020B0600000101010101" pitchFamily="34" charset="-127"/>
+                <a:ea typeface="나눔스퀘어OTF" panose="020B0600000101010101" pitchFamily="34" charset="-127"/>
+              </a:rPr>
               <a:t> </a:t>
             </a:r>
             <a:r>
-              <a:rPr lang="en-US" altLang="ko-KR" dirty="0"/>
+              <a:rPr lang="en-US" altLang="ko-KR" dirty="0">
+                <a:latin typeface="나눔스퀘어OTF" panose="020B0600000101010101" pitchFamily="34" charset="-127"/>
+                <a:ea typeface="나눔스퀘어OTF" panose="020B0600000101010101" pitchFamily="34" charset="-127"/>
+              </a:rPr>
               <a:t>I.O.T</a:t>
             </a:r>
             <a:r>
-              <a:rPr lang="ko-KR" altLang="en-US" dirty="0"/>
+              <a:rPr lang="ko-KR" altLang="en-US" dirty="0">
+                <a:latin typeface="나눔스퀘어OTF" panose="020B0600000101010101" pitchFamily="34" charset="-127"/>
+                <a:ea typeface="나눔스퀘어OTF" panose="020B0600000101010101" pitchFamily="34" charset="-127"/>
+              </a:rPr>
               <a:t> </a:t>
             </a:r>
             <a:r>
-              <a:rPr lang="en-US" altLang="ko-KR" dirty="0"/>
+              <a:rPr lang="en-US" altLang="ko-KR" dirty="0">
+                <a:latin typeface="나눔스퀘어OTF" panose="020B0600000101010101" pitchFamily="34" charset="-127"/>
+                <a:ea typeface="나눔스퀘어OTF" panose="020B0600000101010101" pitchFamily="34" charset="-127"/>
+              </a:rPr>
               <a:t>Lab</a:t>
             </a:r>
           </a:p>
           <a:p>
             <a:pPr algn="r"/>
             <a:r>
-              <a:rPr lang="ko-KR" altLang="en-US" dirty="0"/>
-              <a:t>학번 </a:t>
-            </a:r>
-            <a:r>
-              <a:rPr lang="en-US" altLang="ko-KR" dirty="0"/>
-              <a:t>: 201511837</a:t>
-            </a:r>
-          </a:p>
-          <a:p>
-            <a:pPr algn="r"/>
-            <a:r>
-              <a:rPr lang="ko-KR" altLang="en-US" dirty="0"/>
-              <a:t>이름 </a:t>
-            </a:r>
-            <a:r>
-              <a:rPr lang="en-US" altLang="ko-KR" dirty="0"/>
-              <a:t>: </a:t>
-            </a:r>
-            <a:r>
-              <a:rPr lang="ko-KR" altLang="en-US" dirty="0"/>
-              <a:t>이상민</a:t>
-            </a:r>
-            <a:endParaRPr lang="en-US" altLang="ko-KR" dirty="0"/>
-          </a:p>
-          <a:p>
-            <a:pPr algn="r"/>
+              <a:rPr lang="en-US" altLang="ko-KR" dirty="0">
+                <a:latin typeface="나눔스퀘어OTF" panose="020B0600000101010101" pitchFamily="34" charset="-127"/>
+                <a:ea typeface="나눔스퀘어OTF" panose="020B0600000101010101" pitchFamily="34" charset="-127"/>
+              </a:rPr>
+              <a:t>201511837 </a:t>
+            </a:r>
+            <a:r>
+              <a:rPr lang="ko-KR" altLang="en-US" dirty="0">
+                <a:latin typeface="나눔스퀘어OTF" panose="020B0600000101010101" pitchFamily="34" charset="-127"/>
+                <a:ea typeface="나눔스퀘어OTF" panose="020B0600000101010101" pitchFamily="34" charset="-127"/>
+              </a:rPr>
+              <a:t>이상민 </a:t>
+            </a:r>
+            <a:r>
+              <a:rPr lang="en-US" altLang="ko-KR" dirty="0">
+                <a:latin typeface="나눔스퀘어OTF" panose="020B0600000101010101" pitchFamily="34" charset="-127"/>
+                <a:ea typeface="나눔스퀘어OTF" panose="020B0600000101010101" pitchFamily="34" charset="-127"/>
+              </a:rPr>
+              <a:t>(</a:t>
+            </a:r>
             <a:r>
               <a:rPr lang="ko-KR" altLang="en-US" b="0" i="0" dirty="0" err="1">
                 <a:solidFill>
                   <a:srgbClr val="333333"/>
                 </a:solidFill>
                 <a:effectLst/>
-                <a:latin typeface="NanumGothic" pitchFamily="2" charset="-127"/>
-                <a:ea typeface="NanumGothic" pitchFamily="2" charset="-127"/>
+                <a:latin typeface="나눔스퀘어OTF" panose="020B0600000101010101" pitchFamily="34" charset="-127"/>
+                <a:ea typeface="나눔스퀘어OTF" panose="020B0600000101010101" pitchFamily="34" charset="-127"/>
               </a:rPr>
               <a:t>학석사연계과정</a:t>
             </a:r>
-            <a:endParaRPr lang="ko-KR" altLang="en-US" dirty="0"/>
+            <a:r>
+              <a:rPr lang="en-US" altLang="ko-KR" b="0" i="0" dirty="0">
+                <a:solidFill>
+                  <a:srgbClr val="333333"/>
+                </a:solidFill>
+                <a:effectLst/>
+                <a:latin typeface="나눔스퀘어OTF" panose="020B0600000101010101" pitchFamily="34" charset="-127"/>
+                <a:ea typeface="나눔스퀘어OTF" panose="020B0600000101010101" pitchFamily="34" charset="-127"/>
+              </a:rPr>
+              <a:t>)</a:t>
+            </a:r>
+            <a:endParaRPr lang="ko-KR" altLang="en-US" dirty="0">
+              <a:latin typeface="나눔스퀘어OTF" panose="020B0600000101010101" pitchFamily="34" charset="-127"/>
+              <a:ea typeface="나눔스퀘어OTF" panose="020B0600000101010101" pitchFamily="34" charset="-127"/>
+            </a:endParaRPr>
           </a:p>
         </p:txBody>
       </p:sp>
@@ -4356,14 +4406,2047 @@
             <a:pPr marL="0" indent="0">
               <a:buNone/>
             </a:pPr>
-            <a:endParaRPr lang="en-US" altLang="ko-KR" dirty="0"/>
-          </a:p>
-        </p:txBody>
-      </p:sp>
+            <a:r>
+              <a:rPr lang="en-US" altLang="ko-KR" dirty="0"/>
+              <a:t>NN</a:t>
+            </a:r>
+            <a:r>
+              <a:rPr lang="ko-KR" altLang="en-US" dirty="0"/>
+              <a:t>은 희소 범주적 특징을 효과적으로 처리하고 온라인 데이터 생성에 효율적으로 적응할 수 있기 때문에</a:t>
+            </a:r>
+            <a:r>
+              <a:rPr lang="en-US" altLang="ko-KR" dirty="0"/>
+              <a:t> NN</a:t>
+            </a:r>
+            <a:r>
+              <a:rPr lang="ko-KR" altLang="en-US" dirty="0"/>
+              <a:t>을 사용하여 클릭예측</a:t>
+            </a:r>
+            <a:r>
+              <a:rPr lang="en-US" altLang="ko-KR" dirty="0"/>
+              <a:t>, </a:t>
+            </a:r>
+            <a:r>
+              <a:rPr lang="ko-KR" altLang="en-US" dirty="0"/>
+              <a:t>추천 시스템을 포함한 온라인 예측 작업에서 </a:t>
+            </a:r>
+            <a:r>
+              <a:rPr lang="en-US" altLang="ko-KR" dirty="0"/>
+              <a:t>NN</a:t>
+            </a:r>
+            <a:r>
+              <a:rPr lang="ko-KR" altLang="en-US" dirty="0"/>
+              <a:t>을 채택하지만</a:t>
+            </a:r>
+            <a:r>
+              <a:rPr lang="en-US" altLang="ko-KR" dirty="0"/>
+              <a:t>, </a:t>
+            </a:r>
+            <a:r>
+              <a:rPr lang="ko-KR" altLang="en-US" dirty="0"/>
+              <a:t>밀도가 높은 수치 표 형상에 대해 학습하여 효과적인 모델을 도출하기는 여전히 어렵다</a:t>
+            </a:r>
+            <a:r>
+              <a:rPr lang="en-US" altLang="ko-KR" dirty="0"/>
+              <a:t>.</a:t>
+            </a:r>
+          </a:p>
+        </p:txBody>
+      </p:sp>
+      <p:pic>
+        <p:nvPicPr>
+          <p:cNvPr id="1026" name="Picture 2" descr="image-20211003084741816">
+            <a:extLst>
+              <a:ext uri="{FF2B5EF4-FFF2-40B4-BE49-F238E27FC236}">
+                <a16:creationId xmlns:a16="http://schemas.microsoft.com/office/drawing/2014/main" id="{60EF370B-5143-4763-970C-2C947A9DB332}"/>
+              </a:ext>
+            </a:extLst>
+          </p:cNvPr>
+          <p:cNvPicPr>
+            <a:picLocks noChangeAspect="1" noChangeArrowheads="1"/>
+          </p:cNvPicPr>
+          <p:nvPr/>
+        </p:nvPicPr>
+        <p:blipFill>
+          <a:blip r:embed="rId2">
+            <a:extLst>
+              <a:ext uri="{28A0092B-C50C-407E-A947-70E740481C1C}">
+                <a14:useLocalDpi xmlns:a14="http://schemas.microsoft.com/office/drawing/2010/main" val="0"/>
+              </a:ext>
+            </a:extLst>
+          </a:blip>
+          <a:srcRect/>
+          <a:stretch>
+            <a:fillRect/>
+          </a:stretch>
+        </p:blipFill>
+        <p:spPr bwMode="auto">
+          <a:xfrm>
+            <a:off x="2357097" y="3935132"/>
+            <a:ext cx="7477805" cy="1538911"/>
+          </a:xfrm>
+          <a:prstGeom prst="rect">
+            <a:avLst/>
+          </a:prstGeom>
+          <a:noFill/>
+          <a:extLst>
+            <a:ext uri="{909E8E84-426E-40DD-AFC4-6F175D3DCCD1}">
+              <a14:hiddenFill xmlns:a14="http://schemas.microsoft.com/office/drawing/2010/main">
+                <a:solidFill>
+                  <a:srgbClr val="FFFFFF"/>
+                </a:solidFill>
+              </a14:hiddenFill>
+            </a:ext>
+          </a:extLst>
+        </p:spPr>
+      </p:pic>
     </p:spTree>
     <p:extLst>
       <p:ext uri="{BB962C8B-B14F-4D97-AF65-F5344CB8AC3E}">
         <p14:creationId xmlns:p14="http://schemas.microsoft.com/office/powerpoint/2010/main" val="2372133465"/>
+      </p:ext>
+    </p:extLst>
+  </p:cSld>
+  <p:clrMapOvr>
+    <a:masterClrMapping/>
+  </p:clrMapOvr>
+</p:sld>
+</file>
+
+<file path=ppt/slides/slide11.xml><?xml version="1.0" encoding="utf-8"?>
+<p:sld xmlns:a="http://schemas.openxmlformats.org/drawingml/2006/main" xmlns:r="http://schemas.openxmlformats.org/officeDocument/2006/relationships" xmlns:p="http://schemas.openxmlformats.org/presentationml/2006/main">
+  <p:cSld>
+    <p:spTree>
+      <p:nvGrpSpPr>
+        <p:cNvPr id="1" name=""/>
+        <p:cNvGrpSpPr/>
+        <p:nvPr/>
+      </p:nvGrpSpPr>
+      <p:grpSpPr>
+        <a:xfrm>
+          <a:off x="0" y="0"/>
+          <a:ext cx="0" cy="0"/>
+          <a:chOff x="0" y="0"/>
+          <a:chExt cx="0" cy="0"/>
+        </a:xfrm>
+      </p:grpSpPr>
+      <p:sp>
+        <p:nvSpPr>
+          <p:cNvPr id="2" name="제목 1">
+            <a:extLst>
+              <a:ext uri="{FF2B5EF4-FFF2-40B4-BE49-F238E27FC236}">
+                <a16:creationId xmlns:a16="http://schemas.microsoft.com/office/drawing/2014/main" id="{52AD30BB-A308-4098-AAAC-1E7D4084FAE8}"/>
+              </a:ext>
+            </a:extLst>
+          </p:cNvPr>
+          <p:cNvSpPr>
+            <a:spLocks noGrp="1"/>
+          </p:cNvSpPr>
+          <p:nvPr>
+            <p:ph type="title"/>
+          </p:nvPr>
+        </p:nvSpPr>
+        <p:spPr/>
+        <p:txBody>
+          <a:bodyPr>
+            <a:normAutofit fontScale="90000"/>
+          </a:bodyPr>
+          <a:lstStyle/>
+          <a:p>
+            <a:r>
+              <a:rPr lang="en-US" altLang="ko-KR" dirty="0"/>
+              <a:t>2. Introduction.</a:t>
+            </a:r>
+            <a:endParaRPr lang="ko-KR" altLang="en-US" dirty="0"/>
+          </a:p>
+        </p:txBody>
+      </p:sp>
+      <p:sp>
+        <p:nvSpPr>
+          <p:cNvPr id="3" name="내용 개체 틀 2">
+            <a:extLst>
+              <a:ext uri="{FF2B5EF4-FFF2-40B4-BE49-F238E27FC236}">
+                <a16:creationId xmlns:a16="http://schemas.microsoft.com/office/drawing/2014/main" id="{24871D0B-4E24-49A6-9E81-F913B3D11919}"/>
+              </a:ext>
+            </a:extLst>
+          </p:cNvPr>
+          <p:cNvSpPr>
+            <a:spLocks noGrp="1"/>
+          </p:cNvSpPr>
+          <p:nvPr>
+            <p:ph idx="1"/>
+          </p:nvPr>
+        </p:nvSpPr>
+        <p:spPr>
+          <a:xfrm>
+            <a:off x="838200" y="1446415"/>
+            <a:ext cx="6111240" cy="4730547"/>
+          </a:xfrm>
+        </p:spPr>
+        <p:txBody>
+          <a:bodyPr>
+            <a:normAutofit/>
+          </a:bodyPr>
+          <a:lstStyle/>
+          <a:p>
+            <a:pPr marL="0" indent="0">
+              <a:buNone/>
+            </a:pPr>
+            <a:r>
+              <a:rPr lang="ko-KR" altLang="en-US" dirty="0"/>
+              <a:t>온라인 예측 작업</a:t>
+            </a:r>
+            <a:r>
+              <a:rPr lang="en-US" altLang="ko-KR" dirty="0"/>
+              <a:t>, </a:t>
+            </a:r>
+            <a:r>
+              <a:rPr lang="ko-KR" altLang="en-US" dirty="0"/>
+              <a:t>즉 표 입력 공간과 온라인 데이터 생성의 두 가지 주요 과제를 동시에 해결하기 위해 </a:t>
+            </a:r>
+            <a:r>
+              <a:rPr lang="en-US" altLang="ko-KR" dirty="0"/>
+              <a:t>NN</a:t>
+            </a:r>
+            <a:r>
+              <a:rPr lang="ko-KR" altLang="en-US" dirty="0"/>
+              <a:t>과 </a:t>
+            </a:r>
+            <a:r>
+              <a:rPr lang="en-US" altLang="ko-KR" dirty="0"/>
+              <a:t>GBDT</a:t>
+            </a:r>
+            <a:r>
+              <a:rPr lang="ko-KR" altLang="en-US" dirty="0"/>
+              <a:t>의 장점을 통합하는 </a:t>
+            </a:r>
+            <a:r>
+              <a:rPr lang="en-US" altLang="ko-KR" dirty="0" err="1"/>
+              <a:t>DeepGBM</a:t>
+            </a:r>
+            <a:r>
+              <a:rPr lang="ko-KR" altLang="en-US" dirty="0"/>
+              <a:t>을 제안하였다</a:t>
+            </a:r>
+            <a:r>
+              <a:rPr lang="en-US" altLang="ko-KR" dirty="0"/>
+              <a:t>.</a:t>
+            </a:r>
+          </a:p>
+          <a:p>
+            <a:pPr marL="0" indent="0">
+              <a:buNone/>
+            </a:pPr>
+            <a:r>
+              <a:rPr lang="en-US" altLang="ko-KR" dirty="0" err="1"/>
+              <a:t>CatNN</a:t>
+            </a:r>
+            <a:r>
+              <a:rPr lang="ko-KR" altLang="en-US" dirty="0"/>
+              <a:t>은 범주형 형상의 입력이 있는 </a:t>
+            </a:r>
+            <a:r>
+              <a:rPr lang="en-US" altLang="ko-KR" dirty="0"/>
+              <a:t>NN </a:t>
+            </a:r>
+            <a:r>
+              <a:rPr lang="ko-KR" altLang="en-US" dirty="0"/>
+              <a:t>구조이고 </a:t>
+            </a:r>
+            <a:r>
+              <a:rPr lang="en-US" altLang="ko-KR" dirty="0"/>
+              <a:t>GBDT2NN</a:t>
+            </a:r>
+            <a:r>
+              <a:rPr lang="ko-KR" altLang="en-US" dirty="0"/>
+              <a:t>은 수치 형상의 입력이 있는 또 다른 </a:t>
+            </a:r>
+            <a:r>
+              <a:rPr lang="en-US" altLang="ko-KR" dirty="0"/>
+              <a:t>NN </a:t>
+            </a:r>
+            <a:r>
+              <a:rPr lang="ko-KR" altLang="en-US" dirty="0"/>
+              <a:t>구조이다</a:t>
+            </a:r>
+            <a:r>
+              <a:rPr lang="en-US" altLang="ko-KR" dirty="0"/>
+              <a:t>.</a:t>
+            </a:r>
+          </a:p>
+          <a:p>
+            <a:pPr marL="0" indent="0">
+              <a:buNone/>
+            </a:pPr>
+            <a:r>
+              <a:rPr lang="ko-KR" altLang="en-US" dirty="0"/>
+              <a:t>수치적 특징을 학습하는 </a:t>
+            </a:r>
+            <a:r>
+              <a:rPr lang="en-US" altLang="ko-KR" dirty="0"/>
+              <a:t>GBDT</a:t>
+            </a:r>
+            <a:r>
+              <a:rPr lang="ko-KR" altLang="en-US" dirty="0"/>
+              <a:t>의 강점을 이용하기 위해 </a:t>
+            </a:r>
+            <a:r>
+              <a:rPr lang="en-US" altLang="ko-KR" dirty="0"/>
+              <a:t>GBDT2NN</a:t>
+            </a:r>
+            <a:r>
+              <a:rPr lang="ko-KR" altLang="en-US" dirty="0"/>
+              <a:t>은 </a:t>
+            </a:r>
+            <a:r>
+              <a:rPr lang="en-US" altLang="ko-KR" dirty="0"/>
+              <a:t>GBDT</a:t>
+            </a:r>
+            <a:r>
+              <a:rPr lang="ko-KR" altLang="en-US" dirty="0"/>
+              <a:t>가 학습한 지식을 </a:t>
+            </a:r>
+            <a:r>
+              <a:rPr lang="en-US" altLang="ko-KR" dirty="0"/>
+              <a:t>NN </a:t>
+            </a:r>
+            <a:r>
+              <a:rPr lang="ko-KR" altLang="en-US" dirty="0"/>
+              <a:t>모델링 프로세스로 증류하려고 한다</a:t>
+            </a:r>
+            <a:r>
+              <a:rPr lang="en-US" altLang="ko-KR" dirty="0"/>
+              <a:t>.</a:t>
+            </a:r>
+          </a:p>
+          <a:p>
+            <a:pPr marL="0" indent="0">
+              <a:buNone/>
+            </a:pPr>
+            <a:endParaRPr lang="en-US" altLang="ko-KR" dirty="0"/>
+          </a:p>
+        </p:txBody>
+      </p:sp>
+      <p:pic>
+        <p:nvPicPr>
+          <p:cNvPr id="2050" name="Picture 2" descr="Fig1">
+            <a:extLst>
+              <a:ext uri="{FF2B5EF4-FFF2-40B4-BE49-F238E27FC236}">
+                <a16:creationId xmlns:a16="http://schemas.microsoft.com/office/drawing/2014/main" id="{3C4BF3AA-D09C-4604-A808-DE50505D0FD8}"/>
+              </a:ext>
+            </a:extLst>
+          </p:cNvPr>
+          <p:cNvPicPr>
+            <a:picLocks noChangeAspect="1" noChangeArrowheads="1"/>
+          </p:cNvPicPr>
+          <p:nvPr/>
+        </p:nvPicPr>
+        <p:blipFill>
+          <a:blip r:embed="rId2">
+            <a:extLst>
+              <a:ext uri="{28A0092B-C50C-407E-A947-70E740481C1C}">
+                <a14:useLocalDpi xmlns:a14="http://schemas.microsoft.com/office/drawing/2010/main" val="0"/>
+              </a:ext>
+            </a:extLst>
+          </a:blip>
+          <a:srcRect/>
+          <a:stretch>
+            <a:fillRect/>
+          </a:stretch>
+        </p:blipFill>
+        <p:spPr bwMode="auto">
+          <a:xfrm>
+            <a:off x="7084025" y="2248290"/>
+            <a:ext cx="4269775" cy="2361419"/>
+          </a:xfrm>
+          <a:prstGeom prst="rect">
+            <a:avLst/>
+          </a:prstGeom>
+          <a:noFill/>
+          <a:extLst>
+            <a:ext uri="{909E8E84-426E-40DD-AFC4-6F175D3DCCD1}">
+              <a14:hiddenFill xmlns:a14="http://schemas.microsoft.com/office/drawing/2010/main">
+                <a:solidFill>
+                  <a:srgbClr val="FFFFFF"/>
+                </a:solidFill>
+              </a14:hiddenFill>
+            </a:ext>
+          </a:extLst>
+        </p:spPr>
+      </p:pic>
+    </p:spTree>
+    <p:extLst>
+      <p:ext uri="{BB962C8B-B14F-4D97-AF65-F5344CB8AC3E}">
+        <p14:creationId xmlns:p14="http://schemas.microsoft.com/office/powerpoint/2010/main" val="75891741"/>
+      </p:ext>
+    </p:extLst>
+  </p:cSld>
+  <p:clrMapOvr>
+    <a:masterClrMapping/>
+  </p:clrMapOvr>
+</p:sld>
+</file>
+
+<file path=ppt/slides/slide12.xml><?xml version="1.0" encoding="utf-8"?>
+<p:sld xmlns:a="http://schemas.openxmlformats.org/drawingml/2006/main" xmlns:r="http://schemas.openxmlformats.org/officeDocument/2006/relationships" xmlns:p="http://schemas.openxmlformats.org/presentationml/2006/main">
+  <p:cSld>
+    <p:spTree>
+      <p:nvGrpSpPr>
+        <p:cNvPr id="1" name=""/>
+        <p:cNvGrpSpPr/>
+        <p:nvPr/>
+      </p:nvGrpSpPr>
+      <p:grpSpPr>
+        <a:xfrm>
+          <a:off x="0" y="0"/>
+          <a:ext cx="0" cy="0"/>
+          <a:chOff x="0" y="0"/>
+          <a:chExt cx="0" cy="0"/>
+        </a:xfrm>
+      </p:grpSpPr>
+      <p:sp>
+        <p:nvSpPr>
+          <p:cNvPr id="2" name="제목 1">
+            <a:extLst>
+              <a:ext uri="{FF2B5EF4-FFF2-40B4-BE49-F238E27FC236}">
+                <a16:creationId xmlns:a16="http://schemas.microsoft.com/office/drawing/2014/main" id="{52AD30BB-A308-4098-AAAC-1E7D4084FAE8}"/>
+              </a:ext>
+            </a:extLst>
+          </p:cNvPr>
+          <p:cNvSpPr>
+            <a:spLocks noGrp="1"/>
+          </p:cNvSpPr>
+          <p:nvPr>
+            <p:ph type="title"/>
+          </p:nvPr>
+        </p:nvSpPr>
+        <p:spPr/>
+        <p:txBody>
+          <a:bodyPr>
+            <a:normAutofit fontScale="90000"/>
+          </a:bodyPr>
+          <a:lstStyle/>
+          <a:p>
+            <a:r>
+              <a:rPr lang="en-US" altLang="ko-KR" dirty="0"/>
+              <a:t>2. Introduction.</a:t>
+            </a:r>
+            <a:endParaRPr lang="ko-KR" altLang="en-US" dirty="0"/>
+          </a:p>
+        </p:txBody>
+      </p:sp>
+      <p:sp>
+        <p:nvSpPr>
+          <p:cNvPr id="3" name="내용 개체 틀 2">
+            <a:extLst>
+              <a:ext uri="{FF2B5EF4-FFF2-40B4-BE49-F238E27FC236}">
+                <a16:creationId xmlns:a16="http://schemas.microsoft.com/office/drawing/2014/main" id="{24871D0B-4E24-49A6-9E81-F913B3D11919}"/>
+              </a:ext>
+            </a:extLst>
+          </p:cNvPr>
+          <p:cNvSpPr>
+            <a:spLocks noGrp="1"/>
+          </p:cNvSpPr>
+          <p:nvPr>
+            <p:ph idx="1"/>
+          </p:nvPr>
+        </p:nvSpPr>
+        <p:spPr>
+          <a:xfrm>
+            <a:off x="838200" y="1446415"/>
+            <a:ext cx="10515600" cy="4730547"/>
+          </a:xfrm>
+        </p:spPr>
+        <p:txBody>
+          <a:bodyPr>
+            <a:normAutofit/>
+          </a:bodyPr>
+          <a:lstStyle/>
+          <a:p>
+            <a:pPr marL="0" indent="0">
+              <a:buNone/>
+            </a:pPr>
+            <a:r>
+              <a:rPr lang="en-US" altLang="ko-KR" dirty="0"/>
+              <a:t>GBDT2NN</a:t>
+            </a:r>
+            <a:r>
+              <a:rPr lang="ko-KR" altLang="en-US" dirty="0"/>
+              <a:t>은 데이터 증류의 효과를 높이기 위해 사전 훈련된 </a:t>
+            </a:r>
+            <a:r>
+              <a:rPr lang="en-US" altLang="ko-KR" dirty="0"/>
+              <a:t>GBDT</a:t>
+            </a:r>
+            <a:r>
+              <a:rPr lang="ko-KR" altLang="en-US" dirty="0"/>
+              <a:t>의 출력 지식을 전달할 뿐만 아니라 획득한 트리의 트리 구조에 의해 암시되는 기능 중요성과 데이터 파티션에 대한 지식을 통합한다</a:t>
+            </a:r>
+            <a:r>
+              <a:rPr lang="en-US" altLang="ko-KR" dirty="0"/>
+              <a:t>.</a:t>
+            </a:r>
+          </a:p>
+          <a:p>
+            <a:pPr marL="0" indent="0">
+              <a:buNone/>
+            </a:pPr>
+            <a:r>
+              <a:rPr lang="ko-KR" altLang="en-US" dirty="0"/>
+              <a:t>이러한 방식으로 </a:t>
+            </a:r>
+            <a:r>
+              <a:rPr lang="en-US" altLang="ko-KR" dirty="0"/>
+              <a:t>GBDT</a:t>
+            </a:r>
+            <a:r>
+              <a:rPr lang="ko-KR" altLang="en-US" dirty="0"/>
+              <a:t>와 유사한 성능을 달성하는 한편</a:t>
+            </a:r>
+            <a:r>
+              <a:rPr lang="en-US" altLang="ko-KR" dirty="0"/>
+              <a:t>, NN </a:t>
+            </a:r>
+            <a:r>
+              <a:rPr lang="ko-KR" altLang="en-US" dirty="0"/>
+              <a:t>구조를 가진 </a:t>
+            </a:r>
+            <a:r>
+              <a:rPr lang="en-US" altLang="ko-KR" dirty="0"/>
+              <a:t>GBDT2NN</a:t>
+            </a:r>
+            <a:r>
+              <a:rPr lang="ko-KR" altLang="en-US" dirty="0"/>
+              <a:t>은 온라인 데이터 생성에 직면할 때 지속적으로 등장하는 데이터를 통해 쉽게 업데이트할 수 있다</a:t>
+            </a:r>
+            <a:r>
+              <a:rPr lang="en-US" altLang="ko-KR" dirty="0"/>
+              <a:t>.</a:t>
+            </a:r>
+          </a:p>
+          <a:p>
+            <a:pPr marL="0" indent="0">
+              <a:buNone/>
+            </a:pPr>
+            <a:r>
+              <a:rPr lang="ko-KR" altLang="en-US" dirty="0"/>
+              <a:t>이러한 부분을 통해서 </a:t>
+            </a:r>
+            <a:r>
+              <a:rPr lang="en-US" altLang="ko-KR" dirty="0" err="1"/>
+              <a:t>DeepGBM</a:t>
+            </a:r>
+            <a:r>
+              <a:rPr lang="ko-KR" altLang="en-US" dirty="0"/>
+              <a:t>은 표 형식의 데이터를 사용하여 구성되어진 다양한 데이터 세트에 대해 기존의 예측 작업의 모델들을 능가하는 성능을 보인다</a:t>
+            </a:r>
+            <a:r>
+              <a:rPr lang="en-US" altLang="ko-KR" dirty="0"/>
+              <a:t>.</a:t>
+            </a:r>
+          </a:p>
+        </p:txBody>
+      </p:sp>
+    </p:spTree>
+    <p:extLst>
+      <p:ext uri="{BB962C8B-B14F-4D97-AF65-F5344CB8AC3E}">
+        <p14:creationId xmlns:p14="http://schemas.microsoft.com/office/powerpoint/2010/main" val="1273879048"/>
+      </p:ext>
+    </p:extLst>
+  </p:cSld>
+  <p:clrMapOvr>
+    <a:masterClrMapping/>
+  </p:clrMapOvr>
+</p:sld>
+</file>
+
+<file path=ppt/slides/slide13.xml><?xml version="1.0" encoding="utf-8"?>
+<p:sld xmlns:a="http://schemas.openxmlformats.org/drawingml/2006/main" xmlns:r="http://schemas.openxmlformats.org/officeDocument/2006/relationships" xmlns:p="http://schemas.openxmlformats.org/presentationml/2006/main">
+  <p:cSld>
+    <p:spTree>
+      <p:nvGrpSpPr>
+        <p:cNvPr id="1" name=""/>
+        <p:cNvGrpSpPr/>
+        <p:nvPr/>
+      </p:nvGrpSpPr>
+      <p:grpSpPr>
+        <a:xfrm>
+          <a:off x="0" y="0"/>
+          <a:ext cx="0" cy="0"/>
+          <a:chOff x="0" y="0"/>
+          <a:chExt cx="0" cy="0"/>
+        </a:xfrm>
+      </p:grpSpPr>
+      <p:sp>
+        <p:nvSpPr>
+          <p:cNvPr id="2" name="제목 1">
+            <a:extLst>
+              <a:ext uri="{FF2B5EF4-FFF2-40B4-BE49-F238E27FC236}">
+                <a16:creationId xmlns:a16="http://schemas.microsoft.com/office/drawing/2014/main" id="{52AD30BB-A308-4098-AAAC-1E7D4084FAE8}"/>
+              </a:ext>
+            </a:extLst>
+          </p:cNvPr>
+          <p:cNvSpPr>
+            <a:spLocks noGrp="1"/>
+          </p:cNvSpPr>
+          <p:nvPr>
+            <p:ph type="title"/>
+          </p:nvPr>
+        </p:nvSpPr>
+        <p:spPr/>
+        <p:txBody>
+          <a:bodyPr>
+            <a:normAutofit fontScale="90000"/>
+          </a:bodyPr>
+          <a:lstStyle/>
+          <a:p>
+            <a:r>
+              <a:rPr lang="en-US" altLang="ko-KR" dirty="0"/>
+              <a:t>3. Related</a:t>
+            </a:r>
+            <a:r>
+              <a:rPr lang="ko-KR" altLang="en-US" dirty="0"/>
+              <a:t> </a:t>
+            </a:r>
+            <a:r>
+              <a:rPr lang="en-US" altLang="ko-KR" dirty="0"/>
+              <a:t>work.</a:t>
+            </a:r>
+            <a:br>
+              <a:rPr lang="en-US" altLang="ko-KR" dirty="0"/>
+            </a:br>
+            <a:r>
+              <a:rPr lang="en-US" altLang="ko-KR" sz="2900" dirty="0"/>
+              <a:t>3.1 Applying GBDT for Online Prediction Tacks.</a:t>
+            </a:r>
+            <a:endParaRPr lang="ko-KR" altLang="en-US" sz="2900" dirty="0"/>
+          </a:p>
+        </p:txBody>
+      </p:sp>
+      <p:sp>
+        <p:nvSpPr>
+          <p:cNvPr id="3" name="내용 개체 틀 2">
+            <a:extLst>
+              <a:ext uri="{FF2B5EF4-FFF2-40B4-BE49-F238E27FC236}">
+                <a16:creationId xmlns:a16="http://schemas.microsoft.com/office/drawing/2014/main" id="{24871D0B-4E24-49A6-9E81-F913B3D11919}"/>
+              </a:ext>
+            </a:extLst>
+          </p:cNvPr>
+          <p:cNvSpPr>
+            <a:spLocks noGrp="1"/>
+          </p:cNvSpPr>
+          <p:nvPr>
+            <p:ph idx="1"/>
+          </p:nvPr>
+        </p:nvSpPr>
+        <p:spPr>
+          <a:xfrm>
+            <a:off x="838200" y="1446415"/>
+            <a:ext cx="10515600" cy="4730547"/>
+          </a:xfrm>
+        </p:spPr>
+        <p:txBody>
+          <a:bodyPr>
+            <a:normAutofit/>
+          </a:bodyPr>
+          <a:lstStyle/>
+          <a:p>
+            <a:pPr marL="0" indent="0">
+              <a:buNone/>
+            </a:pPr>
+            <a:r>
+              <a:rPr lang="en-US" altLang="ko-KR" dirty="0"/>
+              <a:t>3.1.1 Online Update in Trees.</a:t>
+            </a:r>
+          </a:p>
+          <a:p>
+            <a:pPr marL="0" indent="0">
+              <a:buNone/>
+            </a:pPr>
+            <a:r>
+              <a:rPr lang="en-US" altLang="ko-KR" dirty="0"/>
+              <a:t>GBDT</a:t>
+            </a:r>
+            <a:r>
+              <a:rPr lang="ko-KR" altLang="en-US" dirty="0"/>
+              <a:t>의 온라인 업데이트 문제를 해결하기 위한 관련 연구</a:t>
+            </a:r>
+            <a:endParaRPr lang="en-US" altLang="ko-KR" dirty="0"/>
+          </a:p>
+          <a:p>
+            <a:pPr marL="0" indent="0">
+              <a:buNone/>
+            </a:pPr>
+            <a:r>
+              <a:rPr lang="ko-KR" altLang="en-US" dirty="0"/>
+              <a:t>스트리밍 데이터에서 트리 기반 모델을 훈련 시키려고 하였지만</a:t>
+            </a:r>
+            <a:r>
+              <a:rPr lang="en-US" altLang="ko-KR" dirty="0"/>
+              <a:t>,</a:t>
+            </a:r>
+            <a:br>
+              <a:rPr lang="en-US" altLang="ko-KR" dirty="0"/>
+            </a:br>
+            <a:r>
+              <a:rPr lang="ko-KR" altLang="en-US" dirty="0"/>
+              <a:t>단일 트리 모델 또는 종속성이 없는 다중 병렬 트리를 위한 설계이므로</a:t>
+            </a:r>
+            <a:br>
+              <a:rPr lang="en-US" altLang="ko-KR" dirty="0"/>
+            </a:br>
+            <a:r>
+              <a:rPr lang="en-US" altLang="ko-KR" dirty="0"/>
+              <a:t>GBDT</a:t>
+            </a:r>
+            <a:r>
+              <a:rPr lang="ko-KR" altLang="en-US" dirty="0"/>
+              <a:t>에 적용하기 어려우며</a:t>
+            </a:r>
+            <a:r>
+              <a:rPr lang="en-US" altLang="ko-KR" dirty="0"/>
+              <a:t>, </a:t>
+            </a:r>
+            <a:r>
+              <a:rPr lang="ko-KR" altLang="en-US" dirty="0"/>
+              <a:t>한 번에 모든 데이터를 학습하는 것보다 성능이 떨어진다</a:t>
+            </a:r>
+            <a:r>
+              <a:rPr lang="en-US" altLang="ko-KR" dirty="0"/>
+              <a:t>.</a:t>
+            </a:r>
+          </a:p>
+          <a:p>
+            <a:pPr marL="0" indent="0">
+              <a:buNone/>
+            </a:pPr>
+            <a:r>
+              <a:rPr lang="ko-KR" altLang="en-US" dirty="0"/>
+              <a:t>트리 구조를 고정시키고 새로운 데이터로 리프 출력을 업데이트하는 </a:t>
+            </a:r>
+            <a:r>
+              <a:rPr lang="en-US" altLang="ko-KR" dirty="0" err="1"/>
+              <a:t>XGBoost</a:t>
+            </a:r>
+            <a:r>
+              <a:rPr lang="en-US" altLang="ko-KR" dirty="0"/>
+              <a:t>, </a:t>
+            </a:r>
+            <a:r>
+              <a:rPr lang="en-US" altLang="ko-KR" dirty="0" err="1"/>
+              <a:t>LightGBM</a:t>
+            </a:r>
+            <a:r>
+              <a:rPr lang="ko-KR" altLang="en-US" dirty="0"/>
+              <a:t>은 만족할 만한 성능을 내지 못하며</a:t>
+            </a:r>
+            <a:r>
+              <a:rPr lang="en-US" altLang="ko-KR" dirty="0"/>
+              <a:t>, </a:t>
+            </a:r>
+            <a:r>
+              <a:rPr lang="ko-KR" altLang="en-US" dirty="0"/>
+              <a:t>추가되는 데이터만으로 분할점을 시도하는 방법은 과거 데이터에 대한 통계 정보를 </a:t>
+            </a:r>
+            <a:r>
+              <a:rPr lang="ko-KR" altLang="en-US" dirty="0" err="1"/>
+              <a:t>포함하지않고</a:t>
+            </a:r>
+            <a:r>
+              <a:rPr lang="ko-KR" altLang="en-US" dirty="0"/>
+              <a:t> 새로운 데이터에 의해 분할되기 때문에 정보의 편향이 발생하여 성능이 불안정하였다</a:t>
+            </a:r>
+            <a:r>
+              <a:rPr lang="en-US" altLang="ko-KR" dirty="0"/>
+              <a:t>.</a:t>
+            </a:r>
+          </a:p>
+          <a:p>
+            <a:pPr marL="0" indent="0">
+              <a:buNone/>
+            </a:pPr>
+            <a:endParaRPr lang="en-US" altLang="ko-KR" dirty="0"/>
+          </a:p>
+        </p:txBody>
+      </p:sp>
+    </p:spTree>
+    <p:extLst>
+      <p:ext uri="{BB962C8B-B14F-4D97-AF65-F5344CB8AC3E}">
+        <p14:creationId xmlns:p14="http://schemas.microsoft.com/office/powerpoint/2010/main" val="2080937616"/>
+      </p:ext>
+    </p:extLst>
+  </p:cSld>
+  <p:clrMapOvr>
+    <a:masterClrMapping/>
+  </p:clrMapOvr>
+</p:sld>
+</file>
+
+<file path=ppt/slides/slide14.xml><?xml version="1.0" encoding="utf-8"?>
+<p:sld xmlns:a="http://schemas.openxmlformats.org/drawingml/2006/main" xmlns:r="http://schemas.openxmlformats.org/officeDocument/2006/relationships" xmlns:p="http://schemas.openxmlformats.org/presentationml/2006/main">
+  <p:cSld>
+    <p:spTree>
+      <p:nvGrpSpPr>
+        <p:cNvPr id="1" name=""/>
+        <p:cNvGrpSpPr/>
+        <p:nvPr/>
+      </p:nvGrpSpPr>
+      <p:grpSpPr>
+        <a:xfrm>
+          <a:off x="0" y="0"/>
+          <a:ext cx="0" cy="0"/>
+          <a:chOff x="0" y="0"/>
+          <a:chExt cx="0" cy="0"/>
+        </a:xfrm>
+      </p:grpSpPr>
+      <p:sp>
+        <p:nvSpPr>
+          <p:cNvPr id="2" name="제목 1">
+            <a:extLst>
+              <a:ext uri="{FF2B5EF4-FFF2-40B4-BE49-F238E27FC236}">
+                <a16:creationId xmlns:a16="http://schemas.microsoft.com/office/drawing/2014/main" id="{52AD30BB-A308-4098-AAAC-1E7D4084FAE8}"/>
+              </a:ext>
+            </a:extLst>
+          </p:cNvPr>
+          <p:cNvSpPr>
+            <a:spLocks noGrp="1"/>
+          </p:cNvSpPr>
+          <p:nvPr>
+            <p:ph type="title"/>
+          </p:nvPr>
+        </p:nvSpPr>
+        <p:spPr/>
+        <p:txBody>
+          <a:bodyPr>
+            <a:normAutofit fontScale="90000"/>
+          </a:bodyPr>
+          <a:lstStyle/>
+          <a:p>
+            <a:r>
+              <a:rPr lang="en-US" altLang="ko-KR" dirty="0"/>
+              <a:t>3. Related</a:t>
+            </a:r>
+            <a:r>
+              <a:rPr lang="ko-KR" altLang="en-US" dirty="0"/>
+              <a:t> </a:t>
+            </a:r>
+            <a:r>
+              <a:rPr lang="en-US" altLang="ko-KR" dirty="0"/>
+              <a:t>work.</a:t>
+            </a:r>
+            <a:br>
+              <a:rPr lang="en-US" altLang="ko-KR" dirty="0"/>
+            </a:br>
+            <a:r>
+              <a:rPr lang="en-US" altLang="ko-KR" sz="2900" dirty="0"/>
+              <a:t>3.1 Applying GBDT for Online Prediction Tacks.</a:t>
+            </a:r>
+            <a:endParaRPr lang="ko-KR" altLang="en-US" sz="2900" dirty="0"/>
+          </a:p>
+        </p:txBody>
+      </p:sp>
+      <p:sp>
+        <p:nvSpPr>
+          <p:cNvPr id="3" name="내용 개체 틀 2">
+            <a:extLst>
+              <a:ext uri="{FF2B5EF4-FFF2-40B4-BE49-F238E27FC236}">
+                <a16:creationId xmlns:a16="http://schemas.microsoft.com/office/drawing/2014/main" id="{24871D0B-4E24-49A6-9E81-F913B3D11919}"/>
+              </a:ext>
+            </a:extLst>
+          </p:cNvPr>
+          <p:cNvSpPr>
+            <a:spLocks noGrp="1"/>
+          </p:cNvSpPr>
+          <p:nvPr>
+            <p:ph idx="1"/>
+          </p:nvPr>
+        </p:nvSpPr>
+        <p:spPr>
+          <a:xfrm>
+            <a:off x="838200" y="1446415"/>
+            <a:ext cx="10515600" cy="4730547"/>
+          </a:xfrm>
+        </p:spPr>
+        <p:txBody>
+          <a:bodyPr>
+            <a:normAutofit/>
+          </a:bodyPr>
+          <a:lstStyle/>
+          <a:p>
+            <a:pPr marL="0" indent="0">
+              <a:buNone/>
+            </a:pPr>
+            <a:r>
+              <a:rPr lang="en-US" altLang="ko-KR" dirty="0"/>
+              <a:t>3.1.2 Categorical Features in Trees</a:t>
+            </a:r>
+          </a:p>
+          <a:p>
+            <a:pPr marL="0" indent="0">
+              <a:buNone/>
+            </a:pPr>
+            <a:r>
+              <a:rPr lang="ko-KR" altLang="en-US" dirty="0"/>
+              <a:t>일부 다른 인코딩 방법을 통해 의사결정 트리가 잘 처리할 수 있도록 범주형 값을 고밀도 숫자 값으로 변환하려고 시도했다</a:t>
+            </a:r>
+            <a:r>
+              <a:rPr lang="en-US" altLang="ko-KR" dirty="0"/>
+              <a:t>. </a:t>
+            </a:r>
+            <a:br>
+              <a:rPr lang="en-US" altLang="ko-KR" dirty="0"/>
+            </a:br>
+            <a:r>
+              <a:rPr lang="en-US" altLang="ko-KR" dirty="0" err="1"/>
+              <a:t>CatBoost</a:t>
+            </a:r>
+            <a:r>
+              <a:rPr lang="ko-KR" altLang="en-US" dirty="0"/>
+              <a:t>도 범주형 특징에 유사한 숫자 인코딩 솔루션을 사용하였지만</a:t>
+            </a:r>
+            <a:r>
+              <a:rPr lang="en-US" altLang="ko-KR" dirty="0"/>
+              <a:t>, </a:t>
+            </a:r>
+            <a:r>
+              <a:rPr lang="ko-KR" altLang="en-US" dirty="0"/>
+              <a:t>극도로 희박하고 고차원적인 특징은 불균형 파티션에서 매우 작은 통계 정보 이득을 야기할 수 있기 때문에 </a:t>
+            </a:r>
+            <a:r>
+              <a:rPr lang="en-US" altLang="ko-KR" dirty="0"/>
+              <a:t>GBDT</a:t>
+            </a:r>
+            <a:r>
+              <a:rPr lang="ko-KR" altLang="en-US" dirty="0"/>
+              <a:t>는 희소 특징을 효과적으로 사용하여 트리를 성장시킬 수 없다</a:t>
+            </a:r>
+            <a:r>
+              <a:rPr lang="en-US" altLang="ko-KR" dirty="0"/>
+              <a:t>.</a:t>
+            </a:r>
+          </a:p>
+          <a:p>
+            <a:pPr marL="0" indent="0">
+              <a:buNone/>
+            </a:pPr>
+            <a:r>
+              <a:rPr lang="ko-KR" altLang="en-US" dirty="0"/>
+              <a:t>범주형 특성은 가능한 이진 파티션을 열거하여 트리 학습에도 직접 사용될 수 있지만</a:t>
+            </a:r>
+            <a:r>
+              <a:rPr lang="en-US" altLang="ko-KR" dirty="0"/>
+              <a:t>, </a:t>
+            </a:r>
+            <a:r>
+              <a:rPr lang="ko-KR" altLang="en-US" dirty="0"/>
+              <a:t>이 방법은 범주에 데이터가 너무 적어서 통계 정보가 편향되기 때문에 범주적 특성이 희박한 경우 훈련 데이터에 </a:t>
+            </a:r>
+            <a:r>
+              <a:rPr lang="ko-KR" altLang="en-US" dirty="0" err="1"/>
+              <a:t>과적합된다</a:t>
+            </a:r>
+            <a:r>
+              <a:rPr lang="en-US" altLang="ko-KR" dirty="0"/>
+              <a:t>.</a:t>
+            </a:r>
+          </a:p>
+          <a:p>
+            <a:pPr marL="0" indent="0">
+              <a:buNone/>
+            </a:pPr>
+            <a:r>
+              <a:rPr lang="ko-KR" altLang="en-US" dirty="0"/>
+              <a:t>한마디로</a:t>
+            </a:r>
+            <a:r>
+              <a:rPr lang="en-US" altLang="ko-KR" dirty="0"/>
+              <a:t>, </a:t>
+            </a:r>
+            <a:r>
+              <a:rPr lang="ko-KR" altLang="en-US" dirty="0"/>
+              <a:t>온라인 예측 작업에 </a:t>
+            </a:r>
+            <a:r>
+              <a:rPr lang="en-US" altLang="ko-KR" dirty="0"/>
+              <a:t>GBDT</a:t>
+            </a:r>
+            <a:r>
+              <a:rPr lang="ko-KR" altLang="en-US" dirty="0"/>
+              <a:t>를 적용하는 지속적인 노력이 있었지만</a:t>
+            </a:r>
+            <a:r>
+              <a:rPr lang="en-US" altLang="ko-KR" dirty="0"/>
+              <a:t>, </a:t>
+            </a:r>
+            <a:r>
+              <a:rPr lang="ko-KR" altLang="en-US" dirty="0"/>
+              <a:t>대부분은 온라인 데이터 생성 처리 방법과 범주형 특징에 대한 학습 방법 측면에서 중요한 과제를 효과적으로 해결할 수 없다</a:t>
+            </a:r>
+            <a:endParaRPr lang="en-US" altLang="ko-KR" dirty="0"/>
+          </a:p>
+          <a:p>
+            <a:pPr marL="0" indent="0">
+              <a:buNone/>
+            </a:pPr>
+            <a:endParaRPr lang="en-US" altLang="ko-KR" dirty="0"/>
+          </a:p>
+        </p:txBody>
+      </p:sp>
+    </p:spTree>
+    <p:extLst>
+      <p:ext uri="{BB962C8B-B14F-4D97-AF65-F5344CB8AC3E}">
+        <p14:creationId xmlns:p14="http://schemas.microsoft.com/office/powerpoint/2010/main" val="2111428578"/>
+      </p:ext>
+    </p:extLst>
+  </p:cSld>
+  <p:clrMapOvr>
+    <a:masterClrMapping/>
+  </p:clrMapOvr>
+</p:sld>
+</file>
+
+<file path=ppt/slides/slide15.xml><?xml version="1.0" encoding="utf-8"?>
+<p:sld xmlns:a="http://schemas.openxmlformats.org/drawingml/2006/main" xmlns:r="http://schemas.openxmlformats.org/officeDocument/2006/relationships" xmlns:p="http://schemas.openxmlformats.org/presentationml/2006/main">
+  <p:cSld>
+    <p:spTree>
+      <p:nvGrpSpPr>
+        <p:cNvPr id="1" name=""/>
+        <p:cNvGrpSpPr/>
+        <p:nvPr/>
+      </p:nvGrpSpPr>
+      <p:grpSpPr>
+        <a:xfrm>
+          <a:off x="0" y="0"/>
+          <a:ext cx="0" cy="0"/>
+          <a:chOff x="0" y="0"/>
+          <a:chExt cx="0" cy="0"/>
+        </a:xfrm>
+      </p:grpSpPr>
+      <p:sp>
+        <p:nvSpPr>
+          <p:cNvPr id="2" name="제목 1">
+            <a:extLst>
+              <a:ext uri="{FF2B5EF4-FFF2-40B4-BE49-F238E27FC236}">
+                <a16:creationId xmlns:a16="http://schemas.microsoft.com/office/drawing/2014/main" id="{52AD30BB-A308-4098-AAAC-1E7D4084FAE8}"/>
+              </a:ext>
+            </a:extLst>
+          </p:cNvPr>
+          <p:cNvSpPr>
+            <a:spLocks noGrp="1"/>
+          </p:cNvSpPr>
+          <p:nvPr>
+            <p:ph type="title"/>
+          </p:nvPr>
+        </p:nvSpPr>
+        <p:spPr/>
+        <p:txBody>
+          <a:bodyPr>
+            <a:normAutofit fontScale="90000"/>
+          </a:bodyPr>
+          <a:lstStyle/>
+          <a:p>
+            <a:r>
+              <a:rPr lang="en-US" altLang="ko-KR" dirty="0"/>
+              <a:t>3. Related</a:t>
+            </a:r>
+            <a:r>
+              <a:rPr lang="ko-KR" altLang="en-US" dirty="0"/>
+              <a:t> </a:t>
+            </a:r>
+            <a:r>
+              <a:rPr lang="en-US" altLang="ko-KR" dirty="0"/>
+              <a:t>work.</a:t>
+            </a:r>
+            <a:br>
+              <a:rPr lang="en-US" altLang="ko-KR" dirty="0"/>
+            </a:br>
+            <a:r>
+              <a:rPr lang="en-US" altLang="ko-KR" sz="2900" dirty="0"/>
+              <a:t>3.2 Applying NN for Online Prediction Tacks.</a:t>
+            </a:r>
+            <a:endParaRPr lang="ko-KR" altLang="en-US" sz="2900" dirty="0"/>
+          </a:p>
+        </p:txBody>
+      </p:sp>
+      <p:sp>
+        <p:nvSpPr>
+          <p:cNvPr id="3" name="내용 개체 틀 2">
+            <a:extLst>
+              <a:ext uri="{FF2B5EF4-FFF2-40B4-BE49-F238E27FC236}">
+                <a16:creationId xmlns:a16="http://schemas.microsoft.com/office/drawing/2014/main" id="{24871D0B-4E24-49A6-9E81-F913B3D11919}"/>
+              </a:ext>
+            </a:extLst>
+          </p:cNvPr>
+          <p:cNvSpPr>
+            <a:spLocks noGrp="1"/>
+          </p:cNvSpPr>
+          <p:nvPr>
+            <p:ph idx="1"/>
+          </p:nvPr>
+        </p:nvSpPr>
+        <p:spPr>
+          <a:xfrm>
+            <a:off x="838200" y="1446415"/>
+            <a:ext cx="10515600" cy="4730547"/>
+          </a:xfrm>
+        </p:spPr>
+        <p:txBody>
+          <a:bodyPr>
+            <a:normAutofit/>
+          </a:bodyPr>
+          <a:lstStyle/>
+          <a:p>
+            <a:pPr marL="0" indent="0">
+              <a:buNone/>
+            </a:pPr>
+            <a:r>
+              <a:rPr lang="en-US" altLang="ko-KR" dirty="0"/>
+              <a:t>3.2.1Prediction Tacks.</a:t>
+            </a:r>
+          </a:p>
+          <a:p>
+            <a:pPr marL="0" indent="0">
+              <a:buNone/>
+            </a:pPr>
+            <a:r>
+              <a:rPr lang="ko-KR" altLang="en-US" dirty="0"/>
+              <a:t>온라인 예측 작업에 </a:t>
+            </a:r>
+            <a:r>
+              <a:rPr lang="en-US" altLang="ko-KR" dirty="0"/>
+              <a:t>NN</a:t>
+            </a:r>
+            <a:r>
+              <a:rPr lang="ko-KR" altLang="en-US" dirty="0"/>
+              <a:t>은 밀도가 높은 수치 특징을 효과적으로 학습할 수 없다</a:t>
+            </a:r>
+            <a:r>
+              <a:rPr lang="en-US" altLang="ko-KR" dirty="0"/>
+              <a:t>.</a:t>
+            </a:r>
+          </a:p>
+          <a:p>
+            <a:pPr marL="0" indent="0">
+              <a:buNone/>
+            </a:pPr>
+            <a:r>
+              <a:rPr lang="ko-KR" altLang="en-US" dirty="0"/>
+              <a:t>그동안의 </a:t>
+            </a:r>
+            <a:r>
+              <a:rPr lang="en-US" altLang="ko-KR" dirty="0"/>
+              <a:t>NN</a:t>
+            </a:r>
+            <a:r>
+              <a:rPr lang="ko-KR" altLang="en-US" dirty="0"/>
+              <a:t>을 채택한 많은 연구들은 희박한 범주적 특징에 초점을 맞추었기 때문에</a:t>
+            </a:r>
+            <a:r>
+              <a:rPr lang="en-US" altLang="ko-KR" dirty="0"/>
+              <a:t>,</a:t>
+            </a:r>
+            <a:br>
+              <a:rPr lang="en-US" altLang="ko-KR" dirty="0"/>
+            </a:br>
+            <a:r>
+              <a:rPr lang="ko-KR" altLang="en-US" dirty="0"/>
+              <a:t>고밀도 수치 특징에 대한 연구가 부족하다</a:t>
+            </a:r>
+            <a:r>
+              <a:rPr lang="en-US" altLang="ko-KR" dirty="0"/>
+              <a:t>.</a:t>
+            </a:r>
+          </a:p>
+          <a:p>
+            <a:pPr marL="0" indent="0">
+              <a:buNone/>
+            </a:pPr>
+            <a:r>
+              <a:rPr lang="ko-KR" altLang="en-US" dirty="0"/>
+              <a:t>전통적으로 </a:t>
+            </a:r>
+            <a:r>
+              <a:rPr lang="en-US" altLang="ko-KR" dirty="0"/>
+              <a:t>FCNN</a:t>
+            </a:r>
+            <a:r>
+              <a:rPr lang="ko-KR" altLang="en-US" dirty="0"/>
+              <a:t>은 종종 고밀도 수치 형상에 사용되지만</a:t>
+            </a:r>
+            <a:r>
+              <a:rPr lang="en-US" altLang="ko-KR" dirty="0"/>
+              <a:t>, local </a:t>
+            </a:r>
+            <a:r>
+              <a:rPr lang="en-US" altLang="ko-KR" dirty="0" err="1"/>
+              <a:t>optimmums</a:t>
+            </a:r>
+            <a:r>
+              <a:rPr lang="ko-KR" altLang="en-US" dirty="0"/>
+              <a:t>에 빠질 가능성이 크기 때문에 대부분 만족스러운 성능에 도달하지 못한다</a:t>
+            </a:r>
+            <a:r>
+              <a:rPr lang="en-US" altLang="ko-KR" dirty="0"/>
+              <a:t>.</a:t>
+            </a:r>
+          </a:p>
+          <a:p>
+            <a:pPr marL="0" indent="0">
+              <a:buNone/>
+            </a:pPr>
+            <a:endParaRPr lang="en-US" altLang="ko-KR" dirty="0"/>
+          </a:p>
+        </p:txBody>
+      </p:sp>
+    </p:spTree>
+    <p:extLst>
+      <p:ext uri="{BB962C8B-B14F-4D97-AF65-F5344CB8AC3E}">
+        <p14:creationId xmlns:p14="http://schemas.microsoft.com/office/powerpoint/2010/main" val="1430079281"/>
+      </p:ext>
+    </p:extLst>
+  </p:cSld>
+  <p:clrMapOvr>
+    <a:masterClrMapping/>
+  </p:clrMapOvr>
+</p:sld>
+</file>
+
+<file path=ppt/slides/slide16.xml><?xml version="1.0" encoding="utf-8"?>
+<p:sld xmlns:a="http://schemas.openxmlformats.org/drawingml/2006/main" xmlns:r="http://schemas.openxmlformats.org/officeDocument/2006/relationships" xmlns:p="http://schemas.openxmlformats.org/presentationml/2006/main">
+  <p:cSld>
+    <p:spTree>
+      <p:nvGrpSpPr>
+        <p:cNvPr id="1" name=""/>
+        <p:cNvGrpSpPr/>
+        <p:nvPr/>
+      </p:nvGrpSpPr>
+      <p:grpSpPr>
+        <a:xfrm>
+          <a:off x="0" y="0"/>
+          <a:ext cx="0" cy="0"/>
+          <a:chOff x="0" y="0"/>
+          <a:chExt cx="0" cy="0"/>
+        </a:xfrm>
+      </p:grpSpPr>
+      <p:sp>
+        <p:nvSpPr>
+          <p:cNvPr id="2" name="제목 1">
+            <a:extLst>
+              <a:ext uri="{FF2B5EF4-FFF2-40B4-BE49-F238E27FC236}">
+                <a16:creationId xmlns:a16="http://schemas.microsoft.com/office/drawing/2014/main" id="{52AD30BB-A308-4098-AAAC-1E7D4084FAE8}"/>
+              </a:ext>
+            </a:extLst>
+          </p:cNvPr>
+          <p:cNvSpPr>
+            <a:spLocks noGrp="1"/>
+          </p:cNvSpPr>
+          <p:nvPr>
+            <p:ph type="title"/>
+          </p:nvPr>
+        </p:nvSpPr>
+        <p:spPr/>
+        <p:txBody>
+          <a:bodyPr>
+            <a:normAutofit fontScale="90000"/>
+          </a:bodyPr>
+          <a:lstStyle/>
+          <a:p>
+            <a:r>
+              <a:rPr lang="en-US" altLang="ko-KR" dirty="0"/>
+              <a:t>3. Related work.</a:t>
+            </a:r>
+            <a:br>
+              <a:rPr lang="en-US" altLang="ko-KR" dirty="0"/>
+            </a:br>
+            <a:r>
+              <a:rPr lang="en-US" altLang="ko-KR" sz="2900" dirty="0"/>
+              <a:t>3.3 Combining NN and GBDT</a:t>
+            </a:r>
+            <a:endParaRPr lang="ko-KR" altLang="en-US" sz="2900" dirty="0"/>
+          </a:p>
+        </p:txBody>
+      </p:sp>
+      <p:sp>
+        <p:nvSpPr>
+          <p:cNvPr id="3" name="내용 개체 틀 2">
+            <a:extLst>
+              <a:ext uri="{FF2B5EF4-FFF2-40B4-BE49-F238E27FC236}">
+                <a16:creationId xmlns:a16="http://schemas.microsoft.com/office/drawing/2014/main" id="{24871D0B-4E24-49A6-9E81-F913B3D11919}"/>
+              </a:ext>
+            </a:extLst>
+          </p:cNvPr>
+          <p:cNvSpPr>
+            <a:spLocks noGrp="1"/>
+          </p:cNvSpPr>
+          <p:nvPr>
+            <p:ph idx="1"/>
+          </p:nvPr>
+        </p:nvSpPr>
+        <p:spPr>
+          <a:xfrm>
+            <a:off x="838200" y="1446415"/>
+            <a:ext cx="10515600" cy="4730547"/>
+          </a:xfrm>
+        </p:spPr>
+        <p:txBody>
+          <a:bodyPr>
+            <a:normAutofit/>
+          </a:bodyPr>
+          <a:lstStyle/>
+          <a:p>
+            <a:pPr marL="0" indent="0">
+              <a:buNone/>
+            </a:pPr>
+            <a:r>
+              <a:rPr lang="en-US" altLang="ko-KR" dirty="0"/>
+              <a:t>3.3.1. Tree-like NN.</a:t>
+            </a:r>
+          </a:p>
+          <a:p>
+            <a:pPr marL="0" indent="0">
+              <a:buNone/>
+            </a:pPr>
+            <a:r>
+              <a:rPr lang="en-US" altLang="ko-KR" dirty="0"/>
+              <a:t>Tree-like NN(</a:t>
+            </a:r>
+            <a:r>
+              <a:rPr lang="ko-KR" altLang="en-US" dirty="0"/>
+              <a:t>예</a:t>
+            </a:r>
+            <a:r>
+              <a:rPr lang="en-US" altLang="ko-KR" dirty="0"/>
+              <a:t>: </a:t>
+            </a:r>
+            <a:r>
+              <a:rPr lang="en-US" altLang="ko-KR" dirty="0" err="1"/>
+              <a:t>GoogLeNet</a:t>
+            </a:r>
+            <a:r>
+              <a:rPr lang="en-US" altLang="ko-KR" dirty="0"/>
+              <a:t>)</a:t>
+            </a:r>
+            <a:r>
+              <a:rPr lang="ko-KR" altLang="en-US" dirty="0"/>
+              <a:t>은 어느 정도 나무와 같은 의사 결정 능력을 가지고 있다</a:t>
+            </a:r>
+            <a:r>
+              <a:rPr lang="en-US" altLang="ko-KR" dirty="0"/>
+              <a:t>. </a:t>
+            </a:r>
+            <a:r>
+              <a:rPr lang="ko-KR" altLang="en-US" dirty="0"/>
+              <a:t>의사 결정 능력을 </a:t>
+            </a:r>
+            <a:r>
+              <a:rPr lang="en-US" altLang="ko-KR" dirty="0"/>
+              <a:t>NN</a:t>
+            </a:r>
+            <a:r>
+              <a:rPr lang="ko-KR" altLang="en-US" dirty="0"/>
+              <a:t>에 도입하는 다른 연구도 있었지만</a:t>
+            </a:r>
+            <a:r>
+              <a:rPr lang="en-US" altLang="ko-KR" dirty="0"/>
+              <a:t>, </a:t>
+            </a:r>
+            <a:r>
+              <a:rPr lang="ko-KR" altLang="en-US" dirty="0"/>
+              <a:t>이러한 작업은 표 입력 공간이 있는 온라인 예측 작업에 주의를 기울이지 않고 주로 컴퓨터 비전 작업에 초점이 </a:t>
+            </a:r>
+            <a:r>
+              <a:rPr lang="ko-KR" altLang="en-US" dirty="0" err="1"/>
+              <a:t>맞추어져</a:t>
+            </a:r>
+            <a:r>
+              <a:rPr lang="ko-KR" altLang="en-US" dirty="0"/>
+              <a:t> 있다</a:t>
+            </a:r>
+            <a:r>
+              <a:rPr lang="en-US" altLang="ko-KR" dirty="0"/>
+              <a:t>. </a:t>
+            </a:r>
+          </a:p>
+          <a:p>
+            <a:pPr marL="0" indent="0">
+              <a:buNone/>
+            </a:pPr>
+            <a:r>
+              <a:rPr lang="ko-KR" altLang="en-US" dirty="0"/>
+              <a:t>이 부분을 해결하기 위해서 </a:t>
+            </a:r>
+            <a:r>
+              <a:rPr lang="en-US" altLang="ko-KR" dirty="0"/>
+              <a:t>soft binning function</a:t>
+            </a:r>
+            <a:r>
+              <a:rPr lang="ko-KR" altLang="en-US" dirty="0"/>
+              <a:t>을 제안하였지만</a:t>
+            </a:r>
+            <a:r>
+              <a:rPr lang="en-US" altLang="ko-KR" dirty="0"/>
+              <a:t>, </a:t>
+            </a:r>
+            <a:r>
+              <a:rPr lang="ko-KR" altLang="en-US" dirty="0"/>
+              <a:t>가능한 모든 의사 결정을 열거하기 때문에 매우 비효율적이다</a:t>
+            </a:r>
+            <a:r>
+              <a:rPr lang="en-US" altLang="ko-KR" dirty="0"/>
+              <a:t>. </a:t>
+            </a:r>
+          </a:p>
+          <a:p>
+            <a:pPr marL="0" indent="0">
+              <a:buNone/>
+            </a:pPr>
+            <a:r>
+              <a:rPr lang="ko-KR" altLang="en-US" dirty="0"/>
+              <a:t>표 형식 데이터에서 학습을 개선하기 위해 </a:t>
+            </a:r>
+            <a:r>
+              <a:rPr lang="en-US" altLang="ko-KR" dirty="0"/>
+              <a:t>NNRF</a:t>
+            </a:r>
+            <a:r>
+              <a:rPr lang="ko-KR" altLang="en-US" dirty="0"/>
+              <a:t>를 제안하였지만</a:t>
+            </a:r>
+            <a:r>
+              <a:rPr lang="en-US" altLang="ko-KR" dirty="0"/>
+              <a:t>, GBDT</a:t>
+            </a:r>
+            <a:r>
+              <a:rPr lang="ko-KR" altLang="en-US" dirty="0"/>
+              <a:t>와 같은 훈련 데이터에 대한 통계 정보를 활용하지 않고 무작위의 기능 조합을 사용한다</a:t>
+            </a:r>
+            <a:r>
+              <a:rPr lang="en-US" altLang="ko-KR" dirty="0"/>
+              <a:t>.</a:t>
+            </a:r>
+          </a:p>
+        </p:txBody>
+      </p:sp>
+    </p:spTree>
+    <p:extLst>
+      <p:ext uri="{BB962C8B-B14F-4D97-AF65-F5344CB8AC3E}">
+        <p14:creationId xmlns:p14="http://schemas.microsoft.com/office/powerpoint/2010/main" val="1577651106"/>
+      </p:ext>
+    </p:extLst>
+  </p:cSld>
+  <p:clrMapOvr>
+    <a:masterClrMapping/>
+  </p:clrMapOvr>
+</p:sld>
+</file>
+
+<file path=ppt/slides/slide17.xml><?xml version="1.0" encoding="utf-8"?>
+<p:sld xmlns:a="http://schemas.openxmlformats.org/drawingml/2006/main" xmlns:r="http://schemas.openxmlformats.org/officeDocument/2006/relationships" xmlns:p="http://schemas.openxmlformats.org/presentationml/2006/main">
+  <p:cSld>
+    <p:spTree>
+      <p:nvGrpSpPr>
+        <p:cNvPr id="1" name=""/>
+        <p:cNvGrpSpPr/>
+        <p:nvPr/>
+      </p:nvGrpSpPr>
+      <p:grpSpPr>
+        <a:xfrm>
+          <a:off x="0" y="0"/>
+          <a:ext cx="0" cy="0"/>
+          <a:chOff x="0" y="0"/>
+          <a:chExt cx="0" cy="0"/>
+        </a:xfrm>
+      </p:grpSpPr>
+      <p:sp>
+        <p:nvSpPr>
+          <p:cNvPr id="2" name="제목 1">
+            <a:extLst>
+              <a:ext uri="{FF2B5EF4-FFF2-40B4-BE49-F238E27FC236}">
+                <a16:creationId xmlns:a16="http://schemas.microsoft.com/office/drawing/2014/main" id="{52AD30BB-A308-4098-AAAC-1E7D4084FAE8}"/>
+              </a:ext>
+            </a:extLst>
+          </p:cNvPr>
+          <p:cNvSpPr>
+            <a:spLocks noGrp="1"/>
+          </p:cNvSpPr>
+          <p:nvPr>
+            <p:ph type="title"/>
+          </p:nvPr>
+        </p:nvSpPr>
+        <p:spPr/>
+        <p:txBody>
+          <a:bodyPr>
+            <a:normAutofit fontScale="90000"/>
+          </a:bodyPr>
+          <a:lstStyle/>
+          <a:p>
+            <a:r>
+              <a:rPr lang="en-US" altLang="ko-KR" dirty="0"/>
+              <a:t>3. Related work.</a:t>
+            </a:r>
+            <a:br>
+              <a:rPr lang="en-US" altLang="ko-KR" dirty="0"/>
+            </a:br>
+            <a:r>
+              <a:rPr lang="en-US" altLang="ko-KR" sz="2900" dirty="0"/>
+              <a:t>3.3 Combining NN and GBDT</a:t>
+            </a:r>
+            <a:endParaRPr lang="ko-KR" altLang="en-US" sz="2900" dirty="0"/>
+          </a:p>
+        </p:txBody>
+      </p:sp>
+      <p:sp>
+        <p:nvSpPr>
+          <p:cNvPr id="3" name="내용 개체 틀 2">
+            <a:extLst>
+              <a:ext uri="{FF2B5EF4-FFF2-40B4-BE49-F238E27FC236}">
+                <a16:creationId xmlns:a16="http://schemas.microsoft.com/office/drawing/2014/main" id="{24871D0B-4E24-49A6-9E81-F913B3D11919}"/>
+              </a:ext>
+            </a:extLst>
+          </p:cNvPr>
+          <p:cNvSpPr>
+            <a:spLocks noGrp="1"/>
+          </p:cNvSpPr>
+          <p:nvPr>
+            <p:ph idx="1"/>
+          </p:nvPr>
+        </p:nvSpPr>
+        <p:spPr>
+          <a:xfrm>
+            <a:off x="838200" y="1446415"/>
+            <a:ext cx="10515600" cy="4730547"/>
+          </a:xfrm>
+        </p:spPr>
+        <p:txBody>
+          <a:bodyPr>
+            <a:normAutofit/>
+          </a:bodyPr>
+          <a:lstStyle/>
+          <a:p>
+            <a:pPr marL="0" indent="0">
+              <a:buNone/>
+            </a:pPr>
+            <a:r>
+              <a:rPr lang="en-US" altLang="ko-KR" dirty="0"/>
+              <a:t>3.3.2. Convert Trees to NN.</a:t>
+            </a:r>
+          </a:p>
+          <a:p>
+            <a:pPr marL="0" indent="0">
+              <a:buNone/>
+            </a:pPr>
+            <a:r>
+              <a:rPr lang="ko-KR" altLang="en-US" dirty="0"/>
+              <a:t>훈련된 의사 결정 트리를 </a:t>
+            </a:r>
+            <a:r>
+              <a:rPr lang="en-US" altLang="ko-KR" dirty="0"/>
+              <a:t>NN</a:t>
+            </a:r>
+            <a:r>
+              <a:rPr lang="ko-KR" altLang="en-US" dirty="0"/>
+              <a:t>으로 </a:t>
+            </a:r>
+            <a:r>
+              <a:rPr lang="ko-KR" altLang="en-US" dirty="0" err="1"/>
+              <a:t>변환하여고</a:t>
+            </a:r>
+            <a:r>
+              <a:rPr lang="ko-KR" altLang="en-US" dirty="0"/>
+              <a:t> 시도하였지만</a:t>
+            </a:r>
+            <a:r>
+              <a:rPr lang="en-US" altLang="ko-KR" dirty="0"/>
+              <a:t>,</a:t>
+            </a:r>
+            <a:br>
+              <a:rPr lang="en-US" altLang="ko-KR" dirty="0"/>
+            </a:br>
+            <a:r>
+              <a:rPr lang="ko-KR" altLang="en-US" dirty="0"/>
+              <a:t>작업이 중복되고 매우 희박한 </a:t>
+            </a:r>
+            <a:r>
+              <a:rPr lang="en-US" altLang="ko-KR" dirty="0"/>
+              <a:t>NN</a:t>
+            </a:r>
+            <a:r>
+              <a:rPr lang="ko-KR" altLang="en-US" dirty="0"/>
+              <a:t>을 사용하여 단순한 의사 결정 트리를 나타내기 때문에 비효율적이다</a:t>
+            </a:r>
+            <a:r>
+              <a:rPr lang="en-US" altLang="ko-KR" dirty="0"/>
+              <a:t>.</a:t>
+            </a:r>
+          </a:p>
+          <a:p>
+            <a:pPr marL="0" indent="0">
+              <a:buNone/>
+            </a:pPr>
+            <a:r>
+              <a:rPr lang="ko-KR" altLang="en-US" dirty="0"/>
+              <a:t>트리가 매우 클 경우에는 변환 솔루션의 </a:t>
+            </a:r>
+            <a:r>
+              <a:rPr lang="en-US" altLang="ko-KR" dirty="0"/>
+              <a:t>NN</a:t>
+            </a:r>
+            <a:r>
+              <a:rPr lang="ko-KR" altLang="en-US" dirty="0"/>
+              <a:t>을 매우 넓게 </a:t>
+            </a:r>
+            <a:r>
+              <a:rPr lang="ko-KR" altLang="en-US" dirty="0" err="1"/>
+              <a:t>구성해야하기</a:t>
+            </a:r>
+            <a:r>
+              <a:rPr lang="ko-KR" altLang="en-US" dirty="0"/>
+              <a:t> 때문에 이는 현실적으로 사용이 불가능하다</a:t>
+            </a:r>
+            <a:r>
+              <a:rPr lang="en-US" altLang="ko-KR" dirty="0"/>
+              <a:t>.</a:t>
+            </a:r>
+          </a:p>
+          <a:p>
+            <a:pPr marL="0" indent="0">
+              <a:buNone/>
+            </a:pPr>
+            <a:r>
+              <a:rPr lang="ko-KR" altLang="en-US" dirty="0"/>
+              <a:t>또한 하나의 트리를 변환하기 위해서 복잡한 규칙을 사용하므로 실제로 쉽게 사용할 수 없다</a:t>
+            </a:r>
+            <a:r>
+              <a:rPr lang="en-US" altLang="ko-KR" dirty="0"/>
+              <a:t>.</a:t>
+            </a:r>
+          </a:p>
+        </p:txBody>
+      </p:sp>
+    </p:spTree>
+    <p:extLst>
+      <p:ext uri="{BB962C8B-B14F-4D97-AF65-F5344CB8AC3E}">
+        <p14:creationId xmlns:p14="http://schemas.microsoft.com/office/powerpoint/2010/main" val="507814755"/>
+      </p:ext>
+    </p:extLst>
+  </p:cSld>
+  <p:clrMapOvr>
+    <a:masterClrMapping/>
+  </p:clrMapOvr>
+</p:sld>
+</file>
+
+<file path=ppt/slides/slide18.xml><?xml version="1.0" encoding="utf-8"?>
+<p:sld xmlns:a="http://schemas.openxmlformats.org/drawingml/2006/main" xmlns:r="http://schemas.openxmlformats.org/officeDocument/2006/relationships" xmlns:p="http://schemas.openxmlformats.org/presentationml/2006/main">
+  <p:cSld>
+    <p:spTree>
+      <p:nvGrpSpPr>
+        <p:cNvPr id="1" name=""/>
+        <p:cNvGrpSpPr/>
+        <p:nvPr/>
+      </p:nvGrpSpPr>
+      <p:grpSpPr>
+        <a:xfrm>
+          <a:off x="0" y="0"/>
+          <a:ext cx="0" cy="0"/>
+          <a:chOff x="0" y="0"/>
+          <a:chExt cx="0" cy="0"/>
+        </a:xfrm>
+      </p:grpSpPr>
+      <p:sp>
+        <p:nvSpPr>
+          <p:cNvPr id="2" name="제목 1">
+            <a:extLst>
+              <a:ext uri="{FF2B5EF4-FFF2-40B4-BE49-F238E27FC236}">
+                <a16:creationId xmlns:a16="http://schemas.microsoft.com/office/drawing/2014/main" id="{52AD30BB-A308-4098-AAAC-1E7D4084FAE8}"/>
+              </a:ext>
+            </a:extLst>
+          </p:cNvPr>
+          <p:cNvSpPr>
+            <a:spLocks noGrp="1"/>
+          </p:cNvSpPr>
+          <p:nvPr>
+            <p:ph type="title"/>
+          </p:nvPr>
+        </p:nvSpPr>
+        <p:spPr/>
+        <p:txBody>
+          <a:bodyPr>
+            <a:normAutofit fontScale="90000"/>
+          </a:bodyPr>
+          <a:lstStyle/>
+          <a:p>
+            <a:r>
+              <a:rPr lang="en-US" altLang="ko-KR" dirty="0"/>
+              <a:t>3. Related work.</a:t>
+            </a:r>
+            <a:br>
+              <a:rPr lang="en-US" altLang="ko-KR" dirty="0"/>
+            </a:br>
+            <a:r>
+              <a:rPr lang="en-US" altLang="ko-KR" sz="2900" dirty="0"/>
+              <a:t>3.3 Combining NN and GBDT</a:t>
+            </a:r>
+            <a:endParaRPr lang="ko-KR" altLang="en-US" sz="2900" dirty="0"/>
+          </a:p>
+        </p:txBody>
+      </p:sp>
+      <p:sp>
+        <p:nvSpPr>
+          <p:cNvPr id="3" name="내용 개체 틀 2">
+            <a:extLst>
+              <a:ext uri="{FF2B5EF4-FFF2-40B4-BE49-F238E27FC236}">
+                <a16:creationId xmlns:a16="http://schemas.microsoft.com/office/drawing/2014/main" id="{24871D0B-4E24-49A6-9E81-F913B3D11919}"/>
+              </a:ext>
+            </a:extLst>
+          </p:cNvPr>
+          <p:cNvSpPr>
+            <a:spLocks noGrp="1"/>
+          </p:cNvSpPr>
+          <p:nvPr>
+            <p:ph idx="1"/>
+          </p:nvPr>
+        </p:nvSpPr>
+        <p:spPr>
+          <a:xfrm>
+            <a:off x="838200" y="1446415"/>
+            <a:ext cx="10515600" cy="4730547"/>
+          </a:xfrm>
+        </p:spPr>
+        <p:txBody>
+          <a:bodyPr>
+            <a:normAutofit/>
+          </a:bodyPr>
+          <a:lstStyle/>
+          <a:p>
+            <a:pPr marL="0" indent="0">
+              <a:buNone/>
+            </a:pPr>
+            <a:r>
+              <a:rPr lang="en-US" altLang="ko-KR" dirty="0"/>
+              <a:t>3.3.3. Combining NN and GBDT.</a:t>
+            </a:r>
+          </a:p>
+          <a:p>
+            <a:pPr marL="0" indent="0">
+              <a:buNone/>
+            </a:pPr>
+            <a:r>
+              <a:rPr lang="en-US" altLang="ko-KR" dirty="0"/>
+              <a:t>NN</a:t>
+            </a:r>
+            <a:r>
+              <a:rPr lang="ko-KR" altLang="en-US" dirty="0"/>
+              <a:t>과 </a:t>
+            </a:r>
+            <a:r>
+              <a:rPr lang="en-US" altLang="ko-KR" dirty="0"/>
+              <a:t>GBDT</a:t>
+            </a:r>
+            <a:r>
+              <a:rPr lang="ko-KR" altLang="en-US" dirty="0"/>
+              <a:t>를 결합하려는 시도는 여럿 존재하였다</a:t>
+            </a:r>
+            <a:r>
+              <a:rPr lang="en-US" altLang="ko-KR" dirty="0"/>
+              <a:t>.</a:t>
+            </a:r>
+          </a:p>
+          <a:p>
+            <a:pPr marL="0" indent="0">
+              <a:buNone/>
+            </a:pPr>
+            <a:r>
+              <a:rPr lang="en-US" altLang="ko-KR" dirty="0"/>
+              <a:t>Facebook, Microsoft</a:t>
+            </a:r>
+            <a:r>
+              <a:rPr lang="ko-KR" altLang="en-US" dirty="0"/>
+              <a:t>등에서 문제 해결을 위해서 사용하였지만</a:t>
+            </a:r>
+            <a:r>
+              <a:rPr lang="en-US" altLang="ko-KR" dirty="0"/>
+              <a:t>, GBDT</a:t>
+            </a:r>
+            <a:r>
+              <a:rPr lang="ko-KR" altLang="en-US" dirty="0"/>
+              <a:t>의 온라인 업데이트 문제가 해결되지 않아 온라인에서 효율적으로 사용할 수 없다</a:t>
+            </a:r>
+            <a:r>
+              <a:rPr lang="en-US" altLang="ko-KR" dirty="0"/>
+              <a:t>.</a:t>
+            </a:r>
+          </a:p>
+          <a:p>
+            <a:pPr marL="0" indent="0">
+              <a:buNone/>
+            </a:pPr>
+            <a:r>
+              <a:rPr lang="en-US" altLang="ko-KR" dirty="0"/>
+              <a:t>Facebook</a:t>
+            </a:r>
+            <a:r>
+              <a:rPr lang="ko-KR" altLang="en-US" dirty="0"/>
+              <a:t>에서 </a:t>
+            </a:r>
+            <a:r>
+              <a:rPr lang="en-US" altLang="ko-KR" dirty="0"/>
+              <a:t>GBDT </a:t>
+            </a:r>
+            <a:r>
+              <a:rPr lang="ko-KR" altLang="en-US" dirty="0"/>
+              <a:t>모델은 좋은 온라인 성능을 얻기 위해서 매일 재교육을 </a:t>
+            </a:r>
+            <a:r>
+              <a:rPr lang="ko-KR" altLang="en-US" dirty="0" err="1"/>
+              <a:t>진행해야한다는</a:t>
+            </a:r>
+            <a:r>
+              <a:rPr lang="ko-KR" altLang="en-US" dirty="0"/>
+              <a:t> 문제점을 지적하였다</a:t>
+            </a:r>
+            <a:r>
+              <a:rPr lang="en-US" altLang="ko-KR" dirty="0"/>
+              <a:t>.</a:t>
+            </a:r>
+          </a:p>
+          <a:p>
+            <a:pPr marL="0" indent="0">
+              <a:buNone/>
+            </a:pPr>
+            <a:r>
+              <a:rPr lang="ko-KR" altLang="en-US" dirty="0"/>
+              <a:t>이러한 문제점들을 극복하기 위해서 </a:t>
+            </a:r>
+            <a:r>
+              <a:rPr lang="en-US" altLang="ko-KR" dirty="0"/>
+              <a:t>NN</a:t>
+            </a:r>
+            <a:r>
+              <a:rPr lang="ko-KR" altLang="en-US" dirty="0"/>
+              <a:t>과 </a:t>
+            </a:r>
+            <a:r>
+              <a:rPr lang="en-US" altLang="ko-KR" dirty="0"/>
+              <a:t>GBDT</a:t>
+            </a:r>
+            <a:r>
+              <a:rPr lang="ko-KR" altLang="en-US" dirty="0"/>
+              <a:t>를 더 잘 통합하기 위한 </a:t>
+            </a:r>
+            <a:r>
+              <a:rPr lang="en-US" altLang="ko-KR" dirty="0" err="1"/>
+              <a:t>DeepGBM</a:t>
+            </a:r>
+            <a:r>
+              <a:rPr lang="ko-KR" altLang="en-US" dirty="0"/>
+              <a:t>을 제안한다</a:t>
+            </a:r>
+            <a:r>
+              <a:rPr lang="en-US" altLang="ko-KR" dirty="0"/>
+              <a:t>.</a:t>
+            </a:r>
+          </a:p>
+        </p:txBody>
+      </p:sp>
+    </p:spTree>
+    <p:extLst>
+      <p:ext uri="{BB962C8B-B14F-4D97-AF65-F5344CB8AC3E}">
+        <p14:creationId xmlns:p14="http://schemas.microsoft.com/office/powerpoint/2010/main" val="820757786"/>
+      </p:ext>
+    </p:extLst>
+  </p:cSld>
+  <p:clrMapOvr>
+    <a:masterClrMapping/>
+  </p:clrMapOvr>
+</p:sld>
+</file>
+
+<file path=ppt/slides/slide19.xml><?xml version="1.0" encoding="utf-8"?>
+<p:sld xmlns:a="http://schemas.openxmlformats.org/drawingml/2006/main" xmlns:r="http://schemas.openxmlformats.org/officeDocument/2006/relationships" xmlns:p="http://schemas.openxmlformats.org/presentationml/2006/main">
+  <p:cSld>
+    <p:spTree>
+      <p:nvGrpSpPr>
+        <p:cNvPr id="1" name=""/>
+        <p:cNvGrpSpPr/>
+        <p:nvPr/>
+      </p:nvGrpSpPr>
+      <p:grpSpPr>
+        <a:xfrm>
+          <a:off x="0" y="0"/>
+          <a:ext cx="0" cy="0"/>
+          <a:chOff x="0" y="0"/>
+          <a:chExt cx="0" cy="0"/>
+        </a:xfrm>
+      </p:grpSpPr>
+      <p:sp>
+        <p:nvSpPr>
+          <p:cNvPr id="2" name="제목 1">
+            <a:extLst>
+              <a:ext uri="{FF2B5EF4-FFF2-40B4-BE49-F238E27FC236}">
+                <a16:creationId xmlns:a16="http://schemas.microsoft.com/office/drawing/2014/main" id="{52AD30BB-A308-4098-AAAC-1E7D4084FAE8}"/>
+              </a:ext>
+            </a:extLst>
+          </p:cNvPr>
+          <p:cNvSpPr>
+            <a:spLocks noGrp="1"/>
+          </p:cNvSpPr>
+          <p:nvPr>
+            <p:ph type="title"/>
+          </p:nvPr>
+        </p:nvSpPr>
+        <p:spPr/>
+        <p:txBody>
+          <a:bodyPr>
+            <a:normAutofit fontScale="90000"/>
+          </a:bodyPr>
+          <a:lstStyle/>
+          <a:p>
+            <a:r>
+              <a:rPr lang="en-US" altLang="ko-KR" dirty="0"/>
+              <a:t>4. </a:t>
+            </a:r>
+            <a:r>
+              <a:rPr lang="en-US" altLang="ko-KR" dirty="0" err="1"/>
+              <a:t>DeepGBM</a:t>
+            </a:r>
+            <a:r>
+              <a:rPr lang="en-US" altLang="ko-KR" dirty="0"/>
+              <a:t>.</a:t>
+            </a:r>
+            <a:endParaRPr lang="ko-KR" altLang="en-US" dirty="0"/>
+          </a:p>
+        </p:txBody>
+      </p:sp>
+      <p:sp>
+        <p:nvSpPr>
+          <p:cNvPr id="3" name="내용 개체 틀 2">
+            <a:extLst>
+              <a:ext uri="{FF2B5EF4-FFF2-40B4-BE49-F238E27FC236}">
+                <a16:creationId xmlns:a16="http://schemas.microsoft.com/office/drawing/2014/main" id="{24871D0B-4E24-49A6-9E81-F913B3D11919}"/>
+              </a:ext>
+            </a:extLst>
+          </p:cNvPr>
+          <p:cNvSpPr>
+            <a:spLocks noGrp="1"/>
+          </p:cNvSpPr>
+          <p:nvPr>
+            <p:ph idx="1"/>
+          </p:nvPr>
+        </p:nvSpPr>
+        <p:spPr>
+          <a:xfrm>
+            <a:off x="838200" y="5261548"/>
+            <a:ext cx="10515600" cy="915414"/>
+          </a:xfrm>
+        </p:spPr>
+        <p:txBody>
+          <a:bodyPr>
+            <a:normAutofit/>
+          </a:bodyPr>
+          <a:lstStyle/>
+          <a:p>
+            <a:pPr marL="0" indent="0">
+              <a:buNone/>
+            </a:pPr>
+            <a:r>
+              <a:rPr lang="en-US" altLang="ko-KR" dirty="0" err="1"/>
+              <a:t>CatNN</a:t>
+            </a:r>
+            <a:r>
+              <a:rPr lang="ko-KR" altLang="en-US" dirty="0"/>
+              <a:t>은 범주형 특징을 입력하는 </a:t>
+            </a:r>
+            <a:r>
+              <a:rPr lang="en-US" altLang="ko-KR" dirty="0"/>
+              <a:t>NN </a:t>
+            </a:r>
+            <a:r>
+              <a:rPr lang="ko-KR" altLang="en-US" dirty="0"/>
+              <a:t>구조이고</a:t>
+            </a:r>
+            <a:r>
+              <a:rPr lang="en-US" altLang="ko-KR" dirty="0"/>
+              <a:t>, GBDT2NN</a:t>
+            </a:r>
+            <a:r>
+              <a:rPr lang="ko-KR" altLang="en-US" dirty="0"/>
+              <a:t>은 고밀도 수치 특징을 학습하는 데 초점을 맞춘 </a:t>
+            </a:r>
+            <a:r>
+              <a:rPr lang="en-US" altLang="ko-KR" dirty="0"/>
+              <a:t>GBDT</a:t>
+            </a:r>
+            <a:r>
+              <a:rPr lang="ko-KR" altLang="en-US" dirty="0"/>
+              <a:t>에서 증류된 또 다른 </a:t>
+            </a:r>
+            <a:r>
+              <a:rPr lang="en-US" altLang="ko-KR" dirty="0"/>
+              <a:t>NN </a:t>
+            </a:r>
+            <a:r>
+              <a:rPr lang="ko-KR" altLang="en-US" dirty="0"/>
+              <a:t>구조이다</a:t>
+            </a:r>
+            <a:r>
+              <a:rPr lang="en-US" altLang="ko-KR" dirty="0"/>
+              <a:t>.</a:t>
+            </a:r>
+          </a:p>
+        </p:txBody>
+      </p:sp>
+      <p:pic>
+        <p:nvPicPr>
+          <p:cNvPr id="4" name="Picture 2" descr="Fig1">
+            <a:extLst>
+              <a:ext uri="{FF2B5EF4-FFF2-40B4-BE49-F238E27FC236}">
+                <a16:creationId xmlns:a16="http://schemas.microsoft.com/office/drawing/2014/main" id="{FC81E135-01C2-4D05-8F2A-D92A3CDFF2E0}"/>
+              </a:ext>
+            </a:extLst>
+          </p:cNvPr>
+          <p:cNvPicPr>
+            <a:picLocks noChangeAspect="1" noChangeArrowheads="1"/>
+          </p:cNvPicPr>
+          <p:nvPr/>
+        </p:nvPicPr>
+        <p:blipFill>
+          <a:blip r:embed="rId2">
+            <a:extLst>
+              <a:ext uri="{28A0092B-C50C-407E-A947-70E740481C1C}">
+                <a14:useLocalDpi xmlns:a14="http://schemas.microsoft.com/office/drawing/2010/main" val="0"/>
+              </a:ext>
+            </a:extLst>
+          </a:blip>
+          <a:srcRect/>
+          <a:stretch>
+            <a:fillRect/>
+          </a:stretch>
+        </p:blipFill>
+        <p:spPr bwMode="auto">
+          <a:xfrm>
+            <a:off x="2922457" y="1501707"/>
+            <a:ext cx="6347085" cy="3510285"/>
+          </a:xfrm>
+          <a:prstGeom prst="rect">
+            <a:avLst/>
+          </a:prstGeom>
+          <a:noFill/>
+          <a:extLst>
+            <a:ext uri="{909E8E84-426E-40DD-AFC4-6F175D3DCCD1}">
+              <a14:hiddenFill xmlns:a14="http://schemas.microsoft.com/office/drawing/2010/main">
+                <a:solidFill>
+                  <a:srgbClr val="FFFFFF"/>
+                </a:solidFill>
+              </a14:hiddenFill>
+            </a:ext>
+          </a:extLst>
+        </p:spPr>
+      </p:pic>
+    </p:spTree>
+    <p:extLst>
+      <p:ext uri="{BB962C8B-B14F-4D97-AF65-F5344CB8AC3E}">
+        <p14:creationId xmlns:p14="http://schemas.microsoft.com/office/powerpoint/2010/main" val="446795144"/>
       </p:ext>
     </p:extLst>
   </p:cSld>
@@ -4451,7 +6534,6 @@
             <a:r>
               <a:rPr lang="en-US" altLang="ko-KR" i="0" dirty="0">
                 <a:effectLst/>
-                <a:latin typeface="-apple-system"/>
               </a:rPr>
               <a:t>ABSTRACT</a:t>
             </a:r>
@@ -4467,7 +6549,6 @@
             <a:r>
               <a:rPr lang="en-US" altLang="ko-KR" i="0" dirty="0">
                 <a:effectLst/>
-                <a:latin typeface="-apple-system"/>
               </a:rPr>
               <a:t>INTRODUCTION</a:t>
             </a:r>
@@ -4477,15 +6558,12 @@
               <a:buNone/>
             </a:pPr>
             <a:r>
-              <a:rPr lang="en-US" altLang="ko-KR" dirty="0">
-                <a:latin typeface="-apple-system"/>
-              </a:rPr>
+              <a:rPr lang="en-US" altLang="ko-KR" dirty="0"/>
               <a:t>3. </a:t>
             </a:r>
             <a:r>
               <a:rPr lang="en-US" altLang="ko-KR" i="0" dirty="0">
                 <a:effectLst/>
-                <a:latin typeface="-apple-system"/>
               </a:rPr>
               <a:t>RELATED WORK</a:t>
             </a:r>
@@ -4495,15 +6573,12 @@
               <a:buNone/>
             </a:pPr>
             <a:r>
-              <a:rPr lang="en-US" altLang="ko-KR" dirty="0">
-                <a:latin typeface="-apple-system"/>
-              </a:rPr>
+              <a:rPr lang="en-US" altLang="ko-KR" dirty="0"/>
               <a:t>4. </a:t>
             </a:r>
             <a:r>
               <a:rPr lang="en-US" altLang="ko-KR" i="0" dirty="0">
                 <a:effectLst/>
-                <a:latin typeface="-apple-system"/>
               </a:rPr>
               <a:t>DEEPGBM</a:t>
             </a:r>
@@ -4513,15 +6588,12 @@
               <a:buNone/>
             </a:pPr>
             <a:r>
-              <a:rPr lang="en-US" altLang="ko-KR" dirty="0">
-                <a:latin typeface="-apple-system"/>
-              </a:rPr>
+              <a:rPr lang="en-US" altLang="ko-KR" dirty="0"/>
               <a:t>5. </a:t>
             </a:r>
             <a:r>
               <a:rPr lang="en-US" altLang="ko-KR" i="0" dirty="0">
                 <a:effectLst/>
-                <a:latin typeface="-apple-system"/>
               </a:rPr>
               <a:t>EXPERIMENT</a:t>
             </a:r>
@@ -4531,15 +6603,12 @@
               <a:buNone/>
             </a:pPr>
             <a:r>
-              <a:rPr lang="en-US" altLang="ko-KR" dirty="0">
-                <a:latin typeface="-apple-system"/>
-              </a:rPr>
+              <a:rPr lang="en-US" altLang="ko-KR" dirty="0"/>
               <a:t>6. </a:t>
             </a:r>
             <a:r>
               <a:rPr lang="en-US" altLang="ko-KR" i="0" dirty="0">
                 <a:effectLst/>
-                <a:latin typeface="-apple-system"/>
               </a:rPr>
               <a:t>CONCLUSION</a:t>
             </a:r>
@@ -4550,6 +6619,2402 @@
     <p:extLst>
       <p:ext uri="{BB962C8B-B14F-4D97-AF65-F5344CB8AC3E}">
         <p14:creationId xmlns:p14="http://schemas.microsoft.com/office/powerpoint/2010/main" val="3234037106"/>
+      </p:ext>
+    </p:extLst>
+  </p:cSld>
+  <p:clrMapOvr>
+    <a:masterClrMapping/>
+  </p:clrMapOvr>
+</p:sld>
+</file>
+
+<file path=ppt/slides/slide20.xml><?xml version="1.0" encoding="utf-8"?>
+<p:sld xmlns:a="http://schemas.openxmlformats.org/drawingml/2006/main" xmlns:r="http://schemas.openxmlformats.org/officeDocument/2006/relationships" xmlns:p="http://schemas.openxmlformats.org/presentationml/2006/main">
+  <p:cSld>
+    <p:spTree>
+      <p:nvGrpSpPr>
+        <p:cNvPr id="1" name=""/>
+        <p:cNvGrpSpPr/>
+        <p:nvPr/>
+      </p:nvGrpSpPr>
+      <p:grpSpPr>
+        <a:xfrm>
+          <a:off x="0" y="0"/>
+          <a:ext cx="0" cy="0"/>
+          <a:chOff x="0" y="0"/>
+          <a:chExt cx="0" cy="0"/>
+        </a:xfrm>
+      </p:grpSpPr>
+      <p:sp>
+        <p:nvSpPr>
+          <p:cNvPr id="2" name="제목 1">
+            <a:extLst>
+              <a:ext uri="{FF2B5EF4-FFF2-40B4-BE49-F238E27FC236}">
+                <a16:creationId xmlns:a16="http://schemas.microsoft.com/office/drawing/2014/main" id="{52AD30BB-A308-4098-AAAC-1E7D4084FAE8}"/>
+              </a:ext>
+            </a:extLst>
+          </p:cNvPr>
+          <p:cNvSpPr>
+            <a:spLocks noGrp="1"/>
+          </p:cNvSpPr>
+          <p:nvPr>
+            <p:ph type="title"/>
+          </p:nvPr>
+        </p:nvSpPr>
+        <p:spPr/>
+        <p:txBody>
+          <a:bodyPr>
+            <a:normAutofit fontScale="90000"/>
+          </a:bodyPr>
+          <a:lstStyle/>
+          <a:p>
+            <a:r>
+              <a:rPr lang="en-US" altLang="ko-KR" dirty="0"/>
+              <a:t>4. </a:t>
+            </a:r>
+            <a:r>
+              <a:rPr lang="en-US" altLang="ko-KR" dirty="0" err="1"/>
+              <a:t>DeepGBM</a:t>
+            </a:r>
+            <a:r>
+              <a:rPr lang="en-US" altLang="ko-KR" dirty="0"/>
+              <a:t>.</a:t>
+            </a:r>
+            <a:br>
+              <a:rPr lang="en-US" altLang="ko-KR" dirty="0"/>
+            </a:br>
+            <a:r>
+              <a:rPr lang="en-US" altLang="ko-KR" sz="2900" dirty="0"/>
+              <a:t>4.1 </a:t>
+            </a:r>
+            <a:r>
+              <a:rPr lang="en-US" altLang="ko-KR" sz="2900" dirty="0" err="1"/>
+              <a:t>CatNN</a:t>
+            </a:r>
+            <a:r>
+              <a:rPr lang="en-US" altLang="ko-KR" sz="2900" dirty="0"/>
+              <a:t> for Sparse Categorical Features.</a:t>
+            </a:r>
+            <a:endParaRPr lang="ko-KR" altLang="en-US" sz="2900" dirty="0"/>
+          </a:p>
+        </p:txBody>
+      </p:sp>
+      <p:sp>
+        <p:nvSpPr>
+          <p:cNvPr id="3" name="내용 개체 틀 2">
+            <a:extLst>
+              <a:ext uri="{FF2B5EF4-FFF2-40B4-BE49-F238E27FC236}">
+                <a16:creationId xmlns:a16="http://schemas.microsoft.com/office/drawing/2014/main" id="{24871D0B-4E24-49A6-9E81-F913B3D11919}"/>
+              </a:ext>
+            </a:extLst>
+          </p:cNvPr>
+          <p:cNvSpPr>
+            <a:spLocks noGrp="1"/>
+          </p:cNvSpPr>
+          <p:nvPr>
+            <p:ph idx="1"/>
+          </p:nvPr>
+        </p:nvSpPr>
+        <p:spPr>
+          <a:xfrm>
+            <a:off x="838200" y="1446415"/>
+            <a:ext cx="10515600" cy="3638244"/>
+          </a:xfrm>
+        </p:spPr>
+        <p:txBody>
+          <a:bodyPr>
+            <a:normAutofit/>
+          </a:bodyPr>
+          <a:lstStyle/>
+          <a:p>
+            <a:pPr marL="0" indent="0">
+              <a:buNone/>
+            </a:pPr>
+            <a:r>
+              <a:rPr lang="en-US" altLang="ko-KR" dirty="0"/>
+              <a:t>NN</a:t>
+            </a:r>
+            <a:r>
+              <a:rPr lang="ko-KR" altLang="en-US" dirty="0"/>
+              <a:t>은 </a:t>
+            </a:r>
+            <a:r>
+              <a:rPr lang="en-US" altLang="ko-KR" dirty="0" err="1"/>
+              <a:t>Wide&amp;Deep</a:t>
+            </a:r>
+            <a:r>
+              <a:rPr lang="en-US" altLang="ko-KR" dirty="0"/>
+              <a:t>, PNN, </a:t>
+            </a:r>
+            <a:r>
+              <a:rPr lang="en-US" altLang="ko-KR" dirty="0" err="1"/>
+              <a:t>DeepFM</a:t>
+            </a:r>
+            <a:r>
+              <a:rPr lang="en-US" altLang="ko-KR" dirty="0"/>
+              <a:t> </a:t>
+            </a:r>
+            <a:r>
+              <a:rPr lang="ko-KR" altLang="en-US" dirty="0"/>
+              <a:t>및 </a:t>
+            </a:r>
+            <a:r>
+              <a:rPr lang="en-US" altLang="ko-KR" dirty="0" err="1"/>
+              <a:t>xDeepFM</a:t>
+            </a:r>
+            <a:r>
+              <a:rPr lang="ko-KR" altLang="en-US" dirty="0"/>
+              <a:t>과 같은 범주적 기능에 대한 예측 모델을 학습하기 위해 널리 사용되었으며</a:t>
+            </a:r>
+            <a:r>
+              <a:rPr lang="en-US" altLang="ko-KR" dirty="0"/>
+              <a:t>, </a:t>
+            </a:r>
+            <a:r>
+              <a:rPr lang="en-US" altLang="ko-KR" dirty="0" err="1"/>
+              <a:t>CatNN</a:t>
+            </a:r>
+            <a:r>
+              <a:rPr lang="ko-KR" altLang="en-US" dirty="0"/>
+              <a:t>의 학습 데이터가 이러한 작업과 동일하기 때문에 기존의 성능이 검증된 </a:t>
+            </a:r>
+            <a:r>
+              <a:rPr lang="en-US" altLang="ko-KR" dirty="0"/>
+              <a:t>NN</a:t>
+            </a:r>
+            <a:r>
+              <a:rPr lang="ko-KR" altLang="en-US" dirty="0"/>
+              <a:t>구조를 활용하여 </a:t>
+            </a:r>
+            <a:r>
+              <a:rPr lang="en-US" altLang="ko-KR" dirty="0" err="1"/>
+              <a:t>CatNN</a:t>
+            </a:r>
+            <a:r>
+              <a:rPr lang="ko-KR" altLang="en-US" dirty="0"/>
+              <a:t>에 활용하였다</a:t>
+            </a:r>
+            <a:r>
+              <a:rPr lang="en-US" altLang="ko-KR" dirty="0"/>
+              <a:t>.</a:t>
+            </a:r>
+          </a:p>
+          <a:p>
+            <a:pPr marL="0" indent="0">
+              <a:buNone/>
+            </a:pPr>
+            <a:r>
+              <a:rPr lang="en-US" altLang="ko-KR" dirty="0" err="1"/>
+              <a:t>CatNN</a:t>
+            </a:r>
+            <a:r>
+              <a:rPr lang="ko-KR" altLang="en-US" dirty="0"/>
+              <a:t>은 고차원 희소 벡터를 고밀도 벡터로 효과적으로 변환할 수 있는 </a:t>
+            </a:r>
+            <a:r>
+              <a:rPr lang="ko-KR" altLang="en-US" dirty="0" err="1"/>
+              <a:t>임베딩</a:t>
+            </a:r>
+            <a:r>
+              <a:rPr lang="ko-KR" altLang="en-US" dirty="0"/>
+              <a:t> 기술에 주로 의존한다</a:t>
+            </a:r>
+            <a:r>
+              <a:rPr lang="en-US" altLang="ko-KR" dirty="0"/>
+              <a:t>.</a:t>
+            </a:r>
+          </a:p>
+          <a:p>
+            <a:pPr marL="0" indent="0">
+              <a:buNone/>
+            </a:pPr>
+            <a:r>
+              <a:rPr lang="en-US" altLang="ko-KR" dirty="0" err="1"/>
+              <a:t>CatNN</a:t>
+            </a:r>
+            <a:r>
+              <a:rPr lang="ko-KR" altLang="en-US" dirty="0"/>
+              <a:t>은 </a:t>
+            </a:r>
+            <a:r>
+              <a:rPr lang="en-US" altLang="ko-KR" dirty="0"/>
+              <a:t>FM, Deep</a:t>
+            </a:r>
+            <a:r>
+              <a:rPr lang="ko-KR" altLang="en-US" dirty="0"/>
+              <a:t>구성 요소를 활용하여 특징에 대한 상호 작용을 학습하기 때문에 유사한 기능을 가진 다른 </a:t>
+            </a:r>
+            <a:r>
+              <a:rPr lang="en-US" altLang="ko-KR" dirty="0"/>
+              <a:t>NN </a:t>
+            </a:r>
+            <a:r>
+              <a:rPr lang="ko-KR" altLang="en-US" dirty="0"/>
+              <a:t>구성 요소를 사용할 수 있기에 구성 요소에 의해 제한되지 않습니다</a:t>
+            </a:r>
+            <a:r>
+              <a:rPr lang="en-US" altLang="ko-KR" dirty="0"/>
+              <a:t>.</a:t>
+            </a:r>
+          </a:p>
+          <a:p>
+            <a:pPr marL="0" indent="0">
+              <a:buNone/>
+            </a:pPr>
+            <a:r>
+              <a:rPr lang="ko-KR" altLang="en-US" dirty="0"/>
+              <a:t>다음과 같은 최종 출력 구조를 갖는다</a:t>
+            </a:r>
+            <a:r>
+              <a:rPr lang="en-US" altLang="ko-KR" dirty="0"/>
+              <a:t>.</a:t>
+            </a:r>
+          </a:p>
+        </p:txBody>
+      </p:sp>
+      <p:pic>
+        <p:nvPicPr>
+          <p:cNvPr id="5122" name="Picture 2" descr="image-20211003072415607">
+            <a:extLst>
+              <a:ext uri="{FF2B5EF4-FFF2-40B4-BE49-F238E27FC236}">
+                <a16:creationId xmlns:a16="http://schemas.microsoft.com/office/drawing/2014/main" id="{81185079-3715-4948-B126-4C8972E49E04}"/>
+              </a:ext>
+            </a:extLst>
+          </p:cNvPr>
+          <p:cNvPicPr>
+            <a:picLocks noChangeAspect="1" noChangeArrowheads="1"/>
+          </p:cNvPicPr>
+          <p:nvPr/>
+        </p:nvPicPr>
+        <p:blipFill>
+          <a:blip r:embed="rId2">
+            <a:extLst>
+              <a:ext uri="{28A0092B-C50C-407E-A947-70E740481C1C}">
+                <a14:useLocalDpi xmlns:a14="http://schemas.microsoft.com/office/drawing/2010/main" val="0"/>
+              </a:ext>
+            </a:extLst>
+          </a:blip>
+          <a:srcRect/>
+          <a:stretch>
+            <a:fillRect/>
+          </a:stretch>
+        </p:blipFill>
+        <p:spPr bwMode="auto">
+          <a:xfrm>
+            <a:off x="1906466" y="5084659"/>
+            <a:ext cx="8379068" cy="952167"/>
+          </a:xfrm>
+          <a:prstGeom prst="rect">
+            <a:avLst/>
+          </a:prstGeom>
+          <a:noFill/>
+          <a:extLst>
+            <a:ext uri="{909E8E84-426E-40DD-AFC4-6F175D3DCCD1}">
+              <a14:hiddenFill xmlns:a14="http://schemas.microsoft.com/office/drawing/2010/main">
+                <a:solidFill>
+                  <a:srgbClr val="FFFFFF"/>
+                </a:solidFill>
+              </a14:hiddenFill>
+            </a:ext>
+          </a:extLst>
+        </p:spPr>
+      </p:pic>
+    </p:spTree>
+    <p:extLst>
+      <p:ext uri="{BB962C8B-B14F-4D97-AF65-F5344CB8AC3E}">
+        <p14:creationId xmlns:p14="http://schemas.microsoft.com/office/powerpoint/2010/main" val="216839439"/>
+      </p:ext>
+    </p:extLst>
+  </p:cSld>
+  <p:clrMapOvr>
+    <a:masterClrMapping/>
+  </p:clrMapOvr>
+</p:sld>
+</file>
+
+<file path=ppt/slides/slide21.xml><?xml version="1.0" encoding="utf-8"?>
+<p:sld xmlns:a="http://schemas.openxmlformats.org/drawingml/2006/main" xmlns:r="http://schemas.openxmlformats.org/officeDocument/2006/relationships" xmlns:p="http://schemas.openxmlformats.org/presentationml/2006/main">
+  <p:cSld>
+    <p:spTree>
+      <p:nvGrpSpPr>
+        <p:cNvPr id="1" name=""/>
+        <p:cNvGrpSpPr/>
+        <p:nvPr/>
+      </p:nvGrpSpPr>
+      <p:grpSpPr>
+        <a:xfrm>
+          <a:off x="0" y="0"/>
+          <a:ext cx="0" cy="0"/>
+          <a:chOff x="0" y="0"/>
+          <a:chExt cx="0" cy="0"/>
+        </a:xfrm>
+      </p:grpSpPr>
+      <p:sp>
+        <p:nvSpPr>
+          <p:cNvPr id="2" name="제목 1">
+            <a:extLst>
+              <a:ext uri="{FF2B5EF4-FFF2-40B4-BE49-F238E27FC236}">
+                <a16:creationId xmlns:a16="http://schemas.microsoft.com/office/drawing/2014/main" id="{52AD30BB-A308-4098-AAAC-1E7D4084FAE8}"/>
+              </a:ext>
+            </a:extLst>
+          </p:cNvPr>
+          <p:cNvSpPr>
+            <a:spLocks noGrp="1"/>
+          </p:cNvSpPr>
+          <p:nvPr>
+            <p:ph type="title"/>
+          </p:nvPr>
+        </p:nvSpPr>
+        <p:spPr/>
+        <p:txBody>
+          <a:bodyPr>
+            <a:normAutofit fontScale="90000"/>
+          </a:bodyPr>
+          <a:lstStyle/>
+          <a:p>
+            <a:r>
+              <a:rPr lang="en-US" altLang="ko-KR" dirty="0"/>
+              <a:t>4. </a:t>
+            </a:r>
+            <a:r>
+              <a:rPr lang="en-US" altLang="ko-KR" dirty="0" err="1"/>
+              <a:t>DeepGBM</a:t>
+            </a:r>
+            <a:r>
+              <a:rPr lang="en-US" altLang="ko-KR" dirty="0"/>
+              <a:t>.</a:t>
+            </a:r>
+            <a:br>
+              <a:rPr lang="en-US" altLang="ko-KR" dirty="0"/>
+            </a:br>
+            <a:r>
+              <a:rPr lang="en-US" altLang="ko-KR" sz="2900" dirty="0"/>
+              <a:t>4.2 GBDT2NN for Dense Numerical Features.</a:t>
+            </a:r>
+            <a:endParaRPr lang="ko-KR" altLang="en-US" sz="2900" dirty="0"/>
+          </a:p>
+        </p:txBody>
+      </p:sp>
+      <p:sp>
+        <p:nvSpPr>
+          <p:cNvPr id="3" name="내용 개체 틀 2">
+            <a:extLst>
+              <a:ext uri="{FF2B5EF4-FFF2-40B4-BE49-F238E27FC236}">
+                <a16:creationId xmlns:a16="http://schemas.microsoft.com/office/drawing/2014/main" id="{24871D0B-4E24-49A6-9E81-F913B3D11919}"/>
+              </a:ext>
+            </a:extLst>
+          </p:cNvPr>
+          <p:cNvSpPr>
+            <a:spLocks noGrp="1"/>
+          </p:cNvSpPr>
+          <p:nvPr>
+            <p:ph idx="1"/>
+          </p:nvPr>
+        </p:nvSpPr>
+        <p:spPr>
+          <a:xfrm>
+            <a:off x="838200" y="1446415"/>
+            <a:ext cx="10515600" cy="4730547"/>
+          </a:xfrm>
+        </p:spPr>
+        <p:txBody>
+          <a:bodyPr>
+            <a:normAutofit/>
+          </a:bodyPr>
+          <a:lstStyle/>
+          <a:p>
+            <a:pPr marL="0" indent="0">
+              <a:buNone/>
+            </a:pPr>
+            <a:r>
+              <a:rPr lang="en-US" altLang="ko-KR" dirty="0"/>
+              <a:t>4.2.1.1 Single Tree Distillation.</a:t>
+            </a:r>
+          </a:p>
+          <a:p>
+            <a:pPr marL="0" indent="0">
+              <a:buNone/>
+            </a:pPr>
+            <a:r>
+              <a:rPr lang="en-US" altLang="ko-KR" dirty="0"/>
+              <a:t>GBDT</a:t>
+            </a:r>
+            <a:r>
+              <a:rPr lang="ko-KR" altLang="en-US" dirty="0"/>
+              <a:t>에서 학습된 트리를 </a:t>
+            </a:r>
+            <a:r>
+              <a:rPr lang="en-US" altLang="ko-KR" dirty="0"/>
+              <a:t>NN </a:t>
+            </a:r>
+            <a:r>
+              <a:rPr lang="ko-KR" altLang="en-US" dirty="0"/>
+              <a:t>모델로 증류하는 방법에 대한 세부 정보를 설명이다</a:t>
+            </a:r>
+            <a:r>
+              <a:rPr lang="en-US" altLang="ko-KR" dirty="0"/>
+              <a:t>.</a:t>
+            </a:r>
+          </a:p>
+          <a:p>
+            <a:pPr marL="0" indent="0">
+              <a:buNone/>
+            </a:pPr>
+            <a:r>
+              <a:rPr lang="ko-KR" altLang="en-US" dirty="0"/>
+              <a:t>대부분의 이전 증류는 학습된 함수 측면에서 모델 지식만 전송하여 새 모델이 전송된 모델과 유사한 출력을 생성하도록 한다</a:t>
+            </a:r>
+            <a:r>
+              <a:rPr lang="en-US" altLang="ko-KR" dirty="0"/>
+              <a:t>.</a:t>
+            </a:r>
+          </a:p>
+          <a:p>
+            <a:pPr marL="0" indent="0">
+              <a:buNone/>
+            </a:pPr>
+            <a:r>
+              <a:rPr lang="ko-KR" altLang="en-US" dirty="0"/>
+              <a:t>그러나 </a:t>
+            </a:r>
+            <a:r>
+              <a:rPr lang="en-US" altLang="ko-KR" dirty="0"/>
+              <a:t>Tree</a:t>
+            </a:r>
+            <a:r>
+              <a:rPr lang="ko-KR" altLang="en-US" dirty="0"/>
+              <a:t>와 </a:t>
+            </a:r>
+            <a:r>
+              <a:rPr lang="en-US" altLang="ko-KR" dirty="0"/>
+              <a:t>NN</a:t>
+            </a:r>
+            <a:r>
+              <a:rPr lang="ko-KR" altLang="en-US" dirty="0"/>
+              <a:t>은 기존 모델 증류가 자연적으로 다르기 때문에 트리 모델에 더 많은 지식이 증류되어 </a:t>
+            </a:r>
+            <a:r>
+              <a:rPr lang="en-US" altLang="ko-KR" dirty="0"/>
+              <a:t>NN</a:t>
+            </a:r>
+            <a:r>
+              <a:rPr lang="ko-KR" altLang="en-US" dirty="0"/>
+              <a:t>으로 전달될 수 있다</a:t>
+            </a:r>
+            <a:r>
+              <a:rPr lang="en-US" altLang="ko-KR" dirty="0"/>
+              <a:t>.</a:t>
+            </a:r>
+          </a:p>
+          <a:p>
+            <a:pPr marL="0" indent="0">
+              <a:buNone/>
+            </a:pPr>
+            <a:r>
+              <a:rPr lang="ko-KR" altLang="en-US" dirty="0"/>
+              <a:t>특히 학습된 나무 구조에 의해 암시되는 데이터 </a:t>
+            </a:r>
+            <a:r>
+              <a:rPr lang="ko-KR" altLang="en-US" dirty="0" err="1"/>
+              <a:t>파티션뿐만</a:t>
+            </a:r>
+            <a:r>
+              <a:rPr lang="ko-KR" altLang="en-US" dirty="0"/>
+              <a:t> 아니라 학습된 나무의 특징 선택과 중요성은 실제로 나무의 다른 유형의 중요한 지식이다</a:t>
+            </a:r>
+            <a:r>
+              <a:rPr lang="en-US" altLang="ko-KR" dirty="0"/>
+              <a:t>.</a:t>
+            </a:r>
+          </a:p>
+          <a:p>
+            <a:pPr marL="0" indent="0">
+              <a:buNone/>
+            </a:pPr>
+            <a:r>
+              <a:rPr lang="ko-KR" altLang="en-US" dirty="0"/>
+              <a:t>더 많은 정보가 잘 정제되어 다음 모델로 전송된다</a:t>
+            </a:r>
+            <a:r>
+              <a:rPr lang="en-US" altLang="ko-KR" dirty="0"/>
+              <a:t>.</a:t>
+            </a:r>
+          </a:p>
+        </p:txBody>
+      </p:sp>
+    </p:spTree>
+    <p:extLst>
+      <p:ext uri="{BB962C8B-B14F-4D97-AF65-F5344CB8AC3E}">
+        <p14:creationId xmlns:p14="http://schemas.microsoft.com/office/powerpoint/2010/main" val="3237199373"/>
+      </p:ext>
+    </p:extLst>
+  </p:cSld>
+  <p:clrMapOvr>
+    <a:masterClrMapping/>
+  </p:clrMapOvr>
+</p:sld>
+</file>
+
+<file path=ppt/slides/slide22.xml><?xml version="1.0" encoding="utf-8"?>
+<p:sld xmlns:a="http://schemas.openxmlformats.org/drawingml/2006/main" xmlns:r="http://schemas.openxmlformats.org/officeDocument/2006/relationships" xmlns:p="http://schemas.openxmlformats.org/presentationml/2006/main">
+  <p:cSld>
+    <p:spTree>
+      <p:nvGrpSpPr>
+        <p:cNvPr id="1" name=""/>
+        <p:cNvGrpSpPr/>
+        <p:nvPr/>
+      </p:nvGrpSpPr>
+      <p:grpSpPr>
+        <a:xfrm>
+          <a:off x="0" y="0"/>
+          <a:ext cx="0" cy="0"/>
+          <a:chOff x="0" y="0"/>
+          <a:chExt cx="0" cy="0"/>
+        </a:xfrm>
+      </p:grpSpPr>
+      <p:sp>
+        <p:nvSpPr>
+          <p:cNvPr id="2" name="제목 1">
+            <a:extLst>
+              <a:ext uri="{FF2B5EF4-FFF2-40B4-BE49-F238E27FC236}">
+                <a16:creationId xmlns:a16="http://schemas.microsoft.com/office/drawing/2014/main" id="{52AD30BB-A308-4098-AAAC-1E7D4084FAE8}"/>
+              </a:ext>
+            </a:extLst>
+          </p:cNvPr>
+          <p:cNvSpPr>
+            <a:spLocks noGrp="1"/>
+          </p:cNvSpPr>
+          <p:nvPr>
+            <p:ph type="title"/>
+          </p:nvPr>
+        </p:nvSpPr>
+        <p:spPr/>
+        <p:txBody>
+          <a:bodyPr>
+            <a:normAutofit fontScale="90000"/>
+          </a:bodyPr>
+          <a:lstStyle/>
+          <a:p>
+            <a:r>
+              <a:rPr lang="en-US" altLang="ko-KR" dirty="0"/>
+              <a:t>4. </a:t>
+            </a:r>
+            <a:r>
+              <a:rPr lang="en-US" altLang="ko-KR" dirty="0" err="1"/>
+              <a:t>DeepGBM</a:t>
+            </a:r>
+            <a:r>
+              <a:rPr lang="en-US" altLang="ko-KR" dirty="0"/>
+              <a:t>.</a:t>
+            </a:r>
+            <a:br>
+              <a:rPr lang="en-US" altLang="ko-KR" dirty="0"/>
+            </a:br>
+            <a:r>
+              <a:rPr lang="en-US" altLang="ko-KR" sz="2900" dirty="0"/>
+              <a:t>4.2 GBDT2NN for Dense Numerical Features.</a:t>
+            </a:r>
+            <a:endParaRPr lang="ko-KR" altLang="en-US" sz="2900" dirty="0"/>
+          </a:p>
+        </p:txBody>
+      </p:sp>
+      <p:sp>
+        <p:nvSpPr>
+          <p:cNvPr id="3" name="내용 개체 틀 2">
+            <a:extLst>
+              <a:ext uri="{FF2B5EF4-FFF2-40B4-BE49-F238E27FC236}">
+                <a16:creationId xmlns:a16="http://schemas.microsoft.com/office/drawing/2014/main" id="{24871D0B-4E24-49A6-9E81-F913B3D11919}"/>
+              </a:ext>
+            </a:extLst>
+          </p:cNvPr>
+          <p:cNvSpPr>
+            <a:spLocks noGrp="1"/>
+          </p:cNvSpPr>
+          <p:nvPr>
+            <p:ph idx="1"/>
+          </p:nvPr>
+        </p:nvSpPr>
+        <p:spPr>
+          <a:xfrm>
+            <a:off x="838200" y="1446415"/>
+            <a:ext cx="10515600" cy="4730547"/>
+          </a:xfrm>
+        </p:spPr>
+        <p:txBody>
+          <a:bodyPr>
+            <a:normAutofit/>
+          </a:bodyPr>
+          <a:lstStyle/>
+          <a:p>
+            <a:pPr marL="0" indent="0">
+              <a:buNone/>
+            </a:pPr>
+            <a:r>
+              <a:rPr lang="en-US" altLang="ko-KR" dirty="0"/>
+              <a:t>4.2.1.2 Tree-Selected Features.</a:t>
+            </a:r>
+          </a:p>
+          <a:p>
+            <a:pPr marL="0" indent="0">
+              <a:buNone/>
+            </a:pPr>
+            <a:r>
+              <a:rPr lang="en-US" altLang="ko-KR" dirty="0"/>
+              <a:t>NN</a:t>
+            </a:r>
+            <a:r>
+              <a:rPr lang="ko-KR" altLang="en-US" dirty="0"/>
+              <a:t>과 비교하여 트리 기반 모델의 특별한 특징은 학습이 통계 정보를 기반으로 훈련 목표에 맞는 유용한 특징을 탐욕스럽게 선택하기 때문에 모든 입력 기능을 사용하지 않을 수 있다는 것이다</a:t>
+            </a:r>
+            <a:r>
+              <a:rPr lang="en-US" altLang="ko-KR" dirty="0"/>
+              <a:t>.</a:t>
+            </a:r>
+          </a:p>
+          <a:p>
+            <a:pPr marL="0" indent="0">
+              <a:buNone/>
+            </a:pPr>
+            <a:r>
+              <a:rPr lang="ko-KR" altLang="en-US" dirty="0"/>
+              <a:t>따라서 모든 입력 기능을 사용하는 대신 </a:t>
+            </a:r>
+            <a:r>
+              <a:rPr lang="en-US" altLang="ko-KR" dirty="0"/>
+              <a:t>NN </a:t>
+            </a:r>
+            <a:r>
+              <a:rPr lang="ko-KR" altLang="en-US" dirty="0"/>
+              <a:t>모델의 학습 효율성을 개선하기 위해 </a:t>
+            </a:r>
+            <a:br>
+              <a:rPr lang="en-US" altLang="ko-KR" dirty="0"/>
+            </a:br>
+            <a:r>
+              <a:rPr lang="ko-KR" altLang="en-US" dirty="0"/>
+              <a:t>트리 선택 기능을 활용할 수 있다</a:t>
+            </a:r>
+            <a:r>
+              <a:rPr lang="en-US" altLang="ko-KR" dirty="0"/>
+              <a:t>.</a:t>
+            </a:r>
+          </a:p>
+          <a:p>
+            <a:pPr marL="0" indent="0">
+              <a:buNone/>
+            </a:pPr>
+            <a:r>
+              <a:rPr lang="ko-KR" altLang="en-US" dirty="0"/>
+              <a:t>특히 트리 선택 기능을 </a:t>
+            </a:r>
+            <a:r>
+              <a:rPr lang="en-US" altLang="ko-KR" dirty="0"/>
+              <a:t>NN</a:t>
+            </a:r>
+            <a:r>
+              <a:rPr lang="ko-KR" altLang="en-US" dirty="0"/>
+              <a:t>의 입력으로 사용할 수 있다</a:t>
+            </a:r>
+            <a:r>
+              <a:rPr lang="en-US" altLang="ko-KR" dirty="0"/>
+              <a:t>.</a:t>
+            </a:r>
+          </a:p>
+        </p:txBody>
+      </p:sp>
+    </p:spTree>
+    <p:extLst>
+      <p:ext uri="{BB962C8B-B14F-4D97-AF65-F5344CB8AC3E}">
+        <p14:creationId xmlns:p14="http://schemas.microsoft.com/office/powerpoint/2010/main" val="2693620615"/>
+      </p:ext>
+    </p:extLst>
+  </p:cSld>
+  <p:clrMapOvr>
+    <a:masterClrMapping/>
+  </p:clrMapOvr>
+</p:sld>
+</file>
+
+<file path=ppt/slides/slide23.xml><?xml version="1.0" encoding="utf-8"?>
+<p:sld xmlns:a="http://schemas.openxmlformats.org/drawingml/2006/main" xmlns:r="http://schemas.openxmlformats.org/officeDocument/2006/relationships" xmlns:p="http://schemas.openxmlformats.org/presentationml/2006/main">
+  <p:cSld>
+    <p:spTree>
+      <p:nvGrpSpPr>
+        <p:cNvPr id="1" name=""/>
+        <p:cNvGrpSpPr/>
+        <p:nvPr/>
+      </p:nvGrpSpPr>
+      <p:grpSpPr>
+        <a:xfrm>
+          <a:off x="0" y="0"/>
+          <a:ext cx="0" cy="0"/>
+          <a:chOff x="0" y="0"/>
+          <a:chExt cx="0" cy="0"/>
+        </a:xfrm>
+      </p:grpSpPr>
+      <p:sp>
+        <p:nvSpPr>
+          <p:cNvPr id="2" name="제목 1">
+            <a:extLst>
+              <a:ext uri="{FF2B5EF4-FFF2-40B4-BE49-F238E27FC236}">
+                <a16:creationId xmlns:a16="http://schemas.microsoft.com/office/drawing/2014/main" id="{52AD30BB-A308-4098-AAAC-1E7D4084FAE8}"/>
+              </a:ext>
+            </a:extLst>
+          </p:cNvPr>
+          <p:cNvSpPr>
+            <a:spLocks noGrp="1"/>
+          </p:cNvSpPr>
+          <p:nvPr>
+            <p:ph type="title"/>
+          </p:nvPr>
+        </p:nvSpPr>
+        <p:spPr/>
+        <p:txBody>
+          <a:bodyPr>
+            <a:normAutofit fontScale="90000"/>
+          </a:bodyPr>
+          <a:lstStyle/>
+          <a:p>
+            <a:r>
+              <a:rPr lang="en-US" altLang="ko-KR" dirty="0"/>
+              <a:t>4. </a:t>
+            </a:r>
+            <a:r>
+              <a:rPr lang="en-US" altLang="ko-KR" dirty="0" err="1"/>
+              <a:t>DeepGBM</a:t>
+            </a:r>
+            <a:r>
+              <a:rPr lang="en-US" altLang="ko-KR" dirty="0"/>
+              <a:t>.</a:t>
+            </a:r>
+            <a:br>
+              <a:rPr lang="en-US" altLang="ko-KR" dirty="0"/>
+            </a:br>
+            <a:r>
+              <a:rPr lang="en-US" altLang="ko-KR" sz="2900" dirty="0"/>
+              <a:t>4.2 GBDT2NN for Dense Numerical Features.</a:t>
+            </a:r>
+            <a:endParaRPr lang="ko-KR" altLang="en-US" sz="2900" dirty="0"/>
+          </a:p>
+        </p:txBody>
+      </p:sp>
+      <p:sp>
+        <p:nvSpPr>
+          <p:cNvPr id="3" name="내용 개체 틀 2">
+            <a:extLst>
+              <a:ext uri="{FF2B5EF4-FFF2-40B4-BE49-F238E27FC236}">
+                <a16:creationId xmlns:a16="http://schemas.microsoft.com/office/drawing/2014/main" id="{24871D0B-4E24-49A6-9E81-F913B3D11919}"/>
+              </a:ext>
+            </a:extLst>
+          </p:cNvPr>
+          <p:cNvSpPr>
+            <a:spLocks noGrp="1"/>
+          </p:cNvSpPr>
+          <p:nvPr>
+            <p:ph idx="1"/>
+          </p:nvPr>
+        </p:nvSpPr>
+        <p:spPr>
+          <a:xfrm>
+            <a:off x="838200" y="1446415"/>
+            <a:ext cx="10515600" cy="4730547"/>
+          </a:xfrm>
+        </p:spPr>
+        <p:txBody>
+          <a:bodyPr>
+            <a:normAutofit/>
+          </a:bodyPr>
+          <a:lstStyle/>
+          <a:p>
+            <a:pPr marL="0" indent="0">
+              <a:buNone/>
+            </a:pPr>
+            <a:r>
+              <a:rPr lang="en-US" altLang="ko-KR" dirty="0"/>
+              <a:t>4.2.1.3 Tree Structure.</a:t>
+            </a:r>
+          </a:p>
+        </p:txBody>
+      </p:sp>
+      <p:pic>
+        <p:nvPicPr>
+          <p:cNvPr id="7170" name="Picture 2" descr="image-20211003082114527">
+            <a:extLst>
+              <a:ext uri="{FF2B5EF4-FFF2-40B4-BE49-F238E27FC236}">
+                <a16:creationId xmlns:a16="http://schemas.microsoft.com/office/drawing/2014/main" id="{A7B60383-23AE-47CB-A1C3-3242F78FCA3A}"/>
+              </a:ext>
+            </a:extLst>
+          </p:cNvPr>
+          <p:cNvPicPr>
+            <a:picLocks noChangeAspect="1" noChangeArrowheads="1"/>
+          </p:cNvPicPr>
+          <p:nvPr/>
+        </p:nvPicPr>
+        <p:blipFill>
+          <a:blip r:embed="rId2">
+            <a:extLst>
+              <a:ext uri="{28A0092B-C50C-407E-A947-70E740481C1C}">
+                <a14:useLocalDpi xmlns:a14="http://schemas.microsoft.com/office/drawing/2010/main" val="0"/>
+              </a:ext>
+            </a:extLst>
+          </a:blip>
+          <a:srcRect/>
+          <a:stretch>
+            <a:fillRect/>
+          </a:stretch>
+        </p:blipFill>
+        <p:spPr bwMode="auto">
+          <a:xfrm>
+            <a:off x="2572921" y="2001461"/>
+            <a:ext cx="7046158" cy="4175501"/>
+          </a:xfrm>
+          <a:prstGeom prst="rect">
+            <a:avLst/>
+          </a:prstGeom>
+          <a:noFill/>
+          <a:extLst>
+            <a:ext uri="{909E8E84-426E-40DD-AFC4-6F175D3DCCD1}">
+              <a14:hiddenFill xmlns:a14="http://schemas.microsoft.com/office/drawing/2010/main">
+                <a:solidFill>
+                  <a:srgbClr val="FFFFFF"/>
+                </a:solidFill>
+              </a14:hiddenFill>
+            </a:ext>
+          </a:extLst>
+        </p:spPr>
+      </p:pic>
+    </p:spTree>
+    <p:extLst>
+      <p:ext uri="{BB962C8B-B14F-4D97-AF65-F5344CB8AC3E}">
+        <p14:creationId xmlns:p14="http://schemas.microsoft.com/office/powerpoint/2010/main" val="2483356390"/>
+      </p:ext>
+    </p:extLst>
+  </p:cSld>
+  <p:clrMapOvr>
+    <a:masterClrMapping/>
+  </p:clrMapOvr>
+</p:sld>
+</file>
+
+<file path=ppt/slides/slide24.xml><?xml version="1.0" encoding="utf-8"?>
+<p:sld xmlns:a="http://schemas.openxmlformats.org/drawingml/2006/main" xmlns:r="http://schemas.openxmlformats.org/officeDocument/2006/relationships" xmlns:p="http://schemas.openxmlformats.org/presentationml/2006/main">
+  <p:cSld>
+    <p:spTree>
+      <p:nvGrpSpPr>
+        <p:cNvPr id="1" name=""/>
+        <p:cNvGrpSpPr/>
+        <p:nvPr/>
+      </p:nvGrpSpPr>
+      <p:grpSpPr>
+        <a:xfrm>
+          <a:off x="0" y="0"/>
+          <a:ext cx="0" cy="0"/>
+          <a:chOff x="0" y="0"/>
+          <a:chExt cx="0" cy="0"/>
+        </a:xfrm>
+      </p:grpSpPr>
+      <p:sp>
+        <p:nvSpPr>
+          <p:cNvPr id="2" name="제목 1">
+            <a:extLst>
+              <a:ext uri="{FF2B5EF4-FFF2-40B4-BE49-F238E27FC236}">
+                <a16:creationId xmlns:a16="http://schemas.microsoft.com/office/drawing/2014/main" id="{52AD30BB-A308-4098-AAAC-1E7D4084FAE8}"/>
+              </a:ext>
+            </a:extLst>
+          </p:cNvPr>
+          <p:cNvSpPr>
+            <a:spLocks noGrp="1"/>
+          </p:cNvSpPr>
+          <p:nvPr>
+            <p:ph type="title"/>
+          </p:nvPr>
+        </p:nvSpPr>
+        <p:spPr/>
+        <p:txBody>
+          <a:bodyPr>
+            <a:normAutofit fontScale="90000"/>
+          </a:bodyPr>
+          <a:lstStyle/>
+          <a:p>
+            <a:r>
+              <a:rPr lang="en-US" altLang="ko-KR" dirty="0"/>
+              <a:t>4. </a:t>
+            </a:r>
+            <a:r>
+              <a:rPr lang="en-US" altLang="ko-KR" dirty="0" err="1"/>
+              <a:t>DeepGBM</a:t>
+            </a:r>
+            <a:r>
+              <a:rPr lang="en-US" altLang="ko-KR" dirty="0"/>
+              <a:t>.</a:t>
+            </a:r>
+            <a:br>
+              <a:rPr lang="en-US" altLang="ko-KR" dirty="0"/>
+            </a:br>
+            <a:r>
+              <a:rPr lang="en-US" altLang="ko-KR" sz="2900" dirty="0"/>
+              <a:t>4.2 GBDT2NN for Dense Numerical Features.</a:t>
+            </a:r>
+            <a:endParaRPr lang="ko-KR" altLang="en-US" sz="2900" dirty="0"/>
+          </a:p>
+        </p:txBody>
+      </p:sp>
+      <p:sp>
+        <p:nvSpPr>
+          <p:cNvPr id="3" name="내용 개체 틀 2">
+            <a:extLst>
+              <a:ext uri="{FF2B5EF4-FFF2-40B4-BE49-F238E27FC236}">
+                <a16:creationId xmlns:a16="http://schemas.microsoft.com/office/drawing/2014/main" id="{24871D0B-4E24-49A6-9E81-F913B3D11919}"/>
+              </a:ext>
+            </a:extLst>
+          </p:cNvPr>
+          <p:cNvSpPr>
+            <a:spLocks noGrp="1"/>
+          </p:cNvSpPr>
+          <p:nvPr>
+            <p:ph idx="1"/>
+          </p:nvPr>
+        </p:nvSpPr>
+        <p:spPr>
+          <a:xfrm>
+            <a:off x="838200" y="1446415"/>
+            <a:ext cx="10515600" cy="4730547"/>
+          </a:xfrm>
+        </p:spPr>
+        <p:txBody>
+          <a:bodyPr>
+            <a:normAutofit/>
+          </a:bodyPr>
+          <a:lstStyle/>
+          <a:p>
+            <a:pPr marL="0" indent="0">
+              <a:buNone/>
+            </a:pPr>
+            <a:r>
+              <a:rPr lang="en-US" altLang="ko-KR" dirty="0"/>
+              <a:t>4.2.1.3 Tree Structure.</a:t>
+            </a:r>
+          </a:p>
+          <a:p>
+            <a:pPr marL="0" indent="0">
+              <a:buNone/>
+            </a:pPr>
+            <a:r>
+              <a:rPr lang="ko-KR" altLang="en-US" dirty="0"/>
+              <a:t>기본적으로 의사 결정 트리의 트리 구조에 대한 지식은 데이터를 중복되지 않는 많은 영역으로 분할하는 방법을 나타냅니다</a:t>
+            </a:r>
+            <a:r>
+              <a:rPr lang="en-US" altLang="ko-KR" dirty="0"/>
+              <a:t>.</a:t>
+            </a:r>
+          </a:p>
+          <a:p>
+            <a:pPr marL="0" indent="0">
+              <a:buNone/>
+            </a:pPr>
+            <a:r>
+              <a:rPr lang="ko-KR" altLang="en-US" dirty="0"/>
+              <a:t>이러한 트리 구조를 </a:t>
+            </a:r>
+            <a:r>
+              <a:rPr lang="en-US" altLang="ko-KR" dirty="0"/>
+              <a:t>NN</a:t>
+            </a:r>
+            <a:r>
+              <a:rPr lang="ko-KR" altLang="en-US" dirty="0"/>
+              <a:t>으로 직접 전송하는 것은 본질적으로 다르기 때문에 어렵다</a:t>
+            </a:r>
+            <a:r>
+              <a:rPr lang="en-US" altLang="ko-KR" dirty="0"/>
+              <a:t>.</a:t>
+            </a:r>
+          </a:p>
+          <a:p>
+            <a:pPr marL="0" indent="0">
+              <a:buNone/>
+            </a:pPr>
+            <a:r>
+              <a:rPr lang="en-US" altLang="ko-KR" dirty="0"/>
+              <a:t>NN </a:t>
+            </a:r>
+            <a:r>
+              <a:rPr lang="ko-KR" altLang="en-US" dirty="0"/>
+              <a:t>모델을 사용하여 트리 구조의 기능을 근사화하고 구조 지식 증류를 달성하였고</a:t>
+            </a:r>
+            <a:r>
+              <a:rPr lang="en-US" altLang="ko-KR" dirty="0"/>
+              <a:t>,</a:t>
+            </a:r>
+            <a:br>
+              <a:rPr lang="en-US" altLang="ko-KR" dirty="0"/>
+            </a:br>
+            <a:r>
+              <a:rPr lang="ko-KR" altLang="en-US" dirty="0"/>
+              <a:t>그림 </a:t>
+            </a:r>
+            <a:r>
+              <a:rPr lang="en-US" altLang="ko-KR" dirty="0"/>
+              <a:t>2</a:t>
+            </a:r>
+            <a:r>
+              <a:rPr lang="ko-KR" altLang="en-US" dirty="0"/>
+              <a:t>에서 설명한 것처럼 </a:t>
+            </a:r>
+            <a:r>
+              <a:rPr lang="en-US" altLang="ko-KR" dirty="0"/>
+              <a:t>NN</a:t>
+            </a:r>
+            <a:r>
+              <a:rPr lang="ko-KR" altLang="en-US" dirty="0"/>
+              <a:t>을 사용하여 트리에서 생성된 클러스터 결과를 </a:t>
+            </a:r>
+            <a:r>
+              <a:rPr lang="ko-KR" altLang="en-US" dirty="0" err="1"/>
+              <a:t>적합시켜</a:t>
+            </a:r>
+            <a:r>
+              <a:rPr lang="ko-KR" altLang="en-US" dirty="0"/>
+              <a:t> </a:t>
+            </a:r>
+            <a:r>
+              <a:rPr lang="en-US" altLang="ko-KR" dirty="0"/>
+              <a:t>NN</a:t>
+            </a:r>
+            <a:r>
+              <a:rPr lang="ko-KR" altLang="en-US" dirty="0"/>
+              <a:t>이 의사 결정 트리의 구조 기능을 근사하게 만들 수 있다</a:t>
+            </a:r>
+            <a:r>
+              <a:rPr lang="en-US" altLang="ko-KR" dirty="0"/>
+              <a:t>.</a:t>
+            </a:r>
+          </a:p>
+          <a:p>
+            <a:pPr marL="0" indent="0">
+              <a:buNone/>
+            </a:pPr>
+            <a:r>
+              <a:rPr lang="en-US" altLang="ko-KR" dirty="0"/>
+              <a:t>NN</a:t>
+            </a:r>
+            <a:r>
+              <a:rPr lang="ko-KR" altLang="en-US" dirty="0"/>
+              <a:t>의 강력한 표현 능력 때문에</a:t>
+            </a:r>
+            <a:r>
+              <a:rPr lang="en-US" altLang="ko-KR" dirty="0"/>
+              <a:t>, </a:t>
+            </a:r>
+            <a:r>
+              <a:rPr lang="ko-KR" altLang="en-US" dirty="0"/>
+              <a:t>학습된 </a:t>
+            </a:r>
+            <a:r>
+              <a:rPr lang="en-US" altLang="ko-KR" dirty="0"/>
+              <a:t>NN </a:t>
+            </a:r>
+            <a:r>
+              <a:rPr lang="ko-KR" altLang="en-US" dirty="0"/>
+              <a:t>모델은 의사결정 트리의 구조 기능과 완벽하게 유사해야 한다</a:t>
+            </a:r>
+            <a:r>
+              <a:rPr lang="en-US" altLang="ko-KR" dirty="0"/>
+              <a:t>.</a:t>
+            </a:r>
+          </a:p>
+          <a:p>
+            <a:pPr marL="0" indent="0">
+              <a:buNone/>
+            </a:pPr>
+            <a:endParaRPr lang="en-US" altLang="ko-KR" dirty="0"/>
+          </a:p>
+        </p:txBody>
+      </p:sp>
+    </p:spTree>
+    <p:extLst>
+      <p:ext uri="{BB962C8B-B14F-4D97-AF65-F5344CB8AC3E}">
+        <p14:creationId xmlns:p14="http://schemas.microsoft.com/office/powerpoint/2010/main" val="2430288235"/>
+      </p:ext>
+    </p:extLst>
+  </p:cSld>
+  <p:clrMapOvr>
+    <a:masterClrMapping/>
+  </p:clrMapOvr>
+</p:sld>
+</file>
+
+<file path=ppt/slides/slide25.xml><?xml version="1.0" encoding="utf-8"?>
+<p:sld xmlns:a="http://schemas.openxmlformats.org/drawingml/2006/main" xmlns:r="http://schemas.openxmlformats.org/officeDocument/2006/relationships" xmlns:p="http://schemas.openxmlformats.org/presentationml/2006/main">
+  <p:cSld>
+    <p:spTree>
+      <p:nvGrpSpPr>
+        <p:cNvPr id="1" name=""/>
+        <p:cNvGrpSpPr/>
+        <p:nvPr/>
+      </p:nvGrpSpPr>
+      <p:grpSpPr>
+        <a:xfrm>
+          <a:off x="0" y="0"/>
+          <a:ext cx="0" cy="0"/>
+          <a:chOff x="0" y="0"/>
+          <a:chExt cx="0" cy="0"/>
+        </a:xfrm>
+      </p:grpSpPr>
+      <p:sp>
+        <p:nvSpPr>
+          <p:cNvPr id="2" name="제목 1">
+            <a:extLst>
+              <a:ext uri="{FF2B5EF4-FFF2-40B4-BE49-F238E27FC236}">
+                <a16:creationId xmlns:a16="http://schemas.microsoft.com/office/drawing/2014/main" id="{52AD30BB-A308-4098-AAAC-1E7D4084FAE8}"/>
+              </a:ext>
+            </a:extLst>
+          </p:cNvPr>
+          <p:cNvSpPr>
+            <a:spLocks noGrp="1"/>
+          </p:cNvSpPr>
+          <p:nvPr>
+            <p:ph type="title"/>
+          </p:nvPr>
+        </p:nvSpPr>
+        <p:spPr/>
+        <p:txBody>
+          <a:bodyPr>
+            <a:normAutofit fontScale="90000"/>
+          </a:bodyPr>
+          <a:lstStyle/>
+          <a:p>
+            <a:r>
+              <a:rPr lang="en-US" altLang="ko-KR" dirty="0"/>
+              <a:t>4. </a:t>
+            </a:r>
+            <a:r>
+              <a:rPr lang="en-US" altLang="ko-KR" dirty="0" err="1"/>
+              <a:t>DeepGBM</a:t>
+            </a:r>
+            <a:r>
+              <a:rPr lang="en-US" altLang="ko-KR" dirty="0"/>
+              <a:t>.</a:t>
+            </a:r>
+            <a:br>
+              <a:rPr lang="en-US" altLang="ko-KR" dirty="0"/>
+            </a:br>
+            <a:r>
+              <a:rPr lang="en-US" altLang="ko-KR" sz="2900" dirty="0"/>
+              <a:t>4.2 GBDT2NN for Dense Numerical Features.</a:t>
+            </a:r>
+            <a:endParaRPr lang="ko-KR" altLang="en-US" sz="2900" dirty="0"/>
+          </a:p>
+        </p:txBody>
+      </p:sp>
+      <p:sp>
+        <p:nvSpPr>
+          <p:cNvPr id="3" name="내용 개체 틀 2">
+            <a:extLst>
+              <a:ext uri="{FF2B5EF4-FFF2-40B4-BE49-F238E27FC236}">
+                <a16:creationId xmlns:a16="http://schemas.microsoft.com/office/drawing/2014/main" id="{24871D0B-4E24-49A6-9E81-F913B3D11919}"/>
+              </a:ext>
+            </a:extLst>
+          </p:cNvPr>
+          <p:cNvSpPr>
+            <a:spLocks noGrp="1"/>
+          </p:cNvSpPr>
+          <p:nvPr>
+            <p:ph idx="1"/>
+          </p:nvPr>
+        </p:nvSpPr>
+        <p:spPr>
+          <a:xfrm>
+            <a:off x="838200" y="1446415"/>
+            <a:ext cx="5961322" cy="4954385"/>
+          </a:xfrm>
+        </p:spPr>
+        <p:txBody>
+          <a:bodyPr>
+            <a:normAutofit/>
+          </a:bodyPr>
+          <a:lstStyle/>
+          <a:p>
+            <a:pPr marL="0" indent="0">
+              <a:buNone/>
+            </a:pPr>
+            <a:r>
+              <a:rPr lang="en-US" altLang="ko-KR" dirty="0"/>
+              <a:t>4.2.1.4 Tree Outputs.</a:t>
+            </a:r>
+          </a:p>
+          <a:p>
+            <a:pPr marL="0" indent="0">
+              <a:buNone/>
+            </a:pPr>
+            <a:r>
+              <a:rPr lang="ko-KR" altLang="en-US" dirty="0"/>
+              <a:t>트리 입력에서 트리 구조로의 매핑은 이전 단계에서 학습되었으므로 트리 출력을 증류하려면 트리 구조에서 트리 출력으로의 매핑만 알면 된다</a:t>
+            </a:r>
+            <a:r>
+              <a:rPr lang="en-US" altLang="ko-KR" dirty="0"/>
+              <a:t>.</a:t>
+            </a:r>
+          </a:p>
+          <a:p>
+            <a:pPr marL="0" indent="0">
+              <a:buNone/>
+            </a:pPr>
+            <a:r>
+              <a:rPr lang="ko-KR" altLang="en-US" dirty="0"/>
+              <a:t>리프 인덱스에 해당하는 리프 값이 있으므로 이 매핑은 실제로 학습에 필요하지 않습니다</a:t>
+            </a:r>
+            <a:r>
+              <a:rPr lang="en-US" altLang="ko-KR" dirty="0"/>
+              <a:t>.</a:t>
+            </a:r>
+          </a:p>
+          <a:p>
+            <a:pPr marL="0" indent="0">
+              <a:buNone/>
+            </a:pPr>
+            <a:r>
+              <a:rPr lang="en-US" altLang="ko-KR" dirty="0"/>
+              <a:t>Leaf</a:t>
+            </a:r>
+            <a:r>
+              <a:rPr lang="ko-KR" altLang="en-US" dirty="0"/>
+              <a:t>을 내장하여 나무 구조를 증류합니다</a:t>
+            </a:r>
+            <a:r>
+              <a:rPr lang="en-US" altLang="ko-KR" dirty="0"/>
+              <a:t>. </a:t>
+            </a:r>
+            <a:br>
+              <a:rPr lang="en-US" altLang="ko-KR" dirty="0"/>
+            </a:br>
+            <a:r>
+              <a:rPr lang="en-US" altLang="ko-KR" dirty="0"/>
+              <a:t>Leaf</a:t>
+            </a:r>
+            <a:r>
+              <a:rPr lang="ko-KR" altLang="en-US" dirty="0"/>
+              <a:t> </a:t>
+            </a:r>
+            <a:r>
+              <a:rPr lang="en-US" altLang="ko-KR" dirty="0"/>
+              <a:t>index</a:t>
+            </a:r>
+            <a:r>
+              <a:rPr lang="ko-KR" altLang="en-US" dirty="0"/>
+              <a:t>는 먼저 </a:t>
+            </a:r>
+            <a:r>
+              <a:rPr lang="en-US" altLang="ko-KR" dirty="0"/>
+              <a:t>Leaf Embedding</a:t>
+            </a:r>
+            <a:r>
+              <a:rPr lang="ko-KR" altLang="en-US" dirty="0"/>
+              <a:t>으로 변환됩니다</a:t>
+            </a:r>
+            <a:r>
+              <a:rPr lang="en-US" altLang="ko-KR" dirty="0"/>
+              <a:t>. </a:t>
+            </a:r>
+            <a:r>
+              <a:rPr lang="ko-KR" altLang="en-US" dirty="0"/>
+              <a:t>그런 다음 </a:t>
+            </a:r>
+            <a:r>
+              <a:rPr lang="en-US" altLang="ko-KR" dirty="0"/>
+              <a:t>NN</a:t>
+            </a:r>
+            <a:r>
+              <a:rPr lang="ko-KR" altLang="en-US" dirty="0"/>
+              <a:t>은 </a:t>
+            </a:r>
+            <a:r>
+              <a:rPr lang="en-US" altLang="ko-KR" dirty="0"/>
+              <a:t>Leaf Embedding </a:t>
+            </a:r>
+            <a:r>
+              <a:rPr lang="ko-KR" altLang="en-US" dirty="0"/>
+              <a:t>에 적합하여 트리 구조를 </a:t>
+            </a:r>
+            <a:r>
+              <a:rPr lang="ko-KR" altLang="en-US" dirty="0" err="1"/>
+              <a:t>근사화한다</a:t>
+            </a:r>
+            <a:r>
+              <a:rPr lang="en-US" altLang="ko-KR" dirty="0"/>
+              <a:t>.</a:t>
+            </a:r>
+          </a:p>
+        </p:txBody>
+      </p:sp>
+      <p:pic>
+        <p:nvPicPr>
+          <p:cNvPr id="8194" name="Picture 2" descr="image-20211003082127367">
+            <a:extLst>
+              <a:ext uri="{FF2B5EF4-FFF2-40B4-BE49-F238E27FC236}">
+                <a16:creationId xmlns:a16="http://schemas.microsoft.com/office/drawing/2014/main" id="{CC5BF0AD-4C85-48FF-A011-54F0179E9C57}"/>
+              </a:ext>
+            </a:extLst>
+          </p:cNvPr>
+          <p:cNvPicPr>
+            <a:picLocks noChangeAspect="1" noChangeArrowheads="1"/>
+          </p:cNvPicPr>
+          <p:nvPr/>
+        </p:nvPicPr>
+        <p:blipFill>
+          <a:blip r:embed="rId2">
+            <a:extLst>
+              <a:ext uri="{28A0092B-C50C-407E-A947-70E740481C1C}">
+                <a14:useLocalDpi xmlns:a14="http://schemas.microsoft.com/office/drawing/2010/main" val="0"/>
+              </a:ext>
+            </a:extLst>
+          </a:blip>
+          <a:srcRect/>
+          <a:stretch>
+            <a:fillRect/>
+          </a:stretch>
+        </p:blipFill>
+        <p:spPr bwMode="auto">
+          <a:xfrm>
+            <a:off x="6799522" y="2007600"/>
+            <a:ext cx="5087678" cy="3608175"/>
+          </a:xfrm>
+          <a:prstGeom prst="rect">
+            <a:avLst/>
+          </a:prstGeom>
+          <a:noFill/>
+          <a:extLst>
+            <a:ext uri="{909E8E84-426E-40DD-AFC4-6F175D3DCCD1}">
+              <a14:hiddenFill xmlns:a14="http://schemas.microsoft.com/office/drawing/2010/main">
+                <a:solidFill>
+                  <a:srgbClr val="FFFFFF"/>
+                </a:solidFill>
+              </a14:hiddenFill>
+            </a:ext>
+          </a:extLst>
+        </p:spPr>
+      </p:pic>
+    </p:spTree>
+    <p:extLst>
+      <p:ext uri="{BB962C8B-B14F-4D97-AF65-F5344CB8AC3E}">
+        <p14:creationId xmlns:p14="http://schemas.microsoft.com/office/powerpoint/2010/main" val="3184504454"/>
+      </p:ext>
+    </p:extLst>
+  </p:cSld>
+  <p:clrMapOvr>
+    <a:masterClrMapping/>
+  </p:clrMapOvr>
+</p:sld>
+</file>
+
+<file path=ppt/slides/slide26.xml><?xml version="1.0" encoding="utf-8"?>
+<p:sld xmlns:a="http://schemas.openxmlformats.org/drawingml/2006/main" xmlns:r="http://schemas.openxmlformats.org/officeDocument/2006/relationships" xmlns:p="http://schemas.openxmlformats.org/presentationml/2006/main">
+  <p:cSld>
+    <p:spTree>
+      <p:nvGrpSpPr>
+        <p:cNvPr id="1" name=""/>
+        <p:cNvGrpSpPr/>
+        <p:nvPr/>
+      </p:nvGrpSpPr>
+      <p:grpSpPr>
+        <a:xfrm>
+          <a:off x="0" y="0"/>
+          <a:ext cx="0" cy="0"/>
+          <a:chOff x="0" y="0"/>
+          <a:chExt cx="0" cy="0"/>
+        </a:xfrm>
+      </p:grpSpPr>
+      <p:sp>
+        <p:nvSpPr>
+          <p:cNvPr id="2" name="제목 1">
+            <a:extLst>
+              <a:ext uri="{FF2B5EF4-FFF2-40B4-BE49-F238E27FC236}">
+                <a16:creationId xmlns:a16="http://schemas.microsoft.com/office/drawing/2014/main" id="{52AD30BB-A308-4098-AAAC-1E7D4084FAE8}"/>
+              </a:ext>
+            </a:extLst>
+          </p:cNvPr>
+          <p:cNvSpPr>
+            <a:spLocks noGrp="1"/>
+          </p:cNvSpPr>
+          <p:nvPr>
+            <p:ph type="title"/>
+          </p:nvPr>
+        </p:nvSpPr>
+        <p:spPr/>
+        <p:txBody>
+          <a:bodyPr>
+            <a:normAutofit fontScale="90000"/>
+          </a:bodyPr>
+          <a:lstStyle/>
+          <a:p>
+            <a:r>
+              <a:rPr lang="en-US" altLang="ko-KR" dirty="0"/>
+              <a:t>4. </a:t>
+            </a:r>
+            <a:r>
+              <a:rPr lang="en-US" altLang="ko-KR" dirty="0" err="1"/>
+              <a:t>DeepGBM</a:t>
+            </a:r>
+            <a:r>
+              <a:rPr lang="en-US" altLang="ko-KR" dirty="0"/>
+              <a:t>.</a:t>
+            </a:r>
+            <a:br>
+              <a:rPr lang="en-US" altLang="ko-KR" dirty="0"/>
+            </a:br>
+            <a:r>
+              <a:rPr lang="en-US" altLang="ko-KR" sz="2900" dirty="0"/>
+              <a:t>4.2 GBDT2NN for Dense Numerical Features.</a:t>
+            </a:r>
+            <a:endParaRPr lang="ko-KR" altLang="en-US" sz="2900" dirty="0"/>
+          </a:p>
+        </p:txBody>
+      </p:sp>
+      <p:sp>
+        <p:nvSpPr>
+          <p:cNvPr id="3" name="내용 개체 틀 2">
+            <a:extLst>
+              <a:ext uri="{FF2B5EF4-FFF2-40B4-BE49-F238E27FC236}">
+                <a16:creationId xmlns:a16="http://schemas.microsoft.com/office/drawing/2014/main" id="{24871D0B-4E24-49A6-9E81-F913B3D11919}"/>
+              </a:ext>
+            </a:extLst>
+          </p:cNvPr>
+          <p:cNvSpPr>
+            <a:spLocks noGrp="1"/>
+          </p:cNvSpPr>
+          <p:nvPr>
+            <p:ph idx="1"/>
+          </p:nvPr>
+        </p:nvSpPr>
+        <p:spPr>
+          <a:xfrm>
+            <a:off x="838200" y="1446415"/>
+            <a:ext cx="10515600" cy="4730547"/>
+          </a:xfrm>
+        </p:spPr>
+        <p:txBody>
+          <a:bodyPr>
+            <a:normAutofit/>
+          </a:bodyPr>
+          <a:lstStyle/>
+          <a:p>
+            <a:pPr marL="0" indent="0">
+              <a:buNone/>
+            </a:pPr>
+            <a:r>
+              <a:rPr lang="en-US" altLang="ko-KR" dirty="0"/>
+              <a:t>4.2.2.1 Multiple Tree Distillation.</a:t>
+            </a:r>
+          </a:p>
+          <a:p>
+            <a:pPr marL="0" indent="0">
+              <a:buNone/>
+            </a:pPr>
+            <a:r>
+              <a:rPr lang="en-US" altLang="ko-KR" dirty="0"/>
+              <a:t>GBDT</a:t>
+            </a:r>
+            <a:r>
+              <a:rPr lang="ko-KR" altLang="en-US" dirty="0"/>
+              <a:t>에는 여러 트리가 있으므로 여러 트리의 증류액을 일반화해야 합니다</a:t>
+            </a:r>
+            <a:r>
+              <a:rPr lang="en-US" altLang="ko-KR" dirty="0"/>
+              <a:t>.</a:t>
+            </a:r>
+          </a:p>
+          <a:p>
+            <a:pPr marL="0" indent="0">
+              <a:buNone/>
+            </a:pPr>
+            <a:r>
+              <a:rPr lang="ko-KR" altLang="en-US" dirty="0"/>
+              <a:t>각</a:t>
+            </a:r>
+            <a:r>
+              <a:rPr lang="en-US" altLang="ko-KR" dirty="0"/>
+              <a:t> </a:t>
+            </a:r>
+            <a:r>
+              <a:rPr lang="ko-KR" altLang="en-US" dirty="0"/>
+              <a:t>모델은 하나의 트리를 사용한다</a:t>
+            </a:r>
+            <a:r>
+              <a:rPr lang="en-US" altLang="ko-KR" dirty="0"/>
+              <a:t>.</a:t>
+            </a:r>
+          </a:p>
+          <a:p>
+            <a:pPr marL="0" indent="0">
+              <a:buNone/>
+            </a:pPr>
+            <a:r>
+              <a:rPr lang="ko-KR" altLang="en-US" dirty="0"/>
+              <a:t>그러나</a:t>
+            </a:r>
+            <a:r>
+              <a:rPr lang="en-US" altLang="ko-KR" dirty="0"/>
+              <a:t> </a:t>
+            </a:r>
+            <a:r>
+              <a:rPr lang="ko-KR" altLang="en-US" dirty="0"/>
+              <a:t>이러한 구조는 높은 차원 때문에 비효율적이기 때문에</a:t>
+            </a:r>
+            <a:br>
+              <a:rPr lang="en-US" altLang="ko-KR" dirty="0"/>
+            </a:br>
+            <a:r>
+              <a:rPr lang="en-US" altLang="ko-KR" dirty="0"/>
+              <a:t>L</a:t>
+            </a:r>
+            <a:r>
+              <a:rPr lang="ko-KR" altLang="en-US" dirty="0"/>
+              <a:t>을 줄여 효율성을 개선하기 위해서 </a:t>
+            </a:r>
+            <a:r>
+              <a:rPr lang="en-US" altLang="ko-KR" dirty="0"/>
+              <a:t>Leaf embedding</a:t>
+            </a:r>
+            <a:r>
+              <a:rPr lang="ko-KR" altLang="en-US" dirty="0"/>
+              <a:t>과 </a:t>
+            </a:r>
+            <a:r>
+              <a:rPr lang="en-US" altLang="ko-KR" dirty="0"/>
+              <a:t>tree</a:t>
+            </a:r>
+            <a:r>
+              <a:rPr lang="ko-KR" altLang="en-US" dirty="0"/>
+              <a:t> </a:t>
+            </a:r>
+            <a:r>
+              <a:rPr lang="en-US" altLang="ko-KR" dirty="0"/>
+              <a:t>group</a:t>
+            </a:r>
+            <a:r>
+              <a:rPr lang="ko-KR" altLang="en-US" dirty="0"/>
+              <a:t>을 제안한다</a:t>
+            </a:r>
+            <a:r>
+              <a:rPr lang="en-US" altLang="ko-KR" dirty="0"/>
+              <a:t>.</a:t>
+            </a:r>
+          </a:p>
+        </p:txBody>
+      </p:sp>
+    </p:spTree>
+    <p:extLst>
+      <p:ext uri="{BB962C8B-B14F-4D97-AF65-F5344CB8AC3E}">
+        <p14:creationId xmlns:p14="http://schemas.microsoft.com/office/powerpoint/2010/main" val="248038068"/>
+      </p:ext>
+    </p:extLst>
+  </p:cSld>
+  <p:clrMapOvr>
+    <a:masterClrMapping/>
+  </p:clrMapOvr>
+</p:sld>
+</file>
+
+<file path=ppt/slides/slide27.xml><?xml version="1.0" encoding="utf-8"?>
+<p:sld xmlns:a="http://schemas.openxmlformats.org/drawingml/2006/main" xmlns:r="http://schemas.openxmlformats.org/officeDocument/2006/relationships" xmlns:p="http://schemas.openxmlformats.org/presentationml/2006/main">
+  <p:cSld>
+    <p:spTree>
+      <p:nvGrpSpPr>
+        <p:cNvPr id="1" name=""/>
+        <p:cNvGrpSpPr/>
+        <p:nvPr/>
+      </p:nvGrpSpPr>
+      <p:grpSpPr>
+        <a:xfrm>
+          <a:off x="0" y="0"/>
+          <a:ext cx="0" cy="0"/>
+          <a:chOff x="0" y="0"/>
+          <a:chExt cx="0" cy="0"/>
+        </a:xfrm>
+      </p:grpSpPr>
+      <p:sp>
+        <p:nvSpPr>
+          <p:cNvPr id="2" name="제목 1">
+            <a:extLst>
+              <a:ext uri="{FF2B5EF4-FFF2-40B4-BE49-F238E27FC236}">
+                <a16:creationId xmlns:a16="http://schemas.microsoft.com/office/drawing/2014/main" id="{52AD30BB-A308-4098-AAAC-1E7D4084FAE8}"/>
+              </a:ext>
+            </a:extLst>
+          </p:cNvPr>
+          <p:cNvSpPr>
+            <a:spLocks noGrp="1"/>
+          </p:cNvSpPr>
+          <p:nvPr>
+            <p:ph type="title"/>
+          </p:nvPr>
+        </p:nvSpPr>
+        <p:spPr/>
+        <p:txBody>
+          <a:bodyPr>
+            <a:normAutofit fontScale="90000"/>
+          </a:bodyPr>
+          <a:lstStyle/>
+          <a:p>
+            <a:r>
+              <a:rPr lang="en-US" altLang="ko-KR" dirty="0"/>
+              <a:t>4. </a:t>
+            </a:r>
+            <a:r>
+              <a:rPr lang="en-US" altLang="ko-KR" dirty="0" err="1"/>
+              <a:t>DeepGBM</a:t>
+            </a:r>
+            <a:r>
+              <a:rPr lang="en-US" altLang="ko-KR" dirty="0"/>
+              <a:t>.</a:t>
+            </a:r>
+            <a:br>
+              <a:rPr lang="en-US" altLang="ko-KR" dirty="0"/>
+            </a:br>
+            <a:r>
+              <a:rPr lang="en-US" altLang="ko-KR" sz="2900" dirty="0"/>
+              <a:t>4.2 GBDT2NN for Dense Numerical Features.</a:t>
+            </a:r>
+            <a:endParaRPr lang="ko-KR" altLang="en-US" sz="2900" dirty="0"/>
+          </a:p>
+        </p:txBody>
+      </p:sp>
+      <p:sp>
+        <p:nvSpPr>
+          <p:cNvPr id="3" name="내용 개체 틀 2">
+            <a:extLst>
+              <a:ext uri="{FF2B5EF4-FFF2-40B4-BE49-F238E27FC236}">
+                <a16:creationId xmlns:a16="http://schemas.microsoft.com/office/drawing/2014/main" id="{24871D0B-4E24-49A6-9E81-F913B3D11919}"/>
+              </a:ext>
+            </a:extLst>
+          </p:cNvPr>
+          <p:cNvSpPr>
+            <a:spLocks noGrp="1"/>
+          </p:cNvSpPr>
+          <p:nvPr>
+            <p:ph idx="1"/>
+          </p:nvPr>
+        </p:nvSpPr>
+        <p:spPr>
+          <a:xfrm>
+            <a:off x="838200" y="1446415"/>
+            <a:ext cx="10515600" cy="4730547"/>
+          </a:xfrm>
+        </p:spPr>
+        <p:txBody>
+          <a:bodyPr>
+            <a:normAutofit lnSpcReduction="10000"/>
+          </a:bodyPr>
+          <a:lstStyle/>
+          <a:p>
+            <a:pPr marL="0" indent="0">
+              <a:buNone/>
+            </a:pPr>
+            <a:r>
+              <a:rPr lang="en-US" altLang="ko-KR" dirty="0"/>
+              <a:t>4.2.2.2 Leaf Embedding Distillation.</a:t>
+            </a:r>
+          </a:p>
+          <a:p>
+            <a:pPr marL="0" indent="0">
+              <a:buNone/>
+            </a:pPr>
+            <a:r>
+              <a:rPr lang="ko-KR" altLang="en-US" dirty="0"/>
+              <a:t>이전 단계의 데이터의 정확도를 높이고 </a:t>
+            </a:r>
+            <a:r>
+              <a:rPr lang="en-US" altLang="ko-KR" dirty="0"/>
+              <a:t>L_2</a:t>
+            </a:r>
+            <a:r>
+              <a:rPr lang="ko-KR" altLang="en-US" dirty="0"/>
+              <a:t>의 치수를 줄이기 위해서 </a:t>
+            </a:r>
+            <a:r>
+              <a:rPr lang="ko-KR" altLang="en-US" dirty="0" err="1"/>
+              <a:t>임베딩</a:t>
+            </a:r>
+            <a:r>
+              <a:rPr lang="ko-KR" altLang="en-US" dirty="0"/>
+              <a:t> 기술을 </a:t>
+            </a:r>
+            <a:br>
+              <a:rPr lang="en-US" altLang="ko-KR" dirty="0"/>
+            </a:br>
+            <a:r>
+              <a:rPr lang="ko-KR" altLang="en-US" dirty="0"/>
+              <a:t>채택하였으며</a:t>
+            </a:r>
+            <a:r>
+              <a:rPr lang="en-US" altLang="ko-KR" dirty="0"/>
+              <a:t>, </a:t>
+            </a:r>
+            <a:r>
+              <a:rPr lang="ko-KR" altLang="en-US" dirty="0" err="1"/>
+              <a:t>임베딩의</a:t>
+            </a:r>
+            <a:r>
+              <a:rPr lang="ko-KR" altLang="en-US" dirty="0"/>
+              <a:t> 학습 과정은 다음과 같다</a:t>
+            </a:r>
+            <a:r>
+              <a:rPr lang="en-US" altLang="ko-KR" dirty="0"/>
+              <a:t>.</a:t>
+            </a:r>
+          </a:p>
+          <a:p>
+            <a:pPr marL="0" indent="0">
+              <a:buNone/>
+            </a:pPr>
+            <a:endParaRPr lang="en-US" altLang="ko-KR" dirty="0"/>
+          </a:p>
+          <a:p>
+            <a:pPr marL="0" indent="0">
+              <a:buNone/>
+            </a:pPr>
+            <a:endParaRPr lang="en-US" altLang="ko-KR" dirty="0"/>
+          </a:p>
+          <a:p>
+            <a:pPr marL="0" indent="0">
+              <a:buNone/>
+            </a:pPr>
+            <a:r>
+              <a:rPr lang="ko-KR" altLang="en-US" dirty="0"/>
+              <a:t>이 후 희박한 고차원 원 핫 표현 대신</a:t>
+            </a:r>
+            <a:r>
+              <a:rPr lang="en-US" altLang="ko-KR" dirty="0"/>
+              <a:t>, </a:t>
+            </a:r>
+            <a:r>
+              <a:rPr lang="ko-KR" altLang="en-US" dirty="0"/>
+              <a:t>고밀도 </a:t>
+            </a:r>
+            <a:r>
+              <a:rPr lang="ko-KR" altLang="en-US" dirty="0" err="1"/>
+              <a:t>임베딩을</a:t>
+            </a:r>
+            <a:r>
+              <a:rPr lang="ko-KR" altLang="en-US" dirty="0"/>
+              <a:t> 대상으로 트리 구조의 기능을 </a:t>
+            </a:r>
+            <a:br>
+              <a:rPr lang="en-US" altLang="ko-KR" dirty="0"/>
+            </a:br>
+            <a:r>
+              <a:rPr lang="ko-KR" altLang="en-US" dirty="0" err="1"/>
+              <a:t>근사화할</a:t>
+            </a:r>
+            <a:r>
+              <a:rPr lang="ko-KR" altLang="en-US" dirty="0"/>
+              <a:t> 수 있으며</a:t>
+            </a:r>
+            <a:r>
+              <a:rPr lang="en-US" altLang="ko-KR" dirty="0"/>
+              <a:t>, </a:t>
+            </a:r>
+            <a:r>
+              <a:rPr lang="ko-KR" altLang="en-US" dirty="0"/>
+              <a:t>그 과정은 다음과 같다</a:t>
+            </a:r>
+            <a:r>
+              <a:rPr lang="en-US" altLang="ko-KR" dirty="0"/>
+              <a:t>.</a:t>
+            </a:r>
+          </a:p>
+          <a:p>
+            <a:pPr marL="0" indent="0">
+              <a:buNone/>
+            </a:pPr>
+            <a:endParaRPr lang="en-US" altLang="ko-KR" dirty="0"/>
+          </a:p>
+          <a:p>
+            <a:pPr marL="0" indent="0">
+              <a:buNone/>
+            </a:pPr>
+            <a:endParaRPr lang="en-US" altLang="ko-KR" dirty="0"/>
+          </a:p>
+          <a:p>
+            <a:pPr marL="0" indent="0">
+              <a:buNone/>
+            </a:pPr>
+            <a:r>
+              <a:rPr lang="en-US" altLang="ko-KR" dirty="0"/>
+              <a:t>L</a:t>
+            </a:r>
+            <a:r>
+              <a:rPr lang="ko-KR" altLang="en-US" dirty="0"/>
+              <a:t>은 조밀한 </a:t>
+            </a:r>
+            <a:r>
+              <a:rPr lang="ko-KR" altLang="en-US" dirty="0" err="1"/>
+              <a:t>임베딩</a:t>
+            </a:r>
+            <a:r>
+              <a:rPr lang="ko-KR" altLang="en-US" dirty="0"/>
+              <a:t> 장착을 위한 </a:t>
+            </a:r>
+            <a:r>
+              <a:rPr lang="en-US" altLang="ko-KR" dirty="0"/>
+              <a:t>L_2</a:t>
+            </a:r>
+            <a:r>
+              <a:rPr lang="ko-KR" altLang="en-US" dirty="0"/>
+              <a:t> 손실과 같은 회귀 손실이다</a:t>
+            </a:r>
+            <a:r>
+              <a:rPr lang="en-US" altLang="ko-KR" dirty="0"/>
+              <a:t>.</a:t>
+            </a:r>
+          </a:p>
+          <a:p>
+            <a:pPr marL="0" indent="0">
+              <a:buNone/>
+            </a:pPr>
+            <a:r>
+              <a:rPr lang="ko-KR" altLang="en-US" dirty="0"/>
+              <a:t>이는 훨씬 적은 </a:t>
+            </a:r>
+            <a:r>
+              <a:rPr lang="en-US" altLang="ko-KR" dirty="0"/>
+              <a:t>NN </a:t>
+            </a:r>
+            <a:r>
+              <a:rPr lang="ko-KR" altLang="en-US" dirty="0"/>
+              <a:t>매개변수를 사용하기 때문에 더 효율적이다</a:t>
+            </a:r>
+            <a:r>
+              <a:rPr lang="en-US" altLang="ko-KR" dirty="0"/>
+              <a:t>. </a:t>
+            </a:r>
+          </a:p>
+        </p:txBody>
+      </p:sp>
+      <p:pic>
+        <p:nvPicPr>
+          <p:cNvPr id="9218" name="Picture 2" descr="image-20211003082345062">
+            <a:extLst>
+              <a:ext uri="{FF2B5EF4-FFF2-40B4-BE49-F238E27FC236}">
+                <a16:creationId xmlns:a16="http://schemas.microsoft.com/office/drawing/2014/main" id="{020CED50-359E-4150-A78E-BD36230E603C}"/>
+              </a:ext>
+            </a:extLst>
+          </p:cNvPr>
+          <p:cNvPicPr>
+            <a:picLocks noChangeAspect="1" noChangeArrowheads="1"/>
+          </p:cNvPicPr>
+          <p:nvPr/>
+        </p:nvPicPr>
+        <p:blipFill>
+          <a:blip r:embed="rId2">
+            <a:extLst>
+              <a:ext uri="{28A0092B-C50C-407E-A947-70E740481C1C}">
+                <a14:useLocalDpi xmlns:a14="http://schemas.microsoft.com/office/drawing/2010/main" val="0"/>
+              </a:ext>
+            </a:extLst>
+          </a:blip>
+          <a:srcRect/>
+          <a:stretch>
+            <a:fillRect/>
+          </a:stretch>
+        </p:blipFill>
+        <p:spPr bwMode="auto">
+          <a:xfrm>
+            <a:off x="3302687" y="2634113"/>
+            <a:ext cx="5627388" cy="729130"/>
+          </a:xfrm>
+          <a:prstGeom prst="rect">
+            <a:avLst/>
+          </a:prstGeom>
+          <a:noFill/>
+          <a:extLst>
+            <a:ext uri="{909E8E84-426E-40DD-AFC4-6F175D3DCCD1}">
+              <a14:hiddenFill xmlns:a14="http://schemas.microsoft.com/office/drawing/2010/main">
+                <a:solidFill>
+                  <a:srgbClr val="FFFFFF"/>
+                </a:solidFill>
+              </a14:hiddenFill>
+            </a:ext>
+          </a:extLst>
+        </p:spPr>
+      </p:pic>
+      <p:pic>
+        <p:nvPicPr>
+          <p:cNvPr id="9220" name="Picture 4" descr="image-20211003082358576">
+            <a:extLst>
+              <a:ext uri="{FF2B5EF4-FFF2-40B4-BE49-F238E27FC236}">
+                <a16:creationId xmlns:a16="http://schemas.microsoft.com/office/drawing/2014/main" id="{37247AE1-3467-42F2-BD87-D33717C6E933}"/>
+              </a:ext>
+            </a:extLst>
+          </p:cNvPr>
+          <p:cNvPicPr>
+            <a:picLocks noChangeAspect="1" noChangeArrowheads="1"/>
+          </p:cNvPicPr>
+          <p:nvPr/>
+        </p:nvPicPr>
+        <p:blipFill>
+          <a:blip r:embed="rId3">
+            <a:extLst>
+              <a:ext uri="{28A0092B-C50C-407E-A947-70E740481C1C}">
+                <a14:useLocalDpi xmlns:a14="http://schemas.microsoft.com/office/drawing/2010/main" val="0"/>
+              </a:ext>
+            </a:extLst>
+          </a:blip>
+          <a:srcRect/>
+          <a:stretch>
+            <a:fillRect/>
+          </a:stretch>
+        </p:blipFill>
+        <p:spPr bwMode="auto">
+          <a:xfrm>
+            <a:off x="3261925" y="4223887"/>
+            <a:ext cx="5668150" cy="579093"/>
+          </a:xfrm>
+          <a:prstGeom prst="rect">
+            <a:avLst/>
+          </a:prstGeom>
+          <a:noFill/>
+          <a:extLst>
+            <a:ext uri="{909E8E84-426E-40DD-AFC4-6F175D3DCCD1}">
+              <a14:hiddenFill xmlns:a14="http://schemas.microsoft.com/office/drawing/2010/main">
+                <a:solidFill>
+                  <a:srgbClr val="FFFFFF"/>
+                </a:solidFill>
+              </a14:hiddenFill>
+            </a:ext>
+          </a:extLst>
+        </p:spPr>
+      </p:pic>
+    </p:spTree>
+    <p:extLst>
+      <p:ext uri="{BB962C8B-B14F-4D97-AF65-F5344CB8AC3E}">
+        <p14:creationId xmlns:p14="http://schemas.microsoft.com/office/powerpoint/2010/main" val="3095216376"/>
+      </p:ext>
+    </p:extLst>
+  </p:cSld>
+  <p:clrMapOvr>
+    <a:masterClrMapping/>
+  </p:clrMapOvr>
+</p:sld>
+</file>
+
+<file path=ppt/slides/slide28.xml><?xml version="1.0" encoding="utf-8"?>
+<p:sld xmlns:a="http://schemas.openxmlformats.org/drawingml/2006/main" xmlns:r="http://schemas.openxmlformats.org/officeDocument/2006/relationships" xmlns:p="http://schemas.openxmlformats.org/presentationml/2006/main">
+  <p:cSld>
+    <p:spTree>
+      <p:nvGrpSpPr>
+        <p:cNvPr id="1" name=""/>
+        <p:cNvGrpSpPr/>
+        <p:nvPr/>
+      </p:nvGrpSpPr>
+      <p:grpSpPr>
+        <a:xfrm>
+          <a:off x="0" y="0"/>
+          <a:ext cx="0" cy="0"/>
+          <a:chOff x="0" y="0"/>
+          <a:chExt cx="0" cy="0"/>
+        </a:xfrm>
+      </p:grpSpPr>
+      <p:sp>
+        <p:nvSpPr>
+          <p:cNvPr id="2" name="제목 1">
+            <a:extLst>
+              <a:ext uri="{FF2B5EF4-FFF2-40B4-BE49-F238E27FC236}">
+                <a16:creationId xmlns:a16="http://schemas.microsoft.com/office/drawing/2014/main" id="{52AD30BB-A308-4098-AAAC-1E7D4084FAE8}"/>
+              </a:ext>
+            </a:extLst>
+          </p:cNvPr>
+          <p:cNvSpPr>
+            <a:spLocks noGrp="1"/>
+          </p:cNvSpPr>
+          <p:nvPr>
+            <p:ph type="title"/>
+          </p:nvPr>
+        </p:nvSpPr>
+        <p:spPr/>
+        <p:txBody>
+          <a:bodyPr>
+            <a:normAutofit fontScale="90000"/>
+          </a:bodyPr>
+          <a:lstStyle/>
+          <a:p>
+            <a:r>
+              <a:rPr lang="en-US" altLang="ko-KR" dirty="0"/>
+              <a:t>4. </a:t>
+            </a:r>
+            <a:r>
+              <a:rPr lang="en-US" altLang="ko-KR" dirty="0" err="1"/>
+              <a:t>DeepGBM</a:t>
+            </a:r>
+            <a:r>
+              <a:rPr lang="en-US" altLang="ko-KR" dirty="0"/>
+              <a:t>.</a:t>
+            </a:r>
+            <a:br>
+              <a:rPr lang="en-US" altLang="ko-KR" dirty="0"/>
+            </a:br>
+            <a:r>
+              <a:rPr lang="en-US" altLang="ko-KR" sz="2900" dirty="0"/>
+              <a:t>4.2 GBDT2NN for Dense Numerical Features.</a:t>
+            </a:r>
+            <a:endParaRPr lang="ko-KR" altLang="en-US" sz="2900" dirty="0"/>
+          </a:p>
+        </p:txBody>
+      </p:sp>
+      <p:sp>
+        <p:nvSpPr>
+          <p:cNvPr id="3" name="내용 개체 틀 2">
+            <a:extLst>
+              <a:ext uri="{FF2B5EF4-FFF2-40B4-BE49-F238E27FC236}">
+                <a16:creationId xmlns:a16="http://schemas.microsoft.com/office/drawing/2014/main" id="{24871D0B-4E24-49A6-9E81-F913B3D11919}"/>
+              </a:ext>
+            </a:extLst>
+          </p:cNvPr>
+          <p:cNvSpPr>
+            <a:spLocks noGrp="1"/>
+          </p:cNvSpPr>
+          <p:nvPr>
+            <p:ph idx="1"/>
+          </p:nvPr>
+        </p:nvSpPr>
+        <p:spPr>
+          <a:xfrm>
+            <a:off x="838200" y="1446415"/>
+            <a:ext cx="10515600" cy="4730547"/>
+          </a:xfrm>
+        </p:spPr>
+        <p:txBody>
+          <a:bodyPr>
+            <a:normAutofit/>
+          </a:bodyPr>
+          <a:lstStyle/>
+          <a:p>
+            <a:pPr marL="0" indent="0">
+              <a:buNone/>
+            </a:pPr>
+            <a:r>
+              <a:rPr lang="en-US" altLang="ko-KR" dirty="0"/>
+              <a:t>4.2.2.3 Tree Grouping.</a:t>
+            </a:r>
+          </a:p>
+          <a:p>
+            <a:pPr marL="0" indent="0">
+              <a:buNone/>
+            </a:pPr>
+            <a:r>
+              <a:rPr lang="en-US" altLang="ko-KR" dirty="0"/>
+              <a:t>NN</a:t>
+            </a:r>
+            <a:r>
+              <a:rPr lang="ko-KR" altLang="en-US" dirty="0"/>
+              <a:t>을 줄이기 위해 트리를 그룹화하고</a:t>
+            </a:r>
+            <a:r>
+              <a:rPr lang="en-US" altLang="ko-KR" dirty="0"/>
+              <a:t>, NN</a:t>
+            </a:r>
+            <a:r>
+              <a:rPr lang="ko-KR" altLang="en-US" dirty="0"/>
+              <a:t> 모델을 사용하여 트리 그룹에서 증류한다</a:t>
+            </a:r>
+            <a:r>
+              <a:rPr lang="en-US" altLang="ko-KR" dirty="0"/>
+              <a:t>.</a:t>
+            </a:r>
+          </a:p>
+          <a:p>
+            <a:pPr marL="0" indent="0">
+              <a:buNone/>
+            </a:pPr>
+            <a:r>
+              <a:rPr lang="ko-KR" altLang="en-US" dirty="0"/>
+              <a:t>하지만 </a:t>
+            </a:r>
+            <a:r>
+              <a:rPr lang="en-US" altLang="ko-KR" dirty="0"/>
+              <a:t>2</a:t>
+            </a:r>
+            <a:r>
+              <a:rPr lang="ko-KR" altLang="en-US" dirty="0"/>
+              <a:t>가지의 문제점이 발생한다</a:t>
+            </a:r>
+            <a:r>
+              <a:rPr lang="en-US" altLang="ko-KR" dirty="0"/>
+              <a:t>.</a:t>
+            </a:r>
+            <a:br>
+              <a:rPr lang="en-US" altLang="ko-KR" dirty="0"/>
+            </a:br>
+            <a:r>
+              <a:rPr lang="en-US" altLang="ko-KR" dirty="0"/>
+              <a:t>1. Tree</a:t>
+            </a:r>
+            <a:r>
+              <a:rPr lang="ko-KR" altLang="en-US" dirty="0"/>
+              <a:t>를 그룹화하는 방법</a:t>
+            </a:r>
+            <a:r>
+              <a:rPr lang="en-US" altLang="ko-KR" dirty="0"/>
+              <a:t> 2. Tree Group</a:t>
+            </a:r>
+            <a:r>
+              <a:rPr lang="ko-KR" altLang="en-US" dirty="0"/>
+              <a:t>에서 증류하는 방법</a:t>
+            </a:r>
+            <a:endParaRPr lang="en-US" altLang="ko-KR" dirty="0"/>
+          </a:p>
+          <a:p>
+            <a:pPr marL="0" indent="0">
+              <a:buNone/>
+            </a:pPr>
+            <a:r>
+              <a:rPr lang="en-US" altLang="ko-KR" dirty="0"/>
+              <a:t>Tree</a:t>
+            </a:r>
+            <a:r>
+              <a:rPr lang="ko-KR" altLang="en-US" dirty="0"/>
+              <a:t>를 그룹화하는  방법의 해결책들 중 균등하게 그룹화하는 방법을 사용한다</a:t>
+            </a:r>
+            <a:r>
+              <a:rPr lang="en-US" altLang="ko-KR" dirty="0"/>
+              <a:t>.</a:t>
+            </a:r>
+          </a:p>
+          <a:p>
+            <a:pPr marL="0" indent="0">
+              <a:buNone/>
+            </a:pPr>
+            <a:r>
+              <a:rPr lang="en-US" altLang="ko-KR" dirty="0"/>
+              <a:t> Tree Group</a:t>
+            </a:r>
+            <a:r>
+              <a:rPr lang="ko-KR" altLang="en-US" dirty="0"/>
+              <a:t>에서 증류하기 위해서 여러 트리에 대한 </a:t>
+            </a:r>
+            <a:r>
+              <a:rPr lang="en-US" altLang="ko-KR" dirty="0"/>
+              <a:t>Leaf Embedding </a:t>
+            </a:r>
+            <a:r>
+              <a:rPr lang="ko-KR" altLang="en-US" dirty="0"/>
+              <a:t>증류를 확장한다</a:t>
+            </a:r>
+            <a:r>
+              <a:rPr lang="en-US" altLang="ko-KR" dirty="0"/>
+              <a:t>. Leaf Embedding </a:t>
+            </a:r>
+            <a:r>
+              <a:rPr lang="ko-KR" altLang="en-US" dirty="0"/>
+              <a:t>증류된 여러 결과 </a:t>
+            </a:r>
+            <a:r>
+              <a:rPr lang="en-US" altLang="ko-KR" dirty="0"/>
+              <a:t>multiple one-hot leaf index vectors</a:t>
+            </a:r>
+            <a:r>
+              <a:rPr lang="ko-KR" altLang="en-US" dirty="0"/>
+              <a:t>를</a:t>
+            </a:r>
+            <a:br>
+              <a:rPr lang="en-US" altLang="ko-KR" dirty="0"/>
+            </a:br>
+            <a:r>
+              <a:rPr lang="ko-KR" altLang="en-US" dirty="0"/>
+              <a:t>하나의 완전 연결 네트워크로 만든다</a:t>
+            </a:r>
+            <a:r>
+              <a:rPr lang="en-US" altLang="ko-KR" dirty="0"/>
+              <a:t>.</a:t>
+            </a:r>
+          </a:p>
+          <a:p>
+            <a:pPr marL="0" indent="0">
+              <a:buNone/>
+            </a:pPr>
+            <a:r>
+              <a:rPr lang="ko-KR" altLang="en-US" dirty="0"/>
+              <a:t>결과적으로</a:t>
+            </a:r>
+            <a:r>
+              <a:rPr lang="en-US" altLang="ko-KR" dirty="0"/>
+              <a:t>, Leaf</a:t>
+            </a:r>
+            <a:r>
+              <a:rPr lang="ko-KR" altLang="en-US" dirty="0"/>
+              <a:t> 내장 증류 및 트리 그룹화로 인해 </a:t>
+            </a:r>
+            <a:r>
+              <a:rPr lang="en-US" altLang="ko-KR" dirty="0"/>
+              <a:t>GBDT2NN</a:t>
+            </a:r>
+            <a:r>
+              <a:rPr lang="ko-KR" altLang="en-US" dirty="0"/>
+              <a:t>은 </a:t>
+            </a:r>
+            <a:r>
+              <a:rPr lang="en-US" altLang="ko-KR" dirty="0"/>
+              <a:t>GBDT</a:t>
+            </a:r>
+            <a:r>
+              <a:rPr lang="ko-KR" altLang="en-US" dirty="0"/>
+              <a:t>의 많은 트리를 소형 </a:t>
+            </a:r>
+            <a:r>
+              <a:rPr lang="en-US" altLang="ko-KR" dirty="0"/>
+              <a:t>NN </a:t>
+            </a:r>
+            <a:r>
+              <a:rPr lang="ko-KR" altLang="en-US" dirty="0"/>
+              <a:t>모델로 효율적으로 증류할 수 있으며</a:t>
+            </a:r>
+            <a:r>
+              <a:rPr lang="en-US" altLang="ko-KR" dirty="0"/>
+              <a:t>, </a:t>
+            </a:r>
+            <a:r>
+              <a:rPr lang="ko-KR" altLang="en-US" dirty="0"/>
+              <a:t>트리 출력 외에도 트리의 특징 선택과 구조 지식도 </a:t>
+            </a:r>
+            <a:r>
+              <a:rPr lang="en-US" altLang="ko-KR" dirty="0"/>
+              <a:t>NN </a:t>
+            </a:r>
+            <a:r>
+              <a:rPr lang="ko-KR" altLang="en-US" dirty="0"/>
+              <a:t>모델로 효과적으로 증류된다</a:t>
+            </a:r>
+            <a:r>
+              <a:rPr lang="en-US" altLang="ko-KR" dirty="0"/>
+              <a:t>.</a:t>
+            </a:r>
+          </a:p>
+        </p:txBody>
+      </p:sp>
+    </p:spTree>
+    <p:extLst>
+      <p:ext uri="{BB962C8B-B14F-4D97-AF65-F5344CB8AC3E}">
+        <p14:creationId xmlns:p14="http://schemas.microsoft.com/office/powerpoint/2010/main" val="644360124"/>
+      </p:ext>
+    </p:extLst>
+  </p:cSld>
+  <p:clrMapOvr>
+    <a:masterClrMapping/>
+  </p:clrMapOvr>
+</p:sld>
+</file>
+
+<file path=ppt/slides/slide29.xml><?xml version="1.0" encoding="utf-8"?>
+<p:sld xmlns:a="http://schemas.openxmlformats.org/drawingml/2006/main" xmlns:r="http://schemas.openxmlformats.org/officeDocument/2006/relationships" xmlns:p="http://schemas.openxmlformats.org/presentationml/2006/main">
+  <p:cSld>
+    <p:spTree>
+      <p:nvGrpSpPr>
+        <p:cNvPr id="1" name=""/>
+        <p:cNvGrpSpPr/>
+        <p:nvPr/>
+      </p:nvGrpSpPr>
+      <p:grpSpPr>
+        <a:xfrm>
+          <a:off x="0" y="0"/>
+          <a:ext cx="0" cy="0"/>
+          <a:chOff x="0" y="0"/>
+          <a:chExt cx="0" cy="0"/>
+        </a:xfrm>
+      </p:grpSpPr>
+      <p:sp>
+        <p:nvSpPr>
+          <p:cNvPr id="2" name="제목 1">
+            <a:extLst>
+              <a:ext uri="{FF2B5EF4-FFF2-40B4-BE49-F238E27FC236}">
+                <a16:creationId xmlns:a16="http://schemas.microsoft.com/office/drawing/2014/main" id="{52AD30BB-A308-4098-AAAC-1E7D4084FAE8}"/>
+              </a:ext>
+            </a:extLst>
+          </p:cNvPr>
+          <p:cNvSpPr>
+            <a:spLocks noGrp="1"/>
+          </p:cNvSpPr>
+          <p:nvPr>
+            <p:ph type="title"/>
+          </p:nvPr>
+        </p:nvSpPr>
+        <p:spPr/>
+        <p:txBody>
+          <a:bodyPr>
+            <a:normAutofit fontScale="90000"/>
+          </a:bodyPr>
+          <a:lstStyle/>
+          <a:p>
+            <a:r>
+              <a:rPr lang="en-US" altLang="ko-KR" dirty="0"/>
+              <a:t>4. </a:t>
+            </a:r>
+            <a:r>
+              <a:rPr lang="en-US" altLang="ko-KR" dirty="0" err="1"/>
+              <a:t>DeepGBM</a:t>
+            </a:r>
+            <a:r>
+              <a:rPr lang="en-US" altLang="ko-KR" dirty="0"/>
+              <a:t>.</a:t>
+            </a:r>
+            <a:br>
+              <a:rPr lang="en-US" altLang="ko-KR" dirty="0"/>
+            </a:br>
+            <a:r>
+              <a:rPr lang="en-US" altLang="ko-KR" sz="2900" dirty="0"/>
+              <a:t>4.3 Training for </a:t>
+            </a:r>
+            <a:r>
+              <a:rPr lang="en-US" altLang="ko-KR" sz="2900" dirty="0" err="1"/>
+              <a:t>DeepGBM</a:t>
+            </a:r>
+            <a:r>
+              <a:rPr lang="en-US" altLang="ko-KR" sz="2900" dirty="0"/>
+              <a:t>.</a:t>
+            </a:r>
+            <a:endParaRPr lang="ko-KR" altLang="en-US" sz="2900" dirty="0"/>
+          </a:p>
+        </p:txBody>
+      </p:sp>
+      <p:sp>
+        <p:nvSpPr>
+          <p:cNvPr id="3" name="내용 개체 틀 2">
+            <a:extLst>
+              <a:ext uri="{FF2B5EF4-FFF2-40B4-BE49-F238E27FC236}">
+                <a16:creationId xmlns:a16="http://schemas.microsoft.com/office/drawing/2014/main" id="{24871D0B-4E24-49A6-9E81-F913B3D11919}"/>
+              </a:ext>
+            </a:extLst>
+          </p:cNvPr>
+          <p:cNvSpPr>
+            <a:spLocks noGrp="1"/>
+          </p:cNvSpPr>
+          <p:nvPr>
+            <p:ph idx="1"/>
+          </p:nvPr>
+        </p:nvSpPr>
+        <p:spPr>
+          <a:xfrm>
+            <a:off x="838200" y="1446415"/>
+            <a:ext cx="10515600" cy="4730547"/>
+          </a:xfrm>
+        </p:spPr>
+        <p:txBody>
+          <a:bodyPr>
+            <a:normAutofit/>
+          </a:bodyPr>
+          <a:lstStyle/>
+          <a:p>
+            <a:pPr marL="0" indent="0">
+              <a:buNone/>
+            </a:pPr>
+            <a:r>
+              <a:rPr lang="en-US" altLang="ko-KR" dirty="0"/>
+              <a:t>4.3.1.1 End-to-End Offline Training.</a:t>
+            </a:r>
+          </a:p>
+        </p:txBody>
+      </p:sp>
+    </p:spTree>
+    <p:extLst>
+      <p:ext uri="{BB962C8B-B14F-4D97-AF65-F5344CB8AC3E}">
+        <p14:creationId xmlns:p14="http://schemas.microsoft.com/office/powerpoint/2010/main" val="1131579111"/>
       </p:ext>
     </p:extLst>
   </p:cSld>
@@ -4636,13 +9101,11 @@
             <a:r>
               <a:rPr lang="ko-KR" altLang="en-US" b="0" i="0" dirty="0">
                 <a:effectLst/>
-                <a:latin typeface="-apple-system"/>
               </a:rPr>
               <a:t>온라인 예측은 많은 실제 애플리케이션에서 가장 필수적인 작업 중 하나</a:t>
             </a:r>
             <a:endParaRPr lang="en-US" altLang="ko-KR" b="0" i="0" dirty="0">
               <a:effectLst/>
-              <a:latin typeface="-apple-system"/>
             </a:endParaRPr>
           </a:p>
           <a:p>
@@ -4652,56 +9115,48 @@
             <a:r>
               <a:rPr lang="ko-KR" altLang="en-US" b="0" i="0" dirty="0">
                 <a:effectLst/>
-                <a:latin typeface="-apple-system"/>
               </a:rPr>
               <a:t>표 입력 공간 </a:t>
             </a:r>
             <a:r>
               <a:rPr lang="en-US" altLang="ko-KR" b="0" i="0" dirty="0">
                 <a:effectLst/>
-                <a:latin typeface="-apple-system"/>
               </a:rPr>
               <a:t>: </a:t>
             </a:r>
             <a:r>
               <a:rPr lang="ko-KR" altLang="en-US" b="0" i="0" dirty="0">
                 <a:effectLst/>
-                <a:latin typeface="-apple-system"/>
               </a:rPr>
               <a:t>몇 개의 범주로 나누어진 특징</a:t>
             </a:r>
             <a:r>
               <a:rPr lang="en-US" altLang="ko-KR" b="0" i="0" dirty="0">
                 <a:effectLst/>
-                <a:latin typeface="-apple-system"/>
               </a:rPr>
               <a:t>. (</a:t>
             </a:r>
             <a:r>
               <a:rPr lang="ko-KR" altLang="en-US" b="0" i="0" dirty="0">
                 <a:effectLst/>
-                <a:latin typeface="-apple-system"/>
               </a:rPr>
               <a:t>시간</a:t>
             </a:r>
             <a:r>
               <a:rPr lang="en-US" altLang="ko-KR" b="0" i="0" dirty="0">
                 <a:effectLst/>
-                <a:latin typeface="-apple-system"/>
               </a:rPr>
               <a:t>, </a:t>
             </a:r>
             <a:r>
               <a:rPr lang="ko-KR" altLang="en-US" b="0" i="0" dirty="0">
                 <a:effectLst/>
-                <a:latin typeface="-apple-system"/>
               </a:rPr>
               <a:t>제목</a:t>
             </a:r>
             <a:r>
               <a:rPr lang="en-US" altLang="ko-KR" b="0" i="0" dirty="0">
                 <a:effectLst/>
-                <a:latin typeface="-apple-system"/>
               </a:rPr>
               <a:t>,,)</a:t>
             </a:r>
@@ -4713,42 +9168,36 @@
             <a:r>
               <a:rPr lang="ko-KR" altLang="en-US" b="0" i="0" dirty="0">
                 <a:effectLst/>
-                <a:latin typeface="-apple-system"/>
               </a:rPr>
               <a:t>온라인 데이터 생성 </a:t>
             </a:r>
             <a:r>
               <a:rPr lang="en-US" altLang="ko-KR" b="0" i="0" dirty="0">
                 <a:effectLst/>
-                <a:latin typeface="-apple-system"/>
               </a:rPr>
               <a:t>:</a:t>
             </a:r>
             <a:r>
               <a:rPr lang="ko-KR" altLang="en-US" b="0" i="0" dirty="0">
                 <a:effectLst/>
-                <a:latin typeface="-apple-system"/>
               </a:rPr>
               <a:t> 동적 분포로 이어진 연속 데이터</a:t>
             </a:r>
             <a:r>
               <a:rPr lang="en-US" altLang="ko-KR" b="0" i="0" dirty="0">
                 <a:effectLst/>
-                <a:latin typeface="-apple-system"/>
               </a:rPr>
               <a:t>. (</a:t>
             </a:r>
             <a:r>
               <a:rPr lang="ko-KR" altLang="en-US" b="0" i="0" dirty="0">
                 <a:effectLst/>
-                <a:latin typeface="-apple-system"/>
               </a:rPr>
               <a:t>댓글작성시간</a:t>
             </a:r>
             <a:r>
               <a:rPr lang="en-US" altLang="ko-KR" b="0" i="0" dirty="0">
                 <a:effectLst/>
-                <a:latin typeface="-apple-system"/>
               </a:rPr>
               <a:t>)</a:t>
             </a:r>
@@ -4760,52 +9209,41 @@
             <a:r>
               <a:rPr lang="ko-KR" altLang="en-US" b="0" i="0" dirty="0">
                 <a:effectLst/>
-                <a:latin typeface="-apple-system"/>
               </a:rPr>
               <a:t>표 형식 입력 공간을 이용한 효과적인 학습과 </a:t>
             </a:r>
             <a:br>
               <a:rPr lang="en-US" altLang="ko-KR" b="0" i="0" dirty="0">
                 <a:effectLst/>
-                <a:latin typeface="-apple-system"/>
               </a:rPr>
             </a:br>
             <a:r>
               <a:rPr lang="ko-KR" altLang="en-US" b="0" i="0" dirty="0">
                 <a:effectLst/>
-                <a:latin typeface="-apple-system"/>
               </a:rPr>
               <a:t>온라인 데이터 생성에 대한 빠른 적응은 </a:t>
             </a:r>
             <a:br>
               <a:rPr lang="en-US" altLang="ko-KR" b="0" i="0" dirty="0">
                 <a:effectLst/>
-                <a:latin typeface="-apple-system"/>
               </a:rPr>
             </a:br>
             <a:r>
               <a:rPr lang="ko-KR" altLang="en-US" b="0" i="0" dirty="0">
                 <a:effectLst/>
-                <a:latin typeface="-apple-system"/>
               </a:rPr>
               <a:t>온라인 예측  모델을 얻는 데 있어 중요한 과제</a:t>
             </a:r>
             <a:r>
-              <a:rPr lang="ko-KR" altLang="en-US" dirty="0">
-                <a:latin typeface="-apple-system"/>
-              </a:rPr>
+              <a:rPr lang="ko-KR" altLang="en-US" dirty="0"/>
               <a:t>이다</a:t>
             </a:r>
             <a:r>
-              <a:rPr lang="en-US" altLang="ko-KR" dirty="0">
-                <a:latin typeface="-apple-system"/>
-              </a:rPr>
+              <a:rPr lang="en-US" altLang="ko-KR" dirty="0"/>
               <a:t>.</a:t>
             </a:r>
             <a:br>
-              <a:rPr lang="en-US" altLang="ko-KR" dirty="0">
-                <a:latin typeface="-apple-system"/>
-              </a:rPr>
+              <a:rPr lang="en-US" altLang="ko-KR" dirty="0"/>
             </a:br>
             <a:endParaRPr lang="ko-KR" altLang="en-US" dirty="0"/>
           </a:p>
@@ -4815,6 +9253,748 @@
     <p:extLst>
       <p:ext uri="{BB962C8B-B14F-4D97-AF65-F5344CB8AC3E}">
         <p14:creationId xmlns:p14="http://schemas.microsoft.com/office/powerpoint/2010/main" val="1657062459"/>
+      </p:ext>
+    </p:extLst>
+  </p:cSld>
+  <p:clrMapOvr>
+    <a:masterClrMapping/>
+  </p:clrMapOvr>
+</p:sld>
+</file>
+
+<file path=ppt/slides/slide30.xml><?xml version="1.0" encoding="utf-8"?>
+<p:sld xmlns:a="http://schemas.openxmlformats.org/drawingml/2006/main" xmlns:r="http://schemas.openxmlformats.org/officeDocument/2006/relationships" xmlns:p="http://schemas.openxmlformats.org/presentationml/2006/main">
+  <p:cSld>
+    <p:spTree>
+      <p:nvGrpSpPr>
+        <p:cNvPr id="1" name=""/>
+        <p:cNvGrpSpPr/>
+        <p:nvPr/>
+      </p:nvGrpSpPr>
+      <p:grpSpPr>
+        <a:xfrm>
+          <a:off x="0" y="0"/>
+          <a:ext cx="0" cy="0"/>
+          <a:chOff x="0" y="0"/>
+          <a:chExt cx="0" cy="0"/>
+        </a:xfrm>
+      </p:grpSpPr>
+      <p:sp>
+        <p:nvSpPr>
+          <p:cNvPr id="2" name="제목 1">
+            <a:extLst>
+              <a:ext uri="{FF2B5EF4-FFF2-40B4-BE49-F238E27FC236}">
+                <a16:creationId xmlns:a16="http://schemas.microsoft.com/office/drawing/2014/main" id="{52AD30BB-A308-4098-AAAC-1E7D4084FAE8}"/>
+              </a:ext>
+            </a:extLst>
+          </p:cNvPr>
+          <p:cNvSpPr>
+            <a:spLocks noGrp="1"/>
+          </p:cNvSpPr>
+          <p:nvPr>
+            <p:ph type="title"/>
+          </p:nvPr>
+        </p:nvSpPr>
+        <p:spPr/>
+        <p:txBody>
+          <a:bodyPr>
+            <a:normAutofit fontScale="90000"/>
+          </a:bodyPr>
+          <a:lstStyle/>
+          <a:p>
+            <a:r>
+              <a:rPr lang="en-US" altLang="ko-KR" dirty="0"/>
+              <a:t>4. </a:t>
+            </a:r>
+            <a:r>
+              <a:rPr lang="en-US" altLang="ko-KR" dirty="0" err="1"/>
+              <a:t>DeepGBM</a:t>
+            </a:r>
+            <a:r>
+              <a:rPr lang="en-US" altLang="ko-KR" dirty="0"/>
+              <a:t>.</a:t>
+            </a:r>
+            <a:br>
+              <a:rPr lang="en-US" altLang="ko-KR" dirty="0"/>
+            </a:br>
+            <a:r>
+              <a:rPr lang="en-US" altLang="ko-KR" sz="2900" dirty="0"/>
+              <a:t>4.3 Training for </a:t>
+            </a:r>
+            <a:r>
+              <a:rPr lang="en-US" altLang="ko-KR" sz="2900" dirty="0" err="1"/>
+              <a:t>DeepGBM</a:t>
+            </a:r>
+            <a:r>
+              <a:rPr lang="en-US" altLang="ko-KR" sz="2900" dirty="0"/>
+              <a:t>.</a:t>
+            </a:r>
+            <a:endParaRPr lang="ko-KR" altLang="en-US" sz="2900" dirty="0"/>
+          </a:p>
+        </p:txBody>
+      </p:sp>
+      <p:sp>
+        <p:nvSpPr>
+          <p:cNvPr id="3" name="내용 개체 틀 2">
+            <a:extLst>
+              <a:ext uri="{FF2B5EF4-FFF2-40B4-BE49-F238E27FC236}">
+                <a16:creationId xmlns:a16="http://schemas.microsoft.com/office/drawing/2014/main" id="{24871D0B-4E24-49A6-9E81-F913B3D11919}"/>
+              </a:ext>
+            </a:extLst>
+          </p:cNvPr>
+          <p:cNvSpPr>
+            <a:spLocks noGrp="1"/>
+          </p:cNvSpPr>
+          <p:nvPr>
+            <p:ph idx="1"/>
+          </p:nvPr>
+        </p:nvSpPr>
+        <p:spPr>
+          <a:xfrm>
+            <a:off x="838200" y="1446415"/>
+            <a:ext cx="10515600" cy="4730547"/>
+          </a:xfrm>
+        </p:spPr>
+        <p:txBody>
+          <a:bodyPr>
+            <a:normAutofit/>
+          </a:bodyPr>
+          <a:lstStyle/>
+          <a:p>
+            <a:pPr marL="0" indent="0">
+              <a:buNone/>
+            </a:pPr>
+            <a:r>
+              <a:rPr lang="en-US" altLang="ko-KR" dirty="0"/>
+              <a:t>4.3.1.2 Online Update.</a:t>
+            </a:r>
+          </a:p>
+        </p:txBody>
+      </p:sp>
+    </p:spTree>
+    <p:extLst>
+      <p:ext uri="{BB962C8B-B14F-4D97-AF65-F5344CB8AC3E}">
+        <p14:creationId xmlns:p14="http://schemas.microsoft.com/office/powerpoint/2010/main" val="487466610"/>
+      </p:ext>
+    </p:extLst>
+  </p:cSld>
+  <p:clrMapOvr>
+    <a:masterClrMapping/>
+  </p:clrMapOvr>
+</p:sld>
+</file>
+
+<file path=ppt/slides/slide31.xml><?xml version="1.0" encoding="utf-8"?>
+<p:sld xmlns:a="http://schemas.openxmlformats.org/drawingml/2006/main" xmlns:r="http://schemas.openxmlformats.org/officeDocument/2006/relationships" xmlns:p="http://schemas.openxmlformats.org/presentationml/2006/main">
+  <p:cSld>
+    <p:spTree>
+      <p:nvGrpSpPr>
+        <p:cNvPr id="1" name=""/>
+        <p:cNvGrpSpPr/>
+        <p:nvPr/>
+      </p:nvGrpSpPr>
+      <p:grpSpPr>
+        <a:xfrm>
+          <a:off x="0" y="0"/>
+          <a:ext cx="0" cy="0"/>
+          <a:chOff x="0" y="0"/>
+          <a:chExt cx="0" cy="0"/>
+        </a:xfrm>
+      </p:grpSpPr>
+      <p:sp>
+        <p:nvSpPr>
+          <p:cNvPr id="2" name="제목 1">
+            <a:extLst>
+              <a:ext uri="{FF2B5EF4-FFF2-40B4-BE49-F238E27FC236}">
+                <a16:creationId xmlns:a16="http://schemas.microsoft.com/office/drawing/2014/main" id="{52AD30BB-A308-4098-AAAC-1E7D4084FAE8}"/>
+              </a:ext>
+            </a:extLst>
+          </p:cNvPr>
+          <p:cNvSpPr>
+            <a:spLocks noGrp="1"/>
+          </p:cNvSpPr>
+          <p:nvPr>
+            <p:ph type="title"/>
+          </p:nvPr>
+        </p:nvSpPr>
+        <p:spPr/>
+        <p:txBody>
+          <a:bodyPr>
+            <a:normAutofit fontScale="90000"/>
+          </a:bodyPr>
+          <a:lstStyle/>
+          <a:p>
+            <a:r>
+              <a:rPr lang="en-US" altLang="ko-KR" dirty="0"/>
+              <a:t>5. EXPERIMENT.</a:t>
+            </a:r>
+            <a:br>
+              <a:rPr lang="en-US" altLang="ko-KR" dirty="0"/>
+            </a:br>
+            <a:r>
+              <a:rPr lang="en-US" altLang="ko-KR" sz="2900" dirty="0"/>
+              <a:t>5.1 Experimental Setup.</a:t>
+            </a:r>
+            <a:endParaRPr lang="ko-KR" altLang="en-US" sz="2900" dirty="0"/>
+          </a:p>
+        </p:txBody>
+      </p:sp>
+      <p:sp>
+        <p:nvSpPr>
+          <p:cNvPr id="3" name="내용 개체 틀 2">
+            <a:extLst>
+              <a:ext uri="{FF2B5EF4-FFF2-40B4-BE49-F238E27FC236}">
+                <a16:creationId xmlns:a16="http://schemas.microsoft.com/office/drawing/2014/main" id="{24871D0B-4E24-49A6-9E81-F913B3D11919}"/>
+              </a:ext>
+            </a:extLst>
+          </p:cNvPr>
+          <p:cNvSpPr>
+            <a:spLocks noGrp="1"/>
+          </p:cNvSpPr>
+          <p:nvPr>
+            <p:ph idx="1"/>
+          </p:nvPr>
+        </p:nvSpPr>
+        <p:spPr>
+          <a:xfrm>
+            <a:off x="838200" y="1446415"/>
+            <a:ext cx="10515600" cy="4730547"/>
+          </a:xfrm>
+        </p:spPr>
+        <p:txBody>
+          <a:bodyPr>
+            <a:normAutofit/>
+          </a:bodyPr>
+          <a:lstStyle/>
+          <a:p>
+            <a:pPr marL="0" indent="0">
+              <a:buNone/>
+            </a:pPr>
+            <a:r>
+              <a:rPr lang="en-US" altLang="ko-KR" dirty="0"/>
+              <a:t>5.1.1 Datasets</a:t>
+            </a:r>
+          </a:p>
+        </p:txBody>
+      </p:sp>
+    </p:spTree>
+    <p:extLst>
+      <p:ext uri="{BB962C8B-B14F-4D97-AF65-F5344CB8AC3E}">
+        <p14:creationId xmlns:p14="http://schemas.microsoft.com/office/powerpoint/2010/main" val="3088638198"/>
+      </p:ext>
+    </p:extLst>
+  </p:cSld>
+  <p:clrMapOvr>
+    <a:masterClrMapping/>
+  </p:clrMapOvr>
+</p:sld>
+</file>
+
+<file path=ppt/slides/slide32.xml><?xml version="1.0" encoding="utf-8"?>
+<p:sld xmlns:a="http://schemas.openxmlformats.org/drawingml/2006/main" xmlns:r="http://schemas.openxmlformats.org/officeDocument/2006/relationships" xmlns:p="http://schemas.openxmlformats.org/presentationml/2006/main">
+  <p:cSld>
+    <p:spTree>
+      <p:nvGrpSpPr>
+        <p:cNvPr id="1" name=""/>
+        <p:cNvGrpSpPr/>
+        <p:nvPr/>
+      </p:nvGrpSpPr>
+      <p:grpSpPr>
+        <a:xfrm>
+          <a:off x="0" y="0"/>
+          <a:ext cx="0" cy="0"/>
+          <a:chOff x="0" y="0"/>
+          <a:chExt cx="0" cy="0"/>
+        </a:xfrm>
+      </p:grpSpPr>
+      <p:sp>
+        <p:nvSpPr>
+          <p:cNvPr id="2" name="제목 1">
+            <a:extLst>
+              <a:ext uri="{FF2B5EF4-FFF2-40B4-BE49-F238E27FC236}">
+                <a16:creationId xmlns:a16="http://schemas.microsoft.com/office/drawing/2014/main" id="{52AD30BB-A308-4098-AAAC-1E7D4084FAE8}"/>
+              </a:ext>
+            </a:extLst>
+          </p:cNvPr>
+          <p:cNvSpPr>
+            <a:spLocks noGrp="1"/>
+          </p:cNvSpPr>
+          <p:nvPr>
+            <p:ph type="title"/>
+          </p:nvPr>
+        </p:nvSpPr>
+        <p:spPr/>
+        <p:txBody>
+          <a:bodyPr>
+            <a:normAutofit fontScale="90000"/>
+          </a:bodyPr>
+          <a:lstStyle/>
+          <a:p>
+            <a:r>
+              <a:rPr lang="en-US" altLang="ko-KR" dirty="0"/>
+              <a:t>5. EXPERIMENT.</a:t>
+            </a:r>
+            <a:br>
+              <a:rPr lang="en-US" altLang="ko-KR" dirty="0"/>
+            </a:br>
+            <a:r>
+              <a:rPr lang="en-US" altLang="ko-KR" sz="2900" dirty="0"/>
+              <a:t>5.1 Experimental Setup.</a:t>
+            </a:r>
+            <a:endParaRPr lang="ko-KR" altLang="en-US" sz="2900" dirty="0"/>
+          </a:p>
+        </p:txBody>
+      </p:sp>
+      <p:sp>
+        <p:nvSpPr>
+          <p:cNvPr id="3" name="내용 개체 틀 2">
+            <a:extLst>
+              <a:ext uri="{FF2B5EF4-FFF2-40B4-BE49-F238E27FC236}">
+                <a16:creationId xmlns:a16="http://schemas.microsoft.com/office/drawing/2014/main" id="{24871D0B-4E24-49A6-9E81-F913B3D11919}"/>
+              </a:ext>
+            </a:extLst>
+          </p:cNvPr>
+          <p:cNvSpPr>
+            <a:spLocks noGrp="1"/>
+          </p:cNvSpPr>
+          <p:nvPr>
+            <p:ph idx="1"/>
+          </p:nvPr>
+        </p:nvSpPr>
+        <p:spPr>
+          <a:xfrm>
+            <a:off x="838200" y="1446415"/>
+            <a:ext cx="10515600" cy="4730547"/>
+          </a:xfrm>
+        </p:spPr>
+        <p:txBody>
+          <a:bodyPr>
+            <a:normAutofit/>
+          </a:bodyPr>
+          <a:lstStyle/>
+          <a:p>
+            <a:pPr marL="0" indent="0">
+              <a:buNone/>
+            </a:pPr>
+            <a:r>
+              <a:rPr lang="en-US" altLang="ko-KR" dirty="0"/>
+              <a:t>5.1.2 Compared Models.</a:t>
+            </a:r>
+          </a:p>
+        </p:txBody>
+      </p:sp>
+    </p:spTree>
+    <p:extLst>
+      <p:ext uri="{BB962C8B-B14F-4D97-AF65-F5344CB8AC3E}">
+        <p14:creationId xmlns:p14="http://schemas.microsoft.com/office/powerpoint/2010/main" val="1030751791"/>
+      </p:ext>
+    </p:extLst>
+  </p:cSld>
+  <p:clrMapOvr>
+    <a:masterClrMapping/>
+  </p:clrMapOvr>
+</p:sld>
+</file>
+
+<file path=ppt/slides/slide33.xml><?xml version="1.0" encoding="utf-8"?>
+<p:sld xmlns:a="http://schemas.openxmlformats.org/drawingml/2006/main" xmlns:r="http://schemas.openxmlformats.org/officeDocument/2006/relationships" xmlns:p="http://schemas.openxmlformats.org/presentationml/2006/main">
+  <p:cSld>
+    <p:spTree>
+      <p:nvGrpSpPr>
+        <p:cNvPr id="1" name=""/>
+        <p:cNvGrpSpPr/>
+        <p:nvPr/>
+      </p:nvGrpSpPr>
+      <p:grpSpPr>
+        <a:xfrm>
+          <a:off x="0" y="0"/>
+          <a:ext cx="0" cy="0"/>
+          <a:chOff x="0" y="0"/>
+          <a:chExt cx="0" cy="0"/>
+        </a:xfrm>
+      </p:grpSpPr>
+      <p:sp>
+        <p:nvSpPr>
+          <p:cNvPr id="2" name="제목 1">
+            <a:extLst>
+              <a:ext uri="{FF2B5EF4-FFF2-40B4-BE49-F238E27FC236}">
+                <a16:creationId xmlns:a16="http://schemas.microsoft.com/office/drawing/2014/main" id="{52AD30BB-A308-4098-AAAC-1E7D4084FAE8}"/>
+              </a:ext>
+            </a:extLst>
+          </p:cNvPr>
+          <p:cNvSpPr>
+            <a:spLocks noGrp="1"/>
+          </p:cNvSpPr>
+          <p:nvPr>
+            <p:ph type="title"/>
+          </p:nvPr>
+        </p:nvSpPr>
+        <p:spPr/>
+        <p:txBody>
+          <a:bodyPr>
+            <a:normAutofit fontScale="90000"/>
+          </a:bodyPr>
+          <a:lstStyle/>
+          <a:p>
+            <a:r>
+              <a:rPr lang="en-US" altLang="ko-KR" dirty="0"/>
+              <a:t>5. EXPERIMENT.</a:t>
+            </a:r>
+            <a:br>
+              <a:rPr lang="en-US" altLang="ko-KR" dirty="0"/>
+            </a:br>
+            <a:r>
+              <a:rPr lang="en-US" altLang="ko-KR" sz="2900" dirty="0"/>
+              <a:t>5.1 Experimental Setup.</a:t>
+            </a:r>
+            <a:endParaRPr lang="ko-KR" altLang="en-US" sz="2900" dirty="0"/>
+          </a:p>
+        </p:txBody>
+      </p:sp>
+      <p:sp>
+        <p:nvSpPr>
+          <p:cNvPr id="3" name="내용 개체 틀 2">
+            <a:extLst>
+              <a:ext uri="{FF2B5EF4-FFF2-40B4-BE49-F238E27FC236}">
+                <a16:creationId xmlns:a16="http://schemas.microsoft.com/office/drawing/2014/main" id="{24871D0B-4E24-49A6-9E81-F913B3D11919}"/>
+              </a:ext>
+            </a:extLst>
+          </p:cNvPr>
+          <p:cNvSpPr>
+            <a:spLocks noGrp="1"/>
+          </p:cNvSpPr>
+          <p:nvPr>
+            <p:ph idx="1"/>
+          </p:nvPr>
+        </p:nvSpPr>
+        <p:spPr>
+          <a:xfrm>
+            <a:off x="838200" y="1446415"/>
+            <a:ext cx="10515600" cy="4730547"/>
+          </a:xfrm>
+        </p:spPr>
+        <p:txBody>
+          <a:bodyPr>
+            <a:normAutofit/>
+          </a:bodyPr>
+          <a:lstStyle/>
+          <a:p>
+            <a:pPr marL="0" indent="0">
+              <a:buNone/>
+            </a:pPr>
+            <a:r>
+              <a:rPr lang="en-US" altLang="ko-KR" dirty="0"/>
+              <a:t>5.1.3 Experiments Settings.</a:t>
+            </a:r>
+          </a:p>
+        </p:txBody>
+      </p:sp>
+    </p:spTree>
+    <p:extLst>
+      <p:ext uri="{BB962C8B-B14F-4D97-AF65-F5344CB8AC3E}">
+        <p14:creationId xmlns:p14="http://schemas.microsoft.com/office/powerpoint/2010/main" val="2250895553"/>
+      </p:ext>
+    </p:extLst>
+  </p:cSld>
+  <p:clrMapOvr>
+    <a:masterClrMapping/>
+  </p:clrMapOvr>
+</p:sld>
+</file>
+
+<file path=ppt/slides/slide34.xml><?xml version="1.0" encoding="utf-8"?>
+<p:sld xmlns:a="http://schemas.openxmlformats.org/drawingml/2006/main" xmlns:r="http://schemas.openxmlformats.org/officeDocument/2006/relationships" xmlns:p="http://schemas.openxmlformats.org/presentationml/2006/main">
+  <p:cSld>
+    <p:spTree>
+      <p:nvGrpSpPr>
+        <p:cNvPr id="1" name=""/>
+        <p:cNvGrpSpPr/>
+        <p:nvPr/>
+      </p:nvGrpSpPr>
+      <p:grpSpPr>
+        <a:xfrm>
+          <a:off x="0" y="0"/>
+          <a:ext cx="0" cy="0"/>
+          <a:chOff x="0" y="0"/>
+          <a:chExt cx="0" cy="0"/>
+        </a:xfrm>
+      </p:grpSpPr>
+      <p:sp>
+        <p:nvSpPr>
+          <p:cNvPr id="2" name="제목 1">
+            <a:extLst>
+              <a:ext uri="{FF2B5EF4-FFF2-40B4-BE49-F238E27FC236}">
+                <a16:creationId xmlns:a16="http://schemas.microsoft.com/office/drawing/2014/main" id="{52AD30BB-A308-4098-AAAC-1E7D4084FAE8}"/>
+              </a:ext>
+            </a:extLst>
+          </p:cNvPr>
+          <p:cNvSpPr>
+            <a:spLocks noGrp="1"/>
+          </p:cNvSpPr>
+          <p:nvPr>
+            <p:ph type="title"/>
+          </p:nvPr>
+        </p:nvSpPr>
+        <p:spPr/>
+        <p:txBody>
+          <a:bodyPr>
+            <a:normAutofit fontScale="90000"/>
+          </a:bodyPr>
+          <a:lstStyle/>
+          <a:p>
+            <a:r>
+              <a:rPr lang="en-US" altLang="ko-KR" dirty="0"/>
+              <a:t>5. EXPERIMENT.</a:t>
+            </a:r>
+            <a:br>
+              <a:rPr lang="en-US" altLang="ko-KR" dirty="0"/>
+            </a:br>
+            <a:r>
+              <a:rPr lang="en-US" altLang="ko-KR" sz="2900" dirty="0"/>
+              <a:t>5.2 Offline Performance.</a:t>
+            </a:r>
+            <a:endParaRPr lang="ko-KR" altLang="en-US" sz="2900" dirty="0"/>
+          </a:p>
+        </p:txBody>
+      </p:sp>
+      <p:sp>
+        <p:nvSpPr>
+          <p:cNvPr id="3" name="내용 개체 틀 2">
+            <a:extLst>
+              <a:ext uri="{FF2B5EF4-FFF2-40B4-BE49-F238E27FC236}">
+                <a16:creationId xmlns:a16="http://schemas.microsoft.com/office/drawing/2014/main" id="{24871D0B-4E24-49A6-9E81-F913B3D11919}"/>
+              </a:ext>
+            </a:extLst>
+          </p:cNvPr>
+          <p:cNvSpPr>
+            <a:spLocks noGrp="1"/>
+          </p:cNvSpPr>
+          <p:nvPr>
+            <p:ph idx="1"/>
+          </p:nvPr>
+        </p:nvSpPr>
+        <p:spPr>
+          <a:xfrm>
+            <a:off x="838200" y="1446415"/>
+            <a:ext cx="10515600" cy="4730547"/>
+          </a:xfrm>
+        </p:spPr>
+        <p:txBody>
+          <a:bodyPr>
+            <a:normAutofit/>
+          </a:bodyPr>
+          <a:lstStyle/>
+          <a:p>
+            <a:pPr marL="0" indent="0">
+              <a:buNone/>
+            </a:pPr>
+            <a:endParaRPr lang="en-US" altLang="ko-KR" dirty="0"/>
+          </a:p>
+        </p:txBody>
+      </p:sp>
+    </p:spTree>
+    <p:extLst>
+      <p:ext uri="{BB962C8B-B14F-4D97-AF65-F5344CB8AC3E}">
+        <p14:creationId xmlns:p14="http://schemas.microsoft.com/office/powerpoint/2010/main" val="993554033"/>
+      </p:ext>
+    </p:extLst>
+  </p:cSld>
+  <p:clrMapOvr>
+    <a:masterClrMapping/>
+  </p:clrMapOvr>
+</p:sld>
+</file>
+
+<file path=ppt/slides/slide35.xml><?xml version="1.0" encoding="utf-8"?>
+<p:sld xmlns:a="http://schemas.openxmlformats.org/drawingml/2006/main" xmlns:r="http://schemas.openxmlformats.org/officeDocument/2006/relationships" xmlns:p="http://schemas.openxmlformats.org/presentationml/2006/main">
+  <p:cSld>
+    <p:spTree>
+      <p:nvGrpSpPr>
+        <p:cNvPr id="1" name=""/>
+        <p:cNvGrpSpPr/>
+        <p:nvPr/>
+      </p:nvGrpSpPr>
+      <p:grpSpPr>
+        <a:xfrm>
+          <a:off x="0" y="0"/>
+          <a:ext cx="0" cy="0"/>
+          <a:chOff x="0" y="0"/>
+          <a:chExt cx="0" cy="0"/>
+        </a:xfrm>
+      </p:grpSpPr>
+      <p:sp>
+        <p:nvSpPr>
+          <p:cNvPr id="2" name="제목 1">
+            <a:extLst>
+              <a:ext uri="{FF2B5EF4-FFF2-40B4-BE49-F238E27FC236}">
+                <a16:creationId xmlns:a16="http://schemas.microsoft.com/office/drawing/2014/main" id="{52AD30BB-A308-4098-AAAC-1E7D4084FAE8}"/>
+              </a:ext>
+            </a:extLst>
+          </p:cNvPr>
+          <p:cNvSpPr>
+            <a:spLocks noGrp="1"/>
+          </p:cNvSpPr>
+          <p:nvPr>
+            <p:ph type="title"/>
+          </p:nvPr>
+        </p:nvSpPr>
+        <p:spPr/>
+        <p:txBody>
+          <a:bodyPr>
+            <a:normAutofit fontScale="90000"/>
+          </a:bodyPr>
+          <a:lstStyle/>
+          <a:p>
+            <a:r>
+              <a:rPr lang="en-US" altLang="ko-KR" dirty="0"/>
+              <a:t>5. EXPERIMENT.</a:t>
+            </a:r>
+            <a:br>
+              <a:rPr lang="en-US" altLang="ko-KR" dirty="0"/>
+            </a:br>
+            <a:r>
+              <a:rPr lang="en-US" altLang="ko-KR" sz="2900" dirty="0"/>
+              <a:t>5.2 Online Performance.</a:t>
+            </a:r>
+            <a:endParaRPr lang="ko-KR" altLang="en-US" sz="2900" dirty="0"/>
+          </a:p>
+        </p:txBody>
+      </p:sp>
+      <p:sp>
+        <p:nvSpPr>
+          <p:cNvPr id="3" name="내용 개체 틀 2">
+            <a:extLst>
+              <a:ext uri="{FF2B5EF4-FFF2-40B4-BE49-F238E27FC236}">
+                <a16:creationId xmlns:a16="http://schemas.microsoft.com/office/drawing/2014/main" id="{24871D0B-4E24-49A6-9E81-F913B3D11919}"/>
+              </a:ext>
+            </a:extLst>
+          </p:cNvPr>
+          <p:cNvSpPr>
+            <a:spLocks noGrp="1"/>
+          </p:cNvSpPr>
+          <p:nvPr>
+            <p:ph idx="1"/>
+          </p:nvPr>
+        </p:nvSpPr>
+        <p:spPr>
+          <a:xfrm>
+            <a:off x="838200" y="1446415"/>
+            <a:ext cx="10515600" cy="4730547"/>
+          </a:xfrm>
+        </p:spPr>
+        <p:txBody>
+          <a:bodyPr>
+            <a:normAutofit/>
+          </a:bodyPr>
+          <a:lstStyle/>
+          <a:p>
+            <a:pPr marL="0" indent="0">
+              <a:buNone/>
+            </a:pPr>
+            <a:endParaRPr lang="en-US" altLang="ko-KR" dirty="0"/>
+          </a:p>
+        </p:txBody>
+      </p:sp>
+    </p:spTree>
+    <p:extLst>
+      <p:ext uri="{BB962C8B-B14F-4D97-AF65-F5344CB8AC3E}">
+        <p14:creationId xmlns:p14="http://schemas.microsoft.com/office/powerpoint/2010/main" val="1261925682"/>
+      </p:ext>
+    </p:extLst>
+  </p:cSld>
+  <p:clrMapOvr>
+    <a:masterClrMapping/>
+  </p:clrMapOvr>
+</p:sld>
+</file>
+
+<file path=ppt/slides/slide36.xml><?xml version="1.0" encoding="utf-8"?>
+<p:sld xmlns:a="http://schemas.openxmlformats.org/drawingml/2006/main" xmlns:r="http://schemas.openxmlformats.org/officeDocument/2006/relationships" xmlns:p="http://schemas.openxmlformats.org/presentationml/2006/main">
+  <p:cSld>
+    <p:spTree>
+      <p:nvGrpSpPr>
+        <p:cNvPr id="1" name=""/>
+        <p:cNvGrpSpPr/>
+        <p:nvPr/>
+      </p:nvGrpSpPr>
+      <p:grpSpPr>
+        <a:xfrm>
+          <a:off x="0" y="0"/>
+          <a:ext cx="0" cy="0"/>
+          <a:chOff x="0" y="0"/>
+          <a:chExt cx="0" cy="0"/>
+        </a:xfrm>
+      </p:grpSpPr>
+      <p:sp>
+        <p:nvSpPr>
+          <p:cNvPr id="2" name="제목 1">
+            <a:extLst>
+              <a:ext uri="{FF2B5EF4-FFF2-40B4-BE49-F238E27FC236}">
+                <a16:creationId xmlns:a16="http://schemas.microsoft.com/office/drawing/2014/main" id="{52AD30BB-A308-4098-AAAC-1E7D4084FAE8}"/>
+              </a:ext>
+            </a:extLst>
+          </p:cNvPr>
+          <p:cNvSpPr>
+            <a:spLocks noGrp="1"/>
+          </p:cNvSpPr>
+          <p:nvPr>
+            <p:ph type="title"/>
+          </p:nvPr>
+        </p:nvSpPr>
+        <p:spPr/>
+        <p:txBody>
+          <a:bodyPr>
+            <a:normAutofit fontScale="90000"/>
+          </a:bodyPr>
+          <a:lstStyle/>
+          <a:p>
+            <a:r>
+              <a:rPr lang="en-US" altLang="ko-KR" dirty="0"/>
+              <a:t>6. CONCLUSION.</a:t>
+            </a:r>
+            <a:endParaRPr lang="ko-KR" altLang="en-US" dirty="0"/>
+          </a:p>
+        </p:txBody>
+      </p:sp>
+      <p:sp>
+        <p:nvSpPr>
+          <p:cNvPr id="3" name="내용 개체 틀 2">
+            <a:extLst>
+              <a:ext uri="{FF2B5EF4-FFF2-40B4-BE49-F238E27FC236}">
+                <a16:creationId xmlns:a16="http://schemas.microsoft.com/office/drawing/2014/main" id="{24871D0B-4E24-49A6-9E81-F913B3D11919}"/>
+              </a:ext>
+            </a:extLst>
+          </p:cNvPr>
+          <p:cNvSpPr>
+            <a:spLocks noGrp="1"/>
+          </p:cNvSpPr>
+          <p:nvPr>
+            <p:ph idx="1"/>
+          </p:nvPr>
+        </p:nvSpPr>
+        <p:spPr>
+          <a:xfrm>
+            <a:off x="838200" y="1446415"/>
+            <a:ext cx="10515600" cy="4730547"/>
+          </a:xfrm>
+        </p:spPr>
+        <p:txBody>
+          <a:bodyPr>
+            <a:normAutofit/>
+          </a:bodyPr>
+          <a:lstStyle/>
+          <a:p>
+            <a:pPr marL="0" indent="0">
+              <a:buNone/>
+            </a:pPr>
+            <a:endParaRPr lang="en-US" altLang="ko-KR" dirty="0"/>
+          </a:p>
+        </p:txBody>
+      </p:sp>
+    </p:spTree>
+    <p:extLst>
+      <p:ext uri="{BB962C8B-B14F-4D97-AF65-F5344CB8AC3E}">
+        <p14:creationId xmlns:p14="http://schemas.microsoft.com/office/powerpoint/2010/main" val="1824938317"/>
       </p:ext>
     </p:extLst>
   </p:cSld>
@@ -5121,7 +10301,7 @@
         <p:spPr/>
         <p:txBody>
           <a:bodyPr>
-            <a:normAutofit fontScale="85000" lnSpcReduction="10000"/>
+            <a:normAutofit lnSpcReduction="10000"/>
           </a:bodyPr>
           <a:lstStyle/>
           <a:p>
@@ -5130,70 +10310,42 @@
             </a:pPr>
             <a:r>
               <a:rPr lang="en-US" altLang="ko-KR" b="0" i="0" dirty="0">
-                <a:solidFill>
-                  <a:srgbClr val="555555"/>
-                </a:solidFill>
                 <a:effectLst/>
-                <a:latin typeface="AppleSDGothicNeo"/>
               </a:rPr>
               <a:t>Gradient Boosting</a:t>
             </a:r>
             <a:r>
               <a:rPr lang="ko-KR" altLang="en-US" b="0" i="0" dirty="0">
-                <a:solidFill>
-                  <a:srgbClr val="555555"/>
-                </a:solidFill>
                 <a:effectLst/>
-                <a:latin typeface="AppleSDGothicNeo"/>
               </a:rPr>
               <a:t>은 컴퓨터공학의 알고리즘에서 자주 등장하는 </a:t>
             </a:r>
             <a:r>
               <a:rPr lang="en-US" altLang="ko-KR" b="0" i="0" dirty="0">
-                <a:solidFill>
-                  <a:srgbClr val="555555"/>
-                </a:solidFill>
                 <a:effectLst/>
-                <a:latin typeface="AppleSDGothicNeo"/>
               </a:rPr>
               <a:t>greedy </a:t>
             </a:r>
             <a:r>
               <a:rPr lang="ko-KR" altLang="en-US" b="0" i="0" dirty="0">
-                <a:solidFill>
-                  <a:srgbClr val="555555"/>
-                </a:solidFill>
                 <a:effectLst/>
-                <a:latin typeface="AppleSDGothicNeo"/>
               </a:rPr>
               <a:t>전략을 </a:t>
             </a:r>
             <a:r>
               <a:rPr lang="en-US" altLang="ko-KR" b="0" i="0" dirty="0">
-                <a:solidFill>
-                  <a:srgbClr val="555555"/>
-                </a:solidFill>
                 <a:effectLst/>
-                <a:latin typeface="AppleSDGothicNeo"/>
               </a:rPr>
               <a:t>decision tree</a:t>
             </a:r>
             <a:r>
               <a:rPr lang="ko-KR" altLang="en-US" b="0" i="0" dirty="0">
-                <a:solidFill>
-                  <a:srgbClr val="555555"/>
-                </a:solidFill>
                 <a:effectLst/>
-                <a:latin typeface="AppleSDGothicNeo"/>
               </a:rPr>
               <a:t>에 적용한 것이라고 볼 수 있다</a:t>
             </a:r>
             <a:endParaRPr lang="en-US" altLang="ko-KR" b="0" i="0" dirty="0">
-              <a:solidFill>
-                <a:srgbClr val="555555"/>
-              </a:solidFill>
               <a:effectLst/>
-              <a:latin typeface="AppleSDGothicNeo"/>
             </a:endParaRPr>
           </a:p>
           <a:p>
@@ -5202,172 +10354,304 @@
             </a:pPr>
             <a:r>
               <a:rPr lang="en-US" altLang="ko-KR" b="0" i="0" dirty="0">
-                <a:solidFill>
-                  <a:srgbClr val="555555"/>
-                </a:solidFill>
                 <a:effectLst/>
-                <a:latin typeface="AppleSDGothicNeo"/>
               </a:rPr>
               <a:t>Boosting</a:t>
             </a:r>
             <a:r>
               <a:rPr lang="ko-KR" altLang="en-US" b="0" i="0" dirty="0">
-                <a:solidFill>
-                  <a:srgbClr val="555555"/>
-                </a:solidFill>
                 <a:effectLst/>
-                <a:latin typeface="AppleSDGothicNeo"/>
               </a:rPr>
               <a:t>은 기존 모델이 잘 맞추지 못한 데이터에 대해 </a:t>
             </a:r>
             <a:r>
               <a:rPr lang="en-US" altLang="ko-KR" b="0" i="0" dirty="0">
-                <a:solidFill>
-                  <a:srgbClr val="555555"/>
-                </a:solidFill>
                 <a:effectLst/>
-                <a:latin typeface="AppleSDGothicNeo"/>
               </a:rPr>
               <a:t>additional model</a:t>
             </a:r>
             <a:r>
               <a:rPr lang="ko-KR" altLang="en-US" b="0" i="0" dirty="0">
-                <a:solidFill>
-                  <a:srgbClr val="555555"/>
-                </a:solidFill>
                 <a:effectLst/>
-                <a:latin typeface="AppleSDGothicNeo"/>
               </a:rPr>
-              <a:t>을 이용해서 모델의 표현력을 계속해서 높이는 방법</a:t>
-            </a:r>
-            <a:endParaRPr lang="en-US" altLang="ko-KR" dirty="0">
-              <a:solidFill>
-                <a:srgbClr val="555555"/>
-              </a:solidFill>
-              <a:latin typeface="AppleSDGothicNeo"/>
-            </a:endParaRPr>
-          </a:p>
-          <a:p>
-            <a:pPr marL="0" indent="0">
-              <a:buNone/>
-            </a:pPr>
+              <a:t>을 이용해서 모델의 표현력을 계속해서 높이는 방법이며</a:t>
+            </a:r>
+            <a:r>
+              <a:rPr lang="en-US" altLang="ko-KR" b="0" i="0" dirty="0">
+                <a:effectLst/>
+              </a:rPr>
+              <a:t> </a:t>
+            </a:r>
             <a:r>
               <a:rPr lang="ko-KR" altLang="en-US" b="0" i="0" dirty="0">
-                <a:solidFill>
-                  <a:srgbClr val="555555"/>
-                </a:solidFill>
                 <a:effectLst/>
-                <a:latin typeface="AppleSDGothicNeo"/>
               </a:rPr>
               <a:t>기존 모델이 잘 못 맞춘 데이터에 대한 정보를 전달하는 방법이 </a:t>
             </a:r>
             <a:r>
               <a:rPr lang="en-US" altLang="ko-KR" b="0" i="0" dirty="0">
-                <a:solidFill>
-                  <a:srgbClr val="555555"/>
-                </a:solidFill>
                 <a:effectLst/>
-                <a:latin typeface="AppleSDGothicNeo"/>
+              </a:rPr>
+              <a:t>error</a:t>
+            </a:r>
+            <a:r>
+              <a:rPr lang="ko-KR" altLang="en-US" b="0" i="0" dirty="0">
+                <a:effectLst/>
+              </a:rPr>
+              <a:t>를 미분한 </a:t>
+            </a:r>
+            <a:r>
+              <a:rPr lang="en-US" altLang="ko-KR" b="0" i="0" dirty="0">
+                <a:effectLst/>
+              </a:rPr>
+              <a:t>gradient</a:t>
+            </a:r>
+            <a:r>
+              <a:rPr lang="ko-KR" altLang="en-US" b="0" i="0" dirty="0">
+                <a:effectLst/>
+              </a:rPr>
+              <a:t>에 기반하면 </a:t>
+            </a:r>
+            <a:r>
+              <a:rPr lang="en-US" altLang="ko-KR" b="0" i="0" dirty="0">
+                <a:effectLst/>
+              </a:rPr>
+              <a:t>gradient boost</a:t>
+            </a:r>
+            <a:r>
+              <a:rPr lang="ko-KR" altLang="en-US" b="0" i="0" dirty="0">
+                <a:effectLst/>
+              </a:rPr>
+              <a:t>가 된다</a:t>
+            </a:r>
+            <a:r>
+              <a:rPr lang="en-US" altLang="ko-KR" b="0" i="0" dirty="0">
+                <a:effectLst/>
+              </a:rPr>
+              <a:t>.</a:t>
+            </a:r>
+          </a:p>
+          <a:p>
+            <a:pPr marL="0" indent="0">
+              <a:buNone/>
+            </a:pPr>
+            <a:r>
+              <a:rPr lang="en-US" altLang="ko-KR" b="0" i="0" dirty="0">
+                <a:effectLst/>
+              </a:rPr>
+              <a:t>MLP</a:t>
+            </a:r>
+            <a:r>
+              <a:rPr lang="ko-KR" altLang="en-US" b="0" i="0" dirty="0">
+                <a:effectLst/>
+              </a:rPr>
+              <a:t>를 예로 들면</a:t>
+            </a:r>
+            <a:r>
+              <a:rPr lang="en-US" altLang="ko-KR" dirty="0"/>
+              <a:t>, </a:t>
+            </a:r>
+            <a:r>
+              <a:rPr lang="en-US" altLang="ko-KR" b="0" i="0" dirty="0">
+                <a:effectLst/>
+              </a:rPr>
+              <a:t>GB_MLP</a:t>
+            </a:r>
+            <a:r>
+              <a:rPr lang="ko-KR" altLang="en-US" b="0" i="0" dirty="0">
+                <a:effectLst/>
+              </a:rPr>
+              <a:t>을 만든다면</a:t>
+            </a:r>
+            <a:r>
+              <a:rPr lang="en-US" altLang="ko-KR" b="0" i="0" dirty="0">
+                <a:effectLst/>
+              </a:rPr>
+              <a:t>, </a:t>
+            </a:r>
+            <a:r>
+              <a:rPr lang="ko-KR" altLang="en-US" b="0" i="0" dirty="0">
+                <a:effectLst/>
+              </a:rPr>
+              <a:t>경우 먼저 </a:t>
+            </a:r>
+            <a:r>
+              <a:rPr lang="en-US" altLang="ko-KR" b="0" i="0" dirty="0">
+                <a:effectLst/>
+              </a:rPr>
+              <a:t>1</a:t>
+            </a:r>
+            <a:r>
+              <a:rPr lang="ko-KR" altLang="en-US" b="0" i="0" dirty="0">
+                <a:effectLst/>
+              </a:rPr>
+              <a:t>개의 </a:t>
+            </a:r>
+            <a:r>
+              <a:rPr lang="ko-KR" altLang="en-US" b="0" i="0" dirty="0" err="1">
+                <a:effectLst/>
+              </a:rPr>
+              <a:t>히든</a:t>
+            </a:r>
+            <a:r>
+              <a:rPr lang="ko-KR" altLang="en-US" b="0" i="0" dirty="0">
+                <a:effectLst/>
+              </a:rPr>
+              <a:t> 뉴런만 있는 </a:t>
+            </a:r>
+            <a:r>
+              <a:rPr lang="en-US" altLang="ko-KR" b="0" i="0" dirty="0">
+                <a:effectLst/>
+              </a:rPr>
+              <a:t>3</a:t>
+            </a:r>
+            <a:r>
+              <a:rPr lang="ko-KR" altLang="en-US" b="0" i="0" dirty="0" err="1">
+                <a:effectLst/>
+              </a:rPr>
+              <a:t>층짜리</a:t>
+            </a:r>
+            <a:r>
+              <a:rPr lang="ko-KR" altLang="en-US" b="0" i="0" dirty="0">
+                <a:effectLst/>
+              </a:rPr>
+              <a:t> </a:t>
+            </a:r>
+            <a:r>
+              <a:rPr lang="en-US" altLang="ko-KR" b="0" i="0" dirty="0">
+                <a:effectLst/>
+              </a:rPr>
+              <a:t>MLP</a:t>
+            </a:r>
+            <a:r>
+              <a:rPr lang="ko-KR" altLang="en-US" b="0" i="0" dirty="0">
+                <a:effectLst/>
+              </a:rPr>
+              <a:t>로 데이터를 학습한다</a:t>
+            </a:r>
+            <a:r>
+              <a:rPr lang="en-US" altLang="ko-KR" b="0" i="0" dirty="0">
+                <a:effectLst/>
+              </a:rPr>
+              <a:t>. </a:t>
+            </a:r>
+            <a:r>
+              <a:rPr lang="ko-KR" altLang="en-US" b="0" i="0" dirty="0">
+                <a:effectLst/>
+              </a:rPr>
+              <a:t>그 다음 </a:t>
+            </a:r>
+            <a:r>
+              <a:rPr lang="en-US" altLang="ko-KR" b="0" i="0" dirty="0">
+                <a:effectLst/>
+              </a:rPr>
+              <a:t>error</a:t>
+            </a:r>
+            <a:r>
+              <a:rPr lang="ko-KR" altLang="en-US" b="0" i="0" dirty="0">
+                <a:effectLst/>
+              </a:rPr>
+              <a:t>가 더이상 줄어들지 않으면</a:t>
+            </a:r>
+            <a:r>
+              <a:rPr lang="en-US" altLang="ko-KR" b="0" i="0" dirty="0">
+                <a:effectLst/>
+              </a:rPr>
+              <a:t>, </a:t>
+            </a:r>
+            <a:r>
+              <a:rPr lang="ko-KR" altLang="en-US" b="0" i="0" dirty="0">
+                <a:effectLst/>
+              </a:rPr>
+              <a:t>새로운 </a:t>
+            </a:r>
+            <a:r>
+              <a:rPr lang="ko-KR" altLang="en-US" b="0" i="0" dirty="0" err="1">
+                <a:effectLst/>
+              </a:rPr>
+              <a:t>히든</a:t>
+            </a:r>
+            <a:r>
+              <a:rPr lang="ko-KR" altLang="en-US" b="0" i="0" dirty="0">
+                <a:effectLst/>
+              </a:rPr>
+              <a:t> 노드를 하나 추가하고 그 새로 추가된 노드의 </a:t>
+            </a:r>
+            <a:r>
+              <a:rPr lang="en-US" altLang="ko-KR" b="0" i="0" dirty="0">
+                <a:effectLst/>
               </a:rPr>
               <a:t>weight</a:t>
             </a:r>
             <a:r>
               <a:rPr lang="ko-KR" altLang="en-US" b="0" i="0" dirty="0">
-                <a:solidFill>
-                  <a:srgbClr val="555555"/>
-                </a:solidFill>
                 <a:effectLst/>
-                <a:latin typeface="AppleSDGothicNeo"/>
               </a:rPr>
-              <a:t>에 기반하면 </a:t>
-            </a:r>
-            <a:r>
-              <a:rPr lang="en-US" altLang="ko-KR" b="0" i="0" dirty="0" err="1">
-                <a:solidFill>
-                  <a:srgbClr val="555555"/>
-                </a:solidFill>
+              <a:t>를 같은 데이터로 다시 학습한다</a:t>
+            </a:r>
+            <a:r>
+              <a:rPr lang="en-US" altLang="ko-KR" b="0" i="0" dirty="0">
                 <a:effectLst/>
-                <a:latin typeface="AppleSDGothicNeo"/>
               </a:rPr>
-              <a:t>Adaboost</a:t>
+              <a:t>. </a:t>
             </a:r>
             <a:r>
               <a:rPr lang="ko-KR" altLang="en-US" b="0" i="0" dirty="0">
-                <a:solidFill>
-                  <a:srgbClr val="555555"/>
-                </a:solidFill>
                 <a:effectLst/>
-                <a:latin typeface="AppleSDGothicNeo"/>
               </a:rPr>
-              <a:t>가 되고</a:t>
+              <a:t>이를 </a:t>
             </a:r>
             <a:r>
               <a:rPr lang="en-US" altLang="ko-KR" b="0" i="0" dirty="0">
-                <a:solidFill>
-                  <a:srgbClr val="555555"/>
-                </a:solidFill>
                 <a:effectLst/>
-                <a:latin typeface="AppleSDGothicNeo"/>
               </a:rPr>
-              <a:t>, error</a:t>
+              <a:t>error</a:t>
             </a:r>
             <a:r>
               <a:rPr lang="ko-KR" altLang="en-US" b="0" i="0" dirty="0">
-                <a:solidFill>
-                  <a:srgbClr val="555555"/>
-                </a:solidFill>
                 <a:effectLst/>
-                <a:latin typeface="AppleSDGothicNeo"/>
               </a:rPr>
-              <a:t>를 미분한 </a:t>
+              <a:t>가 충분히 줄어들 때까지 계속 반복한다</a:t>
             </a:r>
             <a:r>
               <a:rPr lang="en-US" altLang="ko-KR" b="0" i="0" dirty="0">
-                <a:solidFill>
-                  <a:srgbClr val="555555"/>
-                </a:solidFill>
                 <a:effectLst/>
-                <a:latin typeface="AppleSDGothicNeo"/>
               </a:rPr>
-              <a:t>gradient</a:t>
+              <a:t>. </a:t>
             </a:r>
             <a:r>
               <a:rPr lang="ko-KR" altLang="en-US" b="0" i="0" dirty="0">
-                <a:solidFill>
-                  <a:srgbClr val="555555"/>
-                </a:solidFill>
                 <a:effectLst/>
-                <a:latin typeface="AppleSDGothicNeo"/>
               </a:rPr>
-              <a:t>에 기반하면 </a:t>
+              <a:t>이 과정은 결국 하나의 </a:t>
+            </a:r>
+            <a:r>
+              <a:rPr lang="ko-KR" altLang="en-US" b="0" i="0" dirty="0" err="1">
+                <a:effectLst/>
+              </a:rPr>
+              <a:t>히든</a:t>
+            </a:r>
+            <a:r>
+              <a:rPr lang="ko-KR" altLang="en-US" b="0" i="0" dirty="0">
+                <a:effectLst/>
+              </a:rPr>
+              <a:t> 뉴런을 </a:t>
             </a:r>
             <a:r>
               <a:rPr lang="en-US" altLang="ko-KR" b="0" i="0" dirty="0">
-                <a:solidFill>
-                  <a:srgbClr val="555555"/>
-                </a:solidFill>
                 <a:effectLst/>
-                <a:latin typeface="AppleSDGothicNeo"/>
               </a:rPr>
-              <a:t>gradient boost</a:t>
+              <a:t>additional model</a:t>
             </a:r>
             <a:r>
               <a:rPr lang="ko-KR" altLang="en-US" b="0" i="0" dirty="0">
-                <a:solidFill>
-                  <a:srgbClr val="555555"/>
-                </a:solidFill>
                 <a:effectLst/>
-                <a:latin typeface="AppleSDGothicNeo"/>
               </a:rPr>
-              <a:t>가 된다</a:t>
+              <a:t>로써 계속 추가하면서 표현력을 점진적으로 증가시키는 과정에 해당한다</a:t>
             </a:r>
             <a:r>
               <a:rPr lang="en-US" altLang="ko-KR" b="0" i="0" dirty="0">
-                <a:solidFill>
-                  <a:srgbClr val="555555"/>
-                </a:solidFill>
                 <a:effectLst/>
-                <a:latin typeface="AppleSDGothicNeo"/>
               </a:rPr>
               <a:t>.</a:t>
             </a:r>
@@ -5377,517 +10661,62 @@
               <a:buNone/>
             </a:pPr>
             <a:r>
+              <a:rPr lang="ko-KR" altLang="en-US" b="0" i="0" dirty="0">
+                <a:effectLst/>
+              </a:rPr>
+              <a:t>이러한 과정을 </a:t>
+            </a:r>
+            <a:r>
               <a:rPr lang="en-US" altLang="ko-KR" b="0" i="0" dirty="0">
-                <a:solidFill>
-                  <a:srgbClr val="555555"/>
-                </a:solidFill>
                 <a:effectLst/>
-                <a:latin typeface="AppleSDGothicNeo"/>
-              </a:rPr>
-              <a:t>Gradient Boosting </a:t>
-            </a:r>
-            <a:r>
-              <a:rPr lang="ko-KR" altLang="en-US" b="0" i="0" dirty="0">
-                <a:solidFill>
-                  <a:srgbClr val="555555"/>
-                </a:solidFill>
-                <a:effectLst/>
-                <a:latin typeface="AppleSDGothicNeo"/>
-              </a:rPr>
-              <a:t>알고리즘의 경우 </a:t>
-            </a:r>
-            <a:r>
-              <a:rPr lang="en-US" altLang="ko-KR" b="0" i="0" dirty="0">
-                <a:solidFill>
-                  <a:srgbClr val="555555"/>
-                </a:solidFill>
-                <a:effectLst/>
-                <a:latin typeface="AppleSDGothicNeo"/>
               </a:rPr>
               <a:t>MLP</a:t>
             </a:r>
             <a:r>
-              <a:rPr lang="ko-KR" altLang="en-US" b="0" i="0" dirty="0">
-                <a:solidFill>
-                  <a:srgbClr val="555555"/>
-                </a:solidFill>
+              <a:rPr lang="ko-KR" altLang="en-US" b="0" i="0" dirty="0" err="1">
                 <a:effectLst/>
-                <a:latin typeface="AppleSDGothicNeo"/>
-              </a:rPr>
-              <a:t>를 예로 들면 그 학습 원리를 바로 이해할 수 있다</a:t>
-            </a:r>
-            <a:r>
-              <a:rPr lang="en-US" altLang="ko-KR" b="0" i="0" dirty="0">
-                <a:solidFill>
-                  <a:srgbClr val="555555"/>
-                </a:solidFill>
-                <a:effectLst/>
-                <a:latin typeface="AppleSDGothicNeo"/>
-              </a:rPr>
-              <a:t>. </a:t>
-            </a:r>
-            <a:r>
-              <a:rPr lang="ko-KR" altLang="en-US" b="0" i="0" dirty="0">
-                <a:solidFill>
-                  <a:srgbClr val="555555"/>
-                </a:solidFill>
-                <a:effectLst/>
-                <a:latin typeface="AppleSDGothicNeo"/>
-              </a:rPr>
-              <a:t>만약 </a:t>
-            </a:r>
-            <a:r>
-              <a:rPr lang="en-US" altLang="ko-KR" b="0" i="0" dirty="0">
-                <a:solidFill>
-                  <a:srgbClr val="555555"/>
-                </a:solidFill>
-                <a:effectLst/>
-                <a:latin typeface="AppleSDGothicNeo"/>
-              </a:rPr>
-              <a:t>GB_MLP</a:t>
-            </a:r>
-            <a:r>
-              <a:rPr lang="ko-KR" altLang="en-US" b="0" i="0" dirty="0">
-                <a:solidFill>
-                  <a:srgbClr val="555555"/>
-                </a:solidFill>
-                <a:effectLst/>
-                <a:latin typeface="AppleSDGothicNeo"/>
-              </a:rPr>
-              <a:t>을 만든다면</a:t>
-            </a:r>
-            <a:r>
-              <a:rPr lang="en-US" altLang="ko-KR" b="0" i="0" dirty="0">
-                <a:solidFill>
-                  <a:srgbClr val="555555"/>
-                </a:solidFill>
-                <a:effectLst/>
-                <a:latin typeface="AppleSDGothicNeo"/>
-              </a:rPr>
-              <a:t>, </a:t>
-            </a:r>
-            <a:r>
-              <a:rPr lang="ko-KR" altLang="en-US" b="0" i="0" dirty="0">
-                <a:solidFill>
-                  <a:srgbClr val="555555"/>
-                </a:solidFill>
-                <a:effectLst/>
-                <a:latin typeface="AppleSDGothicNeo"/>
-              </a:rPr>
-              <a:t>경우 먼저 </a:t>
-            </a:r>
-            <a:r>
-              <a:rPr lang="en-US" altLang="ko-KR" b="0" i="0" dirty="0">
-                <a:solidFill>
-                  <a:srgbClr val="555555"/>
-                </a:solidFill>
-                <a:effectLst/>
-                <a:latin typeface="AppleSDGothicNeo"/>
-              </a:rPr>
-              <a:t>1</a:t>
-            </a:r>
-            <a:r>
-              <a:rPr lang="ko-KR" altLang="en-US" b="0" i="0" dirty="0">
-                <a:solidFill>
-                  <a:srgbClr val="555555"/>
-                </a:solidFill>
-                <a:effectLst/>
-                <a:latin typeface="AppleSDGothicNeo"/>
-              </a:rPr>
-              <a:t>개의 </a:t>
-            </a:r>
-            <a:r>
-              <a:rPr lang="ko-KR" altLang="en-US" b="0" i="0" dirty="0" err="1">
-                <a:solidFill>
-                  <a:srgbClr val="555555"/>
-                </a:solidFill>
-                <a:effectLst/>
-                <a:latin typeface="AppleSDGothicNeo"/>
-              </a:rPr>
-              <a:t>히든</a:t>
-            </a:r>
-            <a:r>
-              <a:rPr lang="ko-KR" altLang="en-US" b="0" i="0" dirty="0">
-                <a:solidFill>
-                  <a:srgbClr val="555555"/>
-                </a:solidFill>
-                <a:effectLst/>
-                <a:latin typeface="AppleSDGothicNeo"/>
-              </a:rPr>
-              <a:t> 뉴런만 있는 </a:t>
-            </a:r>
-            <a:r>
-              <a:rPr lang="en-US" altLang="ko-KR" b="0" i="0" dirty="0">
-                <a:solidFill>
-                  <a:srgbClr val="555555"/>
-                </a:solidFill>
-                <a:effectLst/>
-                <a:latin typeface="AppleSDGothicNeo"/>
-              </a:rPr>
-              <a:t>3</a:t>
-            </a:r>
-            <a:r>
-              <a:rPr lang="ko-KR" altLang="en-US" b="0" i="0" dirty="0" err="1">
-                <a:solidFill>
-                  <a:srgbClr val="555555"/>
-                </a:solidFill>
-                <a:effectLst/>
-                <a:latin typeface="AppleSDGothicNeo"/>
-              </a:rPr>
-              <a:t>층짜리</a:t>
-            </a:r>
-            <a:r>
-              <a:rPr lang="ko-KR" altLang="en-US" b="0" i="0" dirty="0">
-                <a:solidFill>
-                  <a:srgbClr val="555555"/>
-                </a:solidFill>
-                <a:effectLst/>
-                <a:latin typeface="AppleSDGothicNeo"/>
-              </a:rPr>
-              <a:t> </a:t>
-            </a:r>
-            <a:r>
-              <a:rPr lang="en-US" altLang="ko-KR" b="0" i="0" dirty="0">
-                <a:solidFill>
-                  <a:srgbClr val="555555"/>
-                </a:solidFill>
-                <a:effectLst/>
-                <a:latin typeface="AppleSDGothicNeo"/>
-              </a:rPr>
-              <a:t>MLP</a:t>
-            </a:r>
-            <a:r>
-              <a:rPr lang="ko-KR" altLang="en-US" b="0" i="0" dirty="0">
-                <a:solidFill>
-                  <a:srgbClr val="555555"/>
-                </a:solidFill>
-                <a:effectLst/>
-                <a:latin typeface="AppleSDGothicNeo"/>
-              </a:rPr>
-              <a:t>로 데이터를 학습한다</a:t>
-            </a:r>
-            <a:r>
-              <a:rPr lang="en-US" altLang="ko-KR" b="0" i="0" dirty="0">
-                <a:solidFill>
-                  <a:srgbClr val="555555"/>
-                </a:solidFill>
-                <a:effectLst/>
-                <a:latin typeface="AppleSDGothicNeo"/>
-              </a:rPr>
-              <a:t>. </a:t>
-            </a:r>
-            <a:r>
-              <a:rPr lang="ko-KR" altLang="en-US" b="0" i="0" dirty="0" err="1">
-                <a:solidFill>
-                  <a:srgbClr val="555555"/>
-                </a:solidFill>
-                <a:effectLst/>
-                <a:latin typeface="AppleSDGothicNeo"/>
-              </a:rPr>
-              <a:t>그다음</a:t>
-            </a:r>
-            <a:r>
-              <a:rPr lang="ko-KR" altLang="en-US" b="0" i="0" dirty="0">
-                <a:solidFill>
-                  <a:srgbClr val="555555"/>
-                </a:solidFill>
-                <a:effectLst/>
-                <a:latin typeface="AppleSDGothicNeo"/>
-              </a:rPr>
-              <a:t> </a:t>
-            </a:r>
-            <a:r>
-              <a:rPr lang="en-US" altLang="ko-KR" b="0" i="0" dirty="0">
-                <a:solidFill>
-                  <a:srgbClr val="555555"/>
-                </a:solidFill>
-                <a:effectLst/>
-                <a:latin typeface="AppleSDGothicNeo"/>
-              </a:rPr>
-              <a:t>error</a:t>
-            </a:r>
-            <a:r>
-              <a:rPr lang="ko-KR" altLang="en-US" b="0" i="0" dirty="0">
-                <a:solidFill>
-                  <a:srgbClr val="555555"/>
-                </a:solidFill>
-                <a:effectLst/>
-                <a:latin typeface="AppleSDGothicNeo"/>
-              </a:rPr>
-              <a:t>가 더이상 줄어들지 않으면</a:t>
-            </a:r>
-            <a:r>
-              <a:rPr lang="en-US" altLang="ko-KR" b="0" i="0" dirty="0">
-                <a:solidFill>
-                  <a:srgbClr val="555555"/>
-                </a:solidFill>
-                <a:effectLst/>
-                <a:latin typeface="AppleSDGothicNeo"/>
-              </a:rPr>
-              <a:t>, </a:t>
-            </a:r>
-            <a:r>
-              <a:rPr lang="ko-KR" altLang="en-US" b="0" i="0" dirty="0">
-                <a:solidFill>
-                  <a:srgbClr val="555555"/>
-                </a:solidFill>
-                <a:effectLst/>
-                <a:latin typeface="AppleSDGothicNeo"/>
-              </a:rPr>
-              <a:t>새로운 </a:t>
-            </a:r>
-            <a:r>
-              <a:rPr lang="ko-KR" altLang="en-US" b="0" i="0" dirty="0" err="1">
-                <a:solidFill>
-                  <a:srgbClr val="555555"/>
-                </a:solidFill>
-                <a:effectLst/>
-                <a:latin typeface="AppleSDGothicNeo"/>
-              </a:rPr>
-              <a:t>히든</a:t>
-            </a:r>
-            <a:r>
-              <a:rPr lang="ko-KR" altLang="en-US" b="0" i="0" dirty="0">
-                <a:solidFill>
-                  <a:srgbClr val="555555"/>
-                </a:solidFill>
-                <a:effectLst/>
-                <a:latin typeface="AppleSDGothicNeo"/>
-              </a:rPr>
-              <a:t> 노드를 하나 추가하고 그 새로 추가된 노드의 </a:t>
-            </a:r>
-            <a:r>
-              <a:rPr lang="en-US" altLang="ko-KR" b="0" i="0" dirty="0">
-                <a:solidFill>
-                  <a:srgbClr val="555555"/>
-                </a:solidFill>
-                <a:effectLst/>
-                <a:latin typeface="AppleSDGothicNeo"/>
-              </a:rPr>
-              <a:t>weight</a:t>
-            </a:r>
-            <a:r>
-              <a:rPr lang="ko-KR" altLang="en-US" b="0" i="0" dirty="0">
-                <a:solidFill>
-                  <a:srgbClr val="555555"/>
-                </a:solidFill>
-                <a:effectLst/>
-                <a:latin typeface="AppleSDGothicNeo"/>
-              </a:rPr>
-              <a:t>를 같은 데이터로 다시 학습한다</a:t>
-            </a:r>
-            <a:r>
-              <a:rPr lang="en-US" altLang="ko-KR" b="0" i="0" dirty="0">
-                <a:solidFill>
-                  <a:srgbClr val="555555"/>
-                </a:solidFill>
-                <a:effectLst/>
-                <a:latin typeface="AppleSDGothicNeo"/>
-              </a:rPr>
-              <a:t>. </a:t>
-            </a:r>
-            <a:r>
-              <a:rPr lang="ko-KR" altLang="en-US" b="0" i="0" dirty="0">
-                <a:solidFill>
-                  <a:srgbClr val="555555"/>
-                </a:solidFill>
-                <a:effectLst/>
-                <a:latin typeface="AppleSDGothicNeo"/>
-              </a:rPr>
-              <a:t>이를 </a:t>
-            </a:r>
-            <a:r>
-              <a:rPr lang="en-US" altLang="ko-KR" b="0" i="0" dirty="0">
-                <a:solidFill>
-                  <a:srgbClr val="555555"/>
-                </a:solidFill>
-                <a:effectLst/>
-                <a:latin typeface="AppleSDGothicNeo"/>
-              </a:rPr>
-              <a:t>error</a:t>
-            </a:r>
-            <a:r>
-              <a:rPr lang="ko-KR" altLang="en-US" b="0" i="0" dirty="0">
-                <a:solidFill>
-                  <a:srgbClr val="555555"/>
-                </a:solidFill>
-                <a:effectLst/>
-                <a:latin typeface="AppleSDGothicNeo"/>
-              </a:rPr>
-              <a:t>가 충분히 줄어들 때까지 계속 반복한다</a:t>
-            </a:r>
-            <a:r>
-              <a:rPr lang="en-US" altLang="ko-KR" b="0" i="0" dirty="0">
-                <a:solidFill>
-                  <a:srgbClr val="555555"/>
-                </a:solidFill>
-                <a:effectLst/>
-                <a:latin typeface="AppleSDGothicNeo"/>
-              </a:rPr>
-              <a:t>. </a:t>
-            </a:r>
-            <a:r>
-              <a:rPr lang="ko-KR" altLang="en-US" b="0" i="0" dirty="0">
-                <a:solidFill>
-                  <a:srgbClr val="555555"/>
-                </a:solidFill>
-                <a:effectLst/>
-                <a:latin typeface="AppleSDGothicNeo"/>
-              </a:rPr>
-              <a:t>이 과정은 결국 하나의 </a:t>
-            </a:r>
-            <a:r>
-              <a:rPr lang="ko-KR" altLang="en-US" b="0" i="0" dirty="0" err="1">
-                <a:solidFill>
-                  <a:srgbClr val="555555"/>
-                </a:solidFill>
-                <a:effectLst/>
-                <a:latin typeface="AppleSDGothicNeo"/>
-              </a:rPr>
-              <a:t>히든</a:t>
-            </a:r>
-            <a:r>
-              <a:rPr lang="ko-KR" altLang="en-US" b="0" i="0" dirty="0">
-                <a:solidFill>
-                  <a:srgbClr val="555555"/>
-                </a:solidFill>
-                <a:effectLst/>
-                <a:latin typeface="AppleSDGothicNeo"/>
-              </a:rPr>
-              <a:t> 뉴런을 </a:t>
-            </a:r>
-            <a:r>
-              <a:rPr lang="en-US" altLang="ko-KR" b="0" i="0" dirty="0">
-                <a:solidFill>
-                  <a:srgbClr val="555555"/>
-                </a:solidFill>
-                <a:effectLst/>
-                <a:latin typeface="AppleSDGothicNeo"/>
-              </a:rPr>
-              <a:t>additional model</a:t>
-            </a:r>
-            <a:r>
-              <a:rPr lang="ko-KR" altLang="en-US" b="0" i="0" dirty="0">
-                <a:solidFill>
-                  <a:srgbClr val="555555"/>
-                </a:solidFill>
-                <a:effectLst/>
-                <a:latin typeface="AppleSDGothicNeo"/>
-              </a:rPr>
-              <a:t>로써 계속 추가하면서 표현력을 점진적으로 증가시키는 과정에 해당한다</a:t>
-            </a:r>
-            <a:r>
-              <a:rPr lang="en-US" altLang="ko-KR" b="0" i="0" dirty="0">
-                <a:solidFill>
-                  <a:srgbClr val="555555"/>
-                </a:solidFill>
-                <a:effectLst/>
-                <a:latin typeface="AppleSDGothicNeo"/>
-              </a:rPr>
-              <a:t>.</a:t>
-            </a:r>
-          </a:p>
-          <a:p>
-            <a:pPr marL="0" indent="0">
-              <a:buNone/>
-            </a:pPr>
-            <a:r>
-              <a:rPr lang="ko-KR" altLang="en-US" b="0" i="0" dirty="0">
-                <a:solidFill>
-                  <a:srgbClr val="555555"/>
-                </a:solidFill>
-                <a:effectLst/>
-                <a:latin typeface="AppleSDGothicNeo"/>
-              </a:rPr>
-              <a:t>그런데 만약에 이걸 </a:t>
-            </a:r>
-            <a:r>
-              <a:rPr lang="en-US" altLang="ko-KR" b="0" i="0" dirty="0">
-                <a:solidFill>
-                  <a:srgbClr val="555555"/>
-                </a:solidFill>
-                <a:effectLst/>
-                <a:latin typeface="AppleSDGothicNeo"/>
-              </a:rPr>
-              <a:t>MLP</a:t>
-            </a:r>
-            <a:r>
-              <a:rPr lang="ko-KR" altLang="en-US" b="0" i="0" dirty="0" err="1">
-                <a:solidFill>
-                  <a:srgbClr val="555555"/>
-                </a:solidFill>
-                <a:effectLst/>
-                <a:latin typeface="AppleSDGothicNeo"/>
               </a:rPr>
               <a:t>가아니라</a:t>
             </a:r>
             <a:r>
               <a:rPr lang="en-US" altLang="ko-KR" b="0" i="0" dirty="0">
-                <a:solidFill>
-                  <a:srgbClr val="555555"/>
-                </a:solidFill>
                 <a:effectLst/>
-                <a:latin typeface="AppleSDGothicNeo"/>
               </a:rPr>
               <a:t>, Decision tree</a:t>
             </a:r>
             <a:r>
               <a:rPr lang="ko-KR" altLang="en-US" b="0" i="0" dirty="0">
-                <a:solidFill>
-                  <a:srgbClr val="555555"/>
-                </a:solidFill>
                 <a:effectLst/>
-                <a:latin typeface="AppleSDGothicNeo"/>
               </a:rPr>
               <a:t>를 사용하게 되면 </a:t>
             </a:r>
             <a:r>
               <a:rPr lang="en-US" altLang="ko-KR" b="0" i="0" dirty="0">
-                <a:solidFill>
-                  <a:srgbClr val="555555"/>
-                </a:solidFill>
                 <a:effectLst/>
-                <a:latin typeface="AppleSDGothicNeo"/>
               </a:rPr>
               <a:t>Gradient Boosting Tree(</a:t>
             </a:r>
             <a:r>
               <a:rPr lang="en-US" altLang="ko-KR" b="0" i="0" dirty="0" err="1">
-                <a:solidFill>
-                  <a:srgbClr val="555555"/>
-                </a:solidFill>
                 <a:effectLst/>
-                <a:latin typeface="AppleSDGothicNeo"/>
               </a:rPr>
               <a:t>GBTree</a:t>
             </a:r>
             <a:r>
               <a:rPr lang="en-US" altLang="ko-KR" b="0" i="0" dirty="0">
-                <a:solidFill>
-                  <a:srgbClr val="555555"/>
-                </a:solidFill>
                 <a:effectLst/>
-                <a:latin typeface="AppleSDGothicNeo"/>
               </a:rPr>
               <a:t>)</a:t>
             </a:r>
             <a:r>
               <a:rPr lang="ko-KR" altLang="en-US" b="0" i="0" dirty="0">
-                <a:solidFill>
-                  <a:srgbClr val="555555"/>
-                </a:solidFill>
                 <a:effectLst/>
-                <a:latin typeface="AppleSDGothicNeo"/>
               </a:rPr>
               <a:t>가 되는 것이다</a:t>
             </a:r>
             <a:r>
               <a:rPr lang="en-US" altLang="ko-KR" b="0" i="0" dirty="0">
-                <a:solidFill>
-                  <a:srgbClr val="555555"/>
-                </a:solidFill>
                 <a:effectLst/>
-                <a:latin typeface="AppleSDGothicNeo"/>
               </a:rPr>
               <a:t>.</a:t>
             </a:r>
@@ -6265,15 +11094,7 @@
             </a:pPr>
             <a:r>
               <a:rPr lang="ko-KR" altLang="en-US" dirty="0"/>
-              <a:t>뉴스 </a:t>
-            </a:r>
-            <a:r>
-              <a:rPr lang="ko-KR" altLang="en-US" dirty="0" err="1"/>
-              <a:t>추천자</a:t>
-            </a:r>
-            <a:r>
-              <a:rPr lang="ko-KR" altLang="en-US" dirty="0"/>
-              <a:t> 시스템은 엄청난 양의 데이터를 실시간으로 생성하고</a:t>
+              <a:t>뉴스 추천 시스템은 엄청난 양의 데이터를 실시간으로 생성하고</a:t>
             </a:r>
             <a:r>
               <a:rPr lang="en-US" altLang="ko-KR" dirty="0"/>
@@ -6422,7 +11243,14 @@
             </a:r>
             <a:r>
               <a:rPr lang="en-US" altLang="ko-KR" dirty="0"/>
-              <a:t>: GBDT, NN</a:t>
+              <a:t>: </a:t>
+            </a:r>
+            <a:br>
+              <a:rPr lang="en-US" altLang="ko-KR" dirty="0"/>
+            </a:br>
+            <a:r>
+              <a:rPr lang="en-US" altLang="ko-KR" dirty="0"/>
+              <a:t>GBDT, NN</a:t>
             </a:r>
             <a:r>
               <a:rPr lang="ko-KR" altLang="en-US" dirty="0"/>
@@ -6440,6 +11268,9 @@
               <a:rPr lang="en-US" altLang="ko-KR" dirty="0"/>
               <a:t>. </a:t>
             </a:r>
+            <a:br>
+              <a:rPr lang="en-US" altLang="ko-KR" dirty="0"/>
+            </a:br>
             <a:r>
               <a:rPr lang="ko-KR" altLang="en-US" dirty="0"/>
               <a:t>각자의 장단점이 존재하기 때문이다</a:t>
@@ -6465,6 +11296,9 @@
               <a:rPr lang="en-US" altLang="ko-KR" dirty="0"/>
               <a:t>. </a:t>
             </a:r>
+            <a:br>
+              <a:rPr lang="en-US" altLang="ko-KR" dirty="0"/>
+            </a:br>
             <a:r>
               <a:rPr lang="ko-KR" altLang="en-US" dirty="0"/>
               <a:t>트리를 구축하기 위해 통계 정보가 가장 큰 특징을 반복적으로 선택할 수 있기 때문에</a:t>
@@ -6652,7 +11486,18 @@
             <a:br>
               <a:rPr lang="en-US" altLang="ko-KR" dirty="0"/>
             </a:br>
-            <a:endParaRPr lang="en-US" altLang="ko-KR" dirty="0"/>
+            <a:r>
+              <a:rPr lang="en-US" altLang="ko-KR" dirty="0"/>
+              <a:t>One-hot encodings</a:t>
+            </a:r>
+            <a:r>
+              <a:rPr lang="ko-KR" altLang="en-US" dirty="0"/>
+              <a:t>을 통한 변환 후 불균형 파티션과 비 파티션이 거의 같기 때문에 희소 형상에서 가는 통계 정보 이득이 적기 때문에 희소 기능을 사용하여 트리를 효과적으로 학습시키지 못한다</a:t>
+            </a:r>
+            <a:r>
+              <a:rPr lang="en-US" altLang="ko-KR" dirty="0"/>
+              <a:t>.</a:t>
+            </a:r>
           </a:p>
           <a:p>
             <a:pPr marL="514350" indent="-514350">

--- a/발표/DAP 1014.pptx
+++ b/발표/DAP 1014.pptx
@@ -5,7 +5,7 @@
     <p:sldMasterId id="2147483648" r:id="rId1"/>
   </p:sldMasterIdLst>
   <p:notesMasterIdLst>
-    <p:notesMasterId r:id="rId38"/>
+    <p:notesMasterId r:id="rId41"/>
   </p:notesMasterIdLst>
   <p:sldIdLst>
     <p:sldId id="256" r:id="rId2"/>
@@ -40,10 +40,13 @@
     <p:sldId id="287" r:id="rId31"/>
     <p:sldId id="273" r:id="rId32"/>
     <p:sldId id="288" r:id="rId33"/>
-    <p:sldId id="289" r:id="rId34"/>
-    <p:sldId id="290" r:id="rId35"/>
-    <p:sldId id="291" r:id="rId36"/>
-    <p:sldId id="274" r:id="rId37"/>
+    <p:sldId id="293" r:id="rId34"/>
+    <p:sldId id="289" r:id="rId35"/>
+    <p:sldId id="290" r:id="rId36"/>
+    <p:sldId id="294" r:id="rId37"/>
+    <p:sldId id="291" r:id="rId38"/>
+    <p:sldId id="295" r:id="rId39"/>
+    <p:sldId id="274" r:id="rId40"/>
   </p:sldIdLst>
   <p:sldSz cx="12192000" cy="6858000"/>
   <p:notesSz cx="6858000" cy="9144000"/>
@@ -235,7 +238,7 @@
           <a:p>
             <a:fld id="{CD1C36FC-72DE-491B-915A-19873696514F}" type="datetimeFigureOut">
               <a:rPr lang="ko-KR" altLang="en-US" smtClean="0"/>
-              <a:t>2021-10-12</a:t>
+              <a:t>2021-10-13</a:t>
             </a:fld>
             <a:endParaRPr lang="ko-KR" altLang="en-US"/>
           </a:p>
@@ -736,7 +739,7 @@
           <a:p>
             <a:fld id="{45325823-6D3E-43B9-AFE4-78648C97BF5D}" type="datetimeFigureOut">
               <a:rPr lang="ko-KR" altLang="en-US" smtClean="0"/>
-              <a:t>2021-10-12</a:t>
+              <a:t>2021-10-13</a:t>
             </a:fld>
             <a:endParaRPr lang="ko-KR" altLang="en-US"/>
           </a:p>
@@ -965,7 +968,7 @@
           <a:p>
             <a:fld id="{45325823-6D3E-43B9-AFE4-78648C97BF5D}" type="datetimeFigureOut">
               <a:rPr lang="ko-KR" altLang="en-US" smtClean="0"/>
-              <a:t>2021-10-12</a:t>
+              <a:t>2021-10-13</a:t>
             </a:fld>
             <a:endParaRPr lang="ko-KR" altLang="en-US"/>
           </a:p>
@@ -1204,7 +1207,7 @@
           <a:p>
             <a:fld id="{45325823-6D3E-43B9-AFE4-78648C97BF5D}" type="datetimeFigureOut">
               <a:rPr lang="ko-KR" altLang="en-US" smtClean="0"/>
-              <a:t>2021-10-12</a:t>
+              <a:t>2021-10-13</a:t>
             </a:fld>
             <a:endParaRPr lang="ko-KR" altLang="en-US"/>
           </a:p>
@@ -1445,7 +1448,7 @@
           <a:p>
             <a:fld id="{45325823-6D3E-43B9-AFE4-78648C97BF5D}" type="datetimeFigureOut">
               <a:rPr lang="ko-KR" altLang="en-US" smtClean="0"/>
-              <a:t>2021-10-12</a:t>
+              <a:t>2021-10-13</a:t>
             </a:fld>
             <a:endParaRPr lang="ko-KR" altLang="en-US"/>
           </a:p>
@@ -1722,7 +1725,7 @@
           <a:p>
             <a:fld id="{45325823-6D3E-43B9-AFE4-78648C97BF5D}" type="datetimeFigureOut">
               <a:rPr lang="ko-KR" altLang="en-US" smtClean="0"/>
-              <a:t>2021-10-12</a:t>
+              <a:t>2021-10-13</a:t>
             </a:fld>
             <a:endParaRPr lang="ko-KR" altLang="en-US"/>
           </a:p>
@@ -2049,7 +2052,7 @@
           <a:p>
             <a:fld id="{45325823-6D3E-43B9-AFE4-78648C97BF5D}" type="datetimeFigureOut">
               <a:rPr lang="ko-KR" altLang="en-US" smtClean="0"/>
-              <a:t>2021-10-12</a:t>
+              <a:t>2021-10-13</a:t>
             </a:fld>
             <a:endParaRPr lang="ko-KR" altLang="en-US"/>
           </a:p>
@@ -2523,7 +2526,7 @@
           <a:p>
             <a:fld id="{45325823-6D3E-43B9-AFE4-78648C97BF5D}" type="datetimeFigureOut">
               <a:rPr lang="ko-KR" altLang="en-US" smtClean="0"/>
-              <a:t>2021-10-12</a:t>
+              <a:t>2021-10-13</a:t>
             </a:fld>
             <a:endParaRPr lang="ko-KR" altLang="en-US"/>
           </a:p>
@@ -2669,7 +2672,7 @@
           <a:p>
             <a:fld id="{45325823-6D3E-43B9-AFE4-78648C97BF5D}" type="datetimeFigureOut">
               <a:rPr lang="ko-KR" altLang="en-US" smtClean="0"/>
-              <a:t>2021-10-12</a:t>
+              <a:t>2021-10-13</a:t>
             </a:fld>
             <a:endParaRPr lang="ko-KR" altLang="en-US"/>
           </a:p>
@@ -2782,7 +2785,7 @@
           <a:p>
             <a:fld id="{45325823-6D3E-43B9-AFE4-78648C97BF5D}" type="datetimeFigureOut">
               <a:rPr lang="ko-KR" altLang="en-US" smtClean="0"/>
-              <a:t>2021-10-12</a:t>
+              <a:t>2021-10-13</a:t>
             </a:fld>
             <a:endParaRPr lang="ko-KR" altLang="en-US"/>
           </a:p>
@@ -3111,7 +3114,7 @@
           <a:p>
             <a:fld id="{45325823-6D3E-43B9-AFE4-78648C97BF5D}" type="datetimeFigureOut">
               <a:rPr lang="ko-KR" altLang="en-US" smtClean="0"/>
-              <a:t>2021-10-12</a:t>
+              <a:t>2021-10-13</a:t>
             </a:fld>
             <a:endParaRPr lang="ko-KR" altLang="en-US"/>
           </a:p>
@@ -3402,7 +3405,7 @@
           <a:p>
             <a:fld id="{45325823-6D3E-43B9-AFE4-78648C97BF5D}" type="datetimeFigureOut">
               <a:rPr lang="ko-KR" altLang="en-US" smtClean="0"/>
-              <a:t>2021-10-12</a:t>
+              <a:t>2021-10-13</a:t>
             </a:fld>
             <a:endParaRPr lang="ko-KR" altLang="en-US"/>
           </a:p>
@@ -3643,7 +3646,7 @@
           <a:p>
             <a:fld id="{45325823-6D3E-43B9-AFE4-78648C97BF5D}" type="datetimeFigureOut">
               <a:rPr lang="ko-KR" altLang="en-US" smtClean="0"/>
-              <a:t>2021-10-12</a:t>
+              <a:t>2021-10-13</a:t>
             </a:fld>
             <a:endParaRPr lang="ko-KR" altLang="en-US"/>
           </a:p>
@@ -9009,8 +9012,190 @@
               <a:t>4.3.1.1 End-to-End Offline Training.</a:t>
             </a:r>
           </a:p>
-        </p:txBody>
-      </p:sp>
+          <a:p>
+            <a:pPr marL="0" indent="0">
+              <a:buNone/>
+            </a:pPr>
+            <a:r>
+              <a:rPr lang="en-US" altLang="ko-KR" dirty="0" err="1"/>
+              <a:t>DeepGBM</a:t>
+            </a:r>
+            <a:r>
+              <a:rPr lang="ko-KR" altLang="en-US" dirty="0"/>
+              <a:t>의 학습을 위해서 먼저 오프라인 데이터를 사용하여 </a:t>
+            </a:r>
+            <a:r>
+              <a:rPr lang="en-US" altLang="ko-KR" dirty="0"/>
+              <a:t>GBDT </a:t>
+            </a:r>
+            <a:r>
+              <a:rPr lang="ko-KR" altLang="en-US" dirty="0"/>
+              <a:t>모델을 학습한 후 </a:t>
+            </a:r>
+            <a:r>
+              <a:rPr lang="en-US" altLang="ko-KR" dirty="0"/>
+              <a:t>GBDT</a:t>
+            </a:r>
+            <a:r>
+              <a:rPr lang="ko-KR" altLang="en-US" dirty="0"/>
+              <a:t>의 </a:t>
+            </a:r>
+            <a:r>
+              <a:rPr lang="en-US" altLang="ko-KR" dirty="0"/>
+              <a:t>Tree</a:t>
+            </a:r>
+            <a:r>
+              <a:rPr lang="ko-KR" altLang="en-US" dirty="0"/>
+              <a:t>에 대한 </a:t>
+            </a:r>
+            <a:r>
+              <a:rPr lang="en-US" altLang="ko-KR" dirty="0"/>
+              <a:t>Leaf embedding</a:t>
+            </a:r>
+            <a:r>
+              <a:rPr lang="ko-KR" altLang="en-US" dirty="0"/>
+              <a:t>을 받아야 한다</a:t>
+            </a:r>
+            <a:r>
+              <a:rPr lang="en-US" altLang="ko-KR" dirty="0"/>
+              <a:t>.</a:t>
+            </a:r>
+          </a:p>
+          <a:p>
+            <a:pPr marL="0" indent="0">
+              <a:buNone/>
+            </a:pPr>
+            <a:r>
+              <a:rPr lang="ko-KR" altLang="en-US" dirty="0" err="1"/>
+              <a:t>그래야지</a:t>
+            </a:r>
+            <a:r>
+              <a:rPr lang="ko-KR" altLang="en-US" dirty="0"/>
+              <a:t> </a:t>
+            </a:r>
+            <a:r>
+              <a:rPr lang="en-US" altLang="ko-KR" dirty="0" err="1"/>
+              <a:t>DeepGBM</a:t>
+            </a:r>
+            <a:r>
+              <a:rPr lang="ko-KR" altLang="en-US" dirty="0"/>
+              <a:t>을 처음부터 끝까지 교육할 수 있다</a:t>
+            </a:r>
+            <a:r>
+              <a:rPr lang="en-US" altLang="ko-KR" dirty="0"/>
+              <a:t>.</a:t>
+            </a:r>
+          </a:p>
+          <a:p>
+            <a:pPr marL="0" indent="0">
+              <a:buNone/>
+            </a:pPr>
+            <a:endParaRPr lang="en-US" altLang="ko-KR" dirty="0"/>
+          </a:p>
+          <a:p>
+            <a:pPr marL="0" indent="0">
+              <a:buNone/>
+            </a:pPr>
+            <a:endParaRPr lang="en-US" altLang="ko-KR" dirty="0"/>
+          </a:p>
+          <a:p>
+            <a:pPr marL="0" indent="0">
+              <a:buNone/>
+            </a:pPr>
+            <a:r>
+              <a:rPr lang="en-US" altLang="ko-KR" dirty="0"/>
+              <a:t>#Num </a:t>
+            </a:r>
+            <a:r>
+              <a:rPr lang="ko-KR" altLang="en-US" dirty="0"/>
+              <a:t>숫자 형상의 수</a:t>
+            </a:r>
+            <a:br>
+              <a:rPr lang="en-US" altLang="ko-KR" dirty="0"/>
+            </a:br>
+            <a:r>
+              <a:rPr lang="en-US" altLang="ko-KR" dirty="0"/>
+              <a:t>#Cat </a:t>
+            </a:r>
+            <a:r>
+              <a:rPr lang="ko-KR" altLang="en-US" dirty="0"/>
+              <a:t>범주 형상의 수</a:t>
+            </a:r>
+            <a:br>
+              <a:rPr lang="en-US" altLang="ko-KR" dirty="0"/>
+            </a:br>
+            <a:r>
+              <a:rPr lang="en-US" altLang="ko-KR" dirty="0"/>
+              <a:t>#Sample : </a:t>
+            </a:r>
+            <a:r>
+              <a:rPr lang="ko-KR" altLang="en-US" dirty="0"/>
+              <a:t>데이터 세트의 </a:t>
+            </a:r>
+            <a:br>
+              <a:rPr lang="en-US" altLang="ko-KR" dirty="0"/>
+            </a:br>
+            <a:r>
+              <a:rPr lang="ko-KR" altLang="en-US" dirty="0"/>
+              <a:t>세부 정보</a:t>
+            </a:r>
+            <a:endParaRPr lang="en-US" altLang="ko-KR" dirty="0"/>
+          </a:p>
+          <a:p>
+            <a:pPr marL="0" indent="0">
+              <a:buNone/>
+            </a:pPr>
+            <a:endParaRPr lang="en-US" altLang="ko-KR" dirty="0"/>
+          </a:p>
+        </p:txBody>
+      </p:sp>
+      <p:pic>
+        <p:nvPicPr>
+          <p:cNvPr id="1026" name="Picture 2" descr="image-20211003083018353">
+            <a:extLst>
+              <a:ext uri="{FF2B5EF4-FFF2-40B4-BE49-F238E27FC236}">
+                <a16:creationId xmlns:a16="http://schemas.microsoft.com/office/drawing/2014/main" id="{E1BFCF3D-44FA-463E-8B4E-862C1BBF281B}"/>
+              </a:ext>
+            </a:extLst>
+          </p:cNvPr>
+          <p:cNvPicPr>
+            <a:picLocks noChangeAspect="1" noChangeArrowheads="1"/>
+          </p:cNvPicPr>
+          <p:nvPr/>
+        </p:nvPicPr>
+        <p:blipFill>
+          <a:blip r:embed="rId2">
+            <a:extLst>
+              <a:ext uri="{28A0092B-C50C-407E-A947-70E740481C1C}">
+                <a14:useLocalDpi xmlns:a14="http://schemas.microsoft.com/office/drawing/2010/main" val="0"/>
+              </a:ext>
+            </a:extLst>
+          </a:blip>
+          <a:srcRect/>
+          <a:stretch>
+            <a:fillRect/>
+          </a:stretch>
+        </p:blipFill>
+        <p:spPr bwMode="auto">
+          <a:xfrm>
+            <a:off x="4828134" y="3198682"/>
+            <a:ext cx="6525666" cy="2978280"/>
+          </a:xfrm>
+          <a:prstGeom prst="rect">
+            <a:avLst/>
+          </a:prstGeom>
+          <a:noFill/>
+          <a:extLst>
+            <a:ext uri="{909E8E84-426E-40DD-AFC4-6F175D3DCCD1}">
+              <a14:hiddenFill xmlns:a14="http://schemas.microsoft.com/office/drawing/2010/main">
+                <a:solidFill>
+                  <a:srgbClr val="FFFFFF"/>
+                </a:solidFill>
+              </a14:hiddenFill>
+            </a:ext>
+          </a:extLst>
+        </p:spPr>
+      </p:pic>
     </p:spTree>
     <p:extLst>
       <p:ext uri="{BB962C8B-B14F-4D97-AF65-F5344CB8AC3E}">
@@ -9369,6 +9554,109 @@
               <a:t>4.3.1.2 Online Update.</a:t>
             </a:r>
           </a:p>
+          <a:p>
+            <a:pPr marL="0" indent="0">
+              <a:buNone/>
+            </a:pPr>
+            <a:r>
+              <a:rPr lang="en-US" altLang="ko-KR" dirty="0"/>
+              <a:t>GBDT </a:t>
+            </a:r>
+            <a:r>
+              <a:rPr lang="ko-KR" altLang="en-US" dirty="0"/>
+              <a:t>모델은 오프라인으로 교육되므로 온라인 데이터에 학습을 포함할 경우 온라인 실시간 성능이 저하될 수 있다</a:t>
+            </a:r>
+            <a:r>
+              <a:rPr lang="en-US" altLang="ko-KR" dirty="0"/>
+              <a:t>.</a:t>
+            </a:r>
+          </a:p>
+          <a:p>
+            <a:pPr marL="0" indent="0">
+              <a:buNone/>
+            </a:pPr>
+            <a:r>
+              <a:rPr lang="ko-KR" altLang="en-US" dirty="0"/>
+              <a:t>따라서 온라인 업데이트를 포함하지 않으며</a:t>
+            </a:r>
+            <a:r>
+              <a:rPr lang="en-US" altLang="ko-KR" dirty="0"/>
+              <a:t>, end-to-end </a:t>
+            </a:r>
+            <a:r>
+              <a:rPr lang="ko-KR" altLang="en-US" dirty="0"/>
+              <a:t>손실만을 사용합니다</a:t>
+            </a:r>
+            <a:r>
+              <a:rPr lang="en-US" altLang="ko-KR" dirty="0"/>
+              <a:t>.</a:t>
+            </a:r>
+            <a:br>
+              <a:rPr lang="en-US" altLang="ko-KR" dirty="0"/>
+            </a:br>
+            <a:r>
+              <a:rPr lang="en-US" altLang="ko-KR" dirty="0" err="1"/>
+              <a:t>DeepGBM</a:t>
+            </a:r>
+            <a:r>
+              <a:rPr lang="ko-KR" altLang="en-US" dirty="0"/>
+              <a:t>을 온라인으로 사용할 경우 </a:t>
+            </a:r>
+            <a:r>
+              <a:rPr lang="en-US" altLang="ko-KR" dirty="0"/>
+              <a:t>GBDT</a:t>
+            </a:r>
+            <a:r>
+              <a:rPr lang="ko-KR" altLang="en-US" dirty="0"/>
+              <a:t>를 포함하고 처음부터 다시 교육하지 않고 </a:t>
+            </a:r>
+            <a:r>
+              <a:rPr lang="en-US" altLang="ko-KR" dirty="0"/>
+              <a:t>L-online</a:t>
+            </a:r>
+            <a:r>
+              <a:rPr lang="ko-KR" altLang="en-US" dirty="0"/>
+              <a:t>으로 모델을 업데이트하기 위해 새로운 데이터만을 필요로 한다</a:t>
+            </a:r>
+            <a:r>
+              <a:rPr lang="en-US" altLang="ko-KR" dirty="0"/>
+              <a:t>.</a:t>
+            </a:r>
+          </a:p>
+          <a:p>
+            <a:pPr marL="0" indent="0">
+              <a:buNone/>
+            </a:pPr>
+            <a:r>
+              <a:rPr lang="ko-KR" altLang="en-US" dirty="0"/>
+              <a:t>이를 통해서 </a:t>
+            </a:r>
+            <a:r>
+              <a:rPr lang="en-US" altLang="ko-KR" dirty="0" err="1"/>
+              <a:t>DeepGBM</a:t>
+            </a:r>
+            <a:r>
+              <a:rPr lang="ko-KR" altLang="en-US" dirty="0"/>
+              <a:t>은 온라인 작업에 매우 효율적임을 알 수 있다</a:t>
+            </a:r>
+            <a:r>
+              <a:rPr lang="en-US" altLang="ko-KR" dirty="0"/>
+              <a:t>.</a:t>
+            </a:r>
+          </a:p>
+          <a:p>
+            <a:pPr marL="0" indent="0">
+              <a:buNone/>
+            </a:pPr>
+            <a:r>
+              <a:rPr lang="ko-KR" altLang="en-US" dirty="0"/>
+              <a:t>또한 밀도가 높은 수치적 특징과 희박한 범주적 특징을 모두 다 처리할 수 있기 때문에 매우 효과적이다</a:t>
+            </a:r>
+            <a:r>
+              <a:rPr lang="en-US" altLang="ko-KR" dirty="0"/>
+              <a:t>.</a:t>
+            </a:r>
+          </a:p>
         </p:txBody>
       </p:sp>
     </p:spTree>
@@ -9475,6 +9763,195 @@
               <a:t>5.1.1 Datasets</a:t>
             </a:r>
           </a:p>
+          <a:p>
+            <a:pPr marL="0" indent="0">
+              <a:buNone/>
+            </a:pPr>
+            <a:r>
+              <a:rPr lang="ko-KR" altLang="en-US" dirty="0"/>
+              <a:t>몇 개의 공개 표 형식 데이터 세트에 대해 </a:t>
+            </a:r>
+            <a:r>
+              <a:rPr lang="en-US" altLang="ko-KR" dirty="0" err="1"/>
+              <a:t>DeepGBM</a:t>
+            </a:r>
+            <a:r>
+              <a:rPr lang="ko-KR" altLang="en-US" dirty="0"/>
+              <a:t>에 대한 철저한 평가를 수행하고</a:t>
+            </a:r>
+            <a:br>
+              <a:rPr lang="en-US" altLang="ko-KR" dirty="0"/>
+            </a:br>
+            <a:r>
+              <a:rPr lang="ko-KR" altLang="en-US" dirty="0"/>
+              <a:t>그 성능을 널리 사용되는 여러 기준선 모델과 비교한다</a:t>
+            </a:r>
+            <a:r>
+              <a:rPr lang="en-US" altLang="ko-KR" dirty="0"/>
+              <a:t>.</a:t>
+            </a:r>
+          </a:p>
+          <a:p>
+            <a:pPr marL="0" indent="0">
+              <a:buNone/>
+            </a:pPr>
+            <a:r>
+              <a:rPr lang="ko-KR" altLang="en-US" dirty="0"/>
+              <a:t>이후 오프라인 및 온라인 환경에서 </a:t>
+            </a:r>
+            <a:r>
+              <a:rPr lang="en-US" altLang="ko-KR" dirty="0" err="1"/>
+              <a:t>DeepGBM</a:t>
+            </a:r>
+            <a:r>
+              <a:rPr lang="ko-KR" altLang="en-US" dirty="0"/>
+              <a:t>의 성능을 분석하여 기준선 모델에 대한</a:t>
+            </a:r>
+            <a:br>
+              <a:rPr lang="en-US" altLang="ko-KR" dirty="0"/>
+            </a:br>
+            <a:r>
+              <a:rPr lang="ko-KR" altLang="en-US" dirty="0"/>
+              <a:t>효과와 이점을 입증하겠다</a:t>
+            </a:r>
+            <a:r>
+              <a:rPr lang="en-US" altLang="ko-KR" dirty="0"/>
+              <a:t>.</a:t>
+            </a:r>
+          </a:p>
+          <a:p>
+            <a:pPr marL="0" indent="0">
+              <a:buNone/>
+            </a:pPr>
+            <a:r>
+              <a:rPr lang="en-US" altLang="ko-KR" dirty="0"/>
+              <a:t>Flight</a:t>
+            </a:r>
+            <a:r>
+              <a:rPr lang="ko-KR" altLang="en-US" dirty="0"/>
+              <a:t>는 항공사 데이터 집합이며 비행이 지연되거나 지연되지 않는 것을 예측하는 데 사용된다</a:t>
+            </a:r>
+            <a:r>
+              <a:rPr lang="en-US" altLang="ko-KR" dirty="0"/>
+              <a:t>. Criteo, Malware </a:t>
+            </a:r>
+            <a:r>
+              <a:rPr lang="ko-KR" altLang="en-US" dirty="0"/>
+              <a:t>및 </a:t>
+            </a:r>
+            <a:r>
+              <a:rPr lang="en-US" altLang="ko-KR" dirty="0"/>
+              <a:t>Zillow</a:t>
+            </a:r>
+            <a:r>
+              <a:rPr lang="ko-KR" altLang="en-US" dirty="0"/>
+              <a:t>은 </a:t>
+            </a:r>
+            <a:r>
+              <a:rPr lang="en-US" altLang="ko-KR" dirty="0"/>
+              <a:t>Kaggle </a:t>
+            </a:r>
+            <a:r>
+              <a:rPr lang="ko-KR" altLang="en-US" dirty="0"/>
+              <a:t>대회의 데이터 세트이다</a:t>
+            </a:r>
+            <a:r>
+              <a:rPr lang="en-US" altLang="ko-KR" dirty="0"/>
+              <a:t>.</a:t>
+            </a:r>
+          </a:p>
+          <a:p>
+            <a:pPr marL="0" indent="0">
+              <a:buNone/>
+            </a:pPr>
+            <a:r>
+              <a:rPr lang="en-US" altLang="ko-KR" dirty="0"/>
+              <a:t>AutoML-1, AutoML-2 </a:t>
+            </a:r>
+            <a:r>
+              <a:rPr lang="ko-KR" altLang="en-US" dirty="0"/>
+              <a:t>및 </a:t>
+            </a:r>
+            <a:r>
+              <a:rPr lang="en-US" altLang="ko-KR" dirty="0"/>
+              <a:t>AutoML-3</a:t>
+            </a:r>
+            <a:r>
+              <a:rPr lang="ko-KR" altLang="en-US" dirty="0"/>
+              <a:t>은 </a:t>
+            </a:r>
+            <a:r>
+              <a:rPr lang="en-US" altLang="ko-KR" dirty="0" err="1"/>
+              <a:t>NeurIPS</a:t>
+            </a:r>
+            <a:r>
+              <a:rPr lang="en-US" altLang="ko-KR" dirty="0"/>
+              <a:t> 201810</a:t>
+            </a:r>
+            <a:r>
+              <a:rPr lang="ko-KR" altLang="en-US" dirty="0"/>
+              <a:t>의 </a:t>
+            </a:r>
+            <a:br>
+              <a:rPr lang="en-US" altLang="ko-KR" dirty="0"/>
+            </a:br>
+            <a:r>
+              <a:rPr lang="en-US" altLang="ko-KR" dirty="0"/>
+              <a:t>"</a:t>
+            </a:r>
+            <a:r>
+              <a:rPr lang="en-US" altLang="ko-KR" dirty="0" err="1"/>
+              <a:t>AutoML</a:t>
+            </a:r>
+            <a:r>
+              <a:rPr lang="en-US" altLang="ko-KR" dirty="0"/>
+              <a:t> for Lifelong Machine Learning" </a:t>
+            </a:r>
+            <a:r>
+              <a:rPr lang="ko-KR" altLang="en-US" dirty="0" err="1"/>
+              <a:t>챌린지의</a:t>
+            </a:r>
+            <a:r>
+              <a:rPr lang="ko-KR" altLang="en-US" dirty="0"/>
+              <a:t> 데이터 세트이다</a:t>
+            </a:r>
+            <a:r>
+              <a:rPr lang="en-US" altLang="ko-KR" dirty="0"/>
+              <a:t>.</a:t>
+            </a:r>
+          </a:p>
+          <a:p>
+            <a:pPr marL="0" indent="0">
+              <a:buNone/>
+            </a:pPr>
+            <a:r>
+              <a:rPr lang="ko-KR" altLang="en-US" dirty="0"/>
+              <a:t>이러한 데이터셋은 실제 작업에서 가져온 것이므로 범주형 및 숫자형 특징을 </a:t>
+            </a:r>
+            <a:br>
+              <a:rPr lang="en-US" altLang="ko-KR" dirty="0"/>
+            </a:br>
+            <a:r>
+              <a:rPr lang="ko-KR" altLang="en-US" dirty="0"/>
+              <a:t>모두 포함하고 있다</a:t>
+            </a:r>
+            <a:r>
+              <a:rPr lang="en-US" altLang="ko-KR" dirty="0"/>
+              <a:t>. </a:t>
+            </a:r>
+          </a:p>
+          <a:p>
+            <a:pPr marL="0" indent="0">
+              <a:buNone/>
+            </a:pPr>
+            <a:endParaRPr lang="en-US" altLang="ko-KR" dirty="0"/>
+          </a:p>
+          <a:p>
+            <a:pPr marL="0" indent="0">
+              <a:buNone/>
+            </a:pPr>
+            <a:endParaRPr lang="en-US" altLang="ko-KR" dirty="0"/>
+          </a:p>
         </p:txBody>
       </p:sp>
     </p:spTree>
@@ -9545,44 +10022,53 @@
           </a:p>
         </p:txBody>
       </p:sp>
-      <p:sp>
-        <p:nvSpPr>
-          <p:cNvPr id="3" name="내용 개체 틀 2">
-            <a:extLst>
-              <a:ext uri="{FF2B5EF4-FFF2-40B4-BE49-F238E27FC236}">
-                <a16:creationId xmlns:a16="http://schemas.microsoft.com/office/drawing/2014/main" id="{24871D0B-4E24-49A6-9E81-F913B3D11919}"/>
-              </a:ext>
-            </a:extLst>
-          </p:cNvPr>
-          <p:cNvSpPr>
-            <a:spLocks noGrp="1"/>
-          </p:cNvSpPr>
-          <p:nvPr>
-            <p:ph idx="1"/>
-          </p:nvPr>
-        </p:nvSpPr>
-        <p:spPr>
+      <p:pic>
+        <p:nvPicPr>
+          <p:cNvPr id="2052" name="Picture 4" descr="image-20211003083324949">
+            <a:extLst>
+              <a:ext uri="{FF2B5EF4-FFF2-40B4-BE49-F238E27FC236}">
+                <a16:creationId xmlns:a16="http://schemas.microsoft.com/office/drawing/2014/main" id="{8C586ECA-E4C5-4BE0-B32F-7B210FD7002F}"/>
+              </a:ext>
+            </a:extLst>
+          </p:cNvPr>
+          <p:cNvPicPr>
+            <a:picLocks noChangeAspect="1" noChangeArrowheads="1"/>
+          </p:cNvPicPr>
+          <p:nvPr/>
+        </p:nvPicPr>
+        <p:blipFill>
+          <a:blip r:embed="rId2">
+            <a:extLst>
+              <a:ext uri="{28A0092B-C50C-407E-A947-70E740481C1C}">
+                <a14:useLocalDpi xmlns:a14="http://schemas.microsoft.com/office/drawing/2010/main" val="0"/>
+              </a:ext>
+            </a:extLst>
+          </a:blip>
+          <a:srcRect/>
+          <a:stretch>
+            <a:fillRect/>
+          </a:stretch>
+        </p:blipFill>
+        <p:spPr bwMode="auto">
           <a:xfrm>
-            <a:off x="838200" y="1446415"/>
-            <a:ext cx="10515600" cy="4730547"/>
+            <a:off x="690021" y="1740073"/>
+            <a:ext cx="10811958" cy="3377853"/>
           </a:xfrm>
+          <a:prstGeom prst="rect">
+            <a:avLst/>
+          </a:prstGeom>
+          <a:noFill/>
+          <a:extLst>
+            <a:ext uri="{909E8E84-426E-40DD-AFC4-6F175D3DCCD1}">
+              <a14:hiddenFill xmlns:a14="http://schemas.microsoft.com/office/drawing/2010/main">
+                <a:solidFill>
+                  <a:srgbClr val="FFFFFF"/>
+                </a:solidFill>
+              </a14:hiddenFill>
+            </a:ext>
+          </a:extLst>
         </p:spPr>
-        <p:txBody>
-          <a:bodyPr>
-            <a:normAutofit/>
-          </a:bodyPr>
-          <a:lstStyle/>
-          <a:p>
-            <a:pPr marL="0" indent="0">
-              <a:buNone/>
-            </a:pPr>
-            <a:r>
-              <a:rPr lang="en-US" altLang="ko-KR" dirty="0"/>
-              <a:t>5.1.2 Compared Models.</a:t>
-            </a:r>
-          </a:p>
-        </p:txBody>
-      </p:sp>
+      </p:pic>
     </p:spTree>
     <p:extLst>
       <p:ext uri="{BB962C8B-B14F-4D97-AF65-F5344CB8AC3E}">
@@ -9684,15 +10170,252 @@
             </a:pPr>
             <a:r>
               <a:rPr lang="en-US" altLang="ko-KR" dirty="0"/>
-              <a:t>5.1.3 Experiments Settings.</a:t>
-            </a:r>
+              <a:t>5.1.2 Compared Models.</a:t>
+            </a:r>
+          </a:p>
+          <a:p>
+            <a:pPr marL="0" indent="0">
+              <a:buNone/>
+            </a:pPr>
+            <a:r>
+              <a:rPr lang="en-US" altLang="ko-KR" dirty="0"/>
+              <a:t>GBDT(</a:t>
+            </a:r>
+            <a:r>
+              <a:rPr lang="en-US" altLang="ko-KR" dirty="0" err="1"/>
+              <a:t>LightGBM</a:t>
+            </a:r>
+            <a:r>
+              <a:rPr lang="en-US" altLang="ko-KR" dirty="0"/>
+              <a:t>) : </a:t>
+            </a:r>
+            <a:r>
+              <a:rPr lang="ko-KR" altLang="en-US" dirty="0"/>
+              <a:t>트리 기반 학습 알고리즘이며</a:t>
+            </a:r>
+            <a:r>
+              <a:rPr lang="en-US" altLang="ko-KR" dirty="0"/>
+              <a:t>, </a:t>
+            </a:r>
+            <a:r>
+              <a:rPr lang="ko-KR" altLang="en-US" dirty="0"/>
+              <a:t>높은 효율성을 위해 </a:t>
+            </a:r>
+            <a:r>
+              <a:rPr lang="en-US" altLang="ko-KR" dirty="0" err="1"/>
+              <a:t>LightGBM</a:t>
+            </a:r>
+            <a:endParaRPr lang="en-US" altLang="ko-KR" dirty="0"/>
+          </a:p>
+          <a:p>
+            <a:pPr marL="0" indent="0">
+              <a:buNone/>
+            </a:pPr>
+            <a:r>
+              <a:rPr lang="en-US" altLang="ko-KR" dirty="0"/>
+              <a:t>LR : </a:t>
+            </a:r>
+            <a:r>
+              <a:rPr lang="ko-KR" altLang="en-US" dirty="0"/>
+              <a:t>로지스틱 회귀 분석</a:t>
+            </a:r>
+            <a:endParaRPr lang="en-US" altLang="ko-KR" dirty="0"/>
+          </a:p>
+          <a:p>
+            <a:pPr marL="0" indent="0">
+              <a:buNone/>
+            </a:pPr>
+            <a:r>
+              <a:rPr lang="en-US" altLang="ko-KR" dirty="0"/>
+              <a:t>FM : </a:t>
+            </a:r>
+            <a:r>
+              <a:rPr lang="ko-KR" altLang="en-US" dirty="0"/>
+              <a:t>선형 모델과 </a:t>
+            </a:r>
+            <a:r>
+              <a:rPr lang="en-US" altLang="ko-KR" dirty="0"/>
+              <a:t>FM </a:t>
+            </a:r>
+            <a:r>
+              <a:rPr lang="ko-KR" altLang="en-US" dirty="0"/>
+              <a:t>구성 요소를 포함합니다</a:t>
+            </a:r>
+            <a:r>
+              <a:rPr lang="en-US" altLang="ko-KR" dirty="0"/>
+              <a:t>.</a:t>
+            </a:r>
+          </a:p>
+          <a:p>
+            <a:pPr marL="0" indent="0">
+              <a:buNone/>
+            </a:pPr>
+            <a:r>
+              <a:rPr lang="en-US" altLang="ko-KR" dirty="0" err="1"/>
+              <a:t>Wide&amp;Deep</a:t>
+            </a:r>
+            <a:r>
+              <a:rPr lang="en-US" altLang="ko-KR" dirty="0"/>
+              <a:t> : </a:t>
+            </a:r>
+            <a:r>
+              <a:rPr lang="ko-KR" altLang="en-US" dirty="0"/>
+              <a:t>얕은 선형 모델과 심층 신경망을 결합한 모델</a:t>
+            </a:r>
+            <a:r>
+              <a:rPr lang="en-US" altLang="ko-KR" dirty="0"/>
+              <a:t>.</a:t>
+            </a:r>
+          </a:p>
+          <a:p>
+            <a:pPr marL="0" indent="0">
+              <a:buNone/>
+            </a:pPr>
+            <a:r>
+              <a:rPr lang="en-US" altLang="ko-KR" dirty="0" err="1"/>
+              <a:t>DeepFM</a:t>
+            </a:r>
+            <a:r>
+              <a:rPr lang="en-US" altLang="ko-KR" dirty="0"/>
+              <a:t> : </a:t>
+            </a:r>
+            <a:r>
+              <a:rPr lang="en-US" altLang="ko-KR" dirty="0" err="1"/>
+              <a:t>Wide&amp;Deep</a:t>
+            </a:r>
+            <a:r>
+              <a:rPr lang="ko-KR" altLang="en-US" dirty="0"/>
+              <a:t>에 </a:t>
+            </a:r>
+            <a:r>
+              <a:rPr lang="en-US" altLang="ko-KR" dirty="0"/>
+              <a:t>FM </a:t>
+            </a:r>
+            <a:r>
+              <a:rPr lang="ko-KR" altLang="en-US" dirty="0"/>
+              <a:t>구성 요소를 추가하여 개선한 모델</a:t>
+            </a:r>
+            <a:r>
+              <a:rPr lang="en-US" altLang="ko-KR" dirty="0"/>
+              <a:t>.</a:t>
+            </a:r>
+          </a:p>
+          <a:p>
+            <a:pPr marL="0" indent="0">
+              <a:buNone/>
+            </a:pPr>
+            <a:r>
+              <a:rPr lang="en-US" altLang="ko-KR" dirty="0"/>
+              <a:t>PNN : </a:t>
+            </a:r>
+          </a:p>
+          <a:p>
+            <a:pPr marL="0" indent="0">
+              <a:buNone/>
+            </a:pPr>
+            <a:r>
+              <a:rPr lang="en-US" altLang="ko-KR" dirty="0" err="1"/>
+              <a:t>DeepGBM</a:t>
+            </a:r>
+            <a:r>
+              <a:rPr lang="en-US" altLang="ko-KR" dirty="0"/>
+              <a:t> : </a:t>
+            </a:r>
+            <a:r>
+              <a:rPr lang="ko-KR" altLang="en-US" dirty="0"/>
+              <a:t>본</a:t>
+            </a:r>
+            <a:r>
+              <a:rPr lang="en-US" altLang="ko-KR" dirty="0"/>
+              <a:t> </a:t>
+            </a:r>
+            <a:r>
+              <a:rPr lang="ko-KR" altLang="en-US" dirty="0"/>
+              <a:t>논문에서 제안된 모델</a:t>
+            </a:r>
+            <a:r>
+              <a:rPr lang="en-US" altLang="ko-KR" dirty="0"/>
+              <a:t>.</a:t>
+            </a:r>
+          </a:p>
+          <a:p>
+            <a:pPr marL="0" indent="0">
+              <a:buNone/>
+            </a:pPr>
+            <a:r>
+              <a:rPr lang="en-US" altLang="ko-KR" dirty="0" err="1"/>
+              <a:t>DeepGBM</a:t>
+            </a:r>
+            <a:r>
+              <a:rPr lang="en-US" altLang="ko-KR" dirty="0"/>
+              <a:t>(D1) : GBDT2NN</a:t>
+            </a:r>
+            <a:r>
+              <a:rPr lang="ko-KR" altLang="en-US" dirty="0"/>
+              <a:t>을 사용하지 않고</a:t>
+            </a:r>
+            <a:r>
+              <a:rPr lang="en-US" altLang="ko-KR" dirty="0"/>
+              <a:t>, GBDT</a:t>
+            </a:r>
+            <a:r>
+              <a:rPr lang="ko-KR" altLang="en-US" dirty="0"/>
+              <a:t>를 사용한 모델</a:t>
+            </a:r>
+            <a:r>
+              <a:rPr lang="en-US" altLang="ko-KR" dirty="0"/>
+              <a:t>.</a:t>
+            </a:r>
+          </a:p>
+          <a:p>
+            <a:pPr marL="0" indent="0">
+              <a:buNone/>
+            </a:pPr>
+            <a:r>
+              <a:rPr lang="en-US" altLang="ko-KR" dirty="0" err="1"/>
+              <a:t>DeepGBM</a:t>
+            </a:r>
+            <a:r>
+              <a:rPr lang="en-US" altLang="ko-KR" dirty="0"/>
+              <a:t>(D2) : </a:t>
+            </a:r>
+            <a:r>
+              <a:rPr lang="en-US" altLang="ko-KR" dirty="0" err="1"/>
+              <a:t>CatNN</a:t>
+            </a:r>
+            <a:r>
+              <a:rPr lang="ko-KR" altLang="en-US" dirty="0"/>
+              <a:t>을 </a:t>
+            </a:r>
+            <a:r>
+              <a:rPr lang="ko-KR" altLang="en-US" dirty="0" err="1"/>
+              <a:t>사용하지않고</a:t>
+            </a:r>
+            <a:r>
+              <a:rPr lang="en-US" altLang="ko-KR" dirty="0"/>
+              <a:t>, GBDT2NN</a:t>
+            </a:r>
+            <a:r>
+              <a:rPr lang="ko-KR" altLang="en-US" dirty="0"/>
+              <a:t>만을 사용한 모델</a:t>
+            </a:r>
+            <a:r>
+              <a:rPr lang="en-US" altLang="ko-KR" dirty="0"/>
+              <a:t>.</a:t>
+            </a:r>
+          </a:p>
+          <a:p>
+            <a:pPr marL="0" indent="0">
+              <a:buNone/>
+            </a:pPr>
+            <a:endParaRPr lang="en-US" altLang="ko-KR" dirty="0"/>
           </a:p>
         </p:txBody>
       </p:sp>
     </p:spTree>
     <p:extLst>
       <p:ext uri="{BB962C8B-B14F-4D97-AF65-F5344CB8AC3E}">
-        <p14:creationId xmlns:p14="http://schemas.microsoft.com/office/powerpoint/2010/main" val="2250895553"/>
+        <p14:creationId xmlns:p14="http://schemas.microsoft.com/office/powerpoint/2010/main" val="2122978563"/>
       </p:ext>
     </p:extLst>
   </p:cSld>
@@ -9751,7 +10474,7 @@
             </a:br>
             <a:r>
               <a:rPr lang="en-US" altLang="ko-KR" sz="2900" dirty="0"/>
-              <a:t>5.2 Offline Performance.</a:t>
+              <a:t>5.1 Experimental Setup.</a:t>
             </a:r>
             <a:endParaRPr lang="ko-KR" altLang="en-US" sz="2900" dirty="0"/>
           </a:p>
@@ -9788,14 +10511,124 @@
             <a:pPr marL="0" indent="0">
               <a:buNone/>
             </a:pPr>
-            <a:endParaRPr lang="en-US" altLang="ko-KR" dirty="0"/>
+            <a:r>
+              <a:rPr lang="en-US" altLang="ko-KR" dirty="0"/>
+              <a:t>5.1.3 Experiments Settings.</a:t>
+            </a:r>
+          </a:p>
+          <a:p>
+            <a:pPr marL="0" indent="0">
+              <a:buNone/>
+            </a:pPr>
+            <a:r>
+              <a:rPr lang="en-US" altLang="ko-KR" dirty="0"/>
+              <a:t>LR, FM, </a:t>
+            </a:r>
+            <a:r>
+              <a:rPr lang="en-US" altLang="ko-KR" dirty="0" err="1"/>
+              <a:t>Wide&amp;DeepFM</a:t>
+            </a:r>
+            <a:r>
+              <a:rPr lang="en-US" altLang="ko-KR" dirty="0"/>
+              <a:t> </a:t>
+            </a:r>
+            <a:r>
+              <a:rPr lang="ko-KR" altLang="en-US" dirty="0"/>
+              <a:t>및 </a:t>
+            </a:r>
+            <a:r>
+              <a:rPr lang="en-US" altLang="ko-KR" dirty="0"/>
+              <a:t>PNN</a:t>
+            </a:r>
+            <a:r>
+              <a:rPr lang="ko-KR" altLang="en-US" dirty="0"/>
+              <a:t>과 같은 수치 특징들 중 잘 처리되지 않는 모델의</a:t>
+            </a:r>
+            <a:br>
+              <a:rPr lang="en-US" altLang="ko-KR" dirty="0"/>
+            </a:br>
+            <a:r>
+              <a:rPr lang="ko-KR" altLang="en-US" dirty="0"/>
+              <a:t>수치 특징을 범주형 특징으로 구분한다</a:t>
+            </a:r>
+            <a:r>
+              <a:rPr lang="en-US" altLang="ko-KR" dirty="0"/>
+              <a:t>.</a:t>
+            </a:r>
+          </a:p>
+          <a:p>
+            <a:pPr marL="0" indent="0">
+              <a:buNone/>
+            </a:pPr>
+            <a:r>
+              <a:rPr lang="en-US" altLang="ko-KR" dirty="0"/>
+              <a:t>GBDT </a:t>
+            </a:r>
+            <a:r>
+              <a:rPr lang="ko-KR" altLang="en-US" dirty="0"/>
+              <a:t>및 이를 기반으로 하는 모델과 같이 범주형 특징을 잘 처리할 수 없는 모델의 경우 레이블 인코딩</a:t>
+            </a:r>
+            <a:r>
+              <a:rPr lang="en-US" altLang="ko-KR" dirty="0"/>
+              <a:t>, </a:t>
+            </a:r>
+            <a:r>
+              <a:rPr lang="ko-KR" altLang="en-US" dirty="0"/>
+              <a:t>이진 인코딩을 통해 범주형 특징을 숫자형 특징으로 변환한다</a:t>
+            </a:r>
+            <a:r>
+              <a:rPr lang="en-US" altLang="ko-KR" dirty="0"/>
+              <a:t>.</a:t>
+            </a:r>
+          </a:p>
+          <a:p>
+            <a:pPr marL="0" indent="0">
+              <a:buNone/>
+            </a:pPr>
+            <a:r>
+              <a:rPr lang="ko-KR" altLang="en-US" dirty="0"/>
+              <a:t>이러한 기반으로 모든 모델은 범주형 및 수치 형상 모두의 정보를 사용할 수 있기때문에 비교를 보다 신뢰할 수 있다</a:t>
+            </a:r>
+            <a:r>
+              <a:rPr lang="en-US" altLang="ko-KR" dirty="0"/>
+              <a:t>.</a:t>
+            </a:r>
+          </a:p>
+          <a:p>
+            <a:pPr marL="0" indent="0">
+              <a:buNone/>
+            </a:pPr>
+            <a:r>
+              <a:rPr lang="ko-KR" altLang="en-US" dirty="0"/>
+              <a:t>그리고 공정한 비교를 위해서 서로 다른 무작위 </a:t>
+            </a:r>
+            <a:r>
+              <a:rPr lang="ko-KR" altLang="en-US" dirty="0" err="1"/>
+              <a:t>시드로</a:t>
+            </a:r>
+            <a:r>
+              <a:rPr lang="ko-KR" altLang="en-US" dirty="0"/>
+              <a:t> </a:t>
+            </a:r>
+            <a:r>
+              <a:rPr lang="en-US" altLang="ko-KR" dirty="0"/>
+              <a:t>5</a:t>
+            </a:r>
+            <a:r>
+              <a:rPr lang="ko-KR" altLang="en-US" dirty="0"/>
+              <a:t>회 실행되었다</a:t>
+            </a:r>
+            <a:r>
+              <a:rPr lang="en-US" altLang="ko-KR" dirty="0"/>
+              <a:t>.</a:t>
+            </a:r>
           </a:p>
         </p:txBody>
       </p:sp>
     </p:spTree>
     <p:extLst>
       <p:ext uri="{BB962C8B-B14F-4D97-AF65-F5344CB8AC3E}">
-        <p14:creationId xmlns:p14="http://schemas.microsoft.com/office/powerpoint/2010/main" val="993554033"/>
+        <p14:creationId xmlns:p14="http://schemas.microsoft.com/office/powerpoint/2010/main" val="2250895553"/>
       </p:ext>
     </p:extLst>
   </p:cSld>
@@ -9854,7 +10687,122 @@
             </a:br>
             <a:r>
               <a:rPr lang="en-US" altLang="ko-KR" sz="2900" dirty="0"/>
-              <a:t>5.2 Online Performance.</a:t>
+              <a:t>5.2 Offline Performance.</a:t>
+            </a:r>
+            <a:endParaRPr lang="ko-KR" altLang="en-US" sz="2900" dirty="0"/>
+          </a:p>
+        </p:txBody>
+      </p:sp>
+      <p:pic>
+        <p:nvPicPr>
+          <p:cNvPr id="3074" name="Picture 2" descr="image-20211003083742532">
+            <a:extLst>
+              <a:ext uri="{FF2B5EF4-FFF2-40B4-BE49-F238E27FC236}">
+                <a16:creationId xmlns:a16="http://schemas.microsoft.com/office/drawing/2014/main" id="{CB2FFD57-F94E-4D6B-8636-1C7A1F44184D}"/>
+              </a:ext>
+            </a:extLst>
+          </p:cNvPr>
+          <p:cNvPicPr>
+            <a:picLocks noChangeAspect="1" noChangeArrowheads="1"/>
+          </p:cNvPicPr>
+          <p:nvPr/>
+        </p:nvPicPr>
+        <p:blipFill>
+          <a:blip r:embed="rId2">
+            <a:extLst>
+              <a:ext uri="{28A0092B-C50C-407E-A947-70E740481C1C}">
+                <a14:useLocalDpi xmlns:a14="http://schemas.microsoft.com/office/drawing/2010/main" val="0"/>
+              </a:ext>
+            </a:extLst>
+          </a:blip>
+          <a:srcRect/>
+          <a:stretch>
+            <a:fillRect/>
+          </a:stretch>
+        </p:blipFill>
+        <p:spPr bwMode="auto">
+          <a:xfrm>
+            <a:off x="1627135" y="1663908"/>
+            <a:ext cx="8937729" cy="4632975"/>
+          </a:xfrm>
+          <a:prstGeom prst="rect">
+            <a:avLst/>
+          </a:prstGeom>
+          <a:noFill/>
+          <a:extLst>
+            <a:ext uri="{909E8E84-426E-40DD-AFC4-6F175D3DCCD1}">
+              <a14:hiddenFill xmlns:a14="http://schemas.microsoft.com/office/drawing/2010/main">
+                <a:solidFill>
+                  <a:srgbClr val="FFFFFF"/>
+                </a:solidFill>
+              </a14:hiddenFill>
+            </a:ext>
+          </a:extLst>
+        </p:spPr>
+      </p:pic>
+    </p:spTree>
+    <p:extLst>
+      <p:ext uri="{BB962C8B-B14F-4D97-AF65-F5344CB8AC3E}">
+        <p14:creationId xmlns:p14="http://schemas.microsoft.com/office/powerpoint/2010/main" val="993554033"/>
+      </p:ext>
+    </p:extLst>
+  </p:cSld>
+  <p:clrMapOvr>
+    <a:masterClrMapping/>
+  </p:clrMapOvr>
+</p:sld>
+</file>
+
+<file path=ppt/slides/slide36.xml><?xml version="1.0" encoding="utf-8"?>
+<p:sld xmlns:a="http://schemas.openxmlformats.org/drawingml/2006/main" xmlns:r="http://schemas.openxmlformats.org/officeDocument/2006/relationships" xmlns:p="http://schemas.openxmlformats.org/presentationml/2006/main">
+  <p:cSld>
+    <p:spTree>
+      <p:nvGrpSpPr>
+        <p:cNvPr id="1" name=""/>
+        <p:cNvGrpSpPr/>
+        <p:nvPr/>
+      </p:nvGrpSpPr>
+      <p:grpSpPr>
+        <a:xfrm>
+          <a:off x="0" y="0"/>
+          <a:ext cx="0" cy="0"/>
+          <a:chOff x="0" y="0"/>
+          <a:chExt cx="0" cy="0"/>
+        </a:xfrm>
+      </p:grpSpPr>
+      <p:sp>
+        <p:nvSpPr>
+          <p:cNvPr id="2" name="제목 1">
+            <a:extLst>
+              <a:ext uri="{FF2B5EF4-FFF2-40B4-BE49-F238E27FC236}">
+                <a16:creationId xmlns:a16="http://schemas.microsoft.com/office/drawing/2014/main" id="{52AD30BB-A308-4098-AAAC-1E7D4084FAE8}"/>
+              </a:ext>
+            </a:extLst>
+          </p:cNvPr>
+          <p:cNvSpPr>
+            <a:spLocks noGrp="1"/>
+          </p:cNvSpPr>
+          <p:nvPr>
+            <p:ph type="title"/>
+          </p:nvPr>
+        </p:nvSpPr>
+        <p:spPr/>
+        <p:txBody>
+          <a:bodyPr>
+            <a:normAutofit fontScale="90000"/>
+          </a:bodyPr>
+          <a:lstStyle/>
+          <a:p>
+            <a:r>
+              <a:rPr lang="en-US" altLang="ko-KR" dirty="0"/>
+              <a:t>5. EXPERIMENT.</a:t>
+            </a:r>
+            <a:br>
+              <a:rPr lang="en-US" altLang="ko-KR" dirty="0"/>
+            </a:br>
+            <a:r>
+              <a:rPr lang="en-US" altLang="ko-KR" sz="2900" dirty="0"/>
+              <a:t>5.2 Offline Performance.</a:t>
             </a:r>
             <a:endParaRPr lang="ko-KR" altLang="en-US" sz="2900" dirty="0"/>
           </a:p>
@@ -9891,10 +10839,399 @@
             <a:pPr marL="0" indent="0">
               <a:buNone/>
             </a:pPr>
-            <a:endParaRPr lang="en-US" altLang="ko-KR" dirty="0"/>
-          </a:p>
-        </p:txBody>
-      </p:sp>
+            <a:r>
+              <a:rPr lang="ko-KR" altLang="en-US" dirty="0"/>
+              <a:t>실제 학습을 위해서 데이터셋을 훈련셋과 테스트 세트로 분할하고 학습을 진행하였으며</a:t>
+            </a:r>
+            <a:r>
+              <a:rPr lang="en-US" altLang="ko-KR" dirty="0"/>
+              <a:t>, </a:t>
+            </a:r>
+            <a:r>
+              <a:rPr lang="ko-KR" altLang="en-US" dirty="0"/>
+              <a:t>학습에 오래된 데이터셋</a:t>
+            </a:r>
+            <a:r>
+              <a:rPr lang="en-US" altLang="ko-KR" dirty="0"/>
+              <a:t> 90%</a:t>
+            </a:r>
+            <a:r>
+              <a:rPr lang="ko-KR" altLang="en-US" dirty="0"/>
+              <a:t>가 사용되고</a:t>
+            </a:r>
+            <a:r>
+              <a:rPr lang="en-US" altLang="ko-KR" dirty="0"/>
+              <a:t>, </a:t>
+            </a:r>
+            <a:r>
+              <a:rPr lang="ko-KR" altLang="en-US" dirty="0"/>
+              <a:t>새로운 샘플 </a:t>
+            </a:r>
+            <a:r>
+              <a:rPr lang="en-US" altLang="ko-KR" dirty="0"/>
+              <a:t>10%</a:t>
+            </a:r>
+            <a:r>
+              <a:rPr lang="ko-KR" altLang="en-US" dirty="0"/>
+              <a:t>가</a:t>
+            </a:r>
+            <a:r>
+              <a:rPr lang="en-US" altLang="ko-KR" dirty="0"/>
+              <a:t> </a:t>
+            </a:r>
+            <a:r>
+              <a:rPr lang="ko-KR" altLang="en-US" dirty="0"/>
+              <a:t>사용된다</a:t>
+            </a:r>
+            <a:r>
+              <a:rPr lang="en-US" altLang="ko-KR" dirty="0"/>
+              <a:t>.</a:t>
+            </a:r>
+          </a:p>
+          <a:p>
+            <a:pPr marL="0" indent="0">
+              <a:buNone/>
+            </a:pPr>
+            <a:r>
+              <a:rPr lang="ko-KR" altLang="en-US" dirty="0"/>
+              <a:t>전체 비교 결과는 표 </a:t>
+            </a:r>
+            <a:r>
+              <a:rPr lang="en-US" altLang="ko-KR" dirty="0"/>
+              <a:t>3</a:t>
+            </a:r>
+            <a:r>
+              <a:rPr lang="ko-KR" altLang="en-US" dirty="0"/>
+              <a:t>에서</a:t>
+            </a:r>
+            <a:r>
+              <a:rPr lang="en-US" altLang="ko-KR" dirty="0"/>
+              <a:t> </a:t>
+            </a:r>
+            <a:r>
+              <a:rPr lang="ko-KR" altLang="en-US" dirty="0"/>
+              <a:t>확인 가능하며</a:t>
+            </a:r>
+            <a:r>
+              <a:rPr lang="en-US" altLang="ko-KR" dirty="0"/>
+              <a:t>, </a:t>
+            </a:r>
+            <a:r>
+              <a:rPr lang="ko-KR" altLang="en-US" dirty="0"/>
+              <a:t>결과에 대한 분석은 다음과 같다</a:t>
+            </a:r>
+            <a:r>
+              <a:rPr lang="en-US" altLang="ko-KR" dirty="0"/>
+              <a:t>.</a:t>
+            </a:r>
+          </a:p>
+          <a:p>
+            <a:pPr marL="0" indent="0">
+              <a:buNone/>
+            </a:pPr>
+            <a:r>
+              <a:rPr lang="en-US" altLang="ko-KR" dirty="0"/>
+              <a:t>GBDT</a:t>
+            </a:r>
+            <a:r>
+              <a:rPr lang="ko-KR" altLang="en-US" dirty="0"/>
+              <a:t>는 다른 </a:t>
+            </a:r>
+            <a:r>
+              <a:rPr lang="en-US" altLang="ko-KR" dirty="0"/>
+              <a:t>NN </a:t>
+            </a:r>
+            <a:r>
+              <a:rPr lang="ko-KR" altLang="en-US" dirty="0"/>
+              <a:t>기준선을 능가하며</a:t>
+            </a:r>
+            <a:r>
+              <a:rPr lang="en-US" altLang="ko-KR" dirty="0"/>
+              <a:t>, GBDT </a:t>
+            </a:r>
+            <a:r>
+              <a:rPr lang="ko-KR" altLang="en-US" dirty="0"/>
+              <a:t>지식을 습득하면 </a:t>
+            </a:r>
+            <a:r>
+              <a:rPr lang="en-US" altLang="ko-KR" dirty="0" err="1"/>
+              <a:t>DeepGBM</a:t>
+            </a:r>
+            <a:r>
+              <a:rPr lang="ko-KR" altLang="en-US" dirty="0"/>
+              <a:t>에 확실히 도움이 된다는 것을 알 수 있다</a:t>
+            </a:r>
+            <a:r>
+              <a:rPr lang="en-US" altLang="ko-KR" dirty="0"/>
+              <a:t>.</a:t>
+            </a:r>
+          </a:p>
+          <a:p>
+            <a:pPr marL="0" indent="0">
+              <a:buNone/>
+            </a:pPr>
+            <a:r>
+              <a:rPr lang="en-US" altLang="ko-KR" dirty="0"/>
+              <a:t>GBDT2NN(</a:t>
+            </a:r>
+            <a:r>
+              <a:rPr lang="en-US" altLang="ko-KR" dirty="0" err="1"/>
+              <a:t>DeepGBM</a:t>
+            </a:r>
+            <a:r>
+              <a:rPr lang="en-US" altLang="ko-KR" dirty="0"/>
+              <a:t>(D2))</a:t>
+            </a:r>
+            <a:r>
+              <a:rPr lang="ko-KR" altLang="en-US" dirty="0"/>
+              <a:t>은 </a:t>
+            </a:r>
+            <a:r>
+              <a:rPr lang="en-US" altLang="ko-KR" dirty="0"/>
+              <a:t>GBDT</a:t>
+            </a:r>
+            <a:r>
+              <a:rPr lang="ko-KR" altLang="en-US" dirty="0"/>
+              <a:t>를 더욱 개선할 수 있으며</a:t>
+            </a:r>
+            <a:r>
+              <a:rPr lang="en-US" altLang="ko-KR" dirty="0"/>
+              <a:t>, GBDT2NN</a:t>
+            </a:r>
+            <a:r>
+              <a:rPr lang="ko-KR" altLang="en-US" dirty="0"/>
+              <a:t>이 훈련된 </a:t>
+            </a:r>
+            <a:r>
+              <a:rPr lang="en-US" altLang="ko-KR" dirty="0"/>
+              <a:t>GBDT </a:t>
+            </a:r>
+            <a:r>
+              <a:rPr lang="ko-KR" altLang="en-US" dirty="0"/>
+              <a:t>모델을 </a:t>
+            </a:r>
+            <a:r>
+              <a:rPr lang="en-US" altLang="ko-KR" dirty="0"/>
+              <a:t>NN</a:t>
+            </a:r>
+            <a:r>
+              <a:rPr lang="ko-KR" altLang="en-US" dirty="0"/>
+              <a:t>으로 효과적으로 증류할 수 있음이 나타나며</a:t>
+            </a:r>
+            <a:r>
+              <a:rPr lang="en-US" altLang="ko-KR" dirty="0"/>
+              <a:t>, </a:t>
+            </a:r>
+            <a:r>
+              <a:rPr lang="ko-KR" altLang="en-US" dirty="0"/>
+              <a:t>증류된 </a:t>
+            </a:r>
+            <a:r>
+              <a:rPr lang="en-US" altLang="ko-KR" dirty="0"/>
+              <a:t>NN</a:t>
+            </a:r>
+            <a:r>
+              <a:rPr lang="ko-KR" altLang="en-US" dirty="0"/>
+              <a:t> 모델을 더욱 개선하고 </a:t>
+            </a:r>
+            <a:r>
+              <a:rPr lang="en-US" altLang="ko-KR" dirty="0"/>
+              <a:t>GBDT</a:t>
+            </a:r>
+            <a:r>
+              <a:rPr lang="ko-KR" altLang="en-US" dirty="0"/>
+              <a:t>를 능가할 수 있음을 의미한다</a:t>
+            </a:r>
+            <a:r>
+              <a:rPr lang="en-US" altLang="ko-KR" dirty="0"/>
+              <a:t>.</a:t>
+            </a:r>
+          </a:p>
+          <a:p>
+            <a:pPr marL="0" indent="0">
+              <a:buNone/>
+            </a:pPr>
+            <a:r>
+              <a:rPr lang="en-US" altLang="ko-KR" dirty="0"/>
+              <a:t>GBDT</a:t>
+            </a:r>
+            <a:r>
+              <a:rPr lang="ko-KR" altLang="en-US" dirty="0"/>
+              <a:t>와 </a:t>
+            </a:r>
+            <a:r>
+              <a:rPr lang="en-US" altLang="ko-KR" dirty="0"/>
+              <a:t>NN</a:t>
+            </a:r>
+            <a:r>
+              <a:rPr lang="ko-KR" altLang="en-US" dirty="0"/>
+              <a:t>을 결합하면 성능을 더욱 향상시킬 수 있다</a:t>
+            </a:r>
+            <a:r>
+              <a:rPr lang="en-US" altLang="ko-KR" dirty="0"/>
+              <a:t>. </a:t>
+            </a:r>
+            <a:r>
+              <a:rPr lang="en-US" altLang="ko-KR" dirty="0" err="1"/>
+              <a:t>DeepGBM</a:t>
+            </a:r>
+            <a:r>
+              <a:rPr lang="en-US" altLang="ko-KR" dirty="0"/>
+              <a:t>(D1)</a:t>
+            </a:r>
+            <a:r>
+              <a:rPr lang="ko-KR" altLang="en-US" dirty="0"/>
+              <a:t>과 </a:t>
+            </a:r>
+            <a:r>
+              <a:rPr lang="en-US" altLang="ko-KR" dirty="0" err="1"/>
+              <a:t>DeepGBM</a:t>
+            </a:r>
+            <a:r>
+              <a:rPr lang="ko-KR" altLang="en-US" dirty="0"/>
+              <a:t>은 모두 단일 모델 기준선보다 더 나은 성능에 도달할 수 있었다</a:t>
+            </a:r>
+            <a:r>
+              <a:rPr lang="en-US" altLang="ko-KR" dirty="0"/>
+              <a:t>.</a:t>
+            </a:r>
+          </a:p>
+          <a:p>
+            <a:pPr marL="0" indent="0">
+              <a:buNone/>
+            </a:pPr>
+            <a:r>
+              <a:rPr lang="en-US" altLang="ko-KR" dirty="0" err="1"/>
+              <a:t>DeepGBM</a:t>
+            </a:r>
+            <a:r>
+              <a:rPr lang="ko-KR" altLang="en-US" dirty="0"/>
+              <a:t>은 모든 데이터 세트의 모든 기준선을 능가하며</a:t>
+            </a:r>
+            <a:r>
+              <a:rPr lang="en-US" altLang="ko-KR" dirty="0"/>
+              <a:t>, </a:t>
+            </a:r>
+          </a:p>
+        </p:txBody>
+      </p:sp>
+    </p:spTree>
+    <p:extLst>
+      <p:ext uri="{BB962C8B-B14F-4D97-AF65-F5344CB8AC3E}">
+        <p14:creationId xmlns:p14="http://schemas.microsoft.com/office/powerpoint/2010/main" val="3827411447"/>
+      </p:ext>
+    </p:extLst>
+  </p:cSld>
+  <p:clrMapOvr>
+    <a:masterClrMapping/>
+  </p:clrMapOvr>
+</p:sld>
+</file>
+
+<file path=ppt/slides/slide37.xml><?xml version="1.0" encoding="utf-8"?>
+<p:sld xmlns:a="http://schemas.openxmlformats.org/drawingml/2006/main" xmlns:r="http://schemas.openxmlformats.org/officeDocument/2006/relationships" xmlns:p="http://schemas.openxmlformats.org/presentationml/2006/main">
+  <p:cSld>
+    <p:spTree>
+      <p:nvGrpSpPr>
+        <p:cNvPr id="1" name=""/>
+        <p:cNvGrpSpPr/>
+        <p:nvPr/>
+      </p:nvGrpSpPr>
+      <p:grpSpPr>
+        <a:xfrm>
+          <a:off x="0" y="0"/>
+          <a:ext cx="0" cy="0"/>
+          <a:chOff x="0" y="0"/>
+          <a:chExt cx="0" cy="0"/>
+        </a:xfrm>
+      </p:grpSpPr>
+      <p:sp>
+        <p:nvSpPr>
+          <p:cNvPr id="2" name="제목 1">
+            <a:extLst>
+              <a:ext uri="{FF2B5EF4-FFF2-40B4-BE49-F238E27FC236}">
+                <a16:creationId xmlns:a16="http://schemas.microsoft.com/office/drawing/2014/main" id="{52AD30BB-A308-4098-AAAC-1E7D4084FAE8}"/>
+              </a:ext>
+            </a:extLst>
+          </p:cNvPr>
+          <p:cNvSpPr>
+            <a:spLocks noGrp="1"/>
+          </p:cNvSpPr>
+          <p:nvPr>
+            <p:ph type="title"/>
+          </p:nvPr>
+        </p:nvSpPr>
+        <p:spPr/>
+        <p:txBody>
+          <a:bodyPr>
+            <a:normAutofit fontScale="90000"/>
+          </a:bodyPr>
+          <a:lstStyle/>
+          <a:p>
+            <a:r>
+              <a:rPr lang="en-US" altLang="ko-KR" dirty="0"/>
+              <a:t>5. EXPERIMENT.</a:t>
+            </a:r>
+            <a:br>
+              <a:rPr lang="en-US" altLang="ko-KR" dirty="0"/>
+            </a:br>
+            <a:r>
+              <a:rPr lang="en-US" altLang="ko-KR" sz="2900" dirty="0"/>
+              <a:t>5.2 Online Performance.</a:t>
+            </a:r>
+            <a:endParaRPr lang="ko-KR" altLang="en-US" sz="2900" dirty="0"/>
+          </a:p>
+        </p:txBody>
+      </p:sp>
+      <p:pic>
+        <p:nvPicPr>
+          <p:cNvPr id="5122" name="Picture 2" descr="image-20211003083802341">
+            <a:extLst>
+              <a:ext uri="{FF2B5EF4-FFF2-40B4-BE49-F238E27FC236}">
+                <a16:creationId xmlns:a16="http://schemas.microsoft.com/office/drawing/2014/main" id="{F59B0F05-8172-4AE4-BE96-6F4ECE146EE4}"/>
+              </a:ext>
+            </a:extLst>
+          </p:cNvPr>
+          <p:cNvPicPr>
+            <a:picLocks noGrp="1" noChangeAspect="1" noChangeArrowheads="1"/>
+          </p:cNvPicPr>
+          <p:nvPr>
+            <p:ph idx="1"/>
+          </p:nvPr>
+        </p:nvPicPr>
+        <p:blipFill>
+          <a:blip r:embed="rId2">
+            <a:extLst>
+              <a:ext uri="{28A0092B-C50C-407E-A947-70E740481C1C}">
+                <a14:useLocalDpi xmlns:a14="http://schemas.microsoft.com/office/drawing/2010/main" val="0"/>
+              </a:ext>
+            </a:extLst>
+          </a:blip>
+          <a:srcRect/>
+          <a:stretch>
+            <a:fillRect/>
+          </a:stretch>
+        </p:blipFill>
+        <p:spPr bwMode="auto">
+          <a:xfrm>
+            <a:off x="299613" y="2037986"/>
+            <a:ext cx="11592774" cy="3133621"/>
+          </a:xfrm>
+          <a:prstGeom prst="rect">
+            <a:avLst/>
+          </a:prstGeom>
+          <a:noFill/>
+          <a:extLst>
+            <a:ext uri="{909E8E84-426E-40DD-AFC4-6F175D3DCCD1}">
+              <a14:hiddenFill xmlns:a14="http://schemas.microsoft.com/office/drawing/2010/main">
+                <a:solidFill>
+                  <a:srgbClr val="FFFFFF"/>
+                </a:solidFill>
+              </a14:hiddenFill>
+            </a:ext>
+          </a:extLst>
+        </p:spPr>
+      </p:pic>
     </p:spTree>
     <p:extLst>
       <p:ext uri="{BB962C8B-B14F-4D97-AF65-F5344CB8AC3E}">
@@ -9908,7 +11245,110 @@
 </p:sld>
 </file>
 
-<file path=ppt/slides/slide36.xml><?xml version="1.0" encoding="utf-8"?>
+<file path=ppt/slides/slide38.xml><?xml version="1.0" encoding="utf-8"?>
+<p:sld xmlns:a="http://schemas.openxmlformats.org/drawingml/2006/main" xmlns:r="http://schemas.openxmlformats.org/officeDocument/2006/relationships" xmlns:p="http://schemas.openxmlformats.org/presentationml/2006/main">
+  <p:cSld>
+    <p:spTree>
+      <p:nvGrpSpPr>
+        <p:cNvPr id="1" name=""/>
+        <p:cNvGrpSpPr/>
+        <p:nvPr/>
+      </p:nvGrpSpPr>
+      <p:grpSpPr>
+        <a:xfrm>
+          <a:off x="0" y="0"/>
+          <a:ext cx="0" cy="0"/>
+          <a:chOff x="0" y="0"/>
+          <a:chExt cx="0" cy="0"/>
+        </a:xfrm>
+      </p:grpSpPr>
+      <p:sp>
+        <p:nvSpPr>
+          <p:cNvPr id="2" name="제목 1">
+            <a:extLst>
+              <a:ext uri="{FF2B5EF4-FFF2-40B4-BE49-F238E27FC236}">
+                <a16:creationId xmlns:a16="http://schemas.microsoft.com/office/drawing/2014/main" id="{52AD30BB-A308-4098-AAAC-1E7D4084FAE8}"/>
+              </a:ext>
+            </a:extLst>
+          </p:cNvPr>
+          <p:cNvSpPr>
+            <a:spLocks noGrp="1"/>
+          </p:cNvSpPr>
+          <p:nvPr>
+            <p:ph type="title"/>
+          </p:nvPr>
+        </p:nvSpPr>
+        <p:spPr/>
+        <p:txBody>
+          <a:bodyPr>
+            <a:normAutofit fontScale="90000"/>
+          </a:bodyPr>
+          <a:lstStyle/>
+          <a:p>
+            <a:r>
+              <a:rPr lang="en-US" altLang="ko-KR" dirty="0"/>
+              <a:t>5. EXPERIMENT.</a:t>
+            </a:r>
+            <a:br>
+              <a:rPr lang="en-US" altLang="ko-KR" dirty="0"/>
+            </a:br>
+            <a:r>
+              <a:rPr lang="en-US" altLang="ko-KR" sz="2900" dirty="0"/>
+              <a:t>5.2 Online Performance.</a:t>
+            </a:r>
+            <a:endParaRPr lang="ko-KR" altLang="en-US" sz="2900" dirty="0"/>
+          </a:p>
+        </p:txBody>
+      </p:sp>
+      <p:sp>
+        <p:nvSpPr>
+          <p:cNvPr id="3" name="내용 개체 틀 2">
+            <a:extLst>
+              <a:ext uri="{FF2B5EF4-FFF2-40B4-BE49-F238E27FC236}">
+                <a16:creationId xmlns:a16="http://schemas.microsoft.com/office/drawing/2014/main" id="{24871D0B-4E24-49A6-9E81-F913B3D11919}"/>
+              </a:ext>
+            </a:extLst>
+          </p:cNvPr>
+          <p:cNvSpPr>
+            <a:spLocks noGrp="1"/>
+          </p:cNvSpPr>
+          <p:nvPr>
+            <p:ph idx="1"/>
+          </p:nvPr>
+        </p:nvSpPr>
+        <p:spPr>
+          <a:xfrm>
+            <a:off x="838200" y="1446415"/>
+            <a:ext cx="10515600" cy="4730547"/>
+          </a:xfrm>
+        </p:spPr>
+        <p:txBody>
+          <a:bodyPr>
+            <a:normAutofit/>
+          </a:bodyPr>
+          <a:lstStyle/>
+          <a:p>
+            <a:pPr marL="0" indent="0">
+              <a:buNone/>
+            </a:pPr>
+            <a:endParaRPr lang="en-US" altLang="ko-KR" dirty="0"/>
+          </a:p>
+        </p:txBody>
+      </p:sp>
+    </p:spTree>
+    <p:extLst>
+      <p:ext uri="{BB962C8B-B14F-4D97-AF65-F5344CB8AC3E}">
+        <p14:creationId xmlns:p14="http://schemas.microsoft.com/office/powerpoint/2010/main" val="103203724"/>
+      </p:ext>
+    </p:extLst>
+  </p:cSld>
+  <p:clrMapOvr>
+    <a:masterClrMapping/>
+  </p:clrMapOvr>
+</p:sld>
+</file>
+
+<file path=ppt/slides/slide39.xml><?xml version="1.0" encoding="utf-8"?>
 <p:sld xmlns:a="http://schemas.openxmlformats.org/drawingml/2006/main" xmlns:r="http://schemas.openxmlformats.org/officeDocument/2006/relationships" xmlns:p="http://schemas.openxmlformats.org/presentationml/2006/main">
   <p:cSld>
     <p:spTree>
